--- a/Documents/Poster Capstone_Hiriart Corales Samaniego.pptx
+++ b/Documents/Poster Capstone_Hiriart Corales Samaniego.pptx
@@ -2,35 +2,49 @@
 <file path=ppt/presentation.xml><?xml version="1.0" encoding="utf-8"?>
 <p:presentation xmlns:a="http://schemas.openxmlformats.org/drawingml/2006/main" xmlns:r="http://schemas.openxmlformats.org/officeDocument/2006/relationships" xmlns:p="http://schemas.openxmlformats.org/presentationml/2006/main" embedTrueTypeFonts="1" saveSubsetFonts="1">
   <p:sldMasterIdLst>
-    <p:sldMasterId id="2147483648" r:id="rId1"/>
+    <p:sldMasterId id="2147483648" r:id="rId4"/>
   </p:sldMasterIdLst>
   <p:sldIdLst>
-    <p:sldId id="256" r:id="rId2"/>
+    <p:sldId id="256" r:id="rId5"/>
+    <p:sldId id="257" r:id="rId6"/>
   </p:sldIdLst>
   <p:sldSz cx="18288000" cy="10287000"/>
   <p:notesSz cx="6858000" cy="9144000"/>
   <p:embeddedFontLst>
     <p:embeddedFont>
+      <p:font typeface="Arial" panose="020B0604020202020204" pitchFamily="34" charset="0"/>
+      <p:regular r:id="rId7"/>
+    </p:embeddedFont>
+    <p:embeddedFont>
+      <p:font typeface="Arial Bold" panose="020B0704020202020204" pitchFamily="34" charset="0"/>
+      <p:regular r:id="rId8"/>
+      <p:bold r:id="rId9"/>
+    </p:embeddedFont>
+    <p:embeddedFont>
       <p:font typeface="Calibri" panose="020F0502020204030204" pitchFamily="34" charset="0"/>
-      <p:regular r:id="rId3"/>
-      <p:bold r:id="rId4"/>
-      <p:italic r:id="rId5"/>
-      <p:boldItalic r:id="rId6"/>
+      <p:regular r:id="rId10"/>
+      <p:bold r:id="rId11"/>
+      <p:italic r:id="rId12"/>
+      <p:boldItalic r:id="rId13"/>
     </p:embeddedFont>
     <p:embeddedFont>
       <p:font typeface="Open Sans" panose="020B0606030504020204" pitchFamily="34" charset="0"/>
-      <p:regular r:id="rId7"/>
-      <p:bold r:id="rId8"/>
-      <p:italic r:id="rId9"/>
-      <p:boldItalic r:id="rId10"/>
+      <p:regular r:id="rId14"/>
+      <p:bold r:id="rId15"/>
+      <p:italic r:id="rId16"/>
+      <p:boldItalic r:id="rId17"/>
+    </p:embeddedFont>
+    <p:embeddedFont>
+      <p:font typeface="Open Sans Bold" panose="020B0806030504020204" charset="0"/>
+      <p:regular r:id="rId18"/>
     </p:embeddedFont>
     <p:embeddedFont>
       <p:font typeface="Open Sans Extra Bold" panose="020B0604020202020204" charset="0"/>
-      <p:regular r:id="rId11"/>
+      <p:regular r:id="rId19"/>
     </p:embeddedFont>
     <p:embeddedFont>
       <p:font typeface="Open Sans Light Bold" panose="020B0604020202020204" charset="0"/>
-      <p:regular r:id="rId12"/>
+      <p:regular r:id="rId20"/>
     </p:embeddedFont>
   </p:embeddedFontLst>
   <p:defaultTextStyle>
@@ -327,7 +341,7 @@
             <a:fld id="{1D8BD707-D9CF-40AE-B4C6-C98DA3205C09}" type="datetimeFigureOut">
               <a:rPr lang="en-US" smtClean="0"/>
               <a:pPr/>
-              <a:t>6/1/2023</a:t>
+              <a:t>7/17/2023</a:t>
             </a:fld>
             <a:endParaRPr lang="en-US"/>
           </a:p>
@@ -492,7 +506,7 @@
             <a:fld id="{1D8BD707-D9CF-40AE-B4C6-C98DA3205C09}" type="datetimeFigureOut">
               <a:rPr lang="en-US" smtClean="0"/>
               <a:pPr/>
-              <a:t>6/1/2023</a:t>
+              <a:t>7/17/2023</a:t>
             </a:fld>
             <a:endParaRPr lang="en-US"/>
           </a:p>
@@ -667,7 +681,7 @@
             <a:fld id="{1D8BD707-D9CF-40AE-B4C6-C98DA3205C09}" type="datetimeFigureOut">
               <a:rPr lang="en-US" smtClean="0"/>
               <a:pPr/>
-              <a:t>6/1/2023</a:t>
+              <a:t>7/17/2023</a:t>
             </a:fld>
             <a:endParaRPr lang="en-US"/>
           </a:p>
@@ -832,7 +846,7 @@
             <a:fld id="{1D8BD707-D9CF-40AE-B4C6-C98DA3205C09}" type="datetimeFigureOut">
               <a:rPr lang="en-US" smtClean="0"/>
               <a:pPr/>
-              <a:t>6/1/2023</a:t>
+              <a:t>7/17/2023</a:t>
             </a:fld>
             <a:endParaRPr lang="en-US"/>
           </a:p>
@@ -1074,7 +1088,7 @@
             <a:fld id="{1D8BD707-D9CF-40AE-B4C6-C98DA3205C09}" type="datetimeFigureOut">
               <a:rPr lang="en-US" smtClean="0"/>
               <a:pPr/>
-              <a:t>6/1/2023</a:t>
+              <a:t>7/17/2023</a:t>
             </a:fld>
             <a:endParaRPr lang="en-US"/>
           </a:p>
@@ -1356,7 +1370,7 @@
             <a:fld id="{1D8BD707-D9CF-40AE-B4C6-C98DA3205C09}" type="datetimeFigureOut">
               <a:rPr lang="en-US" smtClean="0"/>
               <a:pPr/>
-              <a:t>6/1/2023</a:t>
+              <a:t>7/17/2023</a:t>
             </a:fld>
             <a:endParaRPr lang="en-US"/>
           </a:p>
@@ -1772,7 +1786,7 @@
             <a:fld id="{1D8BD707-D9CF-40AE-B4C6-C98DA3205C09}" type="datetimeFigureOut">
               <a:rPr lang="en-US" smtClean="0"/>
               <a:pPr/>
-              <a:t>6/1/2023</a:t>
+              <a:t>7/17/2023</a:t>
             </a:fld>
             <a:endParaRPr lang="en-US"/>
           </a:p>
@@ -1886,7 +1900,7 @@
             <a:fld id="{1D8BD707-D9CF-40AE-B4C6-C98DA3205C09}" type="datetimeFigureOut">
               <a:rPr lang="en-US" smtClean="0"/>
               <a:pPr/>
-              <a:t>6/1/2023</a:t>
+              <a:t>7/17/2023</a:t>
             </a:fld>
             <a:endParaRPr lang="en-US"/>
           </a:p>
@@ -1978,7 +1992,7 @@
             <a:fld id="{1D8BD707-D9CF-40AE-B4C6-C98DA3205C09}" type="datetimeFigureOut">
               <a:rPr lang="en-US" smtClean="0"/>
               <a:pPr/>
-              <a:t>6/1/2023</a:t>
+              <a:t>7/17/2023</a:t>
             </a:fld>
             <a:endParaRPr lang="en-US"/>
           </a:p>
@@ -2250,7 +2264,7 @@
             <a:fld id="{1D8BD707-D9CF-40AE-B4C6-C98DA3205C09}" type="datetimeFigureOut">
               <a:rPr lang="en-US" smtClean="0"/>
               <a:pPr/>
-              <a:t>6/1/2023</a:t>
+              <a:t>7/17/2023</a:t>
             </a:fld>
             <a:endParaRPr lang="en-US"/>
           </a:p>
@@ -2499,7 +2513,7 @@
             <a:fld id="{1D8BD707-D9CF-40AE-B4C6-C98DA3205C09}" type="datetimeFigureOut">
               <a:rPr lang="en-US" smtClean="0"/>
               <a:pPr/>
-              <a:t>6/1/2023</a:t>
+              <a:t>7/17/2023</a:t>
             </a:fld>
             <a:endParaRPr lang="en-US"/>
           </a:p>
@@ -2707,7 +2721,7 @@
             <a:fld id="{1D8BD707-D9CF-40AE-B4C6-C98DA3205C09}" type="datetimeFigureOut">
               <a:rPr lang="en-US" smtClean="0"/>
               <a:pPr/>
-              <a:t>6/1/2023</a:t>
+              <a:t>7/17/2023</a:t>
             </a:fld>
             <a:endParaRPr lang="en-US"/>
           </a:p>
@@ -3078,61 +3092,15 @@
           <a:chExt cx="0" cy="0"/>
         </a:xfrm>
       </p:grpSpPr>
-      <p:sp>
-        <p:nvSpPr>
-          <p:cNvPr id="2" name="Freeform 2"/>
-          <p:cNvSpPr/>
-          <p:nvPr/>
-        </p:nvSpPr>
-        <p:spPr>
-          <a:xfrm>
-            <a:off x="15346969" y="319527"/>
-            <a:ext cx="2941031" cy="538358"/>
-          </a:xfrm>
-          <a:custGeom>
-            <a:avLst/>
-            <a:gdLst/>
-            <a:ahLst/>
-            <a:cxnLst/>
-            <a:rect l="l" t="t" r="r" b="b"/>
-            <a:pathLst>
-              <a:path w="2941031" h="538358">
-                <a:moveTo>
-                  <a:pt x="0" y="0"/>
-                </a:moveTo>
-                <a:lnTo>
-                  <a:pt x="2941031" y="0"/>
-                </a:lnTo>
-                <a:lnTo>
-                  <a:pt x="2941031" y="538358"/>
-                </a:lnTo>
-                <a:lnTo>
-                  <a:pt x="0" y="538358"/>
-                </a:lnTo>
-                <a:lnTo>
-                  <a:pt x="0" y="0"/>
-                </a:lnTo>
-                <a:close/>
-              </a:path>
-            </a:pathLst>
-          </a:custGeom>
-          <a:blipFill>
-            <a:blip r:embed="rId2"/>
-            <a:stretch>
-              <a:fillRect/>
-            </a:stretch>
-          </a:blipFill>
-        </p:spPr>
-      </p:sp>
       <p:grpSp>
         <p:nvGrpSpPr>
-          <p:cNvPr id="3" name="Group 3"/>
+          <p:cNvPr id="2" name="Group 2"/>
           <p:cNvGrpSpPr/>
           <p:nvPr/>
         </p:nvGrpSpPr>
         <p:grpSpPr>
           <a:xfrm>
-            <a:off x="338157" y="1441554"/>
+            <a:off x="338157" y="1222479"/>
             <a:ext cx="5543904" cy="387307"/>
             <a:chOff x="0" y="0"/>
             <a:chExt cx="1460123" cy="102007"/>
@@ -3140,7 +3108,7 @@
         </p:grpSpPr>
         <p:sp>
           <p:nvSpPr>
-            <p:cNvPr id="4" name="Freeform 4"/>
+            <p:cNvPr id="3" name="Freeform 3"/>
             <p:cNvSpPr/>
             <p:nvPr/>
           </p:nvSpPr>
@@ -3223,14 +3191,14 @@
         </p:sp>
         <p:sp>
           <p:nvSpPr>
-            <p:cNvPr id="5" name="TextBox 5"/>
+            <p:cNvPr id="4" name="TextBox 4"/>
             <p:cNvSpPr txBox="1"/>
             <p:nvPr/>
           </p:nvSpPr>
           <p:spPr>
             <a:xfrm>
-              <a:off x="288313" y="4953"/>
-              <a:ext cx="812800" cy="80393"/>
+              <a:off x="514971" y="17247"/>
+              <a:ext cx="430181" cy="64311"/>
             </a:xfrm>
             <a:prstGeom prst="rect">
               <a:avLst/>
@@ -3263,21 +3231,21 @@
       </p:grpSp>
       <p:grpSp>
         <p:nvGrpSpPr>
-          <p:cNvPr id="6" name="Group 6"/>
+          <p:cNvPr id="5" name="Group 5"/>
           <p:cNvGrpSpPr/>
           <p:nvPr/>
         </p:nvGrpSpPr>
         <p:grpSpPr>
           <a:xfrm>
-            <a:off x="6372048" y="1431276"/>
-            <a:ext cx="5543904" cy="397585"/>
-            <a:chOff x="0" y="-2707"/>
-            <a:chExt cx="1460123" cy="104714"/>
+            <a:off x="6372048" y="1222479"/>
+            <a:ext cx="5543904" cy="399829"/>
+            <a:chOff x="0" y="0"/>
+            <a:chExt cx="1460123" cy="105305"/>
           </a:xfrm>
         </p:grpSpPr>
         <p:sp>
           <p:nvSpPr>
-            <p:cNvPr id="7" name="Freeform 7"/>
+            <p:cNvPr id="6" name="Freeform 6"/>
             <p:cNvSpPr/>
             <p:nvPr/>
           </p:nvSpPr>
@@ -3360,151 +3328,14 @@
         </p:sp>
         <p:sp>
           <p:nvSpPr>
-            <p:cNvPr id="8" name="TextBox 8"/>
+            <p:cNvPr id="7" name="TextBox 7"/>
             <p:cNvSpPr txBox="1"/>
             <p:nvPr/>
           </p:nvSpPr>
           <p:spPr>
             <a:xfrm>
-              <a:off x="70242" y="-2707"/>
-              <a:ext cx="1381784" cy="95458"/>
-            </a:xfrm>
-            <a:prstGeom prst="rect">
-              <a:avLst/>
-            </a:prstGeom>
-          </p:spPr>
-          <p:txBody>
-            <a:bodyPr lIns="50800" tIns="50800" rIns="50800" bIns="50800" rtlCol="0" anchor="ctr"/>
-            <a:lstStyle/>
-            <a:p>
-              <a:pPr algn="ctr">
-                <a:lnSpc>
-                  <a:spcPts val="2100"/>
-                </a:lnSpc>
-                <a:spcBef>
-                  <a:spcPct val="0"/>
-                </a:spcBef>
-              </a:pPr>
-              <a:r>
-                <a:rPr lang="en-US" sz="1500" dirty="0">
-                  <a:solidFill>
-                    <a:srgbClr val="000000"/>
-                  </a:solidFill>
-                  <a:latin typeface="Open Sans Extra Bold"/>
-                </a:rPr>
-                <a:t>IMPLEMENTACIÓN Y RESULTADOS</a:t>
-              </a:r>
-            </a:p>
-          </p:txBody>
-        </p:sp>
-      </p:grpSp>
-      <p:grpSp>
-        <p:nvGrpSpPr>
-          <p:cNvPr id="9" name="Group 9"/>
-          <p:cNvGrpSpPr/>
-          <p:nvPr/>
-        </p:nvGrpSpPr>
-        <p:grpSpPr>
-          <a:xfrm>
-            <a:off x="12405939" y="1441554"/>
-            <a:ext cx="5543904" cy="387307"/>
-            <a:chOff x="0" y="0"/>
-            <a:chExt cx="1460123" cy="102007"/>
-          </a:xfrm>
-        </p:grpSpPr>
-        <p:sp>
-          <p:nvSpPr>
-            <p:cNvPr id="10" name="Freeform 10"/>
-            <p:cNvSpPr/>
-            <p:nvPr/>
-          </p:nvSpPr>
-          <p:spPr>
-            <a:xfrm>
-              <a:off x="0" y="0"/>
-              <a:ext cx="1460123" cy="102007"/>
-            </a:xfrm>
-            <a:custGeom>
-              <a:avLst/>
-              <a:gdLst/>
-              <a:ahLst/>
-              <a:cxnLst/>
-              <a:rect l="l" t="t" r="r" b="b"/>
-              <a:pathLst>
-                <a:path w="1460123" h="102007">
-                  <a:moveTo>
-                    <a:pt x="19551" y="0"/>
-                  </a:moveTo>
-                  <a:lnTo>
-                    <a:pt x="1440572" y="0"/>
-                  </a:lnTo>
-                  <a:cubicBezTo>
-                    <a:pt x="1445757" y="0"/>
-                    <a:pt x="1450730" y="2060"/>
-                    <a:pt x="1454397" y="5726"/>
-                  </a:cubicBezTo>
-                  <a:cubicBezTo>
-                    <a:pt x="1458063" y="9393"/>
-                    <a:pt x="1460123" y="14365"/>
-                    <a:pt x="1460123" y="19551"/>
-                  </a:cubicBezTo>
-                  <a:lnTo>
-                    <a:pt x="1460123" y="82456"/>
-                  </a:lnTo>
-                  <a:cubicBezTo>
-                    <a:pt x="1460123" y="87641"/>
-                    <a:pt x="1458063" y="92614"/>
-                    <a:pt x="1454397" y="96280"/>
-                  </a:cubicBezTo>
-                  <a:cubicBezTo>
-                    <a:pt x="1450730" y="99947"/>
-                    <a:pt x="1445757" y="102007"/>
-                    <a:pt x="1440572" y="102007"/>
-                  </a:cubicBezTo>
-                  <a:lnTo>
-                    <a:pt x="19551" y="102007"/>
-                  </a:lnTo>
-                  <a:cubicBezTo>
-                    <a:pt x="14365" y="102007"/>
-                    <a:pt x="9393" y="99947"/>
-                    <a:pt x="5726" y="96280"/>
-                  </a:cubicBezTo>
-                  <a:cubicBezTo>
-                    <a:pt x="2060" y="92614"/>
-                    <a:pt x="0" y="87641"/>
-                    <a:pt x="0" y="82456"/>
-                  </a:cubicBezTo>
-                  <a:lnTo>
-                    <a:pt x="0" y="19551"/>
-                  </a:lnTo>
-                  <a:cubicBezTo>
-                    <a:pt x="0" y="14365"/>
-                    <a:pt x="2060" y="9393"/>
-                    <a:pt x="5726" y="5726"/>
-                  </a:cubicBezTo>
-                  <a:cubicBezTo>
-                    <a:pt x="9393" y="2060"/>
-                    <a:pt x="14365" y="0"/>
-                    <a:pt x="19551" y="0"/>
-                  </a:cubicBezTo>
-                  <a:close/>
-                </a:path>
-              </a:pathLst>
-            </a:custGeom>
-            <a:solidFill>
-              <a:srgbClr val="FFE6E6"/>
-            </a:solidFill>
-          </p:spPr>
-        </p:sp>
-        <p:sp>
-          <p:nvSpPr>
-            <p:cNvPr id="11" name="TextBox 11"/>
-            <p:cNvSpPr txBox="1"/>
-            <p:nvPr/>
-          </p:nvSpPr>
-          <p:spPr>
-            <a:xfrm>
-              <a:off x="368192" y="8658"/>
-              <a:ext cx="812800" cy="83306"/>
+              <a:off x="243941" y="3298"/>
+              <a:ext cx="971953" cy="102007"/>
             </a:xfrm>
             <a:prstGeom prst="rect">
               <a:avLst/>
@@ -3529,7 +3360,7 @@
                   </a:solidFill>
                   <a:latin typeface="Open Sans Extra Bold"/>
                 </a:rPr>
-                <a:t>CONCLUSIONES</a:t>
+                <a:t>IMPLEMENTACIÓN Y RESULTADOS</a:t>
               </a:r>
             </a:p>
           </p:txBody>
@@ -3537,21 +3368,21 @@
       </p:grpSp>
       <p:grpSp>
         <p:nvGrpSpPr>
-          <p:cNvPr id="12" name="Group 12"/>
+          <p:cNvPr id="8" name="Group 8"/>
           <p:cNvGrpSpPr/>
           <p:nvPr/>
         </p:nvGrpSpPr>
         <p:grpSpPr>
           <a:xfrm>
-            <a:off x="338157" y="3824041"/>
-            <a:ext cx="5543904" cy="387307"/>
-            <a:chOff x="0" y="0"/>
-            <a:chExt cx="1460123" cy="102007"/>
+            <a:off x="12405939" y="1214233"/>
+            <a:ext cx="5543904" cy="395553"/>
+            <a:chOff x="0" y="-2172"/>
+            <a:chExt cx="1460123" cy="104179"/>
           </a:xfrm>
         </p:grpSpPr>
         <p:sp>
           <p:nvSpPr>
-            <p:cNvPr id="13" name="Freeform 13"/>
+            <p:cNvPr id="9" name="Freeform 9"/>
             <p:cNvSpPr/>
             <p:nvPr/>
           </p:nvSpPr>
@@ -3634,14 +3465,151 @@
         </p:sp>
         <p:sp>
           <p:nvSpPr>
-            <p:cNvPr id="14" name="TextBox 14"/>
+            <p:cNvPr id="10" name="TextBox 10"/>
             <p:cNvSpPr txBox="1"/>
             <p:nvPr/>
           </p:nvSpPr>
           <p:spPr>
             <a:xfrm>
-              <a:off x="288313" y="8206"/>
-              <a:ext cx="812800" cy="75050"/>
+              <a:off x="284564" y="-2172"/>
+              <a:ext cx="1059271" cy="91148"/>
+            </a:xfrm>
+            <a:prstGeom prst="rect">
+              <a:avLst/>
+            </a:prstGeom>
+          </p:spPr>
+          <p:txBody>
+            <a:bodyPr lIns="50800" tIns="50800" rIns="50800" bIns="50800" rtlCol="0" anchor="ctr"/>
+            <a:lstStyle/>
+            <a:p>
+              <a:pPr algn="ctr">
+                <a:lnSpc>
+                  <a:spcPts val="2100"/>
+                </a:lnSpc>
+                <a:spcBef>
+                  <a:spcPct val="0"/>
+                </a:spcBef>
+              </a:pPr>
+              <a:r>
+                <a:rPr lang="es-EC" sz="1500" dirty="0">
+                  <a:solidFill>
+                    <a:srgbClr val="000000"/>
+                  </a:solidFill>
+                  <a:latin typeface="Open Sans Extra Bold"/>
+                </a:rPr>
+                <a:t>CONCLUSIONES Y RECOMENDACIONES</a:t>
+              </a:r>
+            </a:p>
+          </p:txBody>
+        </p:sp>
+      </p:grpSp>
+      <p:grpSp>
+        <p:nvGrpSpPr>
+          <p:cNvPr id="11" name="Group 11"/>
+          <p:cNvGrpSpPr/>
+          <p:nvPr/>
+        </p:nvGrpSpPr>
+        <p:grpSpPr>
+          <a:xfrm>
+            <a:off x="338157" y="3656388"/>
+            <a:ext cx="5543904" cy="387307"/>
+            <a:chOff x="0" y="0"/>
+            <a:chExt cx="1460123" cy="102007"/>
+          </a:xfrm>
+        </p:grpSpPr>
+        <p:sp>
+          <p:nvSpPr>
+            <p:cNvPr id="12" name="Freeform 12"/>
+            <p:cNvSpPr/>
+            <p:nvPr/>
+          </p:nvSpPr>
+          <p:spPr>
+            <a:xfrm>
+              <a:off x="0" y="0"/>
+              <a:ext cx="1460123" cy="102007"/>
+            </a:xfrm>
+            <a:custGeom>
+              <a:avLst/>
+              <a:gdLst/>
+              <a:ahLst/>
+              <a:cxnLst/>
+              <a:rect l="l" t="t" r="r" b="b"/>
+              <a:pathLst>
+                <a:path w="1460123" h="102007">
+                  <a:moveTo>
+                    <a:pt x="19551" y="0"/>
+                  </a:moveTo>
+                  <a:lnTo>
+                    <a:pt x="1440572" y="0"/>
+                  </a:lnTo>
+                  <a:cubicBezTo>
+                    <a:pt x="1445757" y="0"/>
+                    <a:pt x="1450730" y="2060"/>
+                    <a:pt x="1454397" y="5726"/>
+                  </a:cubicBezTo>
+                  <a:cubicBezTo>
+                    <a:pt x="1458063" y="9393"/>
+                    <a:pt x="1460123" y="14365"/>
+                    <a:pt x="1460123" y="19551"/>
+                  </a:cubicBezTo>
+                  <a:lnTo>
+                    <a:pt x="1460123" y="82456"/>
+                  </a:lnTo>
+                  <a:cubicBezTo>
+                    <a:pt x="1460123" y="87641"/>
+                    <a:pt x="1458063" y="92614"/>
+                    <a:pt x="1454397" y="96280"/>
+                  </a:cubicBezTo>
+                  <a:cubicBezTo>
+                    <a:pt x="1450730" y="99947"/>
+                    <a:pt x="1445757" y="102007"/>
+                    <a:pt x="1440572" y="102007"/>
+                  </a:cubicBezTo>
+                  <a:lnTo>
+                    <a:pt x="19551" y="102007"/>
+                  </a:lnTo>
+                  <a:cubicBezTo>
+                    <a:pt x="14365" y="102007"/>
+                    <a:pt x="9393" y="99947"/>
+                    <a:pt x="5726" y="96280"/>
+                  </a:cubicBezTo>
+                  <a:cubicBezTo>
+                    <a:pt x="2060" y="92614"/>
+                    <a:pt x="0" y="87641"/>
+                    <a:pt x="0" y="82456"/>
+                  </a:cubicBezTo>
+                  <a:lnTo>
+                    <a:pt x="0" y="19551"/>
+                  </a:lnTo>
+                  <a:cubicBezTo>
+                    <a:pt x="0" y="14365"/>
+                    <a:pt x="2060" y="9393"/>
+                    <a:pt x="5726" y="5726"/>
+                  </a:cubicBezTo>
+                  <a:cubicBezTo>
+                    <a:pt x="9393" y="2060"/>
+                    <a:pt x="14365" y="0"/>
+                    <a:pt x="19551" y="0"/>
+                  </a:cubicBezTo>
+                  <a:close/>
+                </a:path>
+              </a:pathLst>
+            </a:custGeom>
+            <a:solidFill>
+              <a:srgbClr val="FFE6E6"/>
+            </a:solidFill>
+          </p:spPr>
+        </p:sp>
+        <p:sp>
+          <p:nvSpPr>
+            <p:cNvPr id="13" name="TextBox 13"/>
+            <p:cNvSpPr txBox="1"/>
+            <p:nvPr/>
+          </p:nvSpPr>
+          <p:spPr>
+            <a:xfrm>
+              <a:off x="522200" y="12879"/>
+              <a:ext cx="432736" cy="61187"/>
             </a:xfrm>
             <a:prstGeom prst="rect">
               <a:avLst/>
@@ -3674,21 +3642,21 @@
       </p:grpSp>
       <p:grpSp>
         <p:nvGrpSpPr>
-          <p:cNvPr id="15" name="Group 15"/>
+          <p:cNvPr id="14" name="Group 14"/>
           <p:cNvGrpSpPr/>
           <p:nvPr/>
         </p:nvGrpSpPr>
         <p:grpSpPr>
           <a:xfrm>
-            <a:off x="338157" y="6309389"/>
-            <a:ext cx="5543904" cy="408884"/>
-            <a:chOff x="0" y="-5683"/>
-            <a:chExt cx="1460123" cy="107690"/>
+            <a:off x="338157" y="5858524"/>
+            <a:ext cx="5543904" cy="387307"/>
+            <a:chOff x="0" y="0"/>
+            <a:chExt cx="1460123" cy="102007"/>
           </a:xfrm>
         </p:grpSpPr>
         <p:sp>
           <p:nvSpPr>
-            <p:cNvPr id="16" name="Freeform 16"/>
+            <p:cNvPr id="15" name="Freeform 15"/>
             <p:cNvSpPr/>
             <p:nvPr/>
           </p:nvSpPr>
@@ -3771,14 +3739,14 @@
         </p:sp>
         <p:sp>
           <p:nvSpPr>
-            <p:cNvPr id="17" name="TextBox 17"/>
+            <p:cNvPr id="16" name="TextBox 16"/>
             <p:cNvSpPr txBox="1"/>
             <p:nvPr/>
           </p:nvSpPr>
           <p:spPr>
             <a:xfrm>
-              <a:off x="259585" y="-5683"/>
-              <a:ext cx="812800" cy="102007"/>
+              <a:off x="332168" y="20005"/>
+              <a:ext cx="812800" cy="61997"/>
             </a:xfrm>
             <a:prstGeom prst="rect">
               <a:avLst/>
@@ -3811,13 +3779,13 @@
       </p:grpSp>
       <p:grpSp>
         <p:nvGrpSpPr>
-          <p:cNvPr id="18" name="Group 18"/>
+          <p:cNvPr id="17" name="Group 17"/>
           <p:cNvGrpSpPr/>
           <p:nvPr/>
         </p:nvGrpSpPr>
         <p:grpSpPr>
           <a:xfrm>
-            <a:off x="12405939" y="6464316"/>
+            <a:off x="12411252" y="7708236"/>
             <a:ext cx="5543904" cy="387307"/>
             <a:chOff x="0" y="0"/>
             <a:chExt cx="1460123" cy="102007"/>
@@ -3825,7 +3793,7 @@
         </p:grpSpPr>
         <p:sp>
           <p:nvSpPr>
-            <p:cNvPr id="19" name="Freeform 19"/>
+            <p:cNvPr id="18" name="Freeform 18"/>
             <p:cNvSpPr/>
             <p:nvPr/>
           </p:nvSpPr>
@@ -3908,14 +3876,14 @@
         </p:sp>
         <p:sp>
           <p:nvSpPr>
-            <p:cNvPr id="20" name="TextBox 20"/>
+            <p:cNvPr id="19" name="TextBox 19"/>
             <p:cNvSpPr txBox="1"/>
             <p:nvPr/>
           </p:nvSpPr>
           <p:spPr>
             <a:xfrm>
-              <a:off x="323661" y="22615"/>
-              <a:ext cx="812800" cy="60476"/>
+              <a:off x="335042" y="20537"/>
+              <a:ext cx="812800" cy="63385"/>
             </a:xfrm>
             <a:prstGeom prst="rect">
               <a:avLst/>
@@ -3946,380 +3914,16 @@
           </p:txBody>
         </p:sp>
       </p:grpSp>
-      <p:grpSp>
-        <p:nvGrpSpPr>
-          <p:cNvPr id="22" name="Group 22"/>
-          <p:cNvGrpSpPr/>
-          <p:nvPr/>
-        </p:nvGrpSpPr>
-        <p:grpSpPr>
-          <a:xfrm>
-            <a:off x="6372048" y="7133798"/>
-            <a:ext cx="5543904" cy="2811540"/>
-            <a:chOff x="0" y="0"/>
-            <a:chExt cx="1460123" cy="740488"/>
-          </a:xfrm>
-        </p:grpSpPr>
-        <p:sp>
-          <p:nvSpPr>
-            <p:cNvPr id="23" name="Freeform 23"/>
-            <p:cNvSpPr/>
-            <p:nvPr/>
-          </p:nvSpPr>
-          <p:spPr>
-            <a:xfrm>
-              <a:off x="0" y="0"/>
-              <a:ext cx="1460123" cy="740488"/>
-            </a:xfrm>
-            <a:custGeom>
-              <a:avLst/>
-              <a:gdLst/>
-              <a:ahLst/>
-              <a:cxnLst/>
-              <a:rect l="l" t="t" r="r" b="b"/>
-              <a:pathLst>
-                <a:path w="1460123" h="740488">
-                  <a:moveTo>
-                    <a:pt x="0" y="0"/>
-                  </a:moveTo>
-                  <a:lnTo>
-                    <a:pt x="1460123" y="0"/>
-                  </a:lnTo>
-                  <a:lnTo>
-                    <a:pt x="1460123" y="740488"/>
-                  </a:lnTo>
-                  <a:lnTo>
-                    <a:pt x="0" y="740488"/>
-                  </a:lnTo>
-                  <a:close/>
-                </a:path>
-              </a:pathLst>
-            </a:custGeom>
-            <a:solidFill>
-              <a:srgbClr val="B7C9DB"/>
-            </a:solidFill>
-          </p:spPr>
-        </p:sp>
-        <p:sp>
-          <p:nvSpPr>
-            <p:cNvPr id="24" name="TextBox 24"/>
-            <p:cNvSpPr txBox="1"/>
-            <p:nvPr/>
-          </p:nvSpPr>
-          <p:spPr>
-            <a:xfrm>
-              <a:off x="0" y="0"/>
-              <a:ext cx="1460123" cy="740488"/>
-            </a:xfrm>
-            <a:prstGeom prst="rect">
-              <a:avLst/>
-            </a:prstGeom>
-          </p:spPr>
-          <p:txBody>
-            <a:bodyPr lIns="50800" tIns="50800" rIns="50800" bIns="50800" rtlCol="0" anchor="ctr"/>
-            <a:lstStyle/>
-            <a:p>
-              <a:pPr algn="ctr">
-                <a:lnSpc>
-                  <a:spcPts val="2100"/>
-                </a:lnSpc>
-              </a:pPr>
-              <a:r>
-                <a:rPr lang="en-US" sz="1500" dirty="0">
-                  <a:solidFill>
-                    <a:srgbClr val="000000"/>
-                  </a:solidFill>
-                  <a:latin typeface="Open Sans Extra Bold"/>
-                </a:rPr>
-                <a:t>IMAGEN</a:t>
-              </a:r>
-            </a:p>
-          </p:txBody>
-        </p:sp>
-      </p:grpSp>
-      <p:grpSp>
-        <p:nvGrpSpPr>
-          <p:cNvPr id="26" name="Group 26"/>
-          <p:cNvGrpSpPr/>
-          <p:nvPr/>
-        </p:nvGrpSpPr>
-        <p:grpSpPr>
-          <a:xfrm>
-            <a:off x="9144000" y="1973651"/>
-            <a:ext cx="2771952" cy="1577174"/>
-            <a:chOff x="0" y="0"/>
-            <a:chExt cx="730061" cy="415387"/>
-          </a:xfrm>
-        </p:grpSpPr>
-        <p:sp>
-          <p:nvSpPr>
-            <p:cNvPr id="27" name="Freeform 27"/>
-            <p:cNvSpPr/>
-            <p:nvPr/>
-          </p:nvSpPr>
-          <p:spPr>
-            <a:xfrm>
-              <a:off x="0" y="0"/>
-              <a:ext cx="730061" cy="415387"/>
-            </a:xfrm>
-            <a:custGeom>
-              <a:avLst/>
-              <a:gdLst/>
-              <a:ahLst/>
-              <a:cxnLst/>
-              <a:rect l="l" t="t" r="r" b="b"/>
-              <a:pathLst>
-                <a:path w="730061" h="415387">
-                  <a:moveTo>
-                    <a:pt x="0" y="0"/>
-                  </a:moveTo>
-                  <a:lnTo>
-                    <a:pt x="730061" y="0"/>
-                  </a:lnTo>
-                  <a:lnTo>
-                    <a:pt x="730061" y="415387"/>
-                  </a:lnTo>
-                  <a:lnTo>
-                    <a:pt x="0" y="415387"/>
-                  </a:lnTo>
-                  <a:close/>
-                </a:path>
-              </a:pathLst>
-            </a:custGeom>
-            <a:solidFill>
-              <a:srgbClr val="B7C9DB"/>
-            </a:solidFill>
-          </p:spPr>
-        </p:sp>
-        <p:sp>
-          <p:nvSpPr>
-            <p:cNvPr id="28" name="TextBox 28"/>
-            <p:cNvSpPr txBox="1"/>
-            <p:nvPr/>
-          </p:nvSpPr>
-          <p:spPr>
-            <a:xfrm>
-              <a:off x="0" y="1900"/>
-              <a:ext cx="730061" cy="412983"/>
-            </a:xfrm>
-            <a:prstGeom prst="rect">
-              <a:avLst/>
-            </a:prstGeom>
-          </p:spPr>
-          <p:txBody>
-            <a:bodyPr lIns="50800" tIns="50800" rIns="50800" bIns="50800" rtlCol="0" anchor="ctr"/>
-            <a:lstStyle/>
-            <a:p>
-              <a:pPr algn="ctr">
-                <a:lnSpc>
-                  <a:spcPts val="2100"/>
-                </a:lnSpc>
-              </a:pPr>
-              <a:r>
-                <a:rPr lang="en-US" sz="1500" dirty="0">
-                  <a:solidFill>
-                    <a:srgbClr val="000000"/>
-                  </a:solidFill>
-                  <a:latin typeface="Open Sans Extra Bold"/>
-                </a:rPr>
-                <a:t>IMAGEN</a:t>
-              </a:r>
-            </a:p>
-          </p:txBody>
-        </p:sp>
-      </p:grpSp>
-      <p:grpSp>
-        <p:nvGrpSpPr>
-          <p:cNvPr id="29" name="Group 29"/>
-          <p:cNvGrpSpPr/>
-          <p:nvPr/>
-        </p:nvGrpSpPr>
-        <p:grpSpPr>
-          <a:xfrm>
-            <a:off x="9144000" y="3684568"/>
-            <a:ext cx="2771952" cy="1586306"/>
-            <a:chOff x="0" y="-2405"/>
-            <a:chExt cx="730061" cy="417792"/>
-          </a:xfrm>
-        </p:grpSpPr>
-        <p:sp>
-          <p:nvSpPr>
-            <p:cNvPr id="30" name="Freeform 30"/>
-            <p:cNvSpPr/>
-            <p:nvPr/>
-          </p:nvSpPr>
-          <p:spPr>
-            <a:xfrm>
-              <a:off x="0" y="0"/>
-              <a:ext cx="730061" cy="415387"/>
-            </a:xfrm>
-            <a:custGeom>
-              <a:avLst/>
-              <a:gdLst/>
-              <a:ahLst/>
-              <a:cxnLst/>
-              <a:rect l="l" t="t" r="r" b="b"/>
-              <a:pathLst>
-                <a:path w="730061" h="415387">
-                  <a:moveTo>
-                    <a:pt x="0" y="0"/>
-                  </a:moveTo>
-                  <a:lnTo>
-                    <a:pt x="730061" y="0"/>
-                  </a:lnTo>
-                  <a:lnTo>
-                    <a:pt x="730061" y="415387"/>
-                  </a:lnTo>
-                  <a:lnTo>
-                    <a:pt x="0" y="415387"/>
-                  </a:lnTo>
-                  <a:close/>
-                </a:path>
-              </a:pathLst>
-            </a:custGeom>
-            <a:solidFill>
-              <a:srgbClr val="B7C9DB"/>
-            </a:solidFill>
-          </p:spPr>
-        </p:sp>
-        <p:sp>
-          <p:nvSpPr>
-            <p:cNvPr id="31" name="TextBox 31"/>
-            <p:cNvSpPr txBox="1"/>
-            <p:nvPr/>
-          </p:nvSpPr>
-          <p:spPr>
-            <a:xfrm>
-              <a:off x="0" y="-2405"/>
-              <a:ext cx="730061" cy="415387"/>
-            </a:xfrm>
-            <a:prstGeom prst="rect">
-              <a:avLst/>
-            </a:prstGeom>
-          </p:spPr>
-          <p:txBody>
-            <a:bodyPr lIns="50800" tIns="50800" rIns="50800" bIns="50800" rtlCol="0" anchor="ctr"/>
-            <a:lstStyle/>
-            <a:p>
-              <a:pPr algn="ctr">
-                <a:lnSpc>
-                  <a:spcPts val="2100"/>
-                </a:lnSpc>
-              </a:pPr>
-              <a:r>
-                <a:rPr lang="en-US" sz="1500" dirty="0">
-                  <a:solidFill>
-                    <a:srgbClr val="000000"/>
-                  </a:solidFill>
-                  <a:latin typeface="Open Sans Extra Bold"/>
-                </a:rPr>
-                <a:t>IMAGEN</a:t>
-              </a:r>
-            </a:p>
-          </p:txBody>
-        </p:sp>
-      </p:grpSp>
-      <p:grpSp>
-        <p:nvGrpSpPr>
-          <p:cNvPr id="32" name="Group 32"/>
-          <p:cNvGrpSpPr/>
-          <p:nvPr/>
-        </p:nvGrpSpPr>
-        <p:grpSpPr>
-          <a:xfrm>
-            <a:off x="9144000" y="5404617"/>
-            <a:ext cx="2771952" cy="1602424"/>
-            <a:chOff x="0" y="-2405"/>
-            <a:chExt cx="730061" cy="422037"/>
-          </a:xfrm>
-        </p:grpSpPr>
-        <p:sp>
-          <p:nvSpPr>
-            <p:cNvPr id="33" name="Freeform 33"/>
-            <p:cNvSpPr/>
-            <p:nvPr/>
-          </p:nvSpPr>
-          <p:spPr>
-            <a:xfrm>
-              <a:off x="0" y="0"/>
-              <a:ext cx="730061" cy="415387"/>
-            </a:xfrm>
-            <a:custGeom>
-              <a:avLst/>
-              <a:gdLst/>
-              <a:ahLst/>
-              <a:cxnLst/>
-              <a:rect l="l" t="t" r="r" b="b"/>
-              <a:pathLst>
-                <a:path w="730061" h="415387">
-                  <a:moveTo>
-                    <a:pt x="0" y="0"/>
-                  </a:moveTo>
-                  <a:lnTo>
-                    <a:pt x="730061" y="0"/>
-                  </a:lnTo>
-                  <a:lnTo>
-                    <a:pt x="730061" y="415387"/>
-                  </a:lnTo>
-                  <a:lnTo>
-                    <a:pt x="0" y="415387"/>
-                  </a:lnTo>
-                  <a:close/>
-                </a:path>
-              </a:pathLst>
-            </a:custGeom>
-            <a:solidFill>
-              <a:srgbClr val="B7C9DB"/>
-            </a:solidFill>
-          </p:spPr>
-        </p:sp>
-        <p:sp>
-          <p:nvSpPr>
-            <p:cNvPr id="34" name="TextBox 34"/>
-            <p:cNvSpPr txBox="1"/>
-            <p:nvPr/>
-          </p:nvSpPr>
-          <p:spPr>
-            <a:xfrm>
-              <a:off x="0" y="-2405"/>
-              <a:ext cx="730061" cy="422037"/>
-            </a:xfrm>
-            <a:prstGeom prst="rect">
-              <a:avLst/>
-            </a:prstGeom>
-          </p:spPr>
-          <p:txBody>
-            <a:bodyPr lIns="50800" tIns="50800" rIns="50800" bIns="50800" rtlCol="0" anchor="ctr"/>
-            <a:lstStyle/>
-            <a:p>
-              <a:pPr algn="ctr">
-                <a:lnSpc>
-                  <a:spcPts val="2100"/>
-                </a:lnSpc>
-              </a:pPr>
-              <a:r>
-                <a:rPr lang="en-US" sz="1500" dirty="0">
-                  <a:solidFill>
-                    <a:srgbClr val="000000"/>
-                  </a:solidFill>
-                  <a:latin typeface="Open Sans Extra Bold"/>
-                </a:rPr>
-                <a:t>IMAGEN</a:t>
-              </a:r>
-            </a:p>
-          </p:txBody>
-        </p:sp>
-      </p:grpSp>
-      <p:sp>
-        <p:nvSpPr>
-          <p:cNvPr id="35" name="TextBox 35"/>
+      <p:sp>
+        <p:nvSpPr>
+          <p:cNvPr id="20" name="TextBox 20"/>
           <p:cNvSpPr txBox="1"/>
           <p:nvPr/>
         </p:nvSpPr>
         <p:spPr>
           <a:xfrm>
-            <a:off x="338157" y="109324"/>
-            <a:ext cx="8805843" cy="1204689"/>
+            <a:off x="6372048" y="1698683"/>
+            <a:ext cx="5543904" cy="690880"/>
           </a:xfrm>
           <a:prstGeom prst="rect">
             <a:avLst/>
@@ -4331,248 +3935,192 @@
           </a:bodyPr>
           <a:lstStyle/>
           <a:p>
-            <a:pPr marL="0" lvl="0" indent="0" algn="just">
+            <a:pPr marL="280671" lvl="1" indent="-140336" algn="just">
               <a:lnSpc>
-                <a:spcPts val="3220"/>
+                <a:spcPts val="1820"/>
               </a:lnSpc>
-              <a:spcBef>
-                <a:spcPct val="0"/>
-              </a:spcBef>
+              <a:buFont typeface="Arial"/>
+              <a:buChar char="•"/>
             </a:pPr>
             <a:r>
-              <a:rPr lang="es-EC" sz="2300" dirty="0">
-                <a:solidFill>
-                  <a:srgbClr val="000000"/>
-                </a:solidFill>
-                <a:latin typeface="Open Sans Light Bold"/>
-              </a:rPr>
-              <a:t>Sistema web de gestión de información y desempeño de entrenamientos utilizando inteligencia artificial para la Academia de Esgrima Ciudad de Quito </a:t>
+              <a:rPr lang="es-EC" sz="1300" dirty="0">
+                <a:solidFill>
+                  <a:srgbClr val="000000"/>
+                </a:solidFill>
+                <a:latin typeface="Open Sans"/>
+              </a:rPr>
+              <a:t>La aplicación web desarrollada con </a:t>
+            </a:r>
+            <a:r>
+              <a:rPr lang="es-EC" sz="1300" dirty="0" err="1">
+                <a:solidFill>
+                  <a:srgbClr val="000000"/>
+                </a:solidFill>
+                <a:latin typeface="Open Sans"/>
+              </a:rPr>
+              <a:t>NodeJS</a:t>
+            </a:r>
+            <a:r>
+              <a:rPr lang="es-EC" sz="1300" dirty="0">
+                <a:solidFill>
+                  <a:srgbClr val="000000"/>
+                </a:solidFill>
+                <a:latin typeface="Open Sans"/>
+              </a:rPr>
+              <a:t> permite a los entrenadores y esgrimistas poder visualizar las planificaciones de entrenamiento establecidas.</a:t>
             </a:r>
           </a:p>
         </p:txBody>
       </p:sp>
-      <p:sp>
-        <p:nvSpPr>
-          <p:cNvPr id="39" name="TextBox 39"/>
-          <p:cNvSpPr txBox="1"/>
+      <p:grpSp>
+        <p:nvGrpSpPr>
+          <p:cNvPr id="21" name="Group 21"/>
+          <p:cNvGrpSpPr/>
+          <p:nvPr/>
+        </p:nvGrpSpPr>
+        <p:grpSpPr>
+          <a:xfrm>
+            <a:off x="15818270" y="435845"/>
+            <a:ext cx="2393895" cy="419239"/>
+            <a:chOff x="0" y="0"/>
+            <a:chExt cx="3191860" cy="558985"/>
+          </a:xfrm>
+        </p:grpSpPr>
+        <p:sp>
+          <p:nvSpPr>
+            <p:cNvPr id="22" name="Freeform 22"/>
+            <p:cNvSpPr/>
+            <p:nvPr/>
+          </p:nvSpPr>
+          <p:spPr>
+            <a:xfrm>
+              <a:off x="1988621" y="0"/>
+              <a:ext cx="1203239" cy="558985"/>
+            </a:xfrm>
+            <a:custGeom>
+              <a:avLst/>
+              <a:gdLst/>
+              <a:ahLst/>
+              <a:cxnLst/>
+              <a:rect l="l" t="t" r="r" b="b"/>
+              <a:pathLst>
+                <a:path w="1203239" h="558985">
+                  <a:moveTo>
+                    <a:pt x="0" y="0"/>
+                  </a:moveTo>
+                  <a:lnTo>
+                    <a:pt x="1203239" y="0"/>
+                  </a:lnTo>
+                  <a:lnTo>
+                    <a:pt x="1203239" y="558985"/>
+                  </a:lnTo>
+                  <a:lnTo>
+                    <a:pt x="0" y="558985"/>
+                  </a:lnTo>
+                  <a:lnTo>
+                    <a:pt x="0" y="0"/>
+                  </a:lnTo>
+                  <a:close/>
+                </a:path>
+              </a:pathLst>
+            </a:custGeom>
+            <a:blipFill>
+              <a:blip r:embed="rId2"/>
+              <a:stretch>
+                <a:fillRect l="-10370" t="-73400" r="-10244" b="-86229"/>
+              </a:stretch>
+            </a:blipFill>
+          </p:spPr>
+        </p:sp>
+        <p:sp>
+          <p:nvSpPr>
+            <p:cNvPr id="23" name="TextBox 23"/>
+            <p:cNvSpPr txBox="1"/>
+            <p:nvPr/>
+          </p:nvSpPr>
+          <p:spPr>
+            <a:xfrm>
+              <a:off x="0" y="97551"/>
+              <a:ext cx="1585912" cy="461434"/>
+            </a:xfrm>
+            <a:prstGeom prst="rect">
+              <a:avLst/>
+            </a:prstGeom>
+          </p:spPr>
+          <p:txBody>
+            <a:bodyPr lIns="0" tIns="0" rIns="0" bIns="0" rtlCol="0" anchor="t">
+              <a:spAutoFit/>
+            </a:bodyPr>
+            <a:lstStyle/>
+            <a:p>
+              <a:pPr algn="ctr">
+                <a:lnSpc>
+                  <a:spcPts val="1235"/>
+                </a:lnSpc>
+              </a:pPr>
+              <a:r>
+                <a:rPr lang="en-US" sz="1300" spc="-53">
+                  <a:solidFill>
+                    <a:srgbClr val="98012F"/>
+                  </a:solidFill>
+                  <a:latin typeface="Arial Bold"/>
+                </a:rPr>
+                <a:t>INGENIERÍA DE </a:t>
+              </a:r>
+            </a:p>
+            <a:p>
+              <a:pPr algn="ctr">
+                <a:lnSpc>
+                  <a:spcPts val="1235"/>
+                </a:lnSpc>
+              </a:pPr>
+              <a:r>
+                <a:rPr lang="en-US" sz="1300" spc="-53">
+                  <a:solidFill>
+                    <a:srgbClr val="98012F"/>
+                  </a:solidFill>
+                  <a:latin typeface="Arial Bold"/>
+                </a:rPr>
+                <a:t>SOFTWARE</a:t>
+              </a:r>
+            </a:p>
+          </p:txBody>
+        </p:sp>
+        <p:sp>
+          <p:nvSpPr>
+            <p:cNvPr id="24" name="AutoShape 24"/>
+            <p:cNvSpPr/>
+            <p:nvPr/>
+          </p:nvSpPr>
+          <p:spPr>
+            <a:xfrm>
+              <a:off x="1825017" y="85376"/>
+              <a:ext cx="0" cy="466401"/>
+            </a:xfrm>
+            <a:prstGeom prst="line">
+              <a:avLst/>
+            </a:prstGeom>
+            <a:ln w="25400" cap="flat">
+              <a:solidFill>
+                <a:srgbClr val="98012F"/>
+              </a:solidFill>
+              <a:prstDash val="solid"/>
+              <a:headEnd type="none" w="sm" len="sm"/>
+              <a:tailEnd type="none" w="sm" len="sm"/>
+            </a:ln>
+          </p:spPr>
+        </p:sp>
+      </p:grpSp>
+      <p:sp>
+        <p:nvSpPr>
+          <p:cNvPr id="25" name="Freeform 25"/>
+          <p:cNvSpPr/>
           <p:nvPr/>
         </p:nvSpPr>
         <p:spPr>
           <a:xfrm>
-            <a:off x="9649999" y="310002"/>
-            <a:ext cx="1759953" cy="396647"/>
-          </a:xfrm>
-          <a:prstGeom prst="rect">
-            <a:avLst/>
-          </a:prstGeom>
-        </p:spPr>
-        <p:txBody>
-          <a:bodyPr lIns="0" tIns="0" rIns="0" bIns="0" rtlCol="0" anchor="t">
-            <a:spAutoFit/>
-          </a:bodyPr>
-          <a:lstStyle/>
-          <a:p>
-            <a:pPr algn="ctr">
-              <a:lnSpc>
-                <a:spcPts val="1589"/>
-              </a:lnSpc>
-            </a:pPr>
-            <a:r>
-              <a:rPr lang="es-EC" sz="1135" dirty="0">
-                <a:solidFill>
-                  <a:srgbClr val="000000"/>
-                </a:solidFill>
-                <a:latin typeface="Open Sans"/>
-              </a:rPr>
-              <a:t>Diego Hiriart</a:t>
-            </a:r>
-          </a:p>
-          <a:p>
-            <a:pPr algn="ctr">
-              <a:lnSpc>
-                <a:spcPts val="1589"/>
-              </a:lnSpc>
-            </a:pPr>
-            <a:r>
-              <a:rPr lang="es-EC" sz="1135" dirty="0">
-                <a:solidFill>
-                  <a:srgbClr val="000000"/>
-                </a:solidFill>
-                <a:latin typeface="Open Sans"/>
-              </a:rPr>
-              <a:t>diego.hiriart@udla.edu.ec</a:t>
-            </a:r>
-          </a:p>
-        </p:txBody>
-      </p:sp>
-      <p:sp>
-        <p:nvSpPr>
-          <p:cNvPr id="40" name="TextBox 40"/>
-          <p:cNvSpPr txBox="1"/>
-          <p:nvPr/>
-        </p:nvSpPr>
-        <p:spPr>
-          <a:xfrm>
-            <a:off x="11618508" y="310002"/>
-            <a:ext cx="1759953" cy="601831"/>
-          </a:xfrm>
-          <a:prstGeom prst="rect">
-            <a:avLst/>
-          </a:prstGeom>
-        </p:spPr>
-        <p:txBody>
-          <a:bodyPr lIns="0" tIns="0" rIns="0" bIns="0" rtlCol="0" anchor="t">
-            <a:spAutoFit/>
-          </a:bodyPr>
-          <a:lstStyle/>
-          <a:p>
-            <a:pPr algn="ctr">
-              <a:lnSpc>
-                <a:spcPts val="1589"/>
-              </a:lnSpc>
-            </a:pPr>
-            <a:r>
-              <a:rPr lang="es-EC" sz="1135" dirty="0">
-                <a:solidFill>
-                  <a:srgbClr val="000000"/>
-                </a:solidFill>
-                <a:latin typeface="Open Sans"/>
-              </a:rPr>
-              <a:t>Luis Corles</a:t>
-            </a:r>
-          </a:p>
-          <a:p>
-            <a:pPr algn="ctr">
-              <a:lnSpc>
-                <a:spcPts val="1589"/>
-              </a:lnSpc>
-            </a:pPr>
-            <a:r>
-              <a:rPr lang="es-EC" sz="1135" dirty="0" err="1">
-                <a:solidFill>
-                  <a:srgbClr val="000000"/>
-                </a:solidFill>
-                <a:latin typeface="Open Sans"/>
-              </a:rPr>
-              <a:t>luis.corales.martinez</a:t>
-            </a:r>
-            <a:endParaRPr lang="es-EC" sz="1135" dirty="0">
-              <a:solidFill>
-                <a:srgbClr val="000000"/>
-              </a:solidFill>
-              <a:latin typeface="Open Sans"/>
-            </a:endParaRPr>
-          </a:p>
-          <a:p>
-            <a:pPr algn="ctr">
-              <a:lnSpc>
-                <a:spcPts val="1589"/>
-              </a:lnSpc>
-            </a:pPr>
-            <a:r>
-              <a:rPr lang="es-EC" sz="1135" dirty="0">
-                <a:solidFill>
-                  <a:srgbClr val="000000"/>
-                </a:solidFill>
-                <a:latin typeface="Open Sans"/>
-              </a:rPr>
-              <a:t>@udla.edu.ec</a:t>
-            </a:r>
-          </a:p>
-        </p:txBody>
-      </p:sp>
-      <p:sp>
-        <p:nvSpPr>
-          <p:cNvPr id="41" name="TextBox 41"/>
-          <p:cNvSpPr txBox="1"/>
-          <p:nvPr/>
-        </p:nvSpPr>
-        <p:spPr>
-          <a:xfrm>
-            <a:off x="13588011" y="310002"/>
-            <a:ext cx="1758958" cy="601831"/>
-          </a:xfrm>
-          <a:prstGeom prst="rect">
-            <a:avLst/>
-          </a:prstGeom>
-        </p:spPr>
-        <p:txBody>
-          <a:bodyPr lIns="0" tIns="0" rIns="0" bIns="0" rtlCol="0" anchor="t">
-            <a:spAutoFit/>
-          </a:bodyPr>
-          <a:lstStyle/>
-          <a:p>
-            <a:pPr algn="ctr">
-              <a:lnSpc>
-                <a:spcPts val="1589"/>
-              </a:lnSpc>
-            </a:pPr>
-            <a:r>
-              <a:rPr lang="es-EC" sz="1135" dirty="0">
-                <a:solidFill>
-                  <a:srgbClr val="000000"/>
-                </a:solidFill>
-                <a:latin typeface="Open Sans"/>
-              </a:rPr>
-              <a:t>Christian Samaniego</a:t>
-            </a:r>
-          </a:p>
-          <a:p>
-            <a:pPr algn="ctr">
-              <a:lnSpc>
-                <a:spcPts val="1589"/>
-              </a:lnSpc>
-            </a:pPr>
-            <a:r>
-              <a:rPr lang="es-EC" sz="1135" dirty="0" err="1">
-                <a:solidFill>
-                  <a:srgbClr val="000000"/>
-                </a:solidFill>
-                <a:latin typeface="Open Sans"/>
-              </a:rPr>
-              <a:t>christian.samaniego</a:t>
-            </a:r>
-            <a:endParaRPr lang="es-EC" sz="1135" dirty="0">
-              <a:solidFill>
-                <a:srgbClr val="000000"/>
-              </a:solidFill>
-              <a:latin typeface="Open Sans"/>
-            </a:endParaRPr>
-          </a:p>
-          <a:p>
-            <a:pPr algn="ctr">
-              <a:lnSpc>
-                <a:spcPts val="1589"/>
-              </a:lnSpc>
-            </a:pPr>
-            <a:r>
-              <a:rPr lang="es-EC" sz="1135" dirty="0">
-                <a:solidFill>
-                  <a:srgbClr val="000000"/>
-                </a:solidFill>
-                <a:latin typeface="Open Sans"/>
-              </a:rPr>
-              <a:t>@udla.edu.ec</a:t>
-            </a:r>
-          </a:p>
-        </p:txBody>
-      </p:sp>
-      <p:sp>
-        <p:nvSpPr>
-          <p:cNvPr id="42" name="Freeform 21">
-            <a:extLst>
-              <a:ext uri="{FF2B5EF4-FFF2-40B4-BE49-F238E27FC236}">
-                <a16:creationId xmlns:a16="http://schemas.microsoft.com/office/drawing/2014/main" id="{69D78DAA-A1A6-9D42-CFC7-5A414D9A35BC}"/>
-              </a:ext>
-            </a:extLst>
-          </p:cNvPr>
-          <p:cNvSpPr/>
-          <p:nvPr/>
-        </p:nvSpPr>
-        <p:spPr>
-          <a:xfrm>
-            <a:off x="338157" y="6870673"/>
-            <a:ext cx="5543904" cy="3000829"/>
+            <a:off x="370454" y="7955886"/>
+            <a:ext cx="5682568" cy="1853011"/>
           </a:xfrm>
           <a:custGeom>
             <a:avLst/>
@@ -4581,18 +4129,18 @@
             <a:cxnLst/>
             <a:rect l="l" t="t" r="r" b="b"/>
             <a:pathLst>
-              <a:path w="5543904" h="3000829">
+              <a:path w="5682568" h="1853011">
                 <a:moveTo>
                   <a:pt x="0" y="0"/>
                 </a:moveTo>
                 <a:lnTo>
-                  <a:pt x="5543904" y="0"/>
+                  <a:pt x="5682568" y="0"/>
                 </a:lnTo>
                 <a:lnTo>
-                  <a:pt x="5543904" y="3000829"/>
+                  <a:pt x="5682568" y="1853011"/>
                 </a:lnTo>
                 <a:lnTo>
-                  <a:pt x="0" y="3000829"/>
+                  <a:pt x="0" y="1853011"/>
                 </a:lnTo>
                 <a:lnTo>
                   <a:pt x="0" y="0"/>
@@ -4609,22 +4157,199 @@
           </a:blipFill>
         </p:spPr>
       </p:sp>
-      <p:sp>
-        <p:nvSpPr>
-          <p:cNvPr id="43" name="TextBox 37">
-            <a:extLst>
-              <a:ext uri="{FF2B5EF4-FFF2-40B4-BE49-F238E27FC236}">
-                <a16:creationId xmlns:a16="http://schemas.microsoft.com/office/drawing/2014/main" id="{44A953A6-6C45-AA06-AA8A-7B02F26A1B75}"/>
-              </a:ext>
-            </a:extLst>
-          </p:cNvPr>
+      <p:grpSp>
+        <p:nvGrpSpPr>
+          <p:cNvPr id="26" name="Group 26"/>
+          <p:cNvGrpSpPr/>
+          <p:nvPr/>
+        </p:nvGrpSpPr>
+        <p:grpSpPr>
+          <a:xfrm>
+            <a:off x="12454464" y="5093984"/>
+            <a:ext cx="5543904" cy="387307"/>
+            <a:chOff x="0" y="0"/>
+            <a:chExt cx="1460123" cy="102007"/>
+          </a:xfrm>
+        </p:grpSpPr>
+        <p:sp>
+          <p:nvSpPr>
+            <p:cNvPr id="27" name="Freeform 27"/>
+            <p:cNvSpPr/>
+            <p:nvPr/>
+          </p:nvSpPr>
+          <p:spPr>
+            <a:xfrm>
+              <a:off x="0" y="0"/>
+              <a:ext cx="1460123" cy="102007"/>
+            </a:xfrm>
+            <a:custGeom>
+              <a:avLst/>
+              <a:gdLst/>
+              <a:ahLst/>
+              <a:cxnLst/>
+              <a:rect l="l" t="t" r="r" b="b"/>
+              <a:pathLst>
+                <a:path w="1460123" h="102007">
+                  <a:moveTo>
+                    <a:pt x="19551" y="0"/>
+                  </a:moveTo>
+                  <a:lnTo>
+                    <a:pt x="1440572" y="0"/>
+                  </a:lnTo>
+                  <a:cubicBezTo>
+                    <a:pt x="1445757" y="0"/>
+                    <a:pt x="1450730" y="2060"/>
+                    <a:pt x="1454397" y="5726"/>
+                  </a:cubicBezTo>
+                  <a:cubicBezTo>
+                    <a:pt x="1458063" y="9393"/>
+                    <a:pt x="1460123" y="14365"/>
+                    <a:pt x="1460123" y="19551"/>
+                  </a:cubicBezTo>
+                  <a:lnTo>
+                    <a:pt x="1460123" y="82456"/>
+                  </a:lnTo>
+                  <a:cubicBezTo>
+                    <a:pt x="1460123" y="87641"/>
+                    <a:pt x="1458063" y="92614"/>
+                    <a:pt x="1454397" y="96280"/>
+                  </a:cubicBezTo>
+                  <a:cubicBezTo>
+                    <a:pt x="1450730" y="99947"/>
+                    <a:pt x="1445757" y="102007"/>
+                    <a:pt x="1440572" y="102007"/>
+                  </a:cubicBezTo>
+                  <a:lnTo>
+                    <a:pt x="19551" y="102007"/>
+                  </a:lnTo>
+                  <a:cubicBezTo>
+                    <a:pt x="14365" y="102007"/>
+                    <a:pt x="9393" y="99947"/>
+                    <a:pt x="5726" y="96280"/>
+                  </a:cubicBezTo>
+                  <a:cubicBezTo>
+                    <a:pt x="2060" y="92614"/>
+                    <a:pt x="0" y="87641"/>
+                    <a:pt x="0" y="82456"/>
+                  </a:cubicBezTo>
+                  <a:lnTo>
+                    <a:pt x="0" y="19551"/>
+                  </a:lnTo>
+                  <a:cubicBezTo>
+                    <a:pt x="0" y="14365"/>
+                    <a:pt x="2060" y="9393"/>
+                    <a:pt x="5726" y="5726"/>
+                  </a:cubicBezTo>
+                  <a:cubicBezTo>
+                    <a:pt x="9393" y="2060"/>
+                    <a:pt x="14365" y="0"/>
+                    <a:pt x="19551" y="0"/>
+                  </a:cubicBezTo>
+                  <a:close/>
+                </a:path>
+              </a:pathLst>
+            </a:custGeom>
+            <a:solidFill>
+              <a:srgbClr val="FFE6E6"/>
+            </a:solidFill>
+          </p:spPr>
+        </p:sp>
+        <p:sp>
+          <p:nvSpPr>
+            <p:cNvPr id="28" name="TextBox 28"/>
+            <p:cNvSpPr txBox="1"/>
+            <p:nvPr/>
+          </p:nvSpPr>
+          <p:spPr>
+            <a:xfrm>
+              <a:off x="310881" y="30223"/>
+              <a:ext cx="812800" cy="41616"/>
+            </a:xfrm>
+            <a:prstGeom prst="rect">
+              <a:avLst/>
+            </a:prstGeom>
+          </p:spPr>
+          <p:txBody>
+            <a:bodyPr lIns="50800" tIns="50800" rIns="50800" bIns="50800" rtlCol="0" anchor="ctr"/>
+            <a:lstStyle/>
+            <a:p>
+              <a:pPr algn="ctr">
+                <a:lnSpc>
+                  <a:spcPts val="2100"/>
+                </a:lnSpc>
+                <a:spcBef>
+                  <a:spcPct val="0"/>
+                </a:spcBef>
+              </a:pPr>
+              <a:r>
+                <a:rPr lang="es-EC" sz="1500" dirty="0">
+                  <a:solidFill>
+                    <a:srgbClr val="000000"/>
+                  </a:solidFill>
+                  <a:latin typeface="Open Sans Extra Bold"/>
+                </a:rPr>
+                <a:t>TRABAJO FUTURO</a:t>
+              </a:r>
+            </a:p>
+          </p:txBody>
+        </p:sp>
+      </p:grpSp>
+      <p:sp>
+        <p:nvSpPr>
+          <p:cNvPr id="29" name="Freeform 29"/>
+          <p:cNvSpPr/>
+          <p:nvPr/>
+        </p:nvSpPr>
+        <p:spPr>
+          <a:xfrm rot="59999">
+            <a:off x="8939402" y="6630273"/>
+            <a:ext cx="2990422" cy="1667009"/>
+          </a:xfrm>
+          <a:custGeom>
+            <a:avLst/>
+            <a:gdLst/>
+            <a:ahLst/>
+            <a:cxnLst/>
+            <a:rect l="l" t="t" r="r" b="b"/>
+            <a:pathLst>
+              <a:path w="2990422" h="1667009">
+                <a:moveTo>
+                  <a:pt x="0" y="51706"/>
+                </a:moveTo>
+                <a:lnTo>
+                  <a:pt x="2962227" y="0"/>
+                </a:lnTo>
+                <a:lnTo>
+                  <a:pt x="2990422" y="1615304"/>
+                </a:lnTo>
+                <a:lnTo>
+                  <a:pt x="28195" y="1667010"/>
+                </a:lnTo>
+                <a:lnTo>
+                  <a:pt x="0" y="51706"/>
+                </a:lnTo>
+                <a:close/>
+              </a:path>
+            </a:pathLst>
+          </a:custGeom>
+          <a:blipFill>
+            <a:blip r:embed="rId4"/>
+            <a:stretch>
+              <a:fillRect l="-79764" t="-27005" r="-98315" b="-110561"/>
+            </a:stretch>
+          </a:blipFill>
+        </p:spPr>
+      </p:sp>
+      <p:sp>
+        <p:nvSpPr>
+          <p:cNvPr id="30" name="TextBox 30"/>
           <p:cNvSpPr txBox="1"/>
           <p:nvPr/>
         </p:nvSpPr>
         <p:spPr>
           <a:xfrm>
-            <a:off x="338157" y="4335172"/>
-            <a:ext cx="5543904" cy="2034083"/>
+            <a:off x="338157" y="314812"/>
+            <a:ext cx="9296854" cy="656590"/>
           </a:xfrm>
           <a:prstGeom prst="rect">
             <a:avLst/>
@@ -4636,93 +4361,36 @@
           </a:bodyPr>
           <a:lstStyle/>
           <a:p>
-            <a:pPr marL="302261" lvl="1" indent="-151130" algn="just">
+            <a:pPr marL="0" lvl="0" indent="0">
               <a:lnSpc>
-                <a:spcPts val="1960"/>
-              </a:lnSpc>
-              <a:buFont typeface="Arial"/>
-              <a:buChar char="•"/>
-            </a:pPr>
-            <a:r>
-              <a:rPr lang="es-EC" sz="1400" dirty="0">
-                <a:solidFill>
-                  <a:srgbClr val="000000"/>
-                </a:solidFill>
-                <a:latin typeface="Open Sans"/>
-              </a:rPr>
-              <a:t>Realizar una aplicación web, para la gestión de planes de entrenamiento personales con carga y consulta de datos de rendimiento y combates. </a:t>
-            </a:r>
-          </a:p>
-          <a:p>
-            <a:pPr marL="302261" lvl="1" indent="-151130" algn="just">
-              <a:lnSpc>
-                <a:spcPts val="1960"/>
-              </a:lnSpc>
-              <a:buFont typeface="Arial"/>
-              <a:buChar char="•"/>
-            </a:pPr>
-            <a:r>
-              <a:rPr lang="es-EC" sz="1400" dirty="0">
-                <a:solidFill>
-                  <a:srgbClr val="000000"/>
-                </a:solidFill>
-                <a:latin typeface="Open Sans"/>
-              </a:rPr>
-              <a:t>Integrar un módulo de visión por computadora para retroalimentación a ejercicios individuales de esgrima. </a:t>
-            </a:r>
-          </a:p>
-          <a:p>
-            <a:pPr marL="302261" lvl="1" indent="-151130" algn="just">
-              <a:lnSpc>
-                <a:spcPts val="1960"/>
-              </a:lnSpc>
-              <a:buFont typeface="Arial"/>
-              <a:buChar char="•"/>
-            </a:pPr>
-            <a:r>
-              <a:rPr lang="es-EC" sz="1400" dirty="0">
-                <a:solidFill>
-                  <a:srgbClr val="000000"/>
-                </a:solidFill>
-                <a:latin typeface="Open Sans"/>
-              </a:rPr>
-              <a:t>Ensamblar y programar un dispositivo electrónico para llevar el conteo de puntos en combates de esgrima. </a:t>
-            </a:r>
-          </a:p>
-          <a:p>
-            <a:pPr algn="just">
-              <a:lnSpc>
-                <a:spcPts val="1960"/>
+                <a:spcPts val="2660"/>
               </a:lnSpc>
               <a:spcBef>
                 <a:spcPct val="0"/>
               </a:spcBef>
             </a:pPr>
-            <a:endParaRPr lang="en-US" sz="1400" dirty="0">
-              <a:solidFill>
-                <a:srgbClr val="000000"/>
-              </a:solidFill>
-              <a:latin typeface="Open Sans"/>
-            </a:endParaRPr>
+            <a:r>
+              <a:rPr lang="en-US" sz="1900">
+                <a:solidFill>
+                  <a:srgbClr val="000000"/>
+                </a:solidFill>
+                <a:latin typeface="Open Sans Light Bold"/>
+              </a:rPr>
+              <a:t>Sistema web de gestión de información y desempeño de entrenamientos utilizando inteligencia artificial para la Academia de Esgrima Ciudad de Quito </a:t>
+            </a:r>
           </a:p>
         </p:txBody>
       </p:sp>
       <p:sp>
         <p:nvSpPr>
-          <p:cNvPr id="44" name="TextBox 36">
-            <a:extLst>
-              <a:ext uri="{FF2B5EF4-FFF2-40B4-BE49-F238E27FC236}">
-                <a16:creationId xmlns:a16="http://schemas.microsoft.com/office/drawing/2014/main" id="{E33DD4FC-390C-9D76-1609-5E932DB8C705}"/>
-              </a:ext>
-            </a:extLst>
-          </p:cNvPr>
+          <p:cNvPr id="32" name="TextBox 32"/>
           <p:cNvSpPr txBox="1"/>
           <p:nvPr/>
         </p:nvSpPr>
         <p:spPr>
           <a:xfrm>
-            <a:off x="338157" y="1945076"/>
-            <a:ext cx="5543904" cy="1777603"/>
+            <a:off x="9795768" y="290952"/>
+            <a:ext cx="1468416" cy="680450"/>
           </a:xfrm>
           <a:prstGeom prst="rect">
             <a:avLst/>
@@ -4734,95 +4402,65 @@
           </a:bodyPr>
           <a:lstStyle/>
           <a:p>
-            <a:pPr marL="302261" lvl="1" indent="-151130" algn="just">
+            <a:pPr algn="ctr">
               <a:lnSpc>
-                <a:spcPts val="1960"/>
+                <a:spcPts val="1869"/>
               </a:lnSpc>
-              <a:buFont typeface="Arial"/>
-              <a:buChar char="•"/>
             </a:pPr>
             <a:r>
-              <a:rPr lang="es-EC" sz="1400" dirty="0">
-                <a:solidFill>
-                  <a:srgbClr val="000000"/>
-                </a:solidFill>
-                <a:latin typeface="Open Sans"/>
-              </a:rPr>
-              <a:t>Manejo de información de forma manual no es ideal para los entrenadores de la academia.</a:t>
-            </a:r>
-          </a:p>
-          <a:p>
-            <a:pPr marL="302261" lvl="1" indent="-151130" algn="just">
+              <a:rPr lang="en-US" sz="1335">
+                <a:solidFill>
+                  <a:srgbClr val="000000"/>
+                </a:solidFill>
+                <a:latin typeface="Open Sans Bold"/>
+              </a:rPr>
+              <a:t>Diego Hiriart</a:t>
+            </a:r>
+          </a:p>
+          <a:p>
+            <a:pPr algn="ctr">
               <a:lnSpc>
-                <a:spcPts val="1960"/>
+                <a:spcPts val="1869"/>
               </a:lnSpc>
-              <a:buFont typeface="Arial"/>
-              <a:buChar char="•"/>
             </a:pPr>
             <a:r>
-              <a:rPr lang="es-EC" sz="1400" dirty="0">
-                <a:solidFill>
-                  <a:srgbClr val="000000"/>
-                </a:solidFill>
-                <a:latin typeface="Open Sans"/>
-              </a:rPr>
-              <a:t>No se mantiene registro del rendimiento de los esgrimistas.</a:t>
-            </a:r>
-          </a:p>
-          <a:p>
-            <a:pPr marL="302261" lvl="1" indent="-151130" algn="just">
+              <a:rPr lang="en-US" sz="1335">
+                <a:solidFill>
+                  <a:srgbClr val="000000"/>
+                </a:solidFill>
+                <a:latin typeface="Open Sans"/>
+              </a:rPr>
+              <a:t>diego.hiriart</a:t>
+            </a:r>
+          </a:p>
+          <a:p>
+            <a:pPr algn="ctr">
               <a:lnSpc>
-                <a:spcPts val="1960"/>
+                <a:spcPts val="1869"/>
               </a:lnSpc>
-              <a:buFont typeface="Arial"/>
-              <a:buChar char="•"/>
             </a:pPr>
             <a:r>
-              <a:rPr lang="es-EC" sz="1400" dirty="0">
-                <a:solidFill>
-                  <a:srgbClr val="000000"/>
-                </a:solidFill>
-                <a:latin typeface="Open Sans"/>
-              </a:rPr>
-              <a:t>Los alumnos tienen la necesidad de realizar entrenamientos individuales.</a:t>
-            </a:r>
-          </a:p>
-          <a:p>
-            <a:pPr marL="302261" lvl="1" indent="-151130" algn="just">
-              <a:lnSpc>
-                <a:spcPts val="1960"/>
-              </a:lnSpc>
-              <a:buFont typeface="Arial"/>
-              <a:buChar char="•"/>
-            </a:pPr>
-            <a:r>
-              <a:rPr lang="es-EC" sz="1400" dirty="0">
-                <a:solidFill>
-                  <a:srgbClr val="000000"/>
-                </a:solidFill>
-                <a:latin typeface="Open Sans"/>
-              </a:rPr>
-              <a:t>La academia no cuenta con el equipo necesario para registrar datos de puntaje y tiempo en entrenamientos.</a:t>
+              <a:rPr lang="en-US" sz="1335">
+                <a:solidFill>
+                  <a:srgbClr val="000000"/>
+                </a:solidFill>
+                <a:latin typeface="Open Sans"/>
+              </a:rPr>
+              <a:t>@udla.edu.ec</a:t>
             </a:r>
           </a:p>
         </p:txBody>
       </p:sp>
       <p:sp>
         <p:nvSpPr>
-          <p:cNvPr id="45" name="TextBox 25">
-            <a:extLst>
-              <a:ext uri="{FF2B5EF4-FFF2-40B4-BE49-F238E27FC236}">
-                <a16:creationId xmlns:a16="http://schemas.microsoft.com/office/drawing/2014/main" id="{C4E58983-C15E-D876-7370-3B12506BF7BD}"/>
-              </a:ext>
-            </a:extLst>
-          </p:cNvPr>
+          <p:cNvPr id="33" name="TextBox 33"/>
           <p:cNvSpPr txBox="1"/>
           <p:nvPr/>
         </p:nvSpPr>
         <p:spPr>
           <a:xfrm>
-            <a:off x="6372048" y="1927283"/>
-            <a:ext cx="2771952" cy="5111849"/>
+            <a:off x="11574487" y="290952"/>
+            <a:ext cx="1759953" cy="680450"/>
           </a:xfrm>
           <a:prstGeom prst="rect">
             <a:avLst/>
@@ -4834,350 +4472,65 @@
           </a:bodyPr>
           <a:lstStyle/>
           <a:p>
-            <a:pPr>
+            <a:pPr algn="ctr">
               <a:lnSpc>
-                <a:spcPts val="1960"/>
+                <a:spcPts val="1869"/>
               </a:lnSpc>
             </a:pPr>
             <a:r>
-              <a:rPr lang="es-EC" sz="1400" dirty="0">
-                <a:solidFill>
-                  <a:srgbClr val="000000"/>
-                </a:solidFill>
-                <a:latin typeface="Open Sans"/>
-              </a:rPr>
-              <a:t>Aplicación web - </a:t>
-            </a:r>
-            <a:r>
-              <a:rPr lang="es-EC" sz="1400" dirty="0" err="1">
-                <a:solidFill>
-                  <a:srgbClr val="000000"/>
-                </a:solidFill>
-                <a:latin typeface="Open Sans"/>
-              </a:rPr>
-              <a:t>NodeJS</a:t>
-            </a:r>
-            <a:endParaRPr lang="es-EC" sz="1400" dirty="0">
-              <a:solidFill>
-                <a:srgbClr val="000000"/>
-              </a:solidFill>
-              <a:latin typeface="Open Sans"/>
-            </a:endParaRPr>
-          </a:p>
-          <a:p>
-            <a:pPr marL="302261" lvl="1" indent="-151130">
+              <a:rPr lang="en-US" sz="1335">
+                <a:solidFill>
+                  <a:srgbClr val="000000"/>
+                </a:solidFill>
+                <a:latin typeface="Open Sans Bold"/>
+              </a:rPr>
+              <a:t>Luis Corales</a:t>
+            </a:r>
+          </a:p>
+          <a:p>
+            <a:pPr algn="ctr">
               <a:lnSpc>
-                <a:spcPts val="1960"/>
-              </a:lnSpc>
-              <a:buFont typeface="Arial"/>
-              <a:buChar char="•"/>
-            </a:pPr>
-            <a:r>
-              <a:rPr lang="es-EC" sz="1400" dirty="0" err="1">
-                <a:solidFill>
-                  <a:srgbClr val="000000"/>
-                </a:solidFill>
-                <a:latin typeface="Open Sans"/>
-              </a:rPr>
-              <a:t>Feedback</a:t>
-            </a:r>
-            <a:r>
-              <a:rPr lang="es-EC" sz="1400" dirty="0">
-                <a:solidFill>
-                  <a:srgbClr val="000000"/>
-                </a:solidFill>
-                <a:latin typeface="Open Sans"/>
-              </a:rPr>
-              <a:t> a estudiantes</a:t>
-            </a:r>
-          </a:p>
-          <a:p>
-            <a:pPr marL="302261" lvl="1" indent="-151130">
-              <a:lnSpc>
-                <a:spcPts val="1960"/>
-              </a:lnSpc>
-              <a:buFont typeface="Arial"/>
-              <a:buChar char="•"/>
-            </a:pPr>
-            <a:r>
-              <a:rPr lang="es-EC" sz="1400" dirty="0">
-                <a:solidFill>
-                  <a:srgbClr val="000000"/>
-                </a:solidFill>
-                <a:latin typeface="Open Sans"/>
-              </a:rPr>
-              <a:t>Planes de entrenamiento</a:t>
-            </a:r>
-          </a:p>
-          <a:p>
-            <a:pPr marL="302261" lvl="1" indent="-151130">
-              <a:lnSpc>
-                <a:spcPts val="1960"/>
-              </a:lnSpc>
-              <a:buFont typeface="Arial"/>
-              <a:buChar char="•"/>
-            </a:pPr>
-            <a:r>
-              <a:rPr lang="es-EC" sz="1400" dirty="0">
-                <a:solidFill>
-                  <a:srgbClr val="000000"/>
-                </a:solidFill>
-                <a:latin typeface="Open Sans"/>
-              </a:rPr>
-              <a:t>Gestión de esgrimistas</a:t>
-            </a:r>
-          </a:p>
-          <a:p>
-            <a:pPr marL="302261" lvl="1" indent="-151130">
-              <a:lnSpc>
-                <a:spcPts val="1960"/>
-              </a:lnSpc>
-              <a:buFont typeface="Arial"/>
-              <a:buChar char="•"/>
-            </a:pPr>
-            <a:r>
-              <a:rPr lang="es-EC" sz="1400" dirty="0">
-                <a:solidFill>
-                  <a:srgbClr val="000000"/>
-                </a:solidFill>
-                <a:latin typeface="Open Sans"/>
-              </a:rPr>
-              <a:t>Registro de combates</a:t>
-            </a:r>
-          </a:p>
-          <a:p>
-            <a:pPr marL="302261" lvl="1" indent="-151130">
-              <a:lnSpc>
-                <a:spcPts val="1960"/>
-              </a:lnSpc>
-              <a:buFont typeface="Arial"/>
-              <a:buChar char="•"/>
-            </a:pPr>
-            <a:r>
-              <a:rPr lang="es-EC" sz="1400" dirty="0">
-                <a:solidFill>
-                  <a:srgbClr val="000000"/>
-                </a:solidFill>
-                <a:latin typeface="Open Sans"/>
-              </a:rPr>
-              <a:t>Entrenamiento con IA</a:t>
-            </a:r>
-          </a:p>
-          <a:p>
-            <a:pPr>
-              <a:lnSpc>
-                <a:spcPts val="1960"/>
+                <a:spcPts val="1869"/>
               </a:lnSpc>
             </a:pPr>
-            <a:endParaRPr lang="es-EC" sz="1400" dirty="0">
-              <a:solidFill>
-                <a:srgbClr val="000000"/>
-              </a:solidFill>
-              <a:latin typeface="Open Sans"/>
-            </a:endParaRPr>
-          </a:p>
-          <a:p>
-            <a:pPr>
+            <a:r>
+              <a:rPr lang="en-US" sz="1335">
+                <a:solidFill>
+                  <a:srgbClr val="000000"/>
+                </a:solidFill>
+                <a:latin typeface="Open Sans"/>
+              </a:rPr>
+              <a:t>luis.corales.martinez</a:t>
+            </a:r>
+          </a:p>
+          <a:p>
+            <a:pPr algn="ctr">
               <a:lnSpc>
-                <a:spcPts val="1960"/>
+                <a:spcPts val="1869"/>
               </a:lnSpc>
             </a:pPr>
             <a:r>
-              <a:rPr lang="es-EC" sz="1400" dirty="0">
-                <a:solidFill>
-                  <a:srgbClr val="000000"/>
-                </a:solidFill>
-                <a:latin typeface="Open Sans"/>
-              </a:rPr>
-              <a:t>Máquina - microcontroladores</a:t>
-            </a:r>
-          </a:p>
-          <a:p>
-            <a:pPr marL="302261" lvl="1" indent="-151130">
-              <a:lnSpc>
-                <a:spcPts val="1960"/>
-              </a:lnSpc>
-              <a:buFont typeface="Arial"/>
-              <a:buChar char="•"/>
-            </a:pPr>
-            <a:r>
-              <a:rPr lang="es-EC" sz="1400" dirty="0">
-                <a:solidFill>
-                  <a:srgbClr val="000000"/>
-                </a:solidFill>
-                <a:latin typeface="Open Sans"/>
-              </a:rPr>
-              <a:t>Conexión a API para persistencia</a:t>
-            </a:r>
-          </a:p>
-          <a:p>
-            <a:pPr marL="302261" lvl="1" indent="-151130">
-              <a:lnSpc>
-                <a:spcPts val="1960"/>
-              </a:lnSpc>
-              <a:buFont typeface="Arial"/>
-              <a:buChar char="•"/>
-            </a:pPr>
-            <a:r>
-              <a:rPr lang="es-EC" sz="1400" dirty="0">
-                <a:solidFill>
-                  <a:srgbClr val="000000"/>
-                </a:solidFill>
-                <a:latin typeface="Open Sans"/>
-              </a:rPr>
-              <a:t>Conteo de puntos</a:t>
-            </a:r>
-          </a:p>
-          <a:p>
-            <a:pPr marL="302261" lvl="1" indent="-151130">
-              <a:lnSpc>
-                <a:spcPts val="1960"/>
-              </a:lnSpc>
-              <a:buFont typeface="Arial"/>
-              <a:buChar char="•"/>
-            </a:pPr>
-            <a:r>
-              <a:rPr lang="es-EC" sz="1400" dirty="0">
-                <a:solidFill>
-                  <a:srgbClr val="000000"/>
-                </a:solidFill>
-                <a:latin typeface="Open Sans"/>
-              </a:rPr>
-              <a:t>Temporizador</a:t>
-            </a:r>
-          </a:p>
-          <a:p>
-            <a:pPr marL="302261" lvl="1" indent="-151130">
-              <a:lnSpc>
-                <a:spcPts val="1960"/>
-              </a:lnSpc>
-              <a:buFont typeface="Arial"/>
-              <a:buChar char="•"/>
-            </a:pPr>
-            <a:r>
-              <a:rPr lang="es-EC" sz="1400" dirty="0">
-                <a:solidFill>
-                  <a:srgbClr val="000000"/>
-                </a:solidFill>
-                <a:latin typeface="Open Sans"/>
-              </a:rPr>
-              <a:t>Control remoto</a:t>
-            </a:r>
-          </a:p>
-          <a:p>
-            <a:pPr>
-              <a:lnSpc>
-                <a:spcPts val="1960"/>
-              </a:lnSpc>
-            </a:pPr>
-            <a:endParaRPr lang="es-EC" sz="1400" dirty="0">
-              <a:solidFill>
-                <a:srgbClr val="000000"/>
-              </a:solidFill>
-              <a:latin typeface="Open Sans"/>
-            </a:endParaRPr>
-          </a:p>
-          <a:p>
-            <a:pPr>
-              <a:lnSpc>
-                <a:spcPts val="1960"/>
-              </a:lnSpc>
-            </a:pPr>
-            <a:r>
-              <a:rPr lang="es-EC" sz="1400" dirty="0">
-                <a:solidFill>
-                  <a:srgbClr val="000000"/>
-                </a:solidFill>
-                <a:latin typeface="Open Sans"/>
-              </a:rPr>
-              <a:t>Inteligencia Artificial - Tensoflow.js</a:t>
-            </a:r>
-          </a:p>
-          <a:p>
-            <a:pPr marL="302261" lvl="1" indent="-151130">
-              <a:lnSpc>
-                <a:spcPts val="1960"/>
-              </a:lnSpc>
-              <a:buFont typeface="Arial"/>
-              <a:buChar char="•"/>
-            </a:pPr>
-            <a:r>
-              <a:rPr lang="es-EC" sz="1400" dirty="0">
-                <a:solidFill>
-                  <a:srgbClr val="000000"/>
-                </a:solidFill>
-                <a:latin typeface="Open Sans"/>
-              </a:rPr>
-              <a:t>Red neuronal recurrente</a:t>
-            </a:r>
-          </a:p>
-          <a:p>
-            <a:pPr marL="302261" lvl="1" indent="-151130">
-              <a:lnSpc>
-                <a:spcPts val="1960"/>
-              </a:lnSpc>
-              <a:buFont typeface="Arial"/>
-              <a:buChar char="•"/>
-            </a:pPr>
-            <a:r>
-              <a:rPr lang="es-EC" sz="1400" dirty="0">
-                <a:solidFill>
-                  <a:srgbClr val="000000"/>
-                </a:solidFill>
-                <a:latin typeface="Open Sans"/>
-              </a:rPr>
-              <a:t>Detección de poses humanas</a:t>
-            </a:r>
-          </a:p>
-          <a:p>
-            <a:pPr marL="302261" lvl="1" indent="-151130">
-              <a:lnSpc>
-                <a:spcPts val="1960"/>
-              </a:lnSpc>
-              <a:buFont typeface="Arial"/>
-              <a:buChar char="•"/>
-            </a:pPr>
-            <a:r>
-              <a:rPr lang="es-EC" sz="1400" dirty="0">
-                <a:solidFill>
-                  <a:srgbClr val="000000"/>
-                </a:solidFill>
-                <a:latin typeface="Open Sans"/>
-              </a:rPr>
-              <a:t>Análisis de poses y errores</a:t>
-            </a:r>
-          </a:p>
-          <a:p>
-            <a:pPr>
-              <a:lnSpc>
-                <a:spcPts val="1960"/>
-              </a:lnSpc>
-            </a:pPr>
-            <a:endParaRPr lang="en-US" sz="1400" dirty="0">
-              <a:solidFill>
-                <a:srgbClr val="000000"/>
-              </a:solidFill>
-              <a:latin typeface="Open Sans"/>
-            </a:endParaRPr>
+              <a:rPr lang="en-US" sz="1335">
+                <a:solidFill>
+                  <a:srgbClr val="000000"/>
+                </a:solidFill>
+                <a:latin typeface="Open Sans"/>
+              </a:rPr>
+              <a:t>@udla.edu.ec</a:t>
+            </a:r>
           </a:p>
         </p:txBody>
       </p:sp>
       <p:sp>
         <p:nvSpPr>
-          <p:cNvPr id="46" name="TextBox 38">
-            <a:extLst>
-              <a:ext uri="{FF2B5EF4-FFF2-40B4-BE49-F238E27FC236}">
-                <a16:creationId xmlns:a16="http://schemas.microsoft.com/office/drawing/2014/main" id="{923CC914-2A2A-900F-3B18-9F6B359B00C4}"/>
-              </a:ext>
-            </a:extLst>
-          </p:cNvPr>
+          <p:cNvPr id="34" name="TextBox 34"/>
           <p:cNvSpPr txBox="1"/>
           <p:nvPr/>
         </p:nvSpPr>
         <p:spPr>
           <a:xfrm>
-            <a:off x="12405939" y="7053964"/>
-            <a:ext cx="5543904" cy="3060005"/>
+            <a:off x="13644744" y="290952"/>
+            <a:ext cx="1758958" cy="680450"/>
           </a:xfrm>
           <a:prstGeom prst="rect">
             <a:avLst/>
@@ -5189,429 +4542,1163 @@
           </a:bodyPr>
           <a:lstStyle/>
           <a:p>
-            <a:pPr marL="302261" lvl="1" indent="-151130">
+            <a:pPr algn="ctr">
               <a:lnSpc>
-                <a:spcPts val="1960"/>
+                <a:spcPts val="1869"/>
+              </a:lnSpc>
+            </a:pPr>
+            <a:r>
+              <a:rPr lang="en-US" sz="1335">
+                <a:solidFill>
+                  <a:srgbClr val="000000"/>
+                </a:solidFill>
+                <a:latin typeface="Open Sans Bold"/>
+              </a:rPr>
+              <a:t>Christian Samaniego</a:t>
+            </a:r>
+          </a:p>
+          <a:p>
+            <a:pPr algn="ctr">
+              <a:lnSpc>
+                <a:spcPts val="1869"/>
+              </a:lnSpc>
+            </a:pPr>
+            <a:r>
+              <a:rPr lang="en-US" sz="1335">
+                <a:solidFill>
+                  <a:srgbClr val="000000"/>
+                </a:solidFill>
+                <a:latin typeface="Open Sans"/>
+              </a:rPr>
+              <a:t>christian.samaniego</a:t>
+            </a:r>
+          </a:p>
+          <a:p>
+            <a:pPr algn="ctr">
+              <a:lnSpc>
+                <a:spcPts val="1869"/>
+              </a:lnSpc>
+            </a:pPr>
+            <a:r>
+              <a:rPr lang="en-US" sz="1335">
+                <a:solidFill>
+                  <a:srgbClr val="000000"/>
+                </a:solidFill>
+                <a:latin typeface="Open Sans"/>
+              </a:rPr>
+              <a:t>@udla.edu.ec</a:t>
+            </a:r>
+          </a:p>
+        </p:txBody>
+      </p:sp>
+      <p:sp>
+        <p:nvSpPr>
+          <p:cNvPr id="38" name="Freeform 38"/>
+          <p:cNvSpPr/>
+          <p:nvPr/>
+        </p:nvSpPr>
+        <p:spPr>
+          <a:xfrm>
+            <a:off x="6794755" y="6446101"/>
+            <a:ext cx="2040506" cy="2035353"/>
+          </a:xfrm>
+          <a:custGeom>
+            <a:avLst/>
+            <a:gdLst/>
+            <a:ahLst/>
+            <a:cxnLst/>
+            <a:rect l="l" t="t" r="r" b="b"/>
+            <a:pathLst>
+              <a:path w="2040506" h="2035353">
+                <a:moveTo>
+                  <a:pt x="0" y="0"/>
+                </a:moveTo>
+                <a:lnTo>
+                  <a:pt x="2040506" y="0"/>
+                </a:lnTo>
+                <a:lnTo>
+                  <a:pt x="2040506" y="2035354"/>
+                </a:lnTo>
+                <a:lnTo>
+                  <a:pt x="0" y="2035354"/>
+                </a:lnTo>
+                <a:lnTo>
+                  <a:pt x="0" y="0"/>
+                </a:lnTo>
+                <a:close/>
+              </a:path>
+            </a:pathLst>
+          </a:custGeom>
+          <a:blipFill>
+            <a:blip r:embed="rId5"/>
+            <a:stretch>
+              <a:fillRect l="-61408" t="-18454" r="-191193" b="-66116"/>
+            </a:stretch>
+          </a:blipFill>
+        </p:spPr>
+      </p:sp>
+      <p:sp>
+        <p:nvSpPr>
+          <p:cNvPr id="40" name="Freeform 40"/>
+          <p:cNvSpPr/>
+          <p:nvPr/>
+        </p:nvSpPr>
+        <p:spPr>
+          <a:xfrm>
+            <a:off x="6460185" y="2585401"/>
+            <a:ext cx="5455767" cy="2482864"/>
+          </a:xfrm>
+          <a:custGeom>
+            <a:avLst/>
+            <a:gdLst/>
+            <a:ahLst/>
+            <a:cxnLst/>
+            <a:rect l="l" t="t" r="r" b="b"/>
+            <a:pathLst>
+              <a:path w="5455767" h="2482864">
+                <a:moveTo>
+                  <a:pt x="0" y="0"/>
+                </a:moveTo>
+                <a:lnTo>
+                  <a:pt x="5455767" y="0"/>
+                </a:lnTo>
+                <a:lnTo>
+                  <a:pt x="5455767" y="2482864"/>
+                </a:lnTo>
+                <a:lnTo>
+                  <a:pt x="0" y="2482864"/>
+                </a:lnTo>
+                <a:lnTo>
+                  <a:pt x="0" y="0"/>
+                </a:lnTo>
+                <a:close/>
+              </a:path>
+            </a:pathLst>
+          </a:custGeom>
+          <a:blipFill>
+            <a:blip r:embed="rId6"/>
+            <a:stretch>
+              <a:fillRect l="-2356" t="-13847" r="-1584" b="-1234"/>
+            </a:stretch>
+          </a:blipFill>
+        </p:spPr>
+      </p:sp>
+      <p:sp>
+        <p:nvSpPr>
+          <p:cNvPr id="41" name="TextBox 41"/>
+          <p:cNvSpPr txBox="1"/>
+          <p:nvPr/>
+        </p:nvSpPr>
+        <p:spPr>
+          <a:xfrm>
+            <a:off x="6372048" y="5361298"/>
+            <a:ext cx="5543904" cy="690880"/>
+          </a:xfrm>
+          <a:prstGeom prst="rect">
+            <a:avLst/>
+          </a:prstGeom>
+        </p:spPr>
+        <p:txBody>
+          <a:bodyPr lIns="0" tIns="0" rIns="0" bIns="0" rtlCol="0" anchor="t">
+            <a:spAutoFit/>
+          </a:bodyPr>
+          <a:lstStyle/>
+          <a:p>
+            <a:pPr marL="280671" lvl="1" indent="-140336" algn="just">
+              <a:lnSpc>
+                <a:spcPts val="1820"/>
               </a:lnSpc>
               <a:buFont typeface="Arial"/>
               <a:buChar char="•"/>
             </a:pPr>
             <a:r>
-              <a:rPr lang="es-EC" sz="1400" dirty="0">
-                <a:solidFill>
-                  <a:srgbClr val="000000"/>
-                </a:solidFill>
-                <a:latin typeface="Open Sans"/>
-              </a:rPr>
-              <a:t>K. </a:t>
-            </a:r>
-            <a:r>
-              <a:rPr lang="es-EC" sz="1400" dirty="0" err="1">
-                <a:solidFill>
-                  <a:srgbClr val="000000"/>
-                </a:solidFill>
-                <a:latin typeface="Open Sans"/>
-              </a:rPr>
-              <a:t>Apostolou</a:t>
-            </a:r>
-            <a:r>
-              <a:rPr lang="es-EC" sz="1400" dirty="0">
-                <a:solidFill>
-                  <a:srgbClr val="000000"/>
-                </a:solidFill>
-                <a:latin typeface="Open Sans"/>
-              </a:rPr>
-              <a:t>, C. T. (2019). </a:t>
-            </a:r>
-            <a:r>
-              <a:rPr lang="es-EC" sz="1400" dirty="0" err="1">
-                <a:solidFill>
-                  <a:srgbClr val="000000"/>
-                </a:solidFill>
-                <a:latin typeface="Open Sans"/>
-              </a:rPr>
-              <a:t>Sports</a:t>
-            </a:r>
-            <a:r>
-              <a:rPr lang="es-EC" sz="1400" dirty="0">
-                <a:solidFill>
-                  <a:srgbClr val="000000"/>
-                </a:solidFill>
-                <a:latin typeface="Open Sans"/>
-              </a:rPr>
-              <a:t> </a:t>
-            </a:r>
-            <a:r>
-              <a:rPr lang="es-EC" sz="1400" dirty="0" err="1">
-                <a:solidFill>
-                  <a:srgbClr val="000000"/>
-                </a:solidFill>
-                <a:latin typeface="Open Sans"/>
-              </a:rPr>
-              <a:t>Analytics</a:t>
-            </a:r>
-            <a:r>
-              <a:rPr lang="es-EC" sz="1400" dirty="0">
-                <a:solidFill>
-                  <a:srgbClr val="000000"/>
-                </a:solidFill>
-                <a:latin typeface="Open Sans"/>
-              </a:rPr>
-              <a:t> </a:t>
-            </a:r>
-            <a:r>
-              <a:rPr lang="es-EC" sz="1400" dirty="0" err="1">
-                <a:solidFill>
-                  <a:srgbClr val="000000"/>
-                </a:solidFill>
-                <a:latin typeface="Open Sans"/>
-              </a:rPr>
-              <a:t>algorithms</a:t>
-            </a:r>
-            <a:r>
-              <a:rPr lang="es-EC" sz="1400" dirty="0">
-                <a:solidFill>
-                  <a:srgbClr val="000000"/>
-                </a:solidFill>
-                <a:latin typeface="Open Sans"/>
-              </a:rPr>
-              <a:t> </a:t>
-            </a:r>
-            <a:r>
-              <a:rPr lang="es-EC" sz="1400" dirty="0" err="1">
-                <a:solidFill>
-                  <a:srgbClr val="000000"/>
-                </a:solidFill>
-                <a:latin typeface="Open Sans"/>
-              </a:rPr>
-              <a:t>for</a:t>
-            </a:r>
-            <a:r>
-              <a:rPr lang="es-EC" sz="1400" dirty="0">
-                <a:solidFill>
-                  <a:srgbClr val="000000"/>
-                </a:solidFill>
-                <a:latin typeface="Open Sans"/>
-              </a:rPr>
-              <a:t> performance </a:t>
-            </a:r>
-            <a:r>
-              <a:rPr lang="es-EC" sz="1400" dirty="0" err="1">
-                <a:solidFill>
-                  <a:srgbClr val="000000"/>
-                </a:solidFill>
-                <a:latin typeface="Open Sans"/>
-              </a:rPr>
-              <a:t>prediction</a:t>
-            </a:r>
-            <a:r>
-              <a:rPr lang="es-EC" sz="1400" dirty="0">
-                <a:solidFill>
-                  <a:srgbClr val="000000"/>
-                </a:solidFill>
-                <a:latin typeface="Open Sans"/>
-              </a:rPr>
-              <a:t>. 2019 10th International </a:t>
-            </a:r>
-            <a:r>
-              <a:rPr lang="es-EC" sz="1400" dirty="0" err="1">
-                <a:solidFill>
-                  <a:srgbClr val="000000"/>
-                </a:solidFill>
-                <a:latin typeface="Open Sans"/>
-              </a:rPr>
-              <a:t>Conference</a:t>
-            </a:r>
-            <a:r>
-              <a:rPr lang="es-EC" sz="1400" dirty="0">
-                <a:solidFill>
-                  <a:srgbClr val="000000"/>
-                </a:solidFill>
-                <a:latin typeface="Open Sans"/>
-              </a:rPr>
-              <a:t> </a:t>
-            </a:r>
-            <a:r>
-              <a:rPr lang="es-EC" sz="1400" dirty="0" err="1">
-                <a:solidFill>
-                  <a:srgbClr val="000000"/>
-                </a:solidFill>
-                <a:latin typeface="Open Sans"/>
-              </a:rPr>
-              <a:t>on</a:t>
-            </a:r>
-            <a:r>
-              <a:rPr lang="es-EC" sz="1400" dirty="0">
-                <a:solidFill>
-                  <a:srgbClr val="000000"/>
-                </a:solidFill>
-                <a:latin typeface="Open Sans"/>
-              </a:rPr>
-              <a:t> </a:t>
-            </a:r>
-            <a:r>
-              <a:rPr lang="es-EC" sz="1400" dirty="0" err="1">
-                <a:solidFill>
-                  <a:srgbClr val="000000"/>
-                </a:solidFill>
-                <a:latin typeface="Open Sans"/>
-              </a:rPr>
-              <a:t>Information</a:t>
-            </a:r>
-            <a:r>
-              <a:rPr lang="es-EC" sz="1400" dirty="0">
-                <a:solidFill>
-                  <a:srgbClr val="000000"/>
-                </a:solidFill>
-                <a:latin typeface="Open Sans"/>
-              </a:rPr>
-              <a:t>, </a:t>
-            </a:r>
-            <a:r>
-              <a:rPr lang="es-EC" sz="1400" dirty="0" err="1">
-                <a:solidFill>
-                  <a:srgbClr val="000000"/>
-                </a:solidFill>
-                <a:latin typeface="Open Sans"/>
-              </a:rPr>
-              <a:t>Intelligence</a:t>
-            </a:r>
-            <a:r>
-              <a:rPr lang="es-EC" sz="1400" dirty="0">
-                <a:solidFill>
-                  <a:srgbClr val="000000"/>
-                </a:solidFill>
-                <a:latin typeface="Open Sans"/>
-              </a:rPr>
-              <a:t>, </a:t>
-            </a:r>
-            <a:r>
-              <a:rPr lang="es-EC" sz="1400" dirty="0" err="1">
-                <a:solidFill>
-                  <a:srgbClr val="000000"/>
-                </a:solidFill>
-                <a:latin typeface="Open Sans"/>
-              </a:rPr>
-              <a:t>Systems</a:t>
-            </a:r>
-            <a:r>
-              <a:rPr lang="es-EC" sz="1400" dirty="0">
-                <a:solidFill>
-                  <a:srgbClr val="000000"/>
-                </a:solidFill>
-                <a:latin typeface="Open Sans"/>
-              </a:rPr>
-              <a:t> and </a:t>
-            </a:r>
-            <a:r>
-              <a:rPr lang="es-EC" sz="1400" dirty="0" err="1">
-                <a:solidFill>
-                  <a:srgbClr val="000000"/>
-                </a:solidFill>
-                <a:latin typeface="Open Sans"/>
-              </a:rPr>
-              <a:t>Applications</a:t>
-            </a:r>
-            <a:r>
-              <a:rPr lang="es-EC" sz="1400" dirty="0">
-                <a:solidFill>
-                  <a:srgbClr val="000000"/>
-                </a:solidFill>
-                <a:latin typeface="Open Sans"/>
-              </a:rPr>
-              <a:t> (IISA) (págs. 1-4). Patras, </a:t>
-            </a:r>
-            <a:r>
-              <a:rPr lang="es-EC" sz="1400" dirty="0" err="1">
-                <a:solidFill>
-                  <a:srgbClr val="000000"/>
-                </a:solidFill>
-                <a:latin typeface="Open Sans"/>
-              </a:rPr>
-              <a:t>Greece</a:t>
-            </a:r>
-            <a:r>
-              <a:rPr lang="es-EC" sz="1400" dirty="0">
-                <a:solidFill>
-                  <a:srgbClr val="000000"/>
-                </a:solidFill>
-                <a:latin typeface="Open Sans"/>
-              </a:rPr>
-              <a:t>: IEEE. </a:t>
-            </a:r>
-          </a:p>
-          <a:p>
-            <a:pPr marL="302261" lvl="1" indent="-151130">
+              <a:rPr lang="es-EC" sz="1300" dirty="0">
+                <a:solidFill>
+                  <a:srgbClr val="000000"/>
+                </a:solidFill>
+                <a:latin typeface="Open Sans"/>
+              </a:rPr>
+              <a:t>El módulo de inteligencia artificial desarrollada con TensorFlow.js e integrada a la aplicación web permite a los esgrimistas tener asistencia visual de sus entrenamientos.</a:t>
+            </a:r>
+          </a:p>
+        </p:txBody>
+      </p:sp>
+      <p:sp>
+        <p:nvSpPr>
+          <p:cNvPr id="42" name="TextBox 42"/>
+          <p:cNvSpPr txBox="1"/>
+          <p:nvPr/>
+        </p:nvSpPr>
+        <p:spPr>
+          <a:xfrm>
+            <a:off x="6460185" y="8893810"/>
+            <a:ext cx="5543904" cy="690880"/>
+          </a:xfrm>
+          <a:prstGeom prst="rect">
+            <a:avLst/>
+          </a:prstGeom>
+        </p:spPr>
+        <p:txBody>
+          <a:bodyPr lIns="0" tIns="0" rIns="0" bIns="0" rtlCol="0" anchor="t">
+            <a:spAutoFit/>
+          </a:bodyPr>
+          <a:lstStyle/>
+          <a:p>
+            <a:pPr marL="280671" lvl="1" indent="-140336" algn="just">
               <a:lnSpc>
-                <a:spcPts val="1960"/>
+                <a:spcPts val="1820"/>
               </a:lnSpc>
               <a:buFont typeface="Arial"/>
               <a:buChar char="•"/>
             </a:pPr>
             <a:r>
-              <a:rPr lang="es-EC" sz="1400" dirty="0">
-                <a:solidFill>
-                  <a:srgbClr val="000000"/>
-                </a:solidFill>
-                <a:latin typeface="Open Sans"/>
-              </a:rPr>
-              <a:t>Liu, Q. (2022). Aerobics </a:t>
-            </a:r>
-            <a:r>
-              <a:rPr lang="es-EC" sz="1400" dirty="0" err="1">
-                <a:solidFill>
-                  <a:srgbClr val="000000"/>
-                </a:solidFill>
-                <a:latin typeface="Open Sans"/>
-              </a:rPr>
-              <a:t>posture</a:t>
-            </a:r>
-            <a:r>
-              <a:rPr lang="es-EC" sz="1400" dirty="0">
-                <a:solidFill>
-                  <a:srgbClr val="000000"/>
-                </a:solidFill>
-                <a:latin typeface="Open Sans"/>
-              </a:rPr>
-              <a:t> </a:t>
-            </a:r>
-            <a:r>
-              <a:rPr lang="es-EC" sz="1400" dirty="0" err="1">
-                <a:solidFill>
-                  <a:srgbClr val="000000"/>
-                </a:solidFill>
-                <a:latin typeface="Open Sans"/>
-              </a:rPr>
-              <a:t>recognition</a:t>
-            </a:r>
-            <a:r>
-              <a:rPr lang="es-EC" sz="1400" dirty="0">
-                <a:solidFill>
-                  <a:srgbClr val="000000"/>
-                </a:solidFill>
-                <a:latin typeface="Open Sans"/>
-              </a:rPr>
-              <a:t> </a:t>
-            </a:r>
-            <a:r>
-              <a:rPr lang="es-EC" sz="1400" dirty="0" err="1">
-                <a:solidFill>
-                  <a:srgbClr val="000000"/>
-                </a:solidFill>
-                <a:latin typeface="Open Sans"/>
-              </a:rPr>
-              <a:t>based</a:t>
-            </a:r>
-            <a:r>
-              <a:rPr lang="es-EC" sz="1400" dirty="0">
-                <a:solidFill>
-                  <a:srgbClr val="000000"/>
-                </a:solidFill>
-                <a:latin typeface="Open Sans"/>
-              </a:rPr>
-              <a:t> </a:t>
-            </a:r>
-            <a:r>
-              <a:rPr lang="es-EC" sz="1400" dirty="0" err="1">
-                <a:solidFill>
-                  <a:srgbClr val="000000"/>
-                </a:solidFill>
-                <a:latin typeface="Open Sans"/>
-              </a:rPr>
-              <a:t>on</a:t>
-            </a:r>
-            <a:r>
-              <a:rPr lang="es-EC" sz="1400" dirty="0">
-                <a:solidFill>
-                  <a:srgbClr val="000000"/>
-                </a:solidFill>
-                <a:latin typeface="Open Sans"/>
-              </a:rPr>
-              <a:t> neural </a:t>
-            </a:r>
-            <a:r>
-              <a:rPr lang="es-EC" sz="1400" dirty="0" err="1">
-                <a:solidFill>
-                  <a:srgbClr val="000000"/>
-                </a:solidFill>
-                <a:latin typeface="Open Sans"/>
-              </a:rPr>
-              <a:t>network</a:t>
-            </a:r>
-            <a:r>
-              <a:rPr lang="es-EC" sz="1400" dirty="0">
-                <a:solidFill>
-                  <a:srgbClr val="000000"/>
-                </a:solidFill>
-                <a:latin typeface="Open Sans"/>
-              </a:rPr>
-              <a:t> and </a:t>
-            </a:r>
-            <a:r>
-              <a:rPr lang="es-EC" sz="1400" dirty="0" err="1">
-                <a:solidFill>
-                  <a:srgbClr val="000000"/>
-                </a:solidFill>
-                <a:latin typeface="Open Sans"/>
-              </a:rPr>
-              <a:t>sensors</a:t>
-            </a:r>
-            <a:r>
-              <a:rPr lang="es-EC" sz="1400" dirty="0">
-                <a:solidFill>
-                  <a:srgbClr val="000000"/>
-                </a:solidFill>
-                <a:latin typeface="Open Sans"/>
-              </a:rPr>
-              <a:t>. Neural Computing and </a:t>
-            </a:r>
-            <a:r>
-              <a:rPr lang="es-EC" sz="1400" dirty="0" err="1">
-                <a:solidFill>
-                  <a:srgbClr val="000000"/>
-                </a:solidFill>
-                <a:latin typeface="Open Sans"/>
-              </a:rPr>
-              <a:t>Applications</a:t>
-            </a:r>
-            <a:r>
-              <a:rPr lang="es-EC" sz="1400" dirty="0">
-                <a:solidFill>
-                  <a:srgbClr val="000000"/>
-                </a:solidFill>
-                <a:latin typeface="Open Sans"/>
-              </a:rPr>
-              <a:t>, 34(5), 3337–3348. </a:t>
-            </a:r>
-            <a:r>
-              <a:rPr lang="es-EC" sz="1400" dirty="0" err="1">
-                <a:solidFill>
-                  <a:srgbClr val="000000"/>
-                </a:solidFill>
-                <a:latin typeface="Open Sans"/>
-              </a:rPr>
-              <a:t>doi:https</a:t>
-            </a:r>
-            <a:r>
-              <a:rPr lang="es-EC" sz="1400" dirty="0">
-                <a:solidFill>
-                  <a:srgbClr val="000000"/>
-                </a:solidFill>
-                <a:latin typeface="Open Sans"/>
-              </a:rPr>
-              <a:t>://doi.org/10.1007/s00521-020-05632-w </a:t>
-            </a:r>
-          </a:p>
-          <a:p>
-            <a:pPr marL="302261" lvl="1" indent="-151130">
+              <a:rPr lang="es-EC" sz="1300" dirty="0">
+                <a:solidFill>
+                  <a:srgbClr val="000000"/>
+                </a:solidFill>
+                <a:latin typeface="Open Sans"/>
+              </a:rPr>
+              <a:t>La máquina de puntaje creada con Arduinos y un ESP32 permite llevar el conteo de puntos en un combate, periodo, tiempo y tarjetas de penalización.</a:t>
+            </a:r>
+          </a:p>
+        </p:txBody>
+      </p:sp>
+      <p:sp>
+        <p:nvSpPr>
+          <p:cNvPr id="44" name="TextBox 35">
+            <a:extLst>
+              <a:ext uri="{FF2B5EF4-FFF2-40B4-BE49-F238E27FC236}">
+                <a16:creationId xmlns:a16="http://schemas.microsoft.com/office/drawing/2014/main" id="{8AD6A967-E0CF-422F-2D85-3D23B884DEE0}"/>
+              </a:ext>
+            </a:extLst>
+          </p:cNvPr>
+          <p:cNvSpPr txBox="1"/>
+          <p:nvPr/>
+        </p:nvSpPr>
+        <p:spPr>
+          <a:xfrm>
+            <a:off x="370454" y="1698683"/>
+            <a:ext cx="5543904" cy="1833880"/>
+          </a:xfrm>
+          <a:prstGeom prst="rect">
+            <a:avLst/>
+          </a:prstGeom>
+        </p:spPr>
+        <p:txBody>
+          <a:bodyPr lIns="0" tIns="0" rIns="0" bIns="0" rtlCol="0" anchor="t">
+            <a:spAutoFit/>
+          </a:bodyPr>
+          <a:lstStyle/>
+          <a:p>
+            <a:pPr algn="just">
               <a:lnSpc>
-                <a:spcPts val="1960"/>
+                <a:spcPts val="1820"/>
+              </a:lnSpc>
+            </a:pPr>
+            <a:r>
+              <a:rPr lang="es-EC" sz="1300" dirty="0">
+                <a:solidFill>
+                  <a:srgbClr val="000000"/>
+                </a:solidFill>
+                <a:latin typeface="Open Sans"/>
+              </a:rPr>
+              <a:t>La Academia maneja datos de planificación y rendimiento de deportistas de manera manual. Por otra parte, la limitada cantidad de entrenadores disponibles no siempre permite que los esgrimistas reciban retroalimentación oportuna al entrenar individualmente, dado que no siempre cuentan con una manera de registrar sus prácticas o ser supervisados. Además, no se cuenta con una manera confiable de registrar puntajes, tiempo, y penalizaciones durante los combates, a excepción de la memoria del árbitro presente.</a:t>
+            </a:r>
+          </a:p>
+        </p:txBody>
+      </p:sp>
+      <p:sp>
+        <p:nvSpPr>
+          <p:cNvPr id="45" name="TextBox 37">
+            <a:extLst>
+              <a:ext uri="{FF2B5EF4-FFF2-40B4-BE49-F238E27FC236}">
+                <a16:creationId xmlns:a16="http://schemas.microsoft.com/office/drawing/2014/main" id="{DFCA64AD-2E20-9252-25C3-D6CD3C3590FF}"/>
+              </a:ext>
+            </a:extLst>
+          </p:cNvPr>
+          <p:cNvSpPr txBox="1"/>
+          <p:nvPr/>
+        </p:nvSpPr>
+        <p:spPr>
+          <a:xfrm>
+            <a:off x="338157" y="4129419"/>
+            <a:ext cx="5543904" cy="1605280"/>
+          </a:xfrm>
+          <a:prstGeom prst="rect">
+            <a:avLst/>
+          </a:prstGeom>
+        </p:spPr>
+        <p:txBody>
+          <a:bodyPr lIns="0" tIns="0" rIns="0" bIns="0" rtlCol="0" anchor="t">
+            <a:spAutoFit/>
+          </a:bodyPr>
+          <a:lstStyle/>
+          <a:p>
+            <a:pPr marL="280671" lvl="1" indent="-140336" algn="just">
+              <a:lnSpc>
+                <a:spcPts val="1820"/>
               </a:lnSpc>
               <a:buFont typeface="Arial"/>
               <a:buChar char="•"/>
             </a:pPr>
             <a:r>
-              <a:rPr lang="es-EC" sz="1400" dirty="0">
+              <a:rPr lang="es-EC" sz="1300" dirty="0">
+                <a:solidFill>
+                  <a:srgbClr val="000000"/>
+                </a:solidFill>
+                <a:latin typeface="Open Sans"/>
+              </a:rPr>
+              <a:t>Realizar una aplicación web, para la gestión de planes de entrenamiento personales con carga y consulta de datos de rendimiento y combates. </a:t>
+            </a:r>
+          </a:p>
+          <a:p>
+            <a:pPr marL="280671" lvl="1" indent="-140336" algn="just">
+              <a:lnSpc>
+                <a:spcPts val="1820"/>
+              </a:lnSpc>
+              <a:buFont typeface="Arial"/>
+              <a:buChar char="•"/>
+            </a:pPr>
+            <a:r>
+              <a:rPr lang="es-EC" sz="1300" dirty="0">
+                <a:solidFill>
+                  <a:srgbClr val="000000"/>
+                </a:solidFill>
+                <a:latin typeface="Open Sans"/>
+              </a:rPr>
+              <a:t>Integrar a la aplicación web un módulo de visión por computadora para retroalimentación a ejercicios individuales de esgrima. </a:t>
+            </a:r>
+          </a:p>
+          <a:p>
+            <a:pPr marL="280671" lvl="1" indent="-140336" algn="just">
+              <a:lnSpc>
+                <a:spcPts val="1820"/>
+              </a:lnSpc>
+              <a:spcBef>
+                <a:spcPct val="0"/>
+              </a:spcBef>
+              <a:buFont typeface="Arial"/>
+              <a:buChar char="•"/>
+            </a:pPr>
+            <a:r>
+              <a:rPr lang="es-EC" sz="1300" dirty="0">
+                <a:solidFill>
+                  <a:srgbClr val="000000"/>
+                </a:solidFill>
+                <a:latin typeface="Open Sans"/>
+              </a:rPr>
+              <a:t>Ensamblar y programar un dispositivo electrónico para llevar el conteo de puntos en combates de esgrima. </a:t>
+            </a:r>
+          </a:p>
+        </p:txBody>
+      </p:sp>
+      <p:sp>
+        <p:nvSpPr>
+          <p:cNvPr id="46" name="TextBox 36">
+            <a:extLst>
+              <a:ext uri="{FF2B5EF4-FFF2-40B4-BE49-F238E27FC236}">
+                <a16:creationId xmlns:a16="http://schemas.microsoft.com/office/drawing/2014/main" id="{8EDC3916-909C-0FE2-3C3E-239BB2EEC513}"/>
+              </a:ext>
+            </a:extLst>
+          </p:cNvPr>
+          <p:cNvSpPr txBox="1"/>
+          <p:nvPr/>
+        </p:nvSpPr>
+        <p:spPr>
+          <a:xfrm>
+            <a:off x="342368" y="6331556"/>
+            <a:ext cx="5543904" cy="1376680"/>
+          </a:xfrm>
+          <a:prstGeom prst="rect">
+            <a:avLst/>
+          </a:prstGeom>
+        </p:spPr>
+        <p:txBody>
+          <a:bodyPr lIns="0" tIns="0" rIns="0" bIns="0" rtlCol="0" anchor="t">
+            <a:spAutoFit/>
+          </a:bodyPr>
+          <a:lstStyle/>
+          <a:p>
+            <a:pPr marL="280671" lvl="1" indent="-140336" algn="just">
+              <a:lnSpc>
+                <a:spcPts val="1820"/>
+              </a:lnSpc>
+              <a:buFont typeface="Arial"/>
+              <a:buChar char="•"/>
+            </a:pPr>
+            <a:r>
+              <a:rPr lang="es-EC" sz="1300" dirty="0">
+                <a:solidFill>
+                  <a:srgbClr val="000000"/>
+                </a:solidFill>
+                <a:latin typeface="Open Sans"/>
+              </a:rPr>
+              <a:t>Aplicación web de arquitectura por capas para gestionar planificaciones, datos de alumnos y desempeño de entrenamiento.</a:t>
+            </a:r>
+          </a:p>
+          <a:p>
+            <a:pPr marL="280671" lvl="1" indent="-140336" algn="just">
+              <a:lnSpc>
+                <a:spcPts val="1820"/>
+              </a:lnSpc>
+              <a:buFont typeface="Arial"/>
+              <a:buChar char="•"/>
+            </a:pPr>
+            <a:r>
+              <a:rPr lang="es-EC" sz="1300" dirty="0">
+                <a:solidFill>
+                  <a:srgbClr val="000000"/>
+                </a:solidFill>
+                <a:latin typeface="Open Sans"/>
+              </a:rPr>
+              <a:t>Inteligencia artificial integrada a la app web, para detección de potenciales errores al entrenar individualmente.</a:t>
+            </a:r>
+          </a:p>
+          <a:p>
+            <a:pPr marL="280671" lvl="1" indent="-140336" algn="just">
+              <a:lnSpc>
+                <a:spcPts val="1820"/>
+              </a:lnSpc>
+              <a:buFont typeface="Arial"/>
+              <a:buChar char="•"/>
+            </a:pPr>
+            <a:r>
+              <a:rPr lang="es-EC" sz="1300" dirty="0">
+                <a:solidFill>
+                  <a:srgbClr val="000000"/>
+                </a:solidFill>
+                <a:latin typeface="Open Sans"/>
+              </a:rPr>
+              <a:t>Máquina de puntaje, temporizador y penalizaciones que asista al árbitro en la gestión de datos durante combates.</a:t>
+            </a:r>
+          </a:p>
+        </p:txBody>
+      </p:sp>
+      <p:sp>
+        <p:nvSpPr>
+          <p:cNvPr id="47" name="TextBox 39">
+            <a:extLst>
+              <a:ext uri="{FF2B5EF4-FFF2-40B4-BE49-F238E27FC236}">
+                <a16:creationId xmlns:a16="http://schemas.microsoft.com/office/drawing/2014/main" id="{E221B262-11AF-0FF4-53B9-8D7CA91F64EF}"/>
+              </a:ext>
+            </a:extLst>
+          </p:cNvPr>
+          <p:cNvSpPr txBox="1"/>
+          <p:nvPr/>
+        </p:nvSpPr>
+        <p:spPr>
+          <a:xfrm>
+            <a:off x="12454464" y="1698683"/>
+            <a:ext cx="5543904" cy="2976880"/>
+          </a:xfrm>
+          <a:prstGeom prst="rect">
+            <a:avLst/>
+          </a:prstGeom>
+        </p:spPr>
+        <p:txBody>
+          <a:bodyPr lIns="0" tIns="0" rIns="0" bIns="0" rtlCol="0" anchor="t">
+            <a:spAutoFit/>
+          </a:bodyPr>
+          <a:lstStyle/>
+          <a:p>
+            <a:pPr marL="280671" lvl="1" indent="-140336" algn="just">
+              <a:lnSpc>
+                <a:spcPts val="1820"/>
+              </a:lnSpc>
+              <a:buFont typeface="Arial"/>
+              <a:buChar char="•"/>
+            </a:pPr>
+            <a:r>
+              <a:rPr lang="es-EC" sz="1300" dirty="0">
+                <a:solidFill>
+                  <a:srgbClr val="000000"/>
+                </a:solidFill>
+                <a:latin typeface="Open Sans"/>
+              </a:rPr>
+              <a:t>La implementación de sistemas informáticos para la digitalización de procesos y datos es un objetivo alcanzable implementándose el correcto análisis de requisitos y diseño de la solución.</a:t>
+            </a:r>
+          </a:p>
+          <a:p>
+            <a:pPr marL="280671" lvl="1" indent="-140336" algn="just">
+              <a:lnSpc>
+                <a:spcPts val="1820"/>
+              </a:lnSpc>
+              <a:buFont typeface="Arial"/>
+              <a:buChar char="•"/>
+            </a:pPr>
+            <a:r>
+              <a:rPr lang="es-EC" sz="1300" dirty="0">
+                <a:solidFill>
+                  <a:srgbClr val="000000"/>
+                </a:solidFill>
+                <a:latin typeface="Open Sans"/>
+              </a:rPr>
+              <a:t>La inteligencia artificial resulto ser una herramienta que provee mejores oportunidades de entrenamiento para los esgrimistas. Además, los entrenadores pueden mantener supervisión sobre su desempeño incluso fuera de la Academia.</a:t>
+            </a:r>
+          </a:p>
+          <a:p>
+            <a:pPr marL="280671" lvl="1" indent="-140336" algn="just">
+              <a:lnSpc>
+                <a:spcPts val="1820"/>
+              </a:lnSpc>
+              <a:buFont typeface="Arial"/>
+              <a:buChar char="•"/>
+            </a:pPr>
+            <a:r>
+              <a:rPr lang="es-EC" sz="1300" dirty="0">
+                <a:solidFill>
+                  <a:srgbClr val="000000"/>
+                </a:solidFill>
+                <a:latin typeface="Open Sans"/>
+              </a:rPr>
+              <a:t>La aplicación de electrónica ha probado ser una alternativa funcional al hardware oficial. Es ideal para clubes que necesitan una manera confiable de manejar puntajes y tiempo en combates. </a:t>
+            </a:r>
+          </a:p>
+          <a:p>
+            <a:pPr marL="280671" lvl="1" indent="-140336" algn="just">
+              <a:lnSpc>
+                <a:spcPts val="1820"/>
+              </a:lnSpc>
+              <a:spcBef>
+                <a:spcPct val="0"/>
+              </a:spcBef>
+              <a:buFont typeface="Arial"/>
+              <a:buChar char="•"/>
+            </a:pPr>
+            <a:r>
+              <a:rPr lang="es-EC" sz="1300" dirty="0">
+                <a:solidFill>
+                  <a:srgbClr val="000000"/>
+                </a:solidFill>
+                <a:latin typeface="Open Sans"/>
+              </a:rPr>
+              <a:t>Una obtención de datos representativos para entrenar un modelo de inteligencia artificial es esencial. Es posible asistirse de procesos como </a:t>
+            </a:r>
+            <a:r>
+              <a:rPr lang="es-EC" sz="1300" dirty="0" err="1">
+                <a:solidFill>
+                  <a:srgbClr val="000000"/>
+                </a:solidFill>
+                <a:latin typeface="Open Sans"/>
+              </a:rPr>
+              <a:t>feature</a:t>
+            </a:r>
+            <a:r>
+              <a:rPr lang="es-EC" sz="1300" dirty="0">
+                <a:solidFill>
+                  <a:srgbClr val="000000"/>
+                </a:solidFill>
+                <a:latin typeface="Open Sans"/>
+              </a:rPr>
+              <a:t> </a:t>
+            </a:r>
+            <a:r>
+              <a:rPr lang="es-EC" sz="1300" dirty="0" err="1">
+                <a:solidFill>
+                  <a:srgbClr val="000000"/>
+                </a:solidFill>
+                <a:latin typeface="Open Sans"/>
+              </a:rPr>
+              <a:t>engineering</a:t>
+            </a:r>
+            <a:r>
+              <a:rPr lang="es-EC" sz="1300" dirty="0">
+                <a:solidFill>
+                  <a:srgbClr val="000000"/>
+                </a:solidFill>
+                <a:latin typeface="Open Sans"/>
+              </a:rPr>
+              <a:t> o data </a:t>
+            </a:r>
+            <a:r>
+              <a:rPr lang="es-EC" sz="1300" dirty="0" err="1">
+                <a:solidFill>
+                  <a:srgbClr val="000000"/>
+                </a:solidFill>
+                <a:latin typeface="Open Sans"/>
+              </a:rPr>
+              <a:t>augmentation</a:t>
+            </a:r>
+            <a:r>
+              <a:rPr lang="es-EC" sz="1300" dirty="0">
+                <a:solidFill>
+                  <a:srgbClr val="000000"/>
+                </a:solidFill>
+                <a:latin typeface="Open Sans"/>
+              </a:rPr>
+              <a:t>.</a:t>
+            </a:r>
+          </a:p>
+        </p:txBody>
+      </p:sp>
+      <p:sp>
+        <p:nvSpPr>
+          <p:cNvPr id="48" name="TextBox 43">
+            <a:extLst>
+              <a:ext uri="{FF2B5EF4-FFF2-40B4-BE49-F238E27FC236}">
+                <a16:creationId xmlns:a16="http://schemas.microsoft.com/office/drawing/2014/main" id="{BED14606-155C-6AFE-C328-9E5D77286DED}"/>
+              </a:ext>
+            </a:extLst>
+          </p:cNvPr>
+          <p:cNvSpPr txBox="1"/>
+          <p:nvPr/>
+        </p:nvSpPr>
+        <p:spPr>
+          <a:xfrm>
+            <a:off x="12454464" y="5547966"/>
+            <a:ext cx="5543904" cy="1605280"/>
+          </a:xfrm>
+          <a:prstGeom prst="rect">
+            <a:avLst/>
+          </a:prstGeom>
+        </p:spPr>
+        <p:txBody>
+          <a:bodyPr lIns="0" tIns="0" rIns="0" bIns="0" rtlCol="0" anchor="t">
+            <a:spAutoFit/>
+          </a:bodyPr>
+          <a:lstStyle/>
+          <a:p>
+            <a:pPr marL="280671" lvl="1" indent="-140336" algn="just">
+              <a:lnSpc>
+                <a:spcPts val="1820"/>
+              </a:lnSpc>
+              <a:buFont typeface="Arial"/>
+              <a:buChar char="•"/>
+            </a:pPr>
+            <a:r>
+              <a:rPr lang="es-EC" sz="1300" dirty="0">
+                <a:solidFill>
+                  <a:srgbClr val="000000"/>
+                </a:solidFill>
+                <a:latin typeface="Open Sans"/>
+              </a:rPr>
+              <a:t>Funcionalidades para registro de campeonatos en la aplicación web </a:t>
+            </a:r>
+          </a:p>
+          <a:p>
+            <a:pPr marL="280671" lvl="1" indent="-140336" algn="just">
+              <a:lnSpc>
+                <a:spcPts val="1820"/>
+              </a:lnSpc>
+              <a:buFont typeface="Arial"/>
+              <a:buChar char="•"/>
+            </a:pPr>
+            <a:r>
+              <a:rPr lang="es-EC" sz="1300" dirty="0">
+                <a:solidFill>
+                  <a:srgbClr val="000000"/>
+                </a:solidFill>
+                <a:latin typeface="Open Sans"/>
+              </a:rPr>
+              <a:t>Estudio comparativo de desempeño para captura de poses entre </a:t>
+            </a:r>
+            <a:r>
+              <a:rPr lang="es-EC" sz="1300" dirty="0" err="1">
+                <a:solidFill>
+                  <a:srgbClr val="000000"/>
+                </a:solidFill>
+                <a:latin typeface="Open Sans"/>
+              </a:rPr>
+              <a:t>motion</a:t>
+            </a:r>
+            <a:r>
+              <a:rPr lang="es-EC" sz="1300" dirty="0">
+                <a:solidFill>
+                  <a:srgbClr val="000000"/>
+                </a:solidFill>
+                <a:latin typeface="Open Sans"/>
+              </a:rPr>
+              <a:t> capture e inteligencia artificial para detección de poses.</a:t>
+            </a:r>
+          </a:p>
+          <a:p>
+            <a:pPr marL="280671" lvl="1" indent="-140336" algn="just">
+              <a:lnSpc>
+                <a:spcPts val="1820"/>
+              </a:lnSpc>
+              <a:buFont typeface="Arial"/>
+              <a:buChar char="•"/>
+            </a:pPr>
+            <a:r>
+              <a:rPr lang="es-EC" sz="1300" dirty="0">
+                <a:solidFill>
+                  <a:srgbClr val="000000"/>
+                </a:solidFill>
+                <a:latin typeface="Open Sans"/>
+              </a:rPr>
+              <a:t>Miniaturización de componentes de máquina de puntaje y temporizador.</a:t>
+            </a:r>
+          </a:p>
+          <a:p>
+            <a:pPr marL="280671" lvl="1" indent="-140336" algn="just">
+              <a:lnSpc>
+                <a:spcPts val="1820"/>
+              </a:lnSpc>
+              <a:buFont typeface="Arial"/>
+              <a:buChar char="•"/>
+            </a:pPr>
+            <a:r>
+              <a:rPr lang="es-EC" sz="1300" dirty="0">
+                <a:solidFill>
+                  <a:srgbClr val="000000"/>
+                </a:solidFill>
+                <a:latin typeface="Open Sans"/>
+              </a:rPr>
+              <a:t>Conexión directa de la máquina a los esgrimistas, reemplazando a l máquina existente.</a:t>
+            </a:r>
+          </a:p>
+        </p:txBody>
+      </p:sp>
+      <p:sp>
+        <p:nvSpPr>
+          <p:cNvPr id="49" name="TextBox 31">
+            <a:extLst>
+              <a:ext uri="{FF2B5EF4-FFF2-40B4-BE49-F238E27FC236}">
+                <a16:creationId xmlns:a16="http://schemas.microsoft.com/office/drawing/2014/main" id="{38211EE3-C25E-7888-1961-D66B95CFB33A}"/>
+              </a:ext>
+            </a:extLst>
+          </p:cNvPr>
+          <p:cNvSpPr txBox="1"/>
+          <p:nvPr/>
+        </p:nvSpPr>
+        <p:spPr>
+          <a:xfrm>
+            <a:off x="12411252" y="8144521"/>
+            <a:ext cx="5543904" cy="1913890"/>
+          </a:xfrm>
+          <a:prstGeom prst="rect">
+            <a:avLst/>
+          </a:prstGeom>
+        </p:spPr>
+        <p:txBody>
+          <a:bodyPr lIns="0" tIns="0" rIns="0" bIns="0" rtlCol="0" anchor="t">
+            <a:spAutoFit/>
+          </a:bodyPr>
+          <a:lstStyle/>
+          <a:p>
+            <a:pPr marL="237492" lvl="1" indent="-118746" algn="just">
+              <a:lnSpc>
+                <a:spcPts val="1540"/>
+              </a:lnSpc>
+              <a:buFont typeface="Arial"/>
+              <a:buChar char="•"/>
+            </a:pPr>
+            <a:r>
+              <a:rPr lang="es-EC" sz="1100" dirty="0">
+                <a:solidFill>
+                  <a:srgbClr val="000000"/>
+                </a:solidFill>
+                <a:latin typeface="Open Sans"/>
+              </a:rPr>
+              <a:t>K. </a:t>
+            </a:r>
+            <a:r>
+              <a:rPr lang="es-EC" sz="1100" dirty="0" err="1">
+                <a:solidFill>
+                  <a:srgbClr val="000000"/>
+                </a:solidFill>
+                <a:latin typeface="Open Sans"/>
+              </a:rPr>
+              <a:t>Apostolou</a:t>
+            </a:r>
+            <a:r>
+              <a:rPr lang="es-EC" sz="1100" dirty="0">
+                <a:solidFill>
+                  <a:srgbClr val="000000"/>
+                </a:solidFill>
+                <a:latin typeface="Open Sans"/>
+              </a:rPr>
+              <a:t>, C. T. (2019). </a:t>
+            </a:r>
+            <a:r>
+              <a:rPr lang="es-EC" sz="1100" dirty="0" err="1">
+                <a:solidFill>
+                  <a:srgbClr val="000000"/>
+                </a:solidFill>
+                <a:latin typeface="Open Sans"/>
+              </a:rPr>
+              <a:t>Sports</a:t>
+            </a:r>
+            <a:r>
+              <a:rPr lang="es-EC" sz="1100" dirty="0">
+                <a:solidFill>
+                  <a:srgbClr val="000000"/>
+                </a:solidFill>
+                <a:latin typeface="Open Sans"/>
+              </a:rPr>
+              <a:t> </a:t>
+            </a:r>
+            <a:r>
+              <a:rPr lang="es-EC" sz="1100" dirty="0" err="1">
+                <a:solidFill>
+                  <a:srgbClr val="000000"/>
+                </a:solidFill>
+                <a:latin typeface="Open Sans"/>
+              </a:rPr>
+              <a:t>Analytics</a:t>
+            </a:r>
+            <a:r>
+              <a:rPr lang="es-EC" sz="1100" dirty="0">
+                <a:solidFill>
+                  <a:srgbClr val="000000"/>
+                </a:solidFill>
+                <a:latin typeface="Open Sans"/>
+              </a:rPr>
+              <a:t> </a:t>
+            </a:r>
+            <a:r>
+              <a:rPr lang="es-EC" sz="1100" dirty="0" err="1">
+                <a:solidFill>
+                  <a:srgbClr val="000000"/>
+                </a:solidFill>
+                <a:latin typeface="Open Sans"/>
+              </a:rPr>
+              <a:t>algorithms</a:t>
+            </a:r>
+            <a:r>
+              <a:rPr lang="es-EC" sz="1100" dirty="0">
+                <a:solidFill>
+                  <a:srgbClr val="000000"/>
+                </a:solidFill>
+                <a:latin typeface="Open Sans"/>
+              </a:rPr>
+              <a:t> </a:t>
+            </a:r>
+            <a:r>
+              <a:rPr lang="es-EC" sz="1100" dirty="0" err="1">
+                <a:solidFill>
+                  <a:srgbClr val="000000"/>
+                </a:solidFill>
+                <a:latin typeface="Open Sans"/>
+              </a:rPr>
+              <a:t>for</a:t>
+            </a:r>
+            <a:r>
+              <a:rPr lang="es-EC" sz="1100" dirty="0">
+                <a:solidFill>
+                  <a:srgbClr val="000000"/>
+                </a:solidFill>
+                <a:latin typeface="Open Sans"/>
+              </a:rPr>
+              <a:t> performance </a:t>
+            </a:r>
+            <a:r>
+              <a:rPr lang="es-EC" sz="1100" dirty="0" err="1">
+                <a:solidFill>
+                  <a:srgbClr val="000000"/>
+                </a:solidFill>
+                <a:latin typeface="Open Sans"/>
+              </a:rPr>
+              <a:t>prediction</a:t>
+            </a:r>
+            <a:r>
+              <a:rPr lang="es-EC" sz="1100" dirty="0">
+                <a:solidFill>
+                  <a:srgbClr val="000000"/>
+                </a:solidFill>
+                <a:latin typeface="Open Sans"/>
+              </a:rPr>
+              <a:t>. 2019 10th International </a:t>
+            </a:r>
+            <a:r>
+              <a:rPr lang="es-EC" sz="1100" dirty="0" err="1">
+                <a:solidFill>
+                  <a:srgbClr val="000000"/>
+                </a:solidFill>
+                <a:latin typeface="Open Sans"/>
+              </a:rPr>
+              <a:t>Conference</a:t>
+            </a:r>
+            <a:r>
+              <a:rPr lang="es-EC" sz="1100" dirty="0">
+                <a:solidFill>
+                  <a:srgbClr val="000000"/>
+                </a:solidFill>
+                <a:latin typeface="Open Sans"/>
+              </a:rPr>
+              <a:t> </a:t>
+            </a:r>
+            <a:r>
+              <a:rPr lang="es-EC" sz="1100" dirty="0" err="1">
+                <a:solidFill>
+                  <a:srgbClr val="000000"/>
+                </a:solidFill>
+                <a:latin typeface="Open Sans"/>
+              </a:rPr>
+              <a:t>on</a:t>
+            </a:r>
+            <a:r>
+              <a:rPr lang="es-EC" sz="1100" dirty="0">
+                <a:solidFill>
+                  <a:srgbClr val="000000"/>
+                </a:solidFill>
+                <a:latin typeface="Open Sans"/>
+              </a:rPr>
+              <a:t> </a:t>
+            </a:r>
+            <a:r>
+              <a:rPr lang="es-EC" sz="1100" dirty="0" err="1">
+                <a:solidFill>
+                  <a:srgbClr val="000000"/>
+                </a:solidFill>
+                <a:latin typeface="Open Sans"/>
+              </a:rPr>
+              <a:t>Information</a:t>
+            </a:r>
+            <a:r>
+              <a:rPr lang="es-EC" sz="1100" dirty="0">
+                <a:solidFill>
+                  <a:srgbClr val="000000"/>
+                </a:solidFill>
+                <a:latin typeface="Open Sans"/>
+              </a:rPr>
+              <a:t>, </a:t>
+            </a:r>
+            <a:r>
+              <a:rPr lang="es-EC" sz="1100" dirty="0" err="1">
+                <a:solidFill>
+                  <a:srgbClr val="000000"/>
+                </a:solidFill>
+                <a:latin typeface="Open Sans"/>
+              </a:rPr>
+              <a:t>Intelligence</a:t>
+            </a:r>
+            <a:r>
+              <a:rPr lang="es-EC" sz="1100" dirty="0">
+                <a:solidFill>
+                  <a:srgbClr val="000000"/>
+                </a:solidFill>
+                <a:latin typeface="Open Sans"/>
+              </a:rPr>
+              <a:t>, </a:t>
+            </a:r>
+            <a:r>
+              <a:rPr lang="es-EC" sz="1100" dirty="0" err="1">
+                <a:solidFill>
+                  <a:srgbClr val="000000"/>
+                </a:solidFill>
+                <a:latin typeface="Open Sans"/>
+              </a:rPr>
+              <a:t>Systems</a:t>
+            </a:r>
+            <a:r>
+              <a:rPr lang="es-EC" sz="1100" dirty="0">
+                <a:solidFill>
+                  <a:srgbClr val="000000"/>
+                </a:solidFill>
+                <a:latin typeface="Open Sans"/>
+              </a:rPr>
+              <a:t> and </a:t>
+            </a:r>
+            <a:r>
+              <a:rPr lang="es-EC" sz="1100" dirty="0" err="1">
+                <a:solidFill>
+                  <a:srgbClr val="000000"/>
+                </a:solidFill>
+                <a:latin typeface="Open Sans"/>
+              </a:rPr>
+              <a:t>Applications</a:t>
+            </a:r>
+            <a:r>
+              <a:rPr lang="es-EC" sz="1100" dirty="0">
+                <a:solidFill>
+                  <a:srgbClr val="000000"/>
+                </a:solidFill>
+                <a:latin typeface="Open Sans"/>
+              </a:rPr>
+              <a:t> (IISA) (págs. 1-4). Patras, </a:t>
+            </a:r>
+            <a:r>
+              <a:rPr lang="es-EC" sz="1100" dirty="0" err="1">
+                <a:solidFill>
+                  <a:srgbClr val="000000"/>
+                </a:solidFill>
+                <a:latin typeface="Open Sans"/>
+              </a:rPr>
+              <a:t>Greece</a:t>
+            </a:r>
+            <a:r>
+              <a:rPr lang="es-EC" sz="1100" dirty="0">
+                <a:solidFill>
+                  <a:srgbClr val="000000"/>
+                </a:solidFill>
+                <a:latin typeface="Open Sans"/>
+              </a:rPr>
+              <a:t>: IEEE. </a:t>
+            </a:r>
+          </a:p>
+          <a:p>
+            <a:pPr marL="237492" lvl="1" indent="-118746" algn="just">
+              <a:lnSpc>
+                <a:spcPts val="1540"/>
+              </a:lnSpc>
+              <a:buFont typeface="Arial"/>
+              <a:buChar char="•"/>
+            </a:pPr>
+            <a:r>
+              <a:rPr lang="es-EC" sz="1100" dirty="0">
+                <a:solidFill>
+                  <a:srgbClr val="000000"/>
+                </a:solidFill>
+                <a:latin typeface="Open Sans"/>
+              </a:rPr>
+              <a:t>Liu, Q. (2022). Aerobics </a:t>
+            </a:r>
+            <a:r>
+              <a:rPr lang="es-EC" sz="1100" dirty="0" err="1">
+                <a:solidFill>
+                  <a:srgbClr val="000000"/>
+                </a:solidFill>
+                <a:latin typeface="Open Sans"/>
+              </a:rPr>
+              <a:t>posture</a:t>
+            </a:r>
+            <a:r>
+              <a:rPr lang="es-EC" sz="1100" dirty="0">
+                <a:solidFill>
+                  <a:srgbClr val="000000"/>
+                </a:solidFill>
+                <a:latin typeface="Open Sans"/>
+              </a:rPr>
+              <a:t> </a:t>
+            </a:r>
+            <a:r>
+              <a:rPr lang="es-EC" sz="1100" dirty="0" err="1">
+                <a:solidFill>
+                  <a:srgbClr val="000000"/>
+                </a:solidFill>
+                <a:latin typeface="Open Sans"/>
+              </a:rPr>
+              <a:t>recognition</a:t>
+            </a:r>
+            <a:r>
+              <a:rPr lang="es-EC" sz="1100" dirty="0">
+                <a:solidFill>
+                  <a:srgbClr val="000000"/>
+                </a:solidFill>
+                <a:latin typeface="Open Sans"/>
+              </a:rPr>
+              <a:t> </a:t>
+            </a:r>
+            <a:r>
+              <a:rPr lang="es-EC" sz="1100" dirty="0" err="1">
+                <a:solidFill>
+                  <a:srgbClr val="000000"/>
+                </a:solidFill>
+                <a:latin typeface="Open Sans"/>
+              </a:rPr>
+              <a:t>based</a:t>
+            </a:r>
+            <a:r>
+              <a:rPr lang="es-EC" sz="1100" dirty="0">
+                <a:solidFill>
+                  <a:srgbClr val="000000"/>
+                </a:solidFill>
+                <a:latin typeface="Open Sans"/>
+              </a:rPr>
+              <a:t> </a:t>
+            </a:r>
+            <a:r>
+              <a:rPr lang="es-EC" sz="1100" dirty="0" err="1">
+                <a:solidFill>
+                  <a:srgbClr val="000000"/>
+                </a:solidFill>
+                <a:latin typeface="Open Sans"/>
+              </a:rPr>
+              <a:t>on</a:t>
+            </a:r>
+            <a:r>
+              <a:rPr lang="es-EC" sz="1100" dirty="0">
+                <a:solidFill>
+                  <a:srgbClr val="000000"/>
+                </a:solidFill>
+                <a:latin typeface="Open Sans"/>
+              </a:rPr>
+              <a:t> neural </a:t>
+            </a:r>
+            <a:r>
+              <a:rPr lang="es-EC" sz="1100" dirty="0" err="1">
+                <a:solidFill>
+                  <a:srgbClr val="000000"/>
+                </a:solidFill>
+                <a:latin typeface="Open Sans"/>
+              </a:rPr>
+              <a:t>network</a:t>
+            </a:r>
+            <a:r>
+              <a:rPr lang="es-EC" sz="1100" dirty="0">
+                <a:solidFill>
+                  <a:srgbClr val="000000"/>
+                </a:solidFill>
+                <a:latin typeface="Open Sans"/>
+              </a:rPr>
+              <a:t> and </a:t>
+            </a:r>
+            <a:r>
+              <a:rPr lang="es-EC" sz="1100" dirty="0" err="1">
+                <a:solidFill>
+                  <a:srgbClr val="000000"/>
+                </a:solidFill>
+                <a:latin typeface="Open Sans"/>
+              </a:rPr>
+              <a:t>sensors</a:t>
+            </a:r>
+            <a:r>
+              <a:rPr lang="es-EC" sz="1100" dirty="0">
+                <a:solidFill>
+                  <a:srgbClr val="000000"/>
+                </a:solidFill>
+                <a:latin typeface="Open Sans"/>
+              </a:rPr>
+              <a:t>. Neural Computing and </a:t>
+            </a:r>
+            <a:r>
+              <a:rPr lang="es-EC" sz="1100" dirty="0" err="1">
+                <a:solidFill>
+                  <a:srgbClr val="000000"/>
+                </a:solidFill>
+                <a:latin typeface="Open Sans"/>
+              </a:rPr>
+              <a:t>Applications</a:t>
+            </a:r>
+            <a:r>
+              <a:rPr lang="es-EC" sz="1100" dirty="0">
+                <a:solidFill>
+                  <a:srgbClr val="000000"/>
+                </a:solidFill>
+                <a:latin typeface="Open Sans"/>
+              </a:rPr>
+              <a:t>, 34(5), 3337–3348. </a:t>
+            </a:r>
+            <a:r>
+              <a:rPr lang="es-EC" sz="1100" dirty="0" err="1">
+                <a:solidFill>
+                  <a:srgbClr val="000000"/>
+                </a:solidFill>
+                <a:latin typeface="Open Sans"/>
+              </a:rPr>
+              <a:t>doi:https</a:t>
+            </a:r>
+            <a:r>
+              <a:rPr lang="es-EC" sz="1100" dirty="0">
+                <a:solidFill>
+                  <a:srgbClr val="000000"/>
+                </a:solidFill>
+                <a:latin typeface="Open Sans"/>
+              </a:rPr>
+              <a:t>://doi.org/10.1007/s00521-020-05632-w </a:t>
+            </a:r>
+          </a:p>
+          <a:p>
+            <a:pPr marL="237492" lvl="1" indent="-118746" algn="just">
+              <a:lnSpc>
+                <a:spcPts val="1540"/>
+              </a:lnSpc>
+              <a:buFont typeface="Arial"/>
+              <a:buChar char="•"/>
+            </a:pPr>
+            <a:r>
+              <a:rPr lang="es-EC" sz="1100" dirty="0">
                 <a:solidFill>
                   <a:srgbClr val="000000"/>
                 </a:solidFill>
@@ -5623,13 +5710,13 @@
           <a:p>
             <a:pPr>
               <a:lnSpc>
-                <a:spcPts val="1960"/>
+                <a:spcPts val="1680"/>
               </a:lnSpc>
               <a:spcBef>
                 <a:spcPct val="0"/>
               </a:spcBef>
             </a:pPr>
-            <a:endParaRPr lang="en-US" sz="1400" dirty="0">
+            <a:endParaRPr lang="en-US" sz="1100" dirty="0">
               <a:solidFill>
                 <a:srgbClr val="000000"/>
               </a:solidFill>
@@ -5639,6 +5726,2830 @@
         </p:txBody>
       </p:sp>
     </p:spTree>
+  </p:cSld>
+  <p:clrMapOvr>
+    <a:masterClrMapping/>
+  </p:clrMapOvr>
+</p:sld>
+</file>
+
+<file path=ppt/slides/slide2.xml><?xml version="1.0" encoding="utf-8"?>
+<p:sld xmlns:a="http://schemas.openxmlformats.org/drawingml/2006/main" xmlns:r="http://schemas.openxmlformats.org/officeDocument/2006/relationships" xmlns:p="http://schemas.openxmlformats.org/presentationml/2006/main">
+  <p:cSld>
+    <p:spTree>
+      <p:nvGrpSpPr>
+        <p:cNvPr id="1" name=""/>
+        <p:cNvGrpSpPr/>
+        <p:nvPr/>
+      </p:nvGrpSpPr>
+      <p:grpSpPr>
+        <a:xfrm>
+          <a:off x="0" y="0"/>
+          <a:ext cx="0" cy="0"/>
+          <a:chOff x="0" y="0"/>
+          <a:chExt cx="0" cy="0"/>
+        </a:xfrm>
+      </p:grpSpPr>
+      <p:grpSp>
+        <p:nvGrpSpPr>
+          <p:cNvPr id="2" name="Group 2"/>
+          <p:cNvGrpSpPr/>
+          <p:nvPr/>
+        </p:nvGrpSpPr>
+        <p:grpSpPr>
+          <a:xfrm>
+            <a:off x="338157" y="1222479"/>
+            <a:ext cx="5543904" cy="387307"/>
+            <a:chOff x="0" y="0"/>
+            <a:chExt cx="1460123" cy="102007"/>
+          </a:xfrm>
+        </p:grpSpPr>
+        <p:sp>
+          <p:nvSpPr>
+            <p:cNvPr id="3" name="Freeform 3"/>
+            <p:cNvSpPr/>
+            <p:nvPr/>
+          </p:nvSpPr>
+          <p:spPr>
+            <a:xfrm>
+              <a:off x="0" y="0"/>
+              <a:ext cx="1460123" cy="102007"/>
+            </a:xfrm>
+            <a:custGeom>
+              <a:avLst/>
+              <a:gdLst/>
+              <a:ahLst/>
+              <a:cxnLst/>
+              <a:rect l="l" t="t" r="r" b="b"/>
+              <a:pathLst>
+                <a:path w="1460123" h="102007">
+                  <a:moveTo>
+                    <a:pt x="19551" y="0"/>
+                  </a:moveTo>
+                  <a:lnTo>
+                    <a:pt x="1440572" y="0"/>
+                  </a:lnTo>
+                  <a:cubicBezTo>
+                    <a:pt x="1445757" y="0"/>
+                    <a:pt x="1450730" y="2060"/>
+                    <a:pt x="1454397" y="5726"/>
+                  </a:cubicBezTo>
+                  <a:cubicBezTo>
+                    <a:pt x="1458063" y="9393"/>
+                    <a:pt x="1460123" y="14365"/>
+                    <a:pt x="1460123" y="19551"/>
+                  </a:cubicBezTo>
+                  <a:lnTo>
+                    <a:pt x="1460123" y="82456"/>
+                  </a:lnTo>
+                  <a:cubicBezTo>
+                    <a:pt x="1460123" y="87641"/>
+                    <a:pt x="1458063" y="92614"/>
+                    <a:pt x="1454397" y="96280"/>
+                  </a:cubicBezTo>
+                  <a:cubicBezTo>
+                    <a:pt x="1450730" y="99947"/>
+                    <a:pt x="1445757" y="102007"/>
+                    <a:pt x="1440572" y="102007"/>
+                  </a:cubicBezTo>
+                  <a:lnTo>
+                    <a:pt x="19551" y="102007"/>
+                  </a:lnTo>
+                  <a:cubicBezTo>
+                    <a:pt x="14365" y="102007"/>
+                    <a:pt x="9393" y="99947"/>
+                    <a:pt x="5726" y="96280"/>
+                  </a:cubicBezTo>
+                  <a:cubicBezTo>
+                    <a:pt x="2060" y="92614"/>
+                    <a:pt x="0" y="87641"/>
+                    <a:pt x="0" y="82456"/>
+                  </a:cubicBezTo>
+                  <a:lnTo>
+                    <a:pt x="0" y="19551"/>
+                  </a:lnTo>
+                  <a:cubicBezTo>
+                    <a:pt x="0" y="14365"/>
+                    <a:pt x="2060" y="9393"/>
+                    <a:pt x="5726" y="5726"/>
+                  </a:cubicBezTo>
+                  <a:cubicBezTo>
+                    <a:pt x="9393" y="2060"/>
+                    <a:pt x="14365" y="0"/>
+                    <a:pt x="19551" y="0"/>
+                  </a:cubicBezTo>
+                  <a:close/>
+                </a:path>
+              </a:pathLst>
+            </a:custGeom>
+            <a:solidFill>
+              <a:srgbClr val="FFE6E6"/>
+            </a:solidFill>
+          </p:spPr>
+        </p:sp>
+        <p:sp>
+          <p:nvSpPr>
+            <p:cNvPr id="4" name="TextBox 4"/>
+            <p:cNvSpPr txBox="1"/>
+            <p:nvPr/>
+          </p:nvSpPr>
+          <p:spPr>
+            <a:xfrm>
+              <a:off x="514971" y="17247"/>
+              <a:ext cx="430181" cy="64311"/>
+            </a:xfrm>
+            <a:prstGeom prst="rect">
+              <a:avLst/>
+            </a:prstGeom>
+          </p:spPr>
+          <p:txBody>
+            <a:bodyPr lIns="50800" tIns="50800" rIns="50800" bIns="50800" rtlCol="0" anchor="ctr"/>
+            <a:lstStyle/>
+            <a:p>
+              <a:pPr algn="ctr">
+                <a:lnSpc>
+                  <a:spcPts val="2100"/>
+                </a:lnSpc>
+                <a:spcBef>
+                  <a:spcPct val="0"/>
+                </a:spcBef>
+              </a:pPr>
+              <a:r>
+                <a:rPr lang="en-US" sz="1500" b="1">
+                  <a:solidFill>
+                    <a:srgbClr val="000000"/>
+                  </a:solidFill>
+                  <a:latin typeface="Open Sans Extra Bold"/>
+                </a:rPr>
+                <a:t>PROBLEM</a:t>
+              </a:r>
+              <a:endParaRPr lang="en-US" sz="1500" b="1">
+                <a:solidFill>
+                  <a:srgbClr val="000000"/>
+                </a:solidFill>
+                <a:latin typeface="Open Sans Extra Bold"/>
+                <a:ea typeface="Open Sans Extra Bold"/>
+                <a:cs typeface="Open Sans Extra Bold"/>
+              </a:endParaRPr>
+            </a:p>
+          </p:txBody>
+        </p:sp>
+      </p:grpSp>
+      <p:grpSp>
+        <p:nvGrpSpPr>
+          <p:cNvPr id="5" name="Group 5"/>
+          <p:cNvGrpSpPr/>
+          <p:nvPr/>
+        </p:nvGrpSpPr>
+        <p:grpSpPr>
+          <a:xfrm>
+            <a:off x="6372048" y="1222479"/>
+            <a:ext cx="5543904" cy="399829"/>
+            <a:chOff x="0" y="0"/>
+            <a:chExt cx="1460123" cy="105305"/>
+          </a:xfrm>
+        </p:grpSpPr>
+        <p:sp>
+          <p:nvSpPr>
+            <p:cNvPr id="6" name="Freeform 6"/>
+            <p:cNvSpPr/>
+            <p:nvPr/>
+          </p:nvSpPr>
+          <p:spPr>
+            <a:xfrm>
+              <a:off x="0" y="0"/>
+              <a:ext cx="1460123" cy="102007"/>
+            </a:xfrm>
+            <a:custGeom>
+              <a:avLst/>
+              <a:gdLst/>
+              <a:ahLst/>
+              <a:cxnLst/>
+              <a:rect l="l" t="t" r="r" b="b"/>
+              <a:pathLst>
+                <a:path w="1460123" h="102007">
+                  <a:moveTo>
+                    <a:pt x="19551" y="0"/>
+                  </a:moveTo>
+                  <a:lnTo>
+                    <a:pt x="1440572" y="0"/>
+                  </a:lnTo>
+                  <a:cubicBezTo>
+                    <a:pt x="1445757" y="0"/>
+                    <a:pt x="1450730" y="2060"/>
+                    <a:pt x="1454397" y="5726"/>
+                  </a:cubicBezTo>
+                  <a:cubicBezTo>
+                    <a:pt x="1458063" y="9393"/>
+                    <a:pt x="1460123" y="14365"/>
+                    <a:pt x="1460123" y="19551"/>
+                  </a:cubicBezTo>
+                  <a:lnTo>
+                    <a:pt x="1460123" y="82456"/>
+                  </a:lnTo>
+                  <a:cubicBezTo>
+                    <a:pt x="1460123" y="87641"/>
+                    <a:pt x="1458063" y="92614"/>
+                    <a:pt x="1454397" y="96280"/>
+                  </a:cubicBezTo>
+                  <a:cubicBezTo>
+                    <a:pt x="1450730" y="99947"/>
+                    <a:pt x="1445757" y="102007"/>
+                    <a:pt x="1440572" y="102007"/>
+                  </a:cubicBezTo>
+                  <a:lnTo>
+                    <a:pt x="19551" y="102007"/>
+                  </a:lnTo>
+                  <a:cubicBezTo>
+                    <a:pt x="14365" y="102007"/>
+                    <a:pt x="9393" y="99947"/>
+                    <a:pt x="5726" y="96280"/>
+                  </a:cubicBezTo>
+                  <a:cubicBezTo>
+                    <a:pt x="2060" y="92614"/>
+                    <a:pt x="0" y="87641"/>
+                    <a:pt x="0" y="82456"/>
+                  </a:cubicBezTo>
+                  <a:lnTo>
+                    <a:pt x="0" y="19551"/>
+                  </a:lnTo>
+                  <a:cubicBezTo>
+                    <a:pt x="0" y="14365"/>
+                    <a:pt x="2060" y="9393"/>
+                    <a:pt x="5726" y="5726"/>
+                  </a:cubicBezTo>
+                  <a:cubicBezTo>
+                    <a:pt x="9393" y="2060"/>
+                    <a:pt x="14365" y="0"/>
+                    <a:pt x="19551" y="0"/>
+                  </a:cubicBezTo>
+                  <a:close/>
+                </a:path>
+              </a:pathLst>
+            </a:custGeom>
+            <a:solidFill>
+              <a:srgbClr val="FFE6E6"/>
+            </a:solidFill>
+          </p:spPr>
+        </p:sp>
+        <p:sp>
+          <p:nvSpPr>
+            <p:cNvPr id="7" name="TextBox 7"/>
+            <p:cNvSpPr txBox="1"/>
+            <p:nvPr/>
+          </p:nvSpPr>
+          <p:spPr>
+            <a:xfrm>
+              <a:off x="243941" y="3298"/>
+              <a:ext cx="971953" cy="102007"/>
+            </a:xfrm>
+            <a:prstGeom prst="rect">
+              <a:avLst/>
+            </a:prstGeom>
+          </p:spPr>
+          <p:txBody>
+            <a:bodyPr lIns="50800" tIns="50800" rIns="50800" bIns="50800" rtlCol="0" anchor="ctr"/>
+            <a:lstStyle/>
+            <a:p>
+              <a:pPr algn="ctr">
+                <a:lnSpc>
+                  <a:spcPts val="2100"/>
+                </a:lnSpc>
+                <a:spcBef>
+                  <a:spcPct val="0"/>
+                </a:spcBef>
+              </a:pPr>
+              <a:r>
+                <a:rPr lang="en-US" sz="1500" b="1">
+                  <a:solidFill>
+                    <a:srgbClr val="000000"/>
+                  </a:solidFill>
+                  <a:latin typeface="Open Sans Extra Bold"/>
+                </a:rPr>
+                <a:t>IMPLEMENTATION AND RESULTS</a:t>
+              </a:r>
+              <a:endParaRPr lang="en-US" sz="1500" b="1">
+                <a:solidFill>
+                  <a:srgbClr val="000000"/>
+                </a:solidFill>
+                <a:latin typeface="Open Sans Extra Bold"/>
+                <a:ea typeface="Open Sans Extra Bold"/>
+                <a:cs typeface="Open Sans Extra Bold"/>
+              </a:endParaRPr>
+            </a:p>
+          </p:txBody>
+        </p:sp>
+      </p:grpSp>
+      <p:grpSp>
+        <p:nvGrpSpPr>
+          <p:cNvPr id="8" name="Group 8"/>
+          <p:cNvGrpSpPr/>
+          <p:nvPr/>
+        </p:nvGrpSpPr>
+        <p:grpSpPr>
+          <a:xfrm>
+            <a:off x="12405939" y="1222480"/>
+            <a:ext cx="5543904" cy="387306"/>
+            <a:chOff x="0" y="0"/>
+            <a:chExt cx="1460123" cy="102007"/>
+          </a:xfrm>
+        </p:grpSpPr>
+        <p:sp>
+          <p:nvSpPr>
+            <p:cNvPr id="9" name="Freeform 9"/>
+            <p:cNvSpPr/>
+            <p:nvPr/>
+          </p:nvSpPr>
+          <p:spPr>
+            <a:xfrm>
+              <a:off x="0" y="0"/>
+              <a:ext cx="1460123" cy="102007"/>
+            </a:xfrm>
+            <a:custGeom>
+              <a:avLst/>
+              <a:gdLst/>
+              <a:ahLst/>
+              <a:cxnLst/>
+              <a:rect l="l" t="t" r="r" b="b"/>
+              <a:pathLst>
+                <a:path w="1460123" h="102007">
+                  <a:moveTo>
+                    <a:pt x="19551" y="0"/>
+                  </a:moveTo>
+                  <a:lnTo>
+                    <a:pt x="1440572" y="0"/>
+                  </a:lnTo>
+                  <a:cubicBezTo>
+                    <a:pt x="1445757" y="0"/>
+                    <a:pt x="1450730" y="2060"/>
+                    <a:pt x="1454397" y="5726"/>
+                  </a:cubicBezTo>
+                  <a:cubicBezTo>
+                    <a:pt x="1458063" y="9393"/>
+                    <a:pt x="1460123" y="14365"/>
+                    <a:pt x="1460123" y="19551"/>
+                  </a:cubicBezTo>
+                  <a:lnTo>
+                    <a:pt x="1460123" y="82456"/>
+                  </a:lnTo>
+                  <a:cubicBezTo>
+                    <a:pt x="1460123" y="87641"/>
+                    <a:pt x="1458063" y="92614"/>
+                    <a:pt x="1454397" y="96280"/>
+                  </a:cubicBezTo>
+                  <a:cubicBezTo>
+                    <a:pt x="1450730" y="99947"/>
+                    <a:pt x="1445757" y="102007"/>
+                    <a:pt x="1440572" y="102007"/>
+                  </a:cubicBezTo>
+                  <a:lnTo>
+                    <a:pt x="19551" y="102007"/>
+                  </a:lnTo>
+                  <a:cubicBezTo>
+                    <a:pt x="14365" y="102007"/>
+                    <a:pt x="9393" y="99947"/>
+                    <a:pt x="5726" y="96280"/>
+                  </a:cubicBezTo>
+                  <a:cubicBezTo>
+                    <a:pt x="2060" y="92614"/>
+                    <a:pt x="0" y="87641"/>
+                    <a:pt x="0" y="82456"/>
+                  </a:cubicBezTo>
+                  <a:lnTo>
+                    <a:pt x="0" y="19551"/>
+                  </a:lnTo>
+                  <a:cubicBezTo>
+                    <a:pt x="0" y="14365"/>
+                    <a:pt x="2060" y="9393"/>
+                    <a:pt x="5726" y="5726"/>
+                  </a:cubicBezTo>
+                  <a:cubicBezTo>
+                    <a:pt x="9393" y="2060"/>
+                    <a:pt x="14365" y="0"/>
+                    <a:pt x="19551" y="0"/>
+                  </a:cubicBezTo>
+                  <a:close/>
+                </a:path>
+              </a:pathLst>
+            </a:custGeom>
+            <a:solidFill>
+              <a:srgbClr val="FFE6E6"/>
+            </a:solidFill>
+          </p:spPr>
+        </p:sp>
+        <p:sp>
+          <p:nvSpPr>
+            <p:cNvPr id="10" name="TextBox 10"/>
+            <p:cNvSpPr txBox="1"/>
+            <p:nvPr/>
+          </p:nvSpPr>
+          <p:spPr>
+            <a:xfrm>
+              <a:off x="147301" y="4491"/>
+              <a:ext cx="1233146" cy="88553"/>
+            </a:xfrm>
+            <a:prstGeom prst="rect">
+              <a:avLst/>
+            </a:prstGeom>
+          </p:spPr>
+          <p:txBody>
+            <a:bodyPr lIns="50800" tIns="50800" rIns="50800" bIns="50800" rtlCol="0" anchor="ctr"/>
+            <a:lstStyle/>
+            <a:p>
+              <a:pPr algn="ctr">
+                <a:lnSpc>
+                  <a:spcPts val="2100"/>
+                </a:lnSpc>
+                <a:spcBef>
+                  <a:spcPct val="0"/>
+                </a:spcBef>
+              </a:pPr>
+              <a:r>
+                <a:rPr lang="en-US" sz="1500" b="1">
+                  <a:latin typeface="Open Sans Extra Bold"/>
+                  <a:ea typeface="Open Sans Extra Bold"/>
+                  <a:cs typeface="Open Sans Extra Bold"/>
+                </a:rPr>
+                <a:t>CONCLUSIONS AND RECOMMENDATIONS</a:t>
+              </a:r>
+              <a:endParaRPr lang="en-US" b="1">
+                <a:latin typeface="Open Sans Extra Bold"/>
+                <a:ea typeface="Open Sans Extra Bold"/>
+                <a:cs typeface="Open Sans Extra Bold"/>
+              </a:endParaRPr>
+            </a:p>
+          </p:txBody>
+        </p:sp>
+      </p:grpSp>
+      <p:grpSp>
+        <p:nvGrpSpPr>
+          <p:cNvPr id="11" name="Group 11"/>
+          <p:cNvGrpSpPr/>
+          <p:nvPr/>
+        </p:nvGrpSpPr>
+        <p:grpSpPr>
+          <a:xfrm>
+            <a:off x="338157" y="3656388"/>
+            <a:ext cx="5543904" cy="387307"/>
+            <a:chOff x="0" y="0"/>
+            <a:chExt cx="1460123" cy="102007"/>
+          </a:xfrm>
+        </p:grpSpPr>
+        <p:sp>
+          <p:nvSpPr>
+            <p:cNvPr id="12" name="Freeform 12"/>
+            <p:cNvSpPr/>
+            <p:nvPr/>
+          </p:nvSpPr>
+          <p:spPr>
+            <a:xfrm>
+              <a:off x="0" y="0"/>
+              <a:ext cx="1460123" cy="102007"/>
+            </a:xfrm>
+            <a:custGeom>
+              <a:avLst/>
+              <a:gdLst/>
+              <a:ahLst/>
+              <a:cxnLst/>
+              <a:rect l="l" t="t" r="r" b="b"/>
+              <a:pathLst>
+                <a:path w="1460123" h="102007">
+                  <a:moveTo>
+                    <a:pt x="19551" y="0"/>
+                  </a:moveTo>
+                  <a:lnTo>
+                    <a:pt x="1440572" y="0"/>
+                  </a:lnTo>
+                  <a:cubicBezTo>
+                    <a:pt x="1445757" y="0"/>
+                    <a:pt x="1450730" y="2060"/>
+                    <a:pt x="1454397" y="5726"/>
+                  </a:cubicBezTo>
+                  <a:cubicBezTo>
+                    <a:pt x="1458063" y="9393"/>
+                    <a:pt x="1460123" y="14365"/>
+                    <a:pt x="1460123" y="19551"/>
+                  </a:cubicBezTo>
+                  <a:lnTo>
+                    <a:pt x="1460123" y="82456"/>
+                  </a:lnTo>
+                  <a:cubicBezTo>
+                    <a:pt x="1460123" y="87641"/>
+                    <a:pt x="1458063" y="92614"/>
+                    <a:pt x="1454397" y="96280"/>
+                  </a:cubicBezTo>
+                  <a:cubicBezTo>
+                    <a:pt x="1450730" y="99947"/>
+                    <a:pt x="1445757" y="102007"/>
+                    <a:pt x="1440572" y="102007"/>
+                  </a:cubicBezTo>
+                  <a:lnTo>
+                    <a:pt x="19551" y="102007"/>
+                  </a:lnTo>
+                  <a:cubicBezTo>
+                    <a:pt x="14365" y="102007"/>
+                    <a:pt x="9393" y="99947"/>
+                    <a:pt x="5726" y="96280"/>
+                  </a:cubicBezTo>
+                  <a:cubicBezTo>
+                    <a:pt x="2060" y="92614"/>
+                    <a:pt x="0" y="87641"/>
+                    <a:pt x="0" y="82456"/>
+                  </a:cubicBezTo>
+                  <a:lnTo>
+                    <a:pt x="0" y="19551"/>
+                  </a:lnTo>
+                  <a:cubicBezTo>
+                    <a:pt x="0" y="14365"/>
+                    <a:pt x="2060" y="9393"/>
+                    <a:pt x="5726" y="5726"/>
+                  </a:cubicBezTo>
+                  <a:cubicBezTo>
+                    <a:pt x="9393" y="2060"/>
+                    <a:pt x="14365" y="0"/>
+                    <a:pt x="19551" y="0"/>
+                  </a:cubicBezTo>
+                  <a:close/>
+                </a:path>
+              </a:pathLst>
+            </a:custGeom>
+            <a:solidFill>
+              <a:srgbClr val="FFE6E6"/>
+            </a:solidFill>
+          </p:spPr>
+        </p:sp>
+        <p:sp>
+          <p:nvSpPr>
+            <p:cNvPr id="13" name="TextBox 13"/>
+            <p:cNvSpPr txBox="1"/>
+            <p:nvPr/>
+          </p:nvSpPr>
+          <p:spPr>
+            <a:xfrm>
+              <a:off x="522200" y="12879"/>
+              <a:ext cx="432736" cy="61187"/>
+            </a:xfrm>
+            <a:prstGeom prst="rect">
+              <a:avLst/>
+            </a:prstGeom>
+          </p:spPr>
+          <p:txBody>
+            <a:bodyPr lIns="50800" tIns="50800" rIns="50800" bIns="50800" rtlCol="0" anchor="ctr"/>
+            <a:lstStyle/>
+            <a:p>
+              <a:pPr algn="ctr">
+                <a:lnSpc>
+                  <a:spcPts val="2100"/>
+                </a:lnSpc>
+                <a:spcBef>
+                  <a:spcPct val="0"/>
+                </a:spcBef>
+              </a:pPr>
+              <a:r>
+                <a:rPr lang="en-US" sz="1500" b="1">
+                  <a:solidFill>
+                    <a:srgbClr val="000000"/>
+                  </a:solidFill>
+                  <a:latin typeface="Open Sans Extra Bold"/>
+                </a:rPr>
+                <a:t>OBJECTIVES</a:t>
+              </a:r>
+              <a:endParaRPr lang="en-US" sz="1500" b="1">
+                <a:solidFill>
+                  <a:srgbClr val="000000"/>
+                </a:solidFill>
+                <a:latin typeface="Open Sans Extra Bold"/>
+                <a:ea typeface="Open Sans Extra Bold"/>
+                <a:cs typeface="Open Sans Extra Bold"/>
+              </a:endParaRPr>
+            </a:p>
+          </p:txBody>
+        </p:sp>
+      </p:grpSp>
+      <p:grpSp>
+        <p:nvGrpSpPr>
+          <p:cNvPr id="14" name="Group 14"/>
+          <p:cNvGrpSpPr/>
+          <p:nvPr/>
+        </p:nvGrpSpPr>
+        <p:grpSpPr>
+          <a:xfrm>
+            <a:off x="338157" y="5858524"/>
+            <a:ext cx="5543904" cy="387307"/>
+            <a:chOff x="0" y="0"/>
+            <a:chExt cx="1460123" cy="102007"/>
+          </a:xfrm>
+        </p:grpSpPr>
+        <p:sp>
+          <p:nvSpPr>
+            <p:cNvPr id="15" name="Freeform 15"/>
+            <p:cNvSpPr/>
+            <p:nvPr/>
+          </p:nvSpPr>
+          <p:spPr>
+            <a:xfrm>
+              <a:off x="0" y="0"/>
+              <a:ext cx="1460123" cy="102007"/>
+            </a:xfrm>
+            <a:custGeom>
+              <a:avLst/>
+              <a:gdLst/>
+              <a:ahLst/>
+              <a:cxnLst/>
+              <a:rect l="l" t="t" r="r" b="b"/>
+              <a:pathLst>
+                <a:path w="1460123" h="102007">
+                  <a:moveTo>
+                    <a:pt x="19551" y="0"/>
+                  </a:moveTo>
+                  <a:lnTo>
+                    <a:pt x="1440572" y="0"/>
+                  </a:lnTo>
+                  <a:cubicBezTo>
+                    <a:pt x="1445757" y="0"/>
+                    <a:pt x="1450730" y="2060"/>
+                    <a:pt x="1454397" y="5726"/>
+                  </a:cubicBezTo>
+                  <a:cubicBezTo>
+                    <a:pt x="1458063" y="9393"/>
+                    <a:pt x="1460123" y="14365"/>
+                    <a:pt x="1460123" y="19551"/>
+                  </a:cubicBezTo>
+                  <a:lnTo>
+                    <a:pt x="1460123" y="82456"/>
+                  </a:lnTo>
+                  <a:cubicBezTo>
+                    <a:pt x="1460123" y="87641"/>
+                    <a:pt x="1458063" y="92614"/>
+                    <a:pt x="1454397" y="96280"/>
+                  </a:cubicBezTo>
+                  <a:cubicBezTo>
+                    <a:pt x="1450730" y="99947"/>
+                    <a:pt x="1445757" y="102007"/>
+                    <a:pt x="1440572" y="102007"/>
+                  </a:cubicBezTo>
+                  <a:lnTo>
+                    <a:pt x="19551" y="102007"/>
+                  </a:lnTo>
+                  <a:cubicBezTo>
+                    <a:pt x="14365" y="102007"/>
+                    <a:pt x="9393" y="99947"/>
+                    <a:pt x="5726" y="96280"/>
+                  </a:cubicBezTo>
+                  <a:cubicBezTo>
+                    <a:pt x="2060" y="92614"/>
+                    <a:pt x="0" y="87641"/>
+                    <a:pt x="0" y="82456"/>
+                  </a:cubicBezTo>
+                  <a:lnTo>
+                    <a:pt x="0" y="19551"/>
+                  </a:lnTo>
+                  <a:cubicBezTo>
+                    <a:pt x="0" y="14365"/>
+                    <a:pt x="2060" y="9393"/>
+                    <a:pt x="5726" y="5726"/>
+                  </a:cubicBezTo>
+                  <a:cubicBezTo>
+                    <a:pt x="9393" y="2060"/>
+                    <a:pt x="14365" y="0"/>
+                    <a:pt x="19551" y="0"/>
+                  </a:cubicBezTo>
+                  <a:close/>
+                </a:path>
+              </a:pathLst>
+            </a:custGeom>
+            <a:solidFill>
+              <a:srgbClr val="FFE6E6"/>
+            </a:solidFill>
+          </p:spPr>
+          <p:txBody>
+            <a:bodyPr lIns="91440" tIns="45720" rIns="91440" bIns="45720" anchor="t"/>
+            <a:lstStyle/>
+            <a:p>
+              <a:endParaRPr lang="en-US" b="1">
+                <a:latin typeface="Open Sans Extra Bold"/>
+                <a:ea typeface="Open Sans Extra Bold"/>
+                <a:cs typeface="Open Sans Extra Bold"/>
+              </a:endParaRPr>
+            </a:p>
+          </p:txBody>
+        </p:sp>
+        <p:sp>
+          <p:nvSpPr>
+            <p:cNvPr id="16" name="TextBox 16"/>
+            <p:cNvSpPr txBox="1"/>
+            <p:nvPr/>
+          </p:nvSpPr>
+          <p:spPr>
+            <a:xfrm>
+              <a:off x="332168" y="20005"/>
+              <a:ext cx="812800" cy="61997"/>
+            </a:xfrm>
+            <a:prstGeom prst="rect">
+              <a:avLst/>
+            </a:prstGeom>
+          </p:spPr>
+          <p:txBody>
+            <a:bodyPr lIns="50800" tIns="50800" rIns="50800" bIns="50800" rtlCol="0" anchor="ctr"/>
+            <a:lstStyle/>
+            <a:p>
+              <a:pPr algn="ctr">
+                <a:lnSpc>
+                  <a:spcPts val="2100"/>
+                </a:lnSpc>
+                <a:spcBef>
+                  <a:spcPct val="0"/>
+                </a:spcBef>
+              </a:pPr>
+              <a:r>
+                <a:rPr lang="en-US" sz="1500" b="1">
+                  <a:solidFill>
+                    <a:srgbClr val="000000"/>
+                  </a:solidFill>
+                  <a:latin typeface="Open Sans Extra Bold"/>
+                </a:rPr>
+                <a:t>SOLUTION DESIGN</a:t>
+              </a:r>
+              <a:endParaRPr lang="en-US" sz="1500" b="1">
+                <a:solidFill>
+                  <a:srgbClr val="000000"/>
+                </a:solidFill>
+                <a:latin typeface="Open Sans Extra Bold"/>
+                <a:ea typeface="Open Sans Extra Bold"/>
+                <a:cs typeface="Open Sans Extra Bold"/>
+              </a:endParaRPr>
+            </a:p>
+          </p:txBody>
+        </p:sp>
+      </p:grpSp>
+      <p:grpSp>
+        <p:nvGrpSpPr>
+          <p:cNvPr id="17" name="Group 17"/>
+          <p:cNvGrpSpPr/>
+          <p:nvPr/>
+        </p:nvGrpSpPr>
+        <p:grpSpPr>
+          <a:xfrm>
+            <a:off x="12411252" y="7708236"/>
+            <a:ext cx="5543904" cy="387307"/>
+            <a:chOff x="0" y="0"/>
+            <a:chExt cx="1460123" cy="102007"/>
+          </a:xfrm>
+        </p:grpSpPr>
+        <p:sp>
+          <p:nvSpPr>
+            <p:cNvPr id="18" name="Freeform 18"/>
+            <p:cNvSpPr/>
+            <p:nvPr/>
+          </p:nvSpPr>
+          <p:spPr>
+            <a:xfrm>
+              <a:off x="0" y="0"/>
+              <a:ext cx="1460123" cy="102007"/>
+            </a:xfrm>
+            <a:custGeom>
+              <a:avLst/>
+              <a:gdLst/>
+              <a:ahLst/>
+              <a:cxnLst/>
+              <a:rect l="l" t="t" r="r" b="b"/>
+              <a:pathLst>
+                <a:path w="1460123" h="102007">
+                  <a:moveTo>
+                    <a:pt x="19551" y="0"/>
+                  </a:moveTo>
+                  <a:lnTo>
+                    <a:pt x="1440572" y="0"/>
+                  </a:lnTo>
+                  <a:cubicBezTo>
+                    <a:pt x="1445757" y="0"/>
+                    <a:pt x="1450730" y="2060"/>
+                    <a:pt x="1454397" y="5726"/>
+                  </a:cubicBezTo>
+                  <a:cubicBezTo>
+                    <a:pt x="1458063" y="9393"/>
+                    <a:pt x="1460123" y="14365"/>
+                    <a:pt x="1460123" y="19551"/>
+                  </a:cubicBezTo>
+                  <a:lnTo>
+                    <a:pt x="1460123" y="82456"/>
+                  </a:lnTo>
+                  <a:cubicBezTo>
+                    <a:pt x="1460123" y="87641"/>
+                    <a:pt x="1458063" y="92614"/>
+                    <a:pt x="1454397" y="96280"/>
+                  </a:cubicBezTo>
+                  <a:cubicBezTo>
+                    <a:pt x="1450730" y="99947"/>
+                    <a:pt x="1445757" y="102007"/>
+                    <a:pt x="1440572" y="102007"/>
+                  </a:cubicBezTo>
+                  <a:lnTo>
+                    <a:pt x="19551" y="102007"/>
+                  </a:lnTo>
+                  <a:cubicBezTo>
+                    <a:pt x="14365" y="102007"/>
+                    <a:pt x="9393" y="99947"/>
+                    <a:pt x="5726" y="96280"/>
+                  </a:cubicBezTo>
+                  <a:cubicBezTo>
+                    <a:pt x="2060" y="92614"/>
+                    <a:pt x="0" y="87641"/>
+                    <a:pt x="0" y="82456"/>
+                  </a:cubicBezTo>
+                  <a:lnTo>
+                    <a:pt x="0" y="19551"/>
+                  </a:lnTo>
+                  <a:cubicBezTo>
+                    <a:pt x="0" y="14365"/>
+                    <a:pt x="2060" y="9393"/>
+                    <a:pt x="5726" y="5726"/>
+                  </a:cubicBezTo>
+                  <a:cubicBezTo>
+                    <a:pt x="9393" y="2060"/>
+                    <a:pt x="14365" y="0"/>
+                    <a:pt x="19551" y="0"/>
+                  </a:cubicBezTo>
+                  <a:close/>
+                </a:path>
+              </a:pathLst>
+            </a:custGeom>
+            <a:solidFill>
+              <a:srgbClr val="FFE6E6"/>
+            </a:solidFill>
+          </p:spPr>
+        </p:sp>
+        <p:sp>
+          <p:nvSpPr>
+            <p:cNvPr id="19" name="TextBox 19"/>
+            <p:cNvSpPr txBox="1"/>
+            <p:nvPr/>
+          </p:nvSpPr>
+          <p:spPr>
+            <a:xfrm>
+              <a:off x="335042" y="20537"/>
+              <a:ext cx="812800" cy="63385"/>
+            </a:xfrm>
+            <a:prstGeom prst="rect">
+              <a:avLst/>
+            </a:prstGeom>
+          </p:spPr>
+          <p:txBody>
+            <a:bodyPr lIns="50800" tIns="50800" rIns="50800" bIns="50800" rtlCol="0" anchor="ctr"/>
+            <a:lstStyle/>
+            <a:p>
+              <a:pPr algn="ctr">
+                <a:lnSpc>
+                  <a:spcPts val="2100"/>
+                </a:lnSpc>
+                <a:spcBef>
+                  <a:spcPct val="0"/>
+                </a:spcBef>
+              </a:pPr>
+              <a:r>
+                <a:rPr lang="en-US" sz="1500" b="1">
+                  <a:solidFill>
+                    <a:srgbClr val="000000"/>
+                  </a:solidFill>
+                  <a:latin typeface="Open Sans Extra Bold"/>
+                </a:rPr>
+                <a:t>REFERENCES</a:t>
+              </a:r>
+              <a:endParaRPr lang="en-US" sz="1500" b="1">
+                <a:solidFill>
+                  <a:srgbClr val="000000"/>
+                </a:solidFill>
+                <a:latin typeface="Open Sans Extra Bold"/>
+                <a:ea typeface="Open Sans Extra Bold"/>
+                <a:cs typeface="Open Sans Extra Bold"/>
+              </a:endParaRPr>
+            </a:p>
+          </p:txBody>
+        </p:sp>
+      </p:grpSp>
+      <p:sp>
+        <p:nvSpPr>
+          <p:cNvPr id="20" name="TextBox 20"/>
+          <p:cNvSpPr txBox="1"/>
+          <p:nvPr/>
+        </p:nvSpPr>
+        <p:spPr>
+          <a:xfrm>
+            <a:off x="6372048" y="1698683"/>
+            <a:ext cx="5543904" cy="447943"/>
+          </a:xfrm>
+          <a:prstGeom prst="rect">
+            <a:avLst/>
+          </a:prstGeom>
+        </p:spPr>
+        <p:txBody>
+          <a:bodyPr lIns="0" tIns="0" rIns="0" bIns="0" rtlCol="0" anchor="t">
+            <a:spAutoFit/>
+          </a:bodyPr>
+          <a:lstStyle/>
+          <a:p>
+            <a:pPr marL="280670" lvl="1" indent="-140335" algn="just">
+              <a:lnSpc>
+                <a:spcPts val="1820"/>
+              </a:lnSpc>
+              <a:buFont typeface="Arial"/>
+              <a:buChar char="•"/>
+            </a:pPr>
+            <a:r>
+              <a:rPr lang="es-EC" sz="1300" dirty="0" err="1">
+                <a:latin typeface="Open Sans"/>
+                <a:ea typeface="Open Sans"/>
+                <a:cs typeface="Open Sans"/>
+              </a:rPr>
+              <a:t>The</a:t>
+            </a:r>
+            <a:r>
+              <a:rPr lang="es-EC" sz="1300" dirty="0">
+                <a:latin typeface="Open Sans"/>
+                <a:ea typeface="Open Sans"/>
+                <a:cs typeface="Open Sans"/>
+              </a:rPr>
+              <a:t> web </a:t>
+            </a:r>
+            <a:r>
+              <a:rPr lang="es-EC" sz="1300" dirty="0" err="1">
+                <a:latin typeface="Open Sans"/>
+                <a:ea typeface="Open Sans"/>
+                <a:cs typeface="Open Sans"/>
+              </a:rPr>
+              <a:t>application</a:t>
+            </a:r>
+            <a:r>
+              <a:rPr lang="es-EC" sz="1300" dirty="0">
+                <a:latin typeface="Open Sans"/>
+                <a:ea typeface="Open Sans"/>
+                <a:cs typeface="Open Sans"/>
+              </a:rPr>
+              <a:t> </a:t>
+            </a:r>
+            <a:r>
+              <a:rPr lang="es-EC" sz="1300" dirty="0" err="1">
+                <a:latin typeface="Open Sans"/>
+                <a:ea typeface="Open Sans"/>
+                <a:cs typeface="Open Sans"/>
+              </a:rPr>
+              <a:t>developed</a:t>
+            </a:r>
+            <a:r>
+              <a:rPr lang="es-EC" sz="1300" dirty="0">
+                <a:latin typeface="Open Sans"/>
+                <a:ea typeface="Open Sans"/>
+                <a:cs typeface="Open Sans"/>
+              </a:rPr>
+              <a:t> </a:t>
+            </a:r>
+            <a:r>
+              <a:rPr lang="es-EC" sz="1300" dirty="0" err="1">
+                <a:latin typeface="Open Sans"/>
+                <a:ea typeface="Open Sans"/>
+                <a:cs typeface="Open Sans"/>
+              </a:rPr>
+              <a:t>with</a:t>
+            </a:r>
+            <a:r>
+              <a:rPr lang="es-EC" sz="1300" dirty="0">
+                <a:latin typeface="Open Sans"/>
+                <a:ea typeface="Open Sans"/>
+                <a:cs typeface="Open Sans"/>
+              </a:rPr>
+              <a:t> </a:t>
+            </a:r>
+            <a:r>
+              <a:rPr lang="es-EC" sz="1300" dirty="0" err="1">
+                <a:latin typeface="Open Sans"/>
+                <a:ea typeface="Open Sans"/>
+                <a:cs typeface="Open Sans"/>
+              </a:rPr>
+              <a:t>NodeJS</a:t>
+            </a:r>
+            <a:r>
+              <a:rPr lang="es-EC" sz="1300" dirty="0">
+                <a:latin typeface="Open Sans"/>
+                <a:ea typeface="Open Sans"/>
+                <a:cs typeface="Open Sans"/>
+              </a:rPr>
+              <a:t> </a:t>
+            </a:r>
+            <a:r>
+              <a:rPr lang="es-EC" sz="1300" dirty="0" err="1">
+                <a:latin typeface="Open Sans"/>
+                <a:ea typeface="Open Sans"/>
+                <a:cs typeface="Open Sans"/>
+              </a:rPr>
+              <a:t>allows</a:t>
+            </a:r>
+            <a:r>
+              <a:rPr lang="es-EC" sz="1300" dirty="0">
+                <a:latin typeface="Open Sans"/>
+                <a:ea typeface="Open Sans"/>
+                <a:cs typeface="Open Sans"/>
+              </a:rPr>
+              <a:t> </a:t>
+            </a:r>
+            <a:r>
+              <a:rPr lang="es-EC" sz="1300" dirty="0" err="1">
+                <a:latin typeface="Open Sans"/>
+                <a:ea typeface="Open Sans"/>
+                <a:cs typeface="Open Sans"/>
+              </a:rPr>
+              <a:t>coaches</a:t>
+            </a:r>
+            <a:r>
+              <a:rPr lang="es-EC" sz="1300" dirty="0">
+                <a:latin typeface="Open Sans"/>
+                <a:ea typeface="Open Sans"/>
+                <a:cs typeface="Open Sans"/>
+              </a:rPr>
+              <a:t> and </a:t>
+            </a:r>
+            <a:r>
+              <a:rPr lang="es-EC" sz="1300" dirty="0" err="1">
+                <a:latin typeface="Open Sans"/>
+                <a:ea typeface="Open Sans"/>
+                <a:cs typeface="Open Sans"/>
+              </a:rPr>
+              <a:t>fencers</a:t>
+            </a:r>
+            <a:r>
+              <a:rPr lang="es-EC" sz="1300" dirty="0">
+                <a:latin typeface="Open Sans"/>
+                <a:ea typeface="Open Sans"/>
+                <a:cs typeface="Open Sans"/>
+              </a:rPr>
+              <a:t> </a:t>
+            </a:r>
+            <a:r>
+              <a:rPr lang="es-EC" sz="1300" dirty="0" err="1">
+                <a:latin typeface="Open Sans"/>
+                <a:ea typeface="Open Sans"/>
+                <a:cs typeface="Open Sans"/>
+              </a:rPr>
+              <a:t>to</a:t>
+            </a:r>
+            <a:r>
+              <a:rPr lang="es-EC" sz="1300" dirty="0">
+                <a:latin typeface="Open Sans"/>
+                <a:ea typeface="Open Sans"/>
+                <a:cs typeface="Open Sans"/>
+              </a:rPr>
+              <a:t> </a:t>
+            </a:r>
+            <a:r>
+              <a:rPr lang="es-EC" sz="1300" dirty="0" err="1">
+                <a:latin typeface="Open Sans"/>
+                <a:ea typeface="Open Sans"/>
+                <a:cs typeface="Open Sans"/>
+              </a:rPr>
+              <a:t>view</a:t>
+            </a:r>
+            <a:r>
+              <a:rPr lang="es-EC" sz="1300" dirty="0">
+                <a:latin typeface="Open Sans"/>
+                <a:ea typeface="Open Sans"/>
+                <a:cs typeface="Open Sans"/>
+              </a:rPr>
+              <a:t> </a:t>
+            </a:r>
+            <a:r>
+              <a:rPr lang="es-EC" sz="1300" dirty="0" err="1">
+                <a:latin typeface="Open Sans"/>
+                <a:ea typeface="Open Sans"/>
+                <a:cs typeface="Open Sans"/>
+              </a:rPr>
+              <a:t>established</a:t>
+            </a:r>
+            <a:r>
+              <a:rPr lang="es-EC" sz="1300" dirty="0">
+                <a:latin typeface="Open Sans"/>
+                <a:ea typeface="Open Sans"/>
+                <a:cs typeface="Open Sans"/>
+              </a:rPr>
+              <a:t> training </a:t>
+            </a:r>
+            <a:r>
+              <a:rPr lang="es-EC" sz="1300" dirty="0" err="1">
+                <a:latin typeface="Open Sans"/>
+                <a:ea typeface="Open Sans"/>
+                <a:cs typeface="Open Sans"/>
+              </a:rPr>
+              <a:t>schedules</a:t>
+            </a:r>
+            <a:r>
+              <a:rPr lang="es-EC" sz="1300" dirty="0">
+                <a:latin typeface="Open Sans"/>
+                <a:ea typeface="Open Sans"/>
+                <a:cs typeface="Open Sans"/>
+              </a:rPr>
+              <a:t>.</a:t>
+            </a:r>
+            <a:endParaRPr lang="en-US" dirty="0"/>
+          </a:p>
+        </p:txBody>
+      </p:sp>
+      <p:grpSp>
+        <p:nvGrpSpPr>
+          <p:cNvPr id="21" name="Group 21"/>
+          <p:cNvGrpSpPr/>
+          <p:nvPr/>
+        </p:nvGrpSpPr>
+        <p:grpSpPr>
+          <a:xfrm>
+            <a:off x="15818270" y="435845"/>
+            <a:ext cx="2393895" cy="419239"/>
+            <a:chOff x="0" y="0"/>
+            <a:chExt cx="3191860" cy="558985"/>
+          </a:xfrm>
+        </p:grpSpPr>
+        <p:sp>
+          <p:nvSpPr>
+            <p:cNvPr id="22" name="Freeform 22"/>
+            <p:cNvSpPr/>
+            <p:nvPr/>
+          </p:nvSpPr>
+          <p:spPr>
+            <a:xfrm>
+              <a:off x="1988621" y="0"/>
+              <a:ext cx="1203239" cy="558985"/>
+            </a:xfrm>
+            <a:custGeom>
+              <a:avLst/>
+              <a:gdLst/>
+              <a:ahLst/>
+              <a:cxnLst/>
+              <a:rect l="l" t="t" r="r" b="b"/>
+              <a:pathLst>
+                <a:path w="1203239" h="558985">
+                  <a:moveTo>
+                    <a:pt x="0" y="0"/>
+                  </a:moveTo>
+                  <a:lnTo>
+                    <a:pt x="1203239" y="0"/>
+                  </a:lnTo>
+                  <a:lnTo>
+                    <a:pt x="1203239" y="558985"/>
+                  </a:lnTo>
+                  <a:lnTo>
+                    <a:pt x="0" y="558985"/>
+                  </a:lnTo>
+                  <a:lnTo>
+                    <a:pt x="0" y="0"/>
+                  </a:lnTo>
+                  <a:close/>
+                </a:path>
+              </a:pathLst>
+            </a:custGeom>
+            <a:blipFill>
+              <a:blip r:embed="rId2"/>
+              <a:stretch>
+                <a:fillRect l="-10370" t="-73400" r="-10244" b="-86229"/>
+              </a:stretch>
+            </a:blipFill>
+          </p:spPr>
+        </p:sp>
+        <p:sp>
+          <p:nvSpPr>
+            <p:cNvPr id="23" name="TextBox 23"/>
+            <p:cNvSpPr txBox="1"/>
+            <p:nvPr/>
+          </p:nvSpPr>
+          <p:spPr>
+            <a:xfrm>
+              <a:off x="0" y="97551"/>
+              <a:ext cx="1585912" cy="461434"/>
+            </a:xfrm>
+            <a:prstGeom prst="rect">
+              <a:avLst/>
+            </a:prstGeom>
+          </p:spPr>
+          <p:txBody>
+            <a:bodyPr lIns="0" tIns="0" rIns="0" bIns="0" rtlCol="0" anchor="t">
+              <a:spAutoFit/>
+            </a:bodyPr>
+            <a:lstStyle/>
+            <a:p>
+              <a:pPr algn="ctr">
+                <a:lnSpc>
+                  <a:spcPts val="1235"/>
+                </a:lnSpc>
+              </a:pPr>
+              <a:r>
+                <a:rPr lang="en-US" sz="1300" spc="-53">
+                  <a:solidFill>
+                    <a:srgbClr val="98012F"/>
+                  </a:solidFill>
+                  <a:latin typeface="Arial Bold"/>
+                </a:rPr>
+                <a:t>INGENIERÍA DE </a:t>
+              </a:r>
+            </a:p>
+            <a:p>
+              <a:pPr algn="ctr">
+                <a:lnSpc>
+                  <a:spcPts val="1235"/>
+                </a:lnSpc>
+              </a:pPr>
+              <a:r>
+                <a:rPr lang="en-US" sz="1300" spc="-53">
+                  <a:solidFill>
+                    <a:srgbClr val="98012F"/>
+                  </a:solidFill>
+                  <a:latin typeface="Arial Bold"/>
+                </a:rPr>
+                <a:t>SOFTWARE</a:t>
+              </a:r>
+            </a:p>
+          </p:txBody>
+        </p:sp>
+        <p:sp>
+          <p:nvSpPr>
+            <p:cNvPr id="24" name="AutoShape 24"/>
+            <p:cNvSpPr/>
+            <p:nvPr/>
+          </p:nvSpPr>
+          <p:spPr>
+            <a:xfrm>
+              <a:off x="1825017" y="85376"/>
+              <a:ext cx="0" cy="466401"/>
+            </a:xfrm>
+            <a:prstGeom prst="line">
+              <a:avLst/>
+            </a:prstGeom>
+            <a:ln w="25400" cap="flat">
+              <a:solidFill>
+                <a:srgbClr val="98012F"/>
+              </a:solidFill>
+              <a:prstDash val="solid"/>
+              <a:headEnd type="none" w="sm" len="sm"/>
+              <a:tailEnd type="none" w="sm" len="sm"/>
+            </a:ln>
+          </p:spPr>
+        </p:sp>
+      </p:grpSp>
+      <p:sp>
+        <p:nvSpPr>
+          <p:cNvPr id="25" name="Freeform 25"/>
+          <p:cNvSpPr/>
+          <p:nvPr/>
+        </p:nvSpPr>
+        <p:spPr>
+          <a:xfrm>
+            <a:off x="370454" y="7955886"/>
+            <a:ext cx="5682568" cy="1853011"/>
+          </a:xfrm>
+          <a:custGeom>
+            <a:avLst/>
+            <a:gdLst/>
+            <a:ahLst/>
+            <a:cxnLst/>
+            <a:rect l="l" t="t" r="r" b="b"/>
+            <a:pathLst>
+              <a:path w="5682568" h="1853011">
+                <a:moveTo>
+                  <a:pt x="0" y="0"/>
+                </a:moveTo>
+                <a:lnTo>
+                  <a:pt x="5682568" y="0"/>
+                </a:lnTo>
+                <a:lnTo>
+                  <a:pt x="5682568" y="1853011"/>
+                </a:lnTo>
+                <a:lnTo>
+                  <a:pt x="0" y="1853011"/>
+                </a:lnTo>
+                <a:lnTo>
+                  <a:pt x="0" y="0"/>
+                </a:lnTo>
+                <a:close/>
+              </a:path>
+            </a:pathLst>
+          </a:custGeom>
+          <a:blipFill>
+            <a:blip r:embed="rId3"/>
+            <a:stretch>
+              <a:fillRect/>
+            </a:stretch>
+          </a:blipFill>
+        </p:spPr>
+      </p:sp>
+      <p:grpSp>
+        <p:nvGrpSpPr>
+          <p:cNvPr id="26" name="Group 26"/>
+          <p:cNvGrpSpPr/>
+          <p:nvPr/>
+        </p:nvGrpSpPr>
+        <p:grpSpPr>
+          <a:xfrm>
+            <a:off x="12454464" y="5093984"/>
+            <a:ext cx="5543904" cy="387307"/>
+            <a:chOff x="0" y="0"/>
+            <a:chExt cx="1460123" cy="102007"/>
+          </a:xfrm>
+        </p:grpSpPr>
+        <p:sp>
+          <p:nvSpPr>
+            <p:cNvPr id="27" name="Freeform 27"/>
+            <p:cNvSpPr/>
+            <p:nvPr/>
+          </p:nvSpPr>
+          <p:spPr>
+            <a:xfrm>
+              <a:off x="0" y="0"/>
+              <a:ext cx="1460123" cy="102007"/>
+            </a:xfrm>
+            <a:custGeom>
+              <a:avLst/>
+              <a:gdLst/>
+              <a:ahLst/>
+              <a:cxnLst/>
+              <a:rect l="l" t="t" r="r" b="b"/>
+              <a:pathLst>
+                <a:path w="1460123" h="102007">
+                  <a:moveTo>
+                    <a:pt x="19551" y="0"/>
+                  </a:moveTo>
+                  <a:lnTo>
+                    <a:pt x="1440572" y="0"/>
+                  </a:lnTo>
+                  <a:cubicBezTo>
+                    <a:pt x="1445757" y="0"/>
+                    <a:pt x="1450730" y="2060"/>
+                    <a:pt x="1454397" y="5726"/>
+                  </a:cubicBezTo>
+                  <a:cubicBezTo>
+                    <a:pt x="1458063" y="9393"/>
+                    <a:pt x="1460123" y="14365"/>
+                    <a:pt x="1460123" y="19551"/>
+                  </a:cubicBezTo>
+                  <a:lnTo>
+                    <a:pt x="1460123" y="82456"/>
+                  </a:lnTo>
+                  <a:cubicBezTo>
+                    <a:pt x="1460123" y="87641"/>
+                    <a:pt x="1458063" y="92614"/>
+                    <a:pt x="1454397" y="96280"/>
+                  </a:cubicBezTo>
+                  <a:cubicBezTo>
+                    <a:pt x="1450730" y="99947"/>
+                    <a:pt x="1445757" y="102007"/>
+                    <a:pt x="1440572" y="102007"/>
+                  </a:cubicBezTo>
+                  <a:lnTo>
+                    <a:pt x="19551" y="102007"/>
+                  </a:lnTo>
+                  <a:cubicBezTo>
+                    <a:pt x="14365" y="102007"/>
+                    <a:pt x="9393" y="99947"/>
+                    <a:pt x="5726" y="96280"/>
+                  </a:cubicBezTo>
+                  <a:cubicBezTo>
+                    <a:pt x="2060" y="92614"/>
+                    <a:pt x="0" y="87641"/>
+                    <a:pt x="0" y="82456"/>
+                  </a:cubicBezTo>
+                  <a:lnTo>
+                    <a:pt x="0" y="19551"/>
+                  </a:lnTo>
+                  <a:cubicBezTo>
+                    <a:pt x="0" y="14365"/>
+                    <a:pt x="2060" y="9393"/>
+                    <a:pt x="5726" y="5726"/>
+                  </a:cubicBezTo>
+                  <a:cubicBezTo>
+                    <a:pt x="9393" y="2060"/>
+                    <a:pt x="14365" y="0"/>
+                    <a:pt x="19551" y="0"/>
+                  </a:cubicBezTo>
+                  <a:close/>
+                </a:path>
+              </a:pathLst>
+            </a:custGeom>
+            <a:solidFill>
+              <a:srgbClr val="FFE6E6"/>
+            </a:solidFill>
+          </p:spPr>
+        </p:sp>
+        <p:sp>
+          <p:nvSpPr>
+            <p:cNvPr id="28" name="TextBox 28"/>
+            <p:cNvSpPr txBox="1"/>
+            <p:nvPr/>
+          </p:nvSpPr>
+          <p:spPr>
+            <a:xfrm>
+              <a:off x="310881" y="30223"/>
+              <a:ext cx="812800" cy="41616"/>
+            </a:xfrm>
+            <a:prstGeom prst="rect">
+              <a:avLst/>
+            </a:prstGeom>
+          </p:spPr>
+          <p:txBody>
+            <a:bodyPr lIns="50800" tIns="50800" rIns="50800" bIns="50800" rtlCol="0" anchor="ctr"/>
+            <a:lstStyle/>
+            <a:p>
+              <a:pPr algn="ctr">
+                <a:lnSpc>
+                  <a:spcPts val="2100"/>
+                </a:lnSpc>
+                <a:spcBef>
+                  <a:spcPct val="0"/>
+                </a:spcBef>
+              </a:pPr>
+              <a:r>
+                <a:rPr lang="en-US" sz="1500" b="1">
+                  <a:solidFill>
+                    <a:srgbClr val="000000"/>
+                  </a:solidFill>
+                  <a:latin typeface="Open Sans Extra Bold"/>
+                </a:rPr>
+                <a:t>FUTURE WORK</a:t>
+              </a:r>
+              <a:endParaRPr lang="en-US" b="1">
+                <a:latin typeface="Open Sans Extra Bold"/>
+                <a:ea typeface="Open Sans Extra Bold"/>
+                <a:cs typeface="Calibri"/>
+              </a:endParaRPr>
+            </a:p>
+          </p:txBody>
+        </p:sp>
+      </p:grpSp>
+      <p:sp>
+        <p:nvSpPr>
+          <p:cNvPr id="29" name="Freeform 29"/>
+          <p:cNvSpPr/>
+          <p:nvPr/>
+        </p:nvSpPr>
+        <p:spPr>
+          <a:xfrm rot="59999">
+            <a:off x="8939402" y="6702615"/>
+            <a:ext cx="2990422" cy="1667009"/>
+          </a:xfrm>
+          <a:custGeom>
+            <a:avLst/>
+            <a:gdLst/>
+            <a:ahLst/>
+            <a:cxnLst/>
+            <a:rect l="l" t="t" r="r" b="b"/>
+            <a:pathLst>
+              <a:path w="2990422" h="1667009">
+                <a:moveTo>
+                  <a:pt x="0" y="51706"/>
+                </a:moveTo>
+                <a:lnTo>
+                  <a:pt x="2962227" y="0"/>
+                </a:lnTo>
+                <a:lnTo>
+                  <a:pt x="2990422" y="1615304"/>
+                </a:lnTo>
+                <a:lnTo>
+                  <a:pt x="28195" y="1667010"/>
+                </a:lnTo>
+                <a:lnTo>
+                  <a:pt x="0" y="51706"/>
+                </a:lnTo>
+                <a:close/>
+              </a:path>
+            </a:pathLst>
+          </a:custGeom>
+          <a:blipFill>
+            <a:blip r:embed="rId4"/>
+            <a:stretch>
+              <a:fillRect l="-79764" t="-27005" r="-98315" b="-110561"/>
+            </a:stretch>
+          </a:blipFill>
+        </p:spPr>
+      </p:sp>
+      <p:sp>
+        <p:nvSpPr>
+          <p:cNvPr id="30" name="TextBox 30"/>
+          <p:cNvSpPr txBox="1"/>
+          <p:nvPr/>
+        </p:nvSpPr>
+        <p:spPr>
+          <a:xfrm>
+            <a:off x="338157" y="314812"/>
+            <a:ext cx="9296854" cy="670312"/>
+          </a:xfrm>
+          <a:prstGeom prst="rect">
+            <a:avLst/>
+          </a:prstGeom>
+        </p:spPr>
+        <p:txBody>
+          <a:bodyPr lIns="0" tIns="0" rIns="0" bIns="0" rtlCol="0" anchor="t">
+            <a:spAutoFit/>
+          </a:bodyPr>
+          <a:lstStyle/>
+          <a:p>
+            <a:pPr>
+              <a:lnSpc>
+                <a:spcPts val="2660"/>
+              </a:lnSpc>
+              <a:spcBef>
+                <a:spcPct val="0"/>
+              </a:spcBef>
+            </a:pPr>
+            <a:r>
+              <a:rPr lang="en-US" sz="1900" dirty="0">
+                <a:latin typeface="Open Sans Light Bold"/>
+                <a:ea typeface="Open Sans Light Bold"/>
+                <a:cs typeface="Open Sans Light Bold"/>
+              </a:rPr>
+              <a:t>Web application for information management and training performance using artificial intelligence for "Academia de </a:t>
+            </a:r>
+            <a:r>
+              <a:rPr lang="en-US" sz="1900" dirty="0" err="1">
+                <a:latin typeface="Open Sans Light Bold"/>
+                <a:ea typeface="Open Sans Light Bold"/>
+                <a:cs typeface="Open Sans Light Bold"/>
+              </a:rPr>
+              <a:t>Esgrima</a:t>
+            </a:r>
+            <a:r>
+              <a:rPr lang="en-US" sz="1900" dirty="0">
+                <a:latin typeface="Open Sans Light Bold"/>
+                <a:ea typeface="Open Sans Light Bold"/>
+                <a:cs typeface="Open Sans Light Bold"/>
+              </a:rPr>
+              <a:t> Ciudad de Quito"</a:t>
+            </a:r>
+            <a:endParaRPr lang="en-US" dirty="0">
+              <a:latin typeface="Open Sans Light Bold"/>
+              <a:ea typeface="Open Sans Light Bold"/>
+              <a:cs typeface="Open Sans Light Bold"/>
+            </a:endParaRPr>
+          </a:p>
+        </p:txBody>
+      </p:sp>
+      <p:sp>
+        <p:nvSpPr>
+          <p:cNvPr id="32" name="TextBox 32"/>
+          <p:cNvSpPr txBox="1"/>
+          <p:nvPr/>
+        </p:nvSpPr>
+        <p:spPr>
+          <a:xfrm>
+            <a:off x="9795768" y="290952"/>
+            <a:ext cx="1468416" cy="680450"/>
+          </a:xfrm>
+          <a:prstGeom prst="rect">
+            <a:avLst/>
+          </a:prstGeom>
+        </p:spPr>
+        <p:txBody>
+          <a:bodyPr lIns="0" tIns="0" rIns="0" bIns="0" rtlCol="0" anchor="t">
+            <a:spAutoFit/>
+          </a:bodyPr>
+          <a:lstStyle/>
+          <a:p>
+            <a:pPr algn="ctr">
+              <a:lnSpc>
+                <a:spcPts val="1869"/>
+              </a:lnSpc>
+            </a:pPr>
+            <a:r>
+              <a:rPr lang="en-US" sz="1335">
+                <a:solidFill>
+                  <a:srgbClr val="000000"/>
+                </a:solidFill>
+                <a:latin typeface="Open Sans Bold"/>
+              </a:rPr>
+              <a:t>Diego Hiriart</a:t>
+            </a:r>
+          </a:p>
+          <a:p>
+            <a:pPr algn="ctr">
+              <a:lnSpc>
+                <a:spcPts val="1869"/>
+              </a:lnSpc>
+            </a:pPr>
+            <a:r>
+              <a:rPr lang="en-US" sz="1335">
+                <a:solidFill>
+                  <a:srgbClr val="000000"/>
+                </a:solidFill>
+                <a:latin typeface="Open Sans"/>
+              </a:rPr>
+              <a:t>diego.hiriart</a:t>
+            </a:r>
+          </a:p>
+          <a:p>
+            <a:pPr algn="ctr">
+              <a:lnSpc>
+                <a:spcPts val="1869"/>
+              </a:lnSpc>
+            </a:pPr>
+            <a:r>
+              <a:rPr lang="en-US" sz="1335">
+                <a:solidFill>
+                  <a:srgbClr val="000000"/>
+                </a:solidFill>
+                <a:latin typeface="Open Sans"/>
+              </a:rPr>
+              <a:t>@udla.edu.ec</a:t>
+            </a:r>
+          </a:p>
+        </p:txBody>
+      </p:sp>
+      <p:sp>
+        <p:nvSpPr>
+          <p:cNvPr id="33" name="TextBox 33"/>
+          <p:cNvSpPr txBox="1"/>
+          <p:nvPr/>
+        </p:nvSpPr>
+        <p:spPr>
+          <a:xfrm>
+            <a:off x="11574487" y="290952"/>
+            <a:ext cx="1759953" cy="680450"/>
+          </a:xfrm>
+          <a:prstGeom prst="rect">
+            <a:avLst/>
+          </a:prstGeom>
+        </p:spPr>
+        <p:txBody>
+          <a:bodyPr lIns="0" tIns="0" rIns="0" bIns="0" rtlCol="0" anchor="t">
+            <a:spAutoFit/>
+          </a:bodyPr>
+          <a:lstStyle/>
+          <a:p>
+            <a:pPr algn="ctr">
+              <a:lnSpc>
+                <a:spcPts val="1869"/>
+              </a:lnSpc>
+            </a:pPr>
+            <a:r>
+              <a:rPr lang="en-US" sz="1335">
+                <a:solidFill>
+                  <a:srgbClr val="000000"/>
+                </a:solidFill>
+                <a:latin typeface="Open Sans Bold"/>
+              </a:rPr>
+              <a:t>Luis Corales</a:t>
+            </a:r>
+          </a:p>
+          <a:p>
+            <a:pPr algn="ctr">
+              <a:lnSpc>
+                <a:spcPts val="1869"/>
+              </a:lnSpc>
+            </a:pPr>
+            <a:r>
+              <a:rPr lang="en-US" sz="1335">
+                <a:solidFill>
+                  <a:srgbClr val="000000"/>
+                </a:solidFill>
+                <a:latin typeface="Open Sans"/>
+              </a:rPr>
+              <a:t>luis.corales.martinez</a:t>
+            </a:r>
+          </a:p>
+          <a:p>
+            <a:pPr algn="ctr">
+              <a:lnSpc>
+                <a:spcPts val="1869"/>
+              </a:lnSpc>
+            </a:pPr>
+            <a:r>
+              <a:rPr lang="en-US" sz="1335">
+                <a:solidFill>
+                  <a:srgbClr val="000000"/>
+                </a:solidFill>
+                <a:latin typeface="Open Sans"/>
+              </a:rPr>
+              <a:t>@udla.edu.ec</a:t>
+            </a:r>
+          </a:p>
+        </p:txBody>
+      </p:sp>
+      <p:sp>
+        <p:nvSpPr>
+          <p:cNvPr id="34" name="TextBox 34"/>
+          <p:cNvSpPr txBox="1"/>
+          <p:nvPr/>
+        </p:nvSpPr>
+        <p:spPr>
+          <a:xfrm>
+            <a:off x="13644744" y="290952"/>
+            <a:ext cx="1758958" cy="680450"/>
+          </a:xfrm>
+          <a:prstGeom prst="rect">
+            <a:avLst/>
+          </a:prstGeom>
+        </p:spPr>
+        <p:txBody>
+          <a:bodyPr lIns="0" tIns="0" rIns="0" bIns="0" rtlCol="0" anchor="t">
+            <a:spAutoFit/>
+          </a:bodyPr>
+          <a:lstStyle/>
+          <a:p>
+            <a:pPr algn="ctr">
+              <a:lnSpc>
+                <a:spcPts val="1869"/>
+              </a:lnSpc>
+            </a:pPr>
+            <a:r>
+              <a:rPr lang="en-US" sz="1335">
+                <a:solidFill>
+                  <a:srgbClr val="000000"/>
+                </a:solidFill>
+                <a:latin typeface="Open Sans Bold"/>
+              </a:rPr>
+              <a:t>Christian Samaniego</a:t>
+            </a:r>
+          </a:p>
+          <a:p>
+            <a:pPr algn="ctr">
+              <a:lnSpc>
+                <a:spcPts val="1869"/>
+              </a:lnSpc>
+            </a:pPr>
+            <a:r>
+              <a:rPr lang="en-US" sz="1335">
+                <a:solidFill>
+                  <a:srgbClr val="000000"/>
+                </a:solidFill>
+                <a:latin typeface="Open Sans"/>
+              </a:rPr>
+              <a:t>christian.samaniego</a:t>
+            </a:r>
+          </a:p>
+          <a:p>
+            <a:pPr algn="ctr">
+              <a:lnSpc>
+                <a:spcPts val="1869"/>
+              </a:lnSpc>
+            </a:pPr>
+            <a:r>
+              <a:rPr lang="en-US" sz="1335">
+                <a:solidFill>
+                  <a:srgbClr val="000000"/>
+                </a:solidFill>
+                <a:latin typeface="Open Sans"/>
+              </a:rPr>
+              <a:t>@udla.edu.ec</a:t>
+            </a:r>
+          </a:p>
+        </p:txBody>
+      </p:sp>
+      <p:sp>
+        <p:nvSpPr>
+          <p:cNvPr id="38" name="Freeform 38"/>
+          <p:cNvSpPr/>
+          <p:nvPr/>
+        </p:nvSpPr>
+        <p:spPr>
+          <a:xfrm>
+            <a:off x="6794755" y="6518443"/>
+            <a:ext cx="2040506" cy="2035353"/>
+          </a:xfrm>
+          <a:custGeom>
+            <a:avLst/>
+            <a:gdLst/>
+            <a:ahLst/>
+            <a:cxnLst/>
+            <a:rect l="l" t="t" r="r" b="b"/>
+            <a:pathLst>
+              <a:path w="2040506" h="2035353">
+                <a:moveTo>
+                  <a:pt x="0" y="0"/>
+                </a:moveTo>
+                <a:lnTo>
+                  <a:pt x="2040506" y="0"/>
+                </a:lnTo>
+                <a:lnTo>
+                  <a:pt x="2040506" y="2035354"/>
+                </a:lnTo>
+                <a:lnTo>
+                  <a:pt x="0" y="2035354"/>
+                </a:lnTo>
+                <a:lnTo>
+                  <a:pt x="0" y="0"/>
+                </a:lnTo>
+                <a:close/>
+              </a:path>
+            </a:pathLst>
+          </a:custGeom>
+          <a:blipFill>
+            <a:blip r:embed="rId5"/>
+            <a:stretch>
+              <a:fillRect l="-61408" t="-18454" r="-191193" b="-66116"/>
+            </a:stretch>
+          </a:blipFill>
+        </p:spPr>
+      </p:sp>
+      <p:sp>
+        <p:nvSpPr>
+          <p:cNvPr id="40" name="Freeform 40"/>
+          <p:cNvSpPr/>
+          <p:nvPr/>
+        </p:nvSpPr>
+        <p:spPr>
+          <a:xfrm>
+            <a:off x="6460185" y="2585401"/>
+            <a:ext cx="5455767" cy="2482864"/>
+          </a:xfrm>
+          <a:custGeom>
+            <a:avLst/>
+            <a:gdLst/>
+            <a:ahLst/>
+            <a:cxnLst/>
+            <a:rect l="l" t="t" r="r" b="b"/>
+            <a:pathLst>
+              <a:path w="5455767" h="2482864">
+                <a:moveTo>
+                  <a:pt x="0" y="0"/>
+                </a:moveTo>
+                <a:lnTo>
+                  <a:pt x="5455767" y="0"/>
+                </a:lnTo>
+                <a:lnTo>
+                  <a:pt x="5455767" y="2482864"/>
+                </a:lnTo>
+                <a:lnTo>
+                  <a:pt x="0" y="2482864"/>
+                </a:lnTo>
+                <a:lnTo>
+                  <a:pt x="0" y="0"/>
+                </a:lnTo>
+                <a:close/>
+              </a:path>
+            </a:pathLst>
+          </a:custGeom>
+          <a:blipFill>
+            <a:blip r:embed="rId6"/>
+            <a:stretch>
+              <a:fillRect l="-2356" t="-13847" r="-1584" b="-1234"/>
+            </a:stretch>
+          </a:blipFill>
+        </p:spPr>
+      </p:sp>
+      <p:sp>
+        <p:nvSpPr>
+          <p:cNvPr id="41" name="TextBox 41"/>
+          <p:cNvSpPr txBox="1"/>
+          <p:nvPr/>
+        </p:nvSpPr>
+        <p:spPr>
+          <a:xfrm>
+            <a:off x="6372048" y="5390235"/>
+            <a:ext cx="5543904" cy="675249"/>
+          </a:xfrm>
+          <a:prstGeom prst="rect">
+            <a:avLst/>
+          </a:prstGeom>
+        </p:spPr>
+        <p:txBody>
+          <a:bodyPr lIns="0" tIns="0" rIns="0" bIns="0" rtlCol="0" anchor="t">
+            <a:spAutoFit/>
+          </a:bodyPr>
+          <a:lstStyle/>
+          <a:p>
+            <a:pPr marL="280670" lvl="1" indent="-140335" algn="just">
+              <a:lnSpc>
+                <a:spcPts val="1820"/>
+              </a:lnSpc>
+              <a:buFont typeface="Arial"/>
+              <a:buChar char="•"/>
+            </a:pPr>
+            <a:r>
+              <a:rPr lang="en-US" sz="1300">
+                <a:latin typeface="Open Sans"/>
+                <a:ea typeface="+mn-lt"/>
+                <a:cs typeface="+mn-lt"/>
+              </a:rPr>
+              <a:t>The artificial intelligence module developed with TensorFlow.js and integrated into the web application allows fencers to have visual assistance during their training sessions.</a:t>
+            </a:r>
+            <a:endParaRPr lang="en-US" sz="1300">
+              <a:latin typeface="Open Sans"/>
+              <a:ea typeface="Open Sans"/>
+              <a:cs typeface="Open Sans"/>
+            </a:endParaRPr>
+          </a:p>
+        </p:txBody>
+      </p:sp>
+      <p:sp>
+        <p:nvSpPr>
+          <p:cNvPr id="42" name="TextBox 42"/>
+          <p:cNvSpPr txBox="1"/>
+          <p:nvPr/>
+        </p:nvSpPr>
+        <p:spPr>
+          <a:xfrm>
+            <a:off x="6373375" y="9038494"/>
+            <a:ext cx="5543904" cy="444609"/>
+          </a:xfrm>
+          <a:prstGeom prst="rect">
+            <a:avLst/>
+          </a:prstGeom>
+        </p:spPr>
+        <p:txBody>
+          <a:bodyPr wrap="square" lIns="0" tIns="0" rIns="0" bIns="0" rtlCol="0" anchor="t">
+            <a:spAutoFit/>
+          </a:bodyPr>
+          <a:lstStyle/>
+          <a:p>
+            <a:pPr marL="280670" lvl="1" indent="-140335" algn="just">
+              <a:lnSpc>
+                <a:spcPts val="1820"/>
+              </a:lnSpc>
+              <a:buFont typeface="Arial"/>
+              <a:buChar char="•"/>
+            </a:pPr>
+            <a:r>
+              <a:rPr lang="en-US" sz="1300">
+                <a:latin typeface="Open Sans"/>
+                <a:ea typeface="+mn-lt"/>
+                <a:cs typeface="+mn-lt"/>
+              </a:rPr>
+              <a:t>The scoring machine created with Arduinos and an ESP32 allows keeping track of points, periods, time, and penalty cards in a match.</a:t>
+            </a:r>
+          </a:p>
+        </p:txBody>
+      </p:sp>
+      <p:sp>
+        <p:nvSpPr>
+          <p:cNvPr id="44" name="TextBox 35">
+            <a:extLst>
+              <a:ext uri="{FF2B5EF4-FFF2-40B4-BE49-F238E27FC236}">
+                <a16:creationId xmlns:a16="http://schemas.microsoft.com/office/drawing/2014/main" id="{8AD6A967-E0CF-422F-2D85-3D23B884DEE0}"/>
+              </a:ext>
+            </a:extLst>
+          </p:cNvPr>
+          <p:cNvSpPr txBox="1"/>
+          <p:nvPr/>
+        </p:nvSpPr>
+        <p:spPr>
+          <a:xfrm>
+            <a:off x="370454" y="1698683"/>
+            <a:ext cx="5543904" cy="1371273"/>
+          </a:xfrm>
+          <a:prstGeom prst="rect">
+            <a:avLst/>
+          </a:prstGeom>
+        </p:spPr>
+        <p:txBody>
+          <a:bodyPr lIns="0" tIns="0" rIns="0" bIns="0" rtlCol="0" anchor="t">
+            <a:spAutoFit/>
+          </a:bodyPr>
+          <a:lstStyle/>
+          <a:p>
+            <a:pPr algn="just">
+              <a:lnSpc>
+                <a:spcPts val="1820"/>
+              </a:lnSpc>
+            </a:pPr>
+            <a:r>
+              <a:rPr lang="en-US" sz="1300" dirty="0">
+                <a:latin typeface="Open Sans"/>
+                <a:ea typeface="+mn-lt"/>
+                <a:cs typeface="+mn-lt"/>
+              </a:rPr>
+              <a:t>The Academy manages athlete planning and performance data manually. On the other hand, the limited number of available coaches doesn't always allow fencers to receive timely feedback when training individually, as they don't always have a way to record their practices or be supervised. Furthermore, there isn't a reliable way to record scores, time, and penalties during matches, except for the referee's memory.</a:t>
+            </a:r>
+            <a:endParaRPr lang="en-US" dirty="0">
+              <a:latin typeface="Open Sans"/>
+              <a:ea typeface="+mn-lt"/>
+              <a:cs typeface="+mn-lt"/>
+            </a:endParaRPr>
+          </a:p>
+        </p:txBody>
+      </p:sp>
+      <p:sp>
+        <p:nvSpPr>
+          <p:cNvPr id="47" name="TextBox 39">
+            <a:extLst>
+              <a:ext uri="{FF2B5EF4-FFF2-40B4-BE49-F238E27FC236}">
+                <a16:creationId xmlns:a16="http://schemas.microsoft.com/office/drawing/2014/main" id="{E221B262-11AF-0FF4-53B9-8D7CA91F64EF}"/>
+              </a:ext>
+            </a:extLst>
+          </p:cNvPr>
+          <p:cNvSpPr txBox="1"/>
+          <p:nvPr/>
+        </p:nvSpPr>
+        <p:spPr>
+          <a:xfrm>
+            <a:off x="12454464" y="1698683"/>
+            <a:ext cx="5543904" cy="2986138"/>
+          </a:xfrm>
+          <a:prstGeom prst="rect">
+            <a:avLst/>
+          </a:prstGeom>
+        </p:spPr>
+        <p:txBody>
+          <a:bodyPr lIns="0" tIns="0" rIns="0" bIns="0" rtlCol="0" anchor="t">
+            <a:spAutoFit/>
+          </a:bodyPr>
+          <a:lstStyle/>
+          <a:p>
+            <a:pPr marL="280670" lvl="1" indent="-140335" algn="just">
+              <a:lnSpc>
+                <a:spcPts val="1820"/>
+              </a:lnSpc>
+              <a:buFont typeface="Arial"/>
+              <a:buChar char="•"/>
+            </a:pPr>
+            <a:r>
+              <a:rPr lang="en-US" sz="1300">
+                <a:latin typeface="Open Sans"/>
+                <a:ea typeface="Open Sans"/>
+                <a:cs typeface="Open Sans"/>
+              </a:rPr>
+              <a:t>The implementation of computer applications for the digitization of processes and data is an achievable goal when the correct analysis of requirements and design of the solution is implemented.</a:t>
+            </a:r>
+            <a:endParaRPr lang="en-US">
+              <a:latin typeface="Calibri"/>
+              <a:ea typeface="Open Sans"/>
+              <a:cs typeface="Calibri"/>
+            </a:endParaRPr>
+          </a:p>
+          <a:p>
+            <a:pPr marL="280670" lvl="1" indent="-140335" algn="just">
+              <a:lnSpc>
+                <a:spcPts val="1820"/>
+              </a:lnSpc>
+              <a:buFont typeface="Arial"/>
+              <a:buChar char="•"/>
+            </a:pPr>
+            <a:r>
+              <a:rPr lang="en-US" sz="1300">
+                <a:latin typeface="Open Sans"/>
+                <a:ea typeface="Open Sans"/>
+                <a:cs typeface="Open Sans"/>
+              </a:rPr>
+              <a:t>Artificial intelligence turned out to be a tool that provides better training opportunities for fencers. In addition, the coaches can maintain supervision over their performance even outside the Academy.</a:t>
+            </a:r>
+          </a:p>
+          <a:p>
+            <a:pPr marL="280670" lvl="1" indent="-140335" algn="just">
+              <a:lnSpc>
+                <a:spcPts val="1820"/>
+              </a:lnSpc>
+              <a:buFont typeface="Arial"/>
+              <a:buChar char="•"/>
+            </a:pPr>
+            <a:r>
+              <a:rPr lang="en-US" sz="1300">
+                <a:latin typeface="Open Sans"/>
+                <a:ea typeface="Open Sans"/>
+                <a:cs typeface="Open Sans"/>
+              </a:rPr>
+              <a:t>The use of electronics has proven to be a functional alternative to official fencing hardware. It's ideal for clubs that need a reliable way to manage scores and time in matches. </a:t>
+            </a:r>
+            <a:endParaRPr lang="en-US" sz="1300">
+              <a:solidFill>
+                <a:srgbClr val="000000"/>
+              </a:solidFill>
+              <a:latin typeface="Open Sans"/>
+              <a:ea typeface="Open Sans"/>
+              <a:cs typeface="Open Sans"/>
+            </a:endParaRPr>
+          </a:p>
+          <a:p>
+            <a:pPr marL="280670" lvl="1" indent="-140335" algn="just">
+              <a:lnSpc>
+                <a:spcPts val="1820"/>
+              </a:lnSpc>
+              <a:spcBef>
+                <a:spcPct val="0"/>
+              </a:spcBef>
+              <a:buFont typeface="Arial"/>
+              <a:buChar char="•"/>
+            </a:pPr>
+            <a:r>
+              <a:rPr lang="en-US" sz="1300">
+                <a:latin typeface="Open Sans"/>
+                <a:ea typeface="Open Sans"/>
+                <a:cs typeface="Open Sans"/>
+              </a:rPr>
+              <a:t>Obtaining representative data to train an artificial intelligence model is essential. It is possible to assist this process using techniques such as feature engineering or data augmentation.</a:t>
+            </a:r>
+          </a:p>
+        </p:txBody>
+      </p:sp>
+      <p:sp>
+        <p:nvSpPr>
+          <p:cNvPr id="49" name="TextBox 31">
+            <a:extLst>
+              <a:ext uri="{FF2B5EF4-FFF2-40B4-BE49-F238E27FC236}">
+                <a16:creationId xmlns:a16="http://schemas.microsoft.com/office/drawing/2014/main" id="{38211EE3-C25E-7888-1961-D66B95CFB33A}"/>
+              </a:ext>
+            </a:extLst>
+          </p:cNvPr>
+          <p:cNvSpPr txBox="1"/>
+          <p:nvPr/>
+        </p:nvSpPr>
+        <p:spPr>
+          <a:xfrm>
+            <a:off x="12411252" y="8144521"/>
+            <a:ext cx="5543904" cy="1913890"/>
+          </a:xfrm>
+          <a:prstGeom prst="rect">
+            <a:avLst/>
+          </a:prstGeom>
+        </p:spPr>
+        <p:txBody>
+          <a:bodyPr lIns="0" tIns="0" rIns="0" bIns="0" rtlCol="0" anchor="t">
+            <a:spAutoFit/>
+          </a:bodyPr>
+          <a:lstStyle/>
+          <a:p>
+            <a:pPr marL="237492" lvl="1" indent="-118746" algn="just">
+              <a:lnSpc>
+                <a:spcPts val="1540"/>
+              </a:lnSpc>
+              <a:buFont typeface="Arial"/>
+              <a:buChar char="•"/>
+            </a:pPr>
+            <a:r>
+              <a:rPr lang="es-EC" sz="1100" dirty="0">
+                <a:solidFill>
+                  <a:srgbClr val="000000"/>
+                </a:solidFill>
+                <a:latin typeface="Open Sans"/>
+              </a:rPr>
+              <a:t>K. </a:t>
+            </a:r>
+            <a:r>
+              <a:rPr lang="es-EC" sz="1100" dirty="0" err="1">
+                <a:solidFill>
+                  <a:srgbClr val="000000"/>
+                </a:solidFill>
+                <a:latin typeface="Open Sans"/>
+              </a:rPr>
+              <a:t>Apostolou</a:t>
+            </a:r>
+            <a:r>
+              <a:rPr lang="es-EC" sz="1100" dirty="0">
+                <a:solidFill>
+                  <a:srgbClr val="000000"/>
+                </a:solidFill>
+                <a:latin typeface="Open Sans"/>
+              </a:rPr>
+              <a:t>, C. T. (2019). </a:t>
+            </a:r>
+            <a:r>
+              <a:rPr lang="es-EC" sz="1100" dirty="0" err="1">
+                <a:solidFill>
+                  <a:srgbClr val="000000"/>
+                </a:solidFill>
+                <a:latin typeface="Open Sans"/>
+              </a:rPr>
+              <a:t>Sports</a:t>
+            </a:r>
+            <a:r>
+              <a:rPr lang="es-EC" sz="1100" dirty="0">
+                <a:solidFill>
+                  <a:srgbClr val="000000"/>
+                </a:solidFill>
+                <a:latin typeface="Open Sans"/>
+              </a:rPr>
+              <a:t> </a:t>
+            </a:r>
+            <a:r>
+              <a:rPr lang="es-EC" sz="1100" dirty="0" err="1">
+                <a:solidFill>
+                  <a:srgbClr val="000000"/>
+                </a:solidFill>
+                <a:latin typeface="Open Sans"/>
+              </a:rPr>
+              <a:t>Analytics</a:t>
+            </a:r>
+            <a:r>
+              <a:rPr lang="es-EC" sz="1100" dirty="0">
+                <a:solidFill>
+                  <a:srgbClr val="000000"/>
+                </a:solidFill>
+                <a:latin typeface="Open Sans"/>
+              </a:rPr>
+              <a:t> </a:t>
+            </a:r>
+            <a:r>
+              <a:rPr lang="es-EC" sz="1100" dirty="0" err="1">
+                <a:solidFill>
+                  <a:srgbClr val="000000"/>
+                </a:solidFill>
+                <a:latin typeface="Open Sans"/>
+              </a:rPr>
+              <a:t>algorithms</a:t>
+            </a:r>
+            <a:r>
+              <a:rPr lang="es-EC" sz="1100" dirty="0">
+                <a:solidFill>
+                  <a:srgbClr val="000000"/>
+                </a:solidFill>
+                <a:latin typeface="Open Sans"/>
+              </a:rPr>
+              <a:t> </a:t>
+            </a:r>
+            <a:r>
+              <a:rPr lang="es-EC" sz="1100" dirty="0" err="1">
+                <a:solidFill>
+                  <a:srgbClr val="000000"/>
+                </a:solidFill>
+                <a:latin typeface="Open Sans"/>
+              </a:rPr>
+              <a:t>for</a:t>
+            </a:r>
+            <a:r>
+              <a:rPr lang="es-EC" sz="1100" dirty="0">
+                <a:solidFill>
+                  <a:srgbClr val="000000"/>
+                </a:solidFill>
+                <a:latin typeface="Open Sans"/>
+              </a:rPr>
+              <a:t> performance </a:t>
+            </a:r>
+            <a:r>
+              <a:rPr lang="es-EC" sz="1100" dirty="0" err="1">
+                <a:solidFill>
+                  <a:srgbClr val="000000"/>
+                </a:solidFill>
+                <a:latin typeface="Open Sans"/>
+              </a:rPr>
+              <a:t>prediction</a:t>
+            </a:r>
+            <a:r>
+              <a:rPr lang="es-EC" sz="1100" dirty="0">
+                <a:solidFill>
+                  <a:srgbClr val="000000"/>
+                </a:solidFill>
+                <a:latin typeface="Open Sans"/>
+              </a:rPr>
+              <a:t>. 2019 10th International </a:t>
+            </a:r>
+            <a:r>
+              <a:rPr lang="es-EC" sz="1100" dirty="0" err="1">
+                <a:solidFill>
+                  <a:srgbClr val="000000"/>
+                </a:solidFill>
+                <a:latin typeface="Open Sans"/>
+              </a:rPr>
+              <a:t>Conference</a:t>
+            </a:r>
+            <a:r>
+              <a:rPr lang="es-EC" sz="1100" dirty="0">
+                <a:solidFill>
+                  <a:srgbClr val="000000"/>
+                </a:solidFill>
+                <a:latin typeface="Open Sans"/>
+              </a:rPr>
+              <a:t> </a:t>
+            </a:r>
+            <a:r>
+              <a:rPr lang="es-EC" sz="1100" dirty="0" err="1">
+                <a:solidFill>
+                  <a:srgbClr val="000000"/>
+                </a:solidFill>
+                <a:latin typeface="Open Sans"/>
+              </a:rPr>
+              <a:t>on</a:t>
+            </a:r>
+            <a:r>
+              <a:rPr lang="es-EC" sz="1100" dirty="0">
+                <a:solidFill>
+                  <a:srgbClr val="000000"/>
+                </a:solidFill>
+                <a:latin typeface="Open Sans"/>
+              </a:rPr>
+              <a:t> </a:t>
+            </a:r>
+            <a:r>
+              <a:rPr lang="es-EC" sz="1100" dirty="0" err="1">
+                <a:solidFill>
+                  <a:srgbClr val="000000"/>
+                </a:solidFill>
+                <a:latin typeface="Open Sans"/>
+              </a:rPr>
+              <a:t>Information</a:t>
+            </a:r>
+            <a:r>
+              <a:rPr lang="es-EC" sz="1100" dirty="0">
+                <a:solidFill>
+                  <a:srgbClr val="000000"/>
+                </a:solidFill>
+                <a:latin typeface="Open Sans"/>
+              </a:rPr>
+              <a:t>, </a:t>
+            </a:r>
+            <a:r>
+              <a:rPr lang="es-EC" sz="1100" dirty="0" err="1">
+                <a:solidFill>
+                  <a:srgbClr val="000000"/>
+                </a:solidFill>
+                <a:latin typeface="Open Sans"/>
+              </a:rPr>
+              <a:t>Intelligence</a:t>
+            </a:r>
+            <a:r>
+              <a:rPr lang="es-EC" sz="1100" dirty="0">
+                <a:solidFill>
+                  <a:srgbClr val="000000"/>
+                </a:solidFill>
+                <a:latin typeface="Open Sans"/>
+              </a:rPr>
+              <a:t>, </a:t>
+            </a:r>
+            <a:r>
+              <a:rPr lang="es-EC" sz="1100" dirty="0" err="1">
+                <a:solidFill>
+                  <a:srgbClr val="000000"/>
+                </a:solidFill>
+                <a:latin typeface="Open Sans"/>
+              </a:rPr>
+              <a:t>Systems</a:t>
+            </a:r>
+            <a:r>
+              <a:rPr lang="es-EC" sz="1100" dirty="0">
+                <a:solidFill>
+                  <a:srgbClr val="000000"/>
+                </a:solidFill>
+                <a:latin typeface="Open Sans"/>
+              </a:rPr>
+              <a:t> and </a:t>
+            </a:r>
+            <a:r>
+              <a:rPr lang="es-EC" sz="1100" dirty="0" err="1">
+                <a:solidFill>
+                  <a:srgbClr val="000000"/>
+                </a:solidFill>
+                <a:latin typeface="Open Sans"/>
+              </a:rPr>
+              <a:t>Applications</a:t>
+            </a:r>
+            <a:r>
+              <a:rPr lang="es-EC" sz="1100" dirty="0">
+                <a:solidFill>
+                  <a:srgbClr val="000000"/>
+                </a:solidFill>
+                <a:latin typeface="Open Sans"/>
+              </a:rPr>
+              <a:t> (IISA) (págs. 1-4). Patras, </a:t>
+            </a:r>
+            <a:r>
+              <a:rPr lang="es-EC" sz="1100" dirty="0" err="1">
+                <a:solidFill>
+                  <a:srgbClr val="000000"/>
+                </a:solidFill>
+                <a:latin typeface="Open Sans"/>
+              </a:rPr>
+              <a:t>Greece</a:t>
+            </a:r>
+            <a:r>
+              <a:rPr lang="es-EC" sz="1100" dirty="0">
+                <a:solidFill>
+                  <a:srgbClr val="000000"/>
+                </a:solidFill>
+                <a:latin typeface="Open Sans"/>
+              </a:rPr>
+              <a:t>: IEEE. </a:t>
+            </a:r>
+          </a:p>
+          <a:p>
+            <a:pPr marL="237492" lvl="1" indent="-118746" algn="just">
+              <a:lnSpc>
+                <a:spcPts val="1540"/>
+              </a:lnSpc>
+              <a:buFont typeface="Arial"/>
+              <a:buChar char="•"/>
+            </a:pPr>
+            <a:r>
+              <a:rPr lang="es-EC" sz="1100" dirty="0">
+                <a:solidFill>
+                  <a:srgbClr val="000000"/>
+                </a:solidFill>
+                <a:latin typeface="Open Sans"/>
+              </a:rPr>
+              <a:t>Liu, Q. (2022). Aerobics </a:t>
+            </a:r>
+            <a:r>
+              <a:rPr lang="es-EC" sz="1100" dirty="0" err="1">
+                <a:solidFill>
+                  <a:srgbClr val="000000"/>
+                </a:solidFill>
+                <a:latin typeface="Open Sans"/>
+              </a:rPr>
+              <a:t>posture</a:t>
+            </a:r>
+            <a:r>
+              <a:rPr lang="es-EC" sz="1100" dirty="0">
+                <a:solidFill>
+                  <a:srgbClr val="000000"/>
+                </a:solidFill>
+                <a:latin typeface="Open Sans"/>
+              </a:rPr>
+              <a:t> </a:t>
+            </a:r>
+            <a:r>
+              <a:rPr lang="es-EC" sz="1100" dirty="0" err="1">
+                <a:solidFill>
+                  <a:srgbClr val="000000"/>
+                </a:solidFill>
+                <a:latin typeface="Open Sans"/>
+              </a:rPr>
+              <a:t>recognition</a:t>
+            </a:r>
+            <a:r>
+              <a:rPr lang="es-EC" sz="1100" dirty="0">
+                <a:solidFill>
+                  <a:srgbClr val="000000"/>
+                </a:solidFill>
+                <a:latin typeface="Open Sans"/>
+              </a:rPr>
+              <a:t> </a:t>
+            </a:r>
+            <a:r>
+              <a:rPr lang="es-EC" sz="1100" dirty="0" err="1">
+                <a:solidFill>
+                  <a:srgbClr val="000000"/>
+                </a:solidFill>
+                <a:latin typeface="Open Sans"/>
+              </a:rPr>
+              <a:t>based</a:t>
+            </a:r>
+            <a:r>
+              <a:rPr lang="es-EC" sz="1100" dirty="0">
+                <a:solidFill>
+                  <a:srgbClr val="000000"/>
+                </a:solidFill>
+                <a:latin typeface="Open Sans"/>
+              </a:rPr>
+              <a:t> </a:t>
+            </a:r>
+            <a:r>
+              <a:rPr lang="es-EC" sz="1100" dirty="0" err="1">
+                <a:solidFill>
+                  <a:srgbClr val="000000"/>
+                </a:solidFill>
+                <a:latin typeface="Open Sans"/>
+              </a:rPr>
+              <a:t>on</a:t>
+            </a:r>
+            <a:r>
+              <a:rPr lang="es-EC" sz="1100" dirty="0">
+                <a:solidFill>
+                  <a:srgbClr val="000000"/>
+                </a:solidFill>
+                <a:latin typeface="Open Sans"/>
+              </a:rPr>
+              <a:t> neural </a:t>
+            </a:r>
+            <a:r>
+              <a:rPr lang="es-EC" sz="1100" dirty="0" err="1">
+                <a:solidFill>
+                  <a:srgbClr val="000000"/>
+                </a:solidFill>
+                <a:latin typeface="Open Sans"/>
+              </a:rPr>
+              <a:t>network</a:t>
+            </a:r>
+            <a:r>
+              <a:rPr lang="es-EC" sz="1100" dirty="0">
+                <a:solidFill>
+                  <a:srgbClr val="000000"/>
+                </a:solidFill>
+                <a:latin typeface="Open Sans"/>
+              </a:rPr>
+              <a:t> and </a:t>
+            </a:r>
+            <a:r>
+              <a:rPr lang="es-EC" sz="1100" dirty="0" err="1">
+                <a:solidFill>
+                  <a:srgbClr val="000000"/>
+                </a:solidFill>
+                <a:latin typeface="Open Sans"/>
+              </a:rPr>
+              <a:t>sensors</a:t>
+            </a:r>
+            <a:r>
+              <a:rPr lang="es-EC" sz="1100" dirty="0">
+                <a:solidFill>
+                  <a:srgbClr val="000000"/>
+                </a:solidFill>
+                <a:latin typeface="Open Sans"/>
+              </a:rPr>
+              <a:t>. Neural Computing and </a:t>
+            </a:r>
+            <a:r>
+              <a:rPr lang="es-EC" sz="1100" dirty="0" err="1">
+                <a:solidFill>
+                  <a:srgbClr val="000000"/>
+                </a:solidFill>
+                <a:latin typeface="Open Sans"/>
+              </a:rPr>
+              <a:t>Applications</a:t>
+            </a:r>
+            <a:r>
+              <a:rPr lang="es-EC" sz="1100" dirty="0">
+                <a:solidFill>
+                  <a:srgbClr val="000000"/>
+                </a:solidFill>
+                <a:latin typeface="Open Sans"/>
+              </a:rPr>
+              <a:t>, 34(5), 3337–3348. </a:t>
+            </a:r>
+            <a:r>
+              <a:rPr lang="es-EC" sz="1100" dirty="0" err="1">
+                <a:solidFill>
+                  <a:srgbClr val="000000"/>
+                </a:solidFill>
+                <a:latin typeface="Open Sans"/>
+              </a:rPr>
+              <a:t>doi:https</a:t>
+            </a:r>
+            <a:r>
+              <a:rPr lang="es-EC" sz="1100" dirty="0">
+                <a:solidFill>
+                  <a:srgbClr val="000000"/>
+                </a:solidFill>
+                <a:latin typeface="Open Sans"/>
+              </a:rPr>
+              <a:t>://doi.org/10.1007/s00521-020-05632-w </a:t>
+            </a:r>
+          </a:p>
+          <a:p>
+            <a:pPr marL="237492" lvl="1" indent="-118746" algn="just">
+              <a:lnSpc>
+                <a:spcPts val="1540"/>
+              </a:lnSpc>
+              <a:buFont typeface="Arial"/>
+              <a:buChar char="•"/>
+            </a:pPr>
+            <a:r>
+              <a:rPr lang="es-EC" sz="1100" dirty="0">
+                <a:solidFill>
+                  <a:srgbClr val="000000"/>
+                </a:solidFill>
+                <a:latin typeface="Open Sans"/>
+              </a:rPr>
+              <a:t>Muñoz, B. (2021). Desarrollo y validación de un sistema sin marcadores para el análisis del movimiento humano. Obtenido de https://riunet.upv.es/handle/10251/173478 </a:t>
+            </a:r>
+          </a:p>
+          <a:p>
+            <a:pPr>
+              <a:lnSpc>
+                <a:spcPts val="1680"/>
+              </a:lnSpc>
+              <a:spcBef>
+                <a:spcPct val="0"/>
+              </a:spcBef>
+            </a:pPr>
+            <a:endParaRPr lang="en-US" sz="1100" dirty="0">
+              <a:solidFill>
+                <a:srgbClr val="000000"/>
+              </a:solidFill>
+              <a:latin typeface="Open Sans"/>
+            </a:endParaRPr>
+          </a:p>
+        </p:txBody>
+      </p:sp>
+      <p:sp>
+        <p:nvSpPr>
+          <p:cNvPr id="31" name="TextBox 30">
+            <a:extLst>
+              <a:ext uri="{FF2B5EF4-FFF2-40B4-BE49-F238E27FC236}">
+                <a16:creationId xmlns:a16="http://schemas.microsoft.com/office/drawing/2014/main" id="{F18C7593-CE97-AFE3-9B32-691FEE2A7D54}"/>
+              </a:ext>
+            </a:extLst>
+          </p:cNvPr>
+          <p:cNvSpPr txBox="1"/>
+          <p:nvPr/>
+        </p:nvSpPr>
+        <p:spPr>
+          <a:xfrm>
+            <a:off x="335666" y="4263824"/>
+            <a:ext cx="5550060" cy="1292662"/>
+          </a:xfrm>
+          <a:prstGeom prst="rect">
+            <a:avLst/>
+          </a:prstGeom>
+          <a:noFill/>
+        </p:spPr>
+        <p:txBody>
+          <a:bodyPr rot="0" spcFirstLastPara="0" vertOverflow="overflow" horzOverflow="overflow" vert="horz" wrap="square" lIns="91440" tIns="45720" rIns="91440" bIns="45720" numCol="1" spcCol="0" rtlCol="0" fromWordArt="0" anchor="t" anchorCtr="0" forceAA="0" compatLnSpc="1">
+            <a:prstTxWarp prst="textNoShape">
+              <a:avLst/>
+            </a:prstTxWarp>
+            <a:spAutoFit/>
+          </a:bodyPr>
+          <a:lstStyle/>
+          <a:p>
+            <a:pPr marL="285750" indent="-285750" algn="just">
+              <a:buFont typeface="Arial"/>
+              <a:buChar char="•"/>
+            </a:pPr>
+            <a:r>
+              <a:rPr lang="en-US" sz="1300" dirty="0">
+                <a:latin typeface="Open Sans"/>
+                <a:ea typeface="Open Sans"/>
+                <a:cs typeface="Open Sans"/>
+              </a:rPr>
+              <a:t>Develop a web application for managing personal training plans with data input and retrieval for performance and matches.​</a:t>
+            </a:r>
+          </a:p>
+          <a:p>
+            <a:pPr marL="285750" indent="-285750" algn="just">
+              <a:buFont typeface="Arial"/>
+              <a:buChar char="•"/>
+            </a:pPr>
+            <a:r>
+              <a:rPr lang="en-US" sz="1300" dirty="0">
+                <a:latin typeface="Open Sans"/>
+                <a:ea typeface="Open Sans"/>
+                <a:cs typeface="Open Sans"/>
+              </a:rPr>
+              <a:t>Integrate a computer vision module into the web application to provide feedback for individual fencing exercises.​</a:t>
+            </a:r>
+          </a:p>
+          <a:p>
+            <a:pPr marL="285750" indent="-285750" algn="just">
+              <a:buFont typeface="Arial"/>
+              <a:buChar char="•"/>
+            </a:pPr>
+            <a:r>
+              <a:rPr lang="en-US" sz="1300" dirty="0">
+                <a:latin typeface="Open Sans"/>
+                <a:ea typeface="Open Sans"/>
+                <a:cs typeface="Open Sans"/>
+              </a:rPr>
+              <a:t>Assemble and program an electronic device to keep track of points in fencing matches.​</a:t>
+            </a:r>
+          </a:p>
+        </p:txBody>
+      </p:sp>
+      <p:sp>
+        <p:nvSpPr>
+          <p:cNvPr id="35" name="TextBox 34">
+            <a:extLst>
+              <a:ext uri="{FF2B5EF4-FFF2-40B4-BE49-F238E27FC236}">
+                <a16:creationId xmlns:a16="http://schemas.microsoft.com/office/drawing/2014/main" id="{BCC0E681-A4BC-30D1-E72E-81E154F72FF1}"/>
+              </a:ext>
+            </a:extLst>
+          </p:cNvPr>
+          <p:cNvSpPr txBox="1"/>
+          <p:nvPr/>
+        </p:nvSpPr>
+        <p:spPr>
+          <a:xfrm>
+            <a:off x="364602" y="6405140"/>
+            <a:ext cx="5535593" cy="1292662"/>
+          </a:xfrm>
+          <a:prstGeom prst="rect">
+            <a:avLst/>
+          </a:prstGeom>
+          <a:noFill/>
+        </p:spPr>
+        <p:txBody>
+          <a:bodyPr rot="0" spcFirstLastPara="0" vertOverflow="overflow" horzOverflow="overflow" vert="horz" wrap="square" lIns="91440" tIns="45720" rIns="91440" bIns="45720" numCol="1" spcCol="0" rtlCol="0" fromWordArt="0" anchor="t" anchorCtr="0" forceAA="0" compatLnSpc="1">
+            <a:prstTxWarp prst="textNoShape">
+              <a:avLst/>
+            </a:prstTxWarp>
+            <a:spAutoFit/>
+          </a:bodyPr>
+          <a:lstStyle/>
+          <a:p>
+            <a:pPr marL="285750" indent="-285750" algn="just">
+              <a:buFont typeface="Arial"/>
+              <a:buChar char="•"/>
+            </a:pPr>
+            <a:r>
+              <a:rPr lang="en-US" sz="1300" dirty="0">
+                <a:latin typeface="Open Sans"/>
+                <a:ea typeface="Open Sans"/>
+                <a:cs typeface="Open Sans"/>
+              </a:rPr>
+              <a:t>Layered architecture web application for managing training plans, student data, and training performance.</a:t>
+            </a:r>
+            <a:endParaRPr lang="en-US" dirty="0"/>
+          </a:p>
+          <a:p>
+            <a:pPr marL="285750" indent="-285750" algn="just">
+              <a:buFont typeface="Arial"/>
+              <a:buChar char="•"/>
+            </a:pPr>
+            <a:r>
+              <a:rPr lang="en-US" sz="1300" dirty="0">
+                <a:latin typeface="Open Sans"/>
+                <a:ea typeface="Open Sans"/>
+                <a:cs typeface="Open Sans"/>
+              </a:rPr>
+              <a:t>Integrated artificial intelligence in the web app for detecting potential errors during individual training.</a:t>
+            </a:r>
+          </a:p>
+          <a:p>
+            <a:pPr marL="285750" indent="-285750" algn="just">
+              <a:buFont typeface="Arial"/>
+              <a:buChar char="•"/>
+            </a:pPr>
+            <a:r>
+              <a:rPr lang="en-US" sz="1300" dirty="0">
+                <a:latin typeface="Open Sans"/>
+                <a:ea typeface="Open Sans"/>
+                <a:cs typeface="Open Sans"/>
+              </a:rPr>
+              <a:t>Scoring machine, timer, and penalties to assist the referee in managing data during matches.</a:t>
+            </a:r>
+          </a:p>
+        </p:txBody>
+      </p:sp>
+      <p:sp>
+        <p:nvSpPr>
+          <p:cNvPr id="36" name="TextBox 35">
+            <a:extLst>
+              <a:ext uri="{FF2B5EF4-FFF2-40B4-BE49-F238E27FC236}">
+                <a16:creationId xmlns:a16="http://schemas.microsoft.com/office/drawing/2014/main" id="{DA5B470B-3FB2-9342-D0D8-3C799F0B2381}"/>
+              </a:ext>
+            </a:extLst>
+          </p:cNvPr>
+          <p:cNvSpPr txBox="1"/>
+          <p:nvPr/>
+        </p:nvSpPr>
+        <p:spPr>
+          <a:xfrm>
+            <a:off x="12460147" y="5696192"/>
+            <a:ext cx="5521123" cy="1492716"/>
+          </a:xfrm>
+          <a:prstGeom prst="rect">
+            <a:avLst/>
+          </a:prstGeom>
+          <a:noFill/>
+        </p:spPr>
+        <p:txBody>
+          <a:bodyPr rot="0" spcFirstLastPara="0" vertOverflow="overflow" horzOverflow="overflow" vert="horz" wrap="square" lIns="91440" tIns="45720" rIns="91440" bIns="45720" numCol="1" spcCol="0" rtlCol="0" fromWordArt="0" anchor="t" anchorCtr="0" forceAA="0" compatLnSpc="1">
+            <a:prstTxWarp prst="textNoShape">
+              <a:avLst/>
+            </a:prstTxWarp>
+            <a:spAutoFit/>
+          </a:bodyPr>
+          <a:lstStyle/>
+          <a:p>
+            <a:pPr marL="285750" indent="-285750" algn="just">
+              <a:buFont typeface="Arial"/>
+              <a:buChar char="•"/>
+            </a:pPr>
+            <a:r>
+              <a:rPr lang="en-US" sz="1300">
+                <a:latin typeface="Open Sans"/>
+                <a:ea typeface="Open Sans"/>
+                <a:cs typeface="Open Sans"/>
+              </a:rPr>
+              <a:t>Functionalities for tournament combats registration in the web application.</a:t>
+            </a:r>
+            <a:endParaRPr lang="en-US"/>
+          </a:p>
+          <a:p>
+            <a:pPr marL="285750" indent="-285750" algn="just">
+              <a:buFont typeface="Arial"/>
+              <a:buChar char="•"/>
+            </a:pPr>
+            <a:r>
+              <a:rPr lang="en-US" sz="1300">
+                <a:latin typeface="Open Sans"/>
+                <a:ea typeface="Open Sans"/>
+                <a:cs typeface="Open Sans"/>
+              </a:rPr>
+              <a:t>Comparative study of performance between motion capture and artificial intelligence for pose detection.</a:t>
+            </a:r>
+          </a:p>
+          <a:p>
+            <a:pPr marL="285750" indent="-285750" algn="just">
+              <a:buFont typeface="Arial"/>
+              <a:buChar char="•"/>
+            </a:pPr>
+            <a:r>
+              <a:rPr lang="en-US" sz="1300">
+                <a:latin typeface="Open Sans"/>
+                <a:ea typeface="Open Sans"/>
+                <a:cs typeface="Open Sans"/>
+              </a:rPr>
+              <a:t>Miniaturization of scoring machine and timer components.</a:t>
+            </a:r>
+          </a:p>
+          <a:p>
+            <a:pPr marL="285750" indent="-285750" algn="just">
+              <a:buFont typeface="Arial"/>
+              <a:buChar char="•"/>
+            </a:pPr>
+            <a:r>
+              <a:rPr lang="en-US" sz="1300">
+                <a:latin typeface="Open Sans"/>
+                <a:ea typeface="Open Sans"/>
+                <a:cs typeface="Open Sans"/>
+              </a:rPr>
+              <a:t>Direct connection of the machine to fencers, replacing the existing machine.</a:t>
+            </a:r>
+          </a:p>
+        </p:txBody>
+      </p:sp>
+    </p:spTree>
+    <p:extLst>
+      <p:ext uri="{BB962C8B-B14F-4D97-AF65-F5344CB8AC3E}">
+        <p14:creationId xmlns:p14="http://schemas.microsoft.com/office/powerpoint/2010/main" val="3929734112"/>
+      </p:ext>
+    </p:extLst>
   </p:cSld>
   <p:clrMapOvr>
     <a:masterClrMapping/>
@@ -5927,4 +8838,306 @@
   <a:objectDefaults/>
   <a:extraClrSchemeLst/>
 </a:theme>
+</file>
+
+<file path=customXml/item1.xml><?xml version="1.0" encoding="utf-8"?>
+<?mso-contentType ?>
+<FormTemplates xmlns="http://schemas.microsoft.com/sharepoint/v3/contenttype/forms">
+  <Display>DocumentLibraryForm</Display>
+  <Edit>DocumentLibraryForm</Edit>
+  <New>DocumentLibraryForm</New>
+</FormTemplates>
+</file>
+
+<file path=customXml/item2.xml><?xml version="1.0" encoding="utf-8"?>
+<ct:contentTypeSchema xmlns:ct="http://schemas.microsoft.com/office/2006/metadata/contentType" xmlns:ma="http://schemas.microsoft.com/office/2006/metadata/properties/metaAttributes" ct:_="" ma:_="" ma:contentTypeName="Document" ma:contentTypeID="0x0101005607B7EB9064FA4898B578FABE8FD918" ma:contentTypeVersion="16" ma:contentTypeDescription="Create a new document." ma:contentTypeScope="" ma:versionID="56d91f5f361719270891a2c0e8fd174b">
+  <xsd:schema xmlns:xsd="http://www.w3.org/2001/XMLSchema" xmlns:xs="http://www.w3.org/2001/XMLSchema" xmlns:p="http://schemas.microsoft.com/office/2006/metadata/properties" xmlns:ns3="8b5aa52d-55c6-460f-b140-7d1036289c34" xmlns:ns4="a7a475fa-823d-4b6d-a5c9-7ed2d4452183" targetNamespace="http://schemas.microsoft.com/office/2006/metadata/properties" ma:root="true" ma:fieldsID="0e5a20e0752b682dcd58fb649d4a297c" ns3:_="" ns4:_="">
+    <xsd:import namespace="8b5aa52d-55c6-460f-b140-7d1036289c34"/>
+    <xsd:import namespace="a7a475fa-823d-4b6d-a5c9-7ed2d4452183"/>
+    <xsd:element name="properties">
+      <xsd:complexType>
+        <xsd:sequence>
+          <xsd:element name="documentManagement">
+            <xsd:complexType>
+              <xsd:all>
+                <xsd:element ref="ns3:MediaServiceMetadata" minOccurs="0"/>
+                <xsd:element ref="ns3:MediaServiceFastMetadata" minOccurs="0"/>
+                <xsd:element ref="ns3:MediaServiceDateTaken" minOccurs="0"/>
+                <xsd:element ref="ns3:MediaServiceAutoTags" minOccurs="0"/>
+                <xsd:element ref="ns3:MediaServiceGenerationTime" minOccurs="0"/>
+                <xsd:element ref="ns3:MediaServiceEventHashCode" minOccurs="0"/>
+                <xsd:element ref="ns4:SharedWithUsers" minOccurs="0"/>
+                <xsd:element ref="ns4:SharedWithDetails" minOccurs="0"/>
+                <xsd:element ref="ns4:SharingHintHash" minOccurs="0"/>
+                <xsd:element ref="ns3:MediaServiceOCR" minOccurs="0"/>
+                <xsd:element ref="ns3:MediaServiceLocation" minOccurs="0"/>
+                <xsd:element ref="ns3:MediaServiceAutoKeyPoints" minOccurs="0"/>
+                <xsd:element ref="ns3:MediaServiceKeyPoints" minOccurs="0"/>
+                <xsd:element ref="ns3:MediaLengthInSeconds" minOccurs="0"/>
+                <xsd:element ref="ns3:_activity" minOccurs="0"/>
+                <xsd:element ref="ns3:MediaServiceObjectDetectorVersions" minOccurs="0"/>
+              </xsd:all>
+            </xsd:complexType>
+          </xsd:element>
+        </xsd:sequence>
+      </xsd:complexType>
+    </xsd:element>
+  </xsd:schema>
+  <xsd:schema xmlns:xsd="http://www.w3.org/2001/XMLSchema" xmlns:xs="http://www.w3.org/2001/XMLSchema" xmlns:dms="http://schemas.microsoft.com/office/2006/documentManagement/types" xmlns:pc="http://schemas.microsoft.com/office/infopath/2007/PartnerControls" targetNamespace="8b5aa52d-55c6-460f-b140-7d1036289c34" elementFormDefault="qualified">
+    <xsd:import namespace="http://schemas.microsoft.com/office/2006/documentManagement/types"/>
+    <xsd:import namespace="http://schemas.microsoft.com/office/infopath/2007/PartnerControls"/>
+    <xsd:element name="MediaServiceMetadata" ma:index="8" nillable="true" ma:displayName="MediaServiceMetadata" ma:hidden="true" ma:internalName="MediaServiceMetadata" ma:readOnly="true">
+      <xsd:simpleType>
+        <xsd:restriction base="dms:Note"/>
+      </xsd:simpleType>
+    </xsd:element>
+    <xsd:element name="MediaServiceFastMetadata" ma:index="9" nillable="true" ma:displayName="MediaServiceFastMetadata" ma:hidden="true" ma:internalName="MediaServiceFastMetadata" ma:readOnly="true">
+      <xsd:simpleType>
+        <xsd:restriction base="dms:Note"/>
+      </xsd:simpleType>
+    </xsd:element>
+    <xsd:element name="MediaServiceDateTaken" ma:index="10" nillable="true" ma:displayName="MediaServiceDateTaken" ma:hidden="true" ma:internalName="MediaServiceDateTaken" ma:readOnly="true">
+      <xsd:simpleType>
+        <xsd:restriction base="dms:Text"/>
+      </xsd:simpleType>
+    </xsd:element>
+    <xsd:element name="MediaServiceAutoTags" ma:index="11" nillable="true" ma:displayName="Tags" ma:internalName="MediaServiceAutoTags" ma:readOnly="true">
+      <xsd:simpleType>
+        <xsd:restriction base="dms:Text"/>
+      </xsd:simpleType>
+    </xsd:element>
+    <xsd:element name="MediaServiceGenerationTime" ma:index="12" nillable="true" ma:displayName="MediaServiceGenerationTime" ma:hidden="true" ma:internalName="MediaServiceGenerationTime" ma:readOnly="true">
+      <xsd:simpleType>
+        <xsd:restriction base="dms:Text"/>
+      </xsd:simpleType>
+    </xsd:element>
+    <xsd:element name="MediaServiceEventHashCode" ma:index="13" nillable="true" ma:displayName="MediaServiceEventHashCode" ma:hidden="true" ma:internalName="MediaServiceEventHashCode" ma:readOnly="true">
+      <xsd:simpleType>
+        <xsd:restriction base="dms:Text"/>
+      </xsd:simpleType>
+    </xsd:element>
+    <xsd:element name="MediaServiceOCR" ma:index="17" nillable="true" ma:displayName="Extracted Text" ma:internalName="MediaServiceOCR" ma:readOnly="true">
+      <xsd:simpleType>
+        <xsd:restriction base="dms:Note">
+          <xsd:maxLength value="255"/>
+        </xsd:restriction>
+      </xsd:simpleType>
+    </xsd:element>
+    <xsd:element name="MediaServiceLocation" ma:index="18" nillable="true" ma:displayName="Location" ma:internalName="MediaServiceLocation" ma:readOnly="true">
+      <xsd:simpleType>
+        <xsd:restriction base="dms:Text"/>
+      </xsd:simpleType>
+    </xsd:element>
+    <xsd:element name="MediaServiceAutoKeyPoints" ma:index="19" nillable="true" ma:displayName="MediaServiceAutoKeyPoints" ma:hidden="true" ma:internalName="MediaServiceAutoKeyPoints" ma:readOnly="true">
+      <xsd:simpleType>
+        <xsd:restriction base="dms:Note"/>
+      </xsd:simpleType>
+    </xsd:element>
+    <xsd:element name="MediaServiceKeyPoints" ma:index="20" nillable="true" ma:displayName="KeyPoints" ma:internalName="MediaServiceKeyPoints" ma:readOnly="true">
+      <xsd:simpleType>
+        <xsd:restriction base="dms:Note">
+          <xsd:maxLength value="255"/>
+        </xsd:restriction>
+      </xsd:simpleType>
+    </xsd:element>
+    <xsd:element name="MediaLengthInSeconds" ma:index="21" nillable="true" ma:displayName="Length (seconds)" ma:internalName="MediaLengthInSeconds" ma:readOnly="true">
+      <xsd:simpleType>
+        <xsd:restriction base="dms:Unknown"/>
+      </xsd:simpleType>
+    </xsd:element>
+    <xsd:element name="_activity" ma:index="22" nillable="true" ma:displayName="_activity" ma:hidden="true" ma:internalName="_activity">
+      <xsd:simpleType>
+        <xsd:restriction base="dms:Note"/>
+      </xsd:simpleType>
+    </xsd:element>
+    <xsd:element name="MediaServiceObjectDetectorVersions" ma:index="23" nillable="true" ma:displayName="MediaServiceObjectDetectorVersions" ma:description="" ma:hidden="true" ma:indexed="true" ma:internalName="MediaServiceObjectDetectorVersions" ma:readOnly="true">
+      <xsd:simpleType>
+        <xsd:restriction base="dms:Text"/>
+      </xsd:simpleType>
+    </xsd:element>
+  </xsd:schema>
+  <xsd:schema xmlns:xsd="http://www.w3.org/2001/XMLSchema" xmlns:xs="http://www.w3.org/2001/XMLSchema" xmlns:dms="http://schemas.microsoft.com/office/2006/documentManagement/types" xmlns:pc="http://schemas.microsoft.com/office/infopath/2007/PartnerControls" targetNamespace="a7a475fa-823d-4b6d-a5c9-7ed2d4452183" elementFormDefault="qualified">
+    <xsd:import namespace="http://schemas.microsoft.com/office/2006/documentManagement/types"/>
+    <xsd:import namespace="http://schemas.microsoft.com/office/infopath/2007/PartnerControls"/>
+    <xsd:element name="SharedWithUsers" ma:index="14" nillable="true" ma:displayName="Shared With" ma:internalName="SharedWithUsers" ma:readOnly="true">
+      <xsd:complexType>
+        <xsd:complexContent>
+          <xsd:extension base="dms:UserMulti">
+            <xsd:sequence>
+              <xsd:element name="UserInfo" minOccurs="0" maxOccurs="unbounded">
+                <xsd:complexType>
+                  <xsd:sequence>
+                    <xsd:element name="DisplayName" type="xsd:string" minOccurs="0"/>
+                    <xsd:element name="AccountId" type="dms:UserId" minOccurs="0" nillable="true"/>
+                    <xsd:element name="AccountType" type="xsd:string" minOccurs="0"/>
+                  </xsd:sequence>
+                </xsd:complexType>
+              </xsd:element>
+            </xsd:sequence>
+          </xsd:extension>
+        </xsd:complexContent>
+      </xsd:complexType>
+    </xsd:element>
+    <xsd:element name="SharedWithDetails" ma:index="15" nillable="true" ma:displayName="Shared With Details" ma:internalName="SharedWithDetails" ma:readOnly="true">
+      <xsd:simpleType>
+        <xsd:restriction base="dms:Note">
+          <xsd:maxLength value="255"/>
+        </xsd:restriction>
+      </xsd:simpleType>
+    </xsd:element>
+    <xsd:element name="SharingHintHash" ma:index="16" nillable="true" ma:displayName="Sharing Hint Hash" ma:hidden="true" ma:internalName="SharingHintHash" ma:readOnly="true">
+      <xsd:simpleType>
+        <xsd:restriction base="dms:Text"/>
+      </xsd:simpleType>
+    </xsd:element>
+  </xsd:schema>
+  <xsd:schema xmlns="http://schemas.openxmlformats.org/package/2006/metadata/core-properties" xmlns:xsd="http://www.w3.org/2001/XMLSchema" xmlns:xsi="http://www.w3.org/2001/XMLSchema-instance" xmlns:dc="http://purl.org/dc/elements/1.1/" xmlns:dcterms="http://purl.org/dc/terms/" xmlns:odoc="http://schemas.microsoft.com/internal/obd" targetNamespace="http://schemas.openxmlformats.org/package/2006/metadata/core-properties" elementFormDefault="qualified" attributeFormDefault="unqualified" blockDefault="#all">
+    <xsd:import namespace="http://purl.org/dc/elements/1.1/" schemaLocation="http://dublincore.org/schemas/xmls/qdc/2003/04/02/dc.xsd"/>
+    <xsd:import namespace="http://purl.org/dc/terms/" schemaLocation="http://dublincore.org/schemas/xmls/qdc/2003/04/02/dcterms.xsd"/>
+    <xsd:element name="coreProperties" type="CT_coreProperties"/>
+    <xsd:complexType name="CT_coreProperties">
+      <xsd:all>
+        <xsd:element ref="dc:creator" minOccurs="0" maxOccurs="1"/>
+        <xsd:element ref="dcterms:created" minOccurs="0" maxOccurs="1"/>
+        <xsd:element ref="dc:identifier" minOccurs="0" maxOccurs="1"/>
+        <xsd:element name="contentType" minOccurs="0" maxOccurs="1" type="xsd:string" ma:index="0" ma:displayName="Content Type"/>
+        <xsd:element ref="dc:title" minOccurs="0" maxOccurs="1" ma:index="4" ma:displayName="Title"/>
+        <xsd:element ref="dc:subject" minOccurs="0" maxOccurs="1"/>
+        <xsd:element ref="dc:description" minOccurs="0" maxOccurs="1"/>
+        <xsd:element name="keywords" minOccurs="0" maxOccurs="1" type="xsd:string"/>
+        <xsd:element ref="dc:language" minOccurs="0" maxOccurs="1"/>
+        <xsd:element name="category" minOccurs="0" maxOccurs="1" type="xsd:string"/>
+        <xsd:element name="version" minOccurs="0" maxOccurs="1" type="xsd:string"/>
+        <xsd:element name="revision" minOccurs="0" maxOccurs="1" type="xsd:string">
+          <xsd:annotation>
+            <xsd:documentation>
+                        This value indicates the number of saves or revisions. The application is responsible for updating this value after each revision.
+                    </xsd:documentation>
+          </xsd:annotation>
+        </xsd:element>
+        <xsd:element name="lastModifiedBy" minOccurs="0" maxOccurs="1" type="xsd:string"/>
+        <xsd:element ref="dcterms:modified" minOccurs="0" maxOccurs="1"/>
+        <xsd:element name="contentStatus" minOccurs="0" maxOccurs="1" type="xsd:string"/>
+      </xsd:all>
+    </xsd:complexType>
+  </xsd:schema>
+  <xs:schema xmlns:pc="http://schemas.microsoft.com/office/infopath/2007/PartnerControls" xmlns:xs="http://www.w3.org/2001/XMLSchema" targetNamespace="http://schemas.microsoft.com/office/infopath/2007/PartnerControls" elementFormDefault="qualified" attributeFormDefault="unqualified">
+    <xs:element name="Person">
+      <xs:complexType>
+        <xs:sequence>
+          <xs:element ref="pc:DisplayName" minOccurs="0"/>
+          <xs:element ref="pc:AccountId" minOccurs="0"/>
+          <xs:element ref="pc:AccountType" minOccurs="0"/>
+        </xs:sequence>
+      </xs:complexType>
+    </xs:element>
+    <xs:element name="DisplayName" type="xs:string"/>
+    <xs:element name="AccountId" type="xs:string"/>
+    <xs:element name="AccountType" type="xs:string"/>
+    <xs:element name="BDCAssociatedEntity">
+      <xs:complexType>
+        <xs:sequence>
+          <xs:element ref="pc:BDCEntity" minOccurs="0" maxOccurs="unbounded"/>
+        </xs:sequence>
+        <xs:attribute ref="pc:EntityNamespace"/>
+        <xs:attribute ref="pc:EntityName"/>
+        <xs:attribute ref="pc:SystemInstanceName"/>
+        <xs:attribute ref="pc:AssociationName"/>
+      </xs:complexType>
+    </xs:element>
+    <xs:attribute name="EntityNamespace" type="xs:string"/>
+    <xs:attribute name="EntityName" type="xs:string"/>
+    <xs:attribute name="SystemInstanceName" type="xs:string"/>
+    <xs:attribute name="AssociationName" type="xs:string"/>
+    <xs:element name="BDCEntity">
+      <xs:complexType>
+        <xs:sequence>
+          <xs:element ref="pc:EntityDisplayName" minOccurs="0"/>
+          <xs:element ref="pc:EntityInstanceReference" minOccurs="0"/>
+          <xs:element ref="pc:EntityId1" minOccurs="0"/>
+          <xs:element ref="pc:EntityId2" minOccurs="0"/>
+          <xs:element ref="pc:EntityId3" minOccurs="0"/>
+          <xs:element ref="pc:EntityId4" minOccurs="0"/>
+          <xs:element ref="pc:EntityId5" minOccurs="0"/>
+        </xs:sequence>
+      </xs:complexType>
+    </xs:element>
+    <xs:element name="EntityDisplayName" type="xs:string"/>
+    <xs:element name="EntityInstanceReference" type="xs:string"/>
+    <xs:element name="EntityId1" type="xs:string"/>
+    <xs:element name="EntityId2" type="xs:string"/>
+    <xs:element name="EntityId3" type="xs:string"/>
+    <xs:element name="EntityId4" type="xs:string"/>
+    <xs:element name="EntityId5" type="xs:string"/>
+    <xs:element name="Terms">
+      <xs:complexType>
+        <xs:sequence>
+          <xs:element ref="pc:TermInfo" minOccurs="0" maxOccurs="unbounded"/>
+        </xs:sequence>
+      </xs:complexType>
+    </xs:element>
+    <xs:element name="TermInfo">
+      <xs:complexType>
+        <xs:sequence>
+          <xs:element ref="pc:TermName" minOccurs="0"/>
+          <xs:element ref="pc:TermId" minOccurs="0"/>
+        </xs:sequence>
+      </xs:complexType>
+    </xs:element>
+    <xs:element name="TermName" type="xs:string"/>
+    <xs:element name="TermId" type="xs:string"/>
+  </xs:schema>
+</ct:contentTypeSchema>
+</file>
+
+<file path=customXml/item3.xml><?xml version="1.0" encoding="utf-8"?>
+<p:properties xmlns:p="http://schemas.microsoft.com/office/2006/metadata/properties" xmlns:xsi="http://www.w3.org/2001/XMLSchema-instance" xmlns:pc="http://schemas.microsoft.com/office/infopath/2007/PartnerControls">
+  <documentManagement>
+    <_activity xmlns="8b5aa52d-55c6-460f-b140-7d1036289c34" xsi:nil="true"/>
+  </documentManagement>
+</p:properties>
+</file>
+
+<file path=customXml/itemProps1.xml><?xml version="1.0" encoding="utf-8"?>
+<ds:datastoreItem xmlns:ds="http://schemas.openxmlformats.org/officeDocument/2006/customXml" ds:itemID="{666F48AA-8586-4E12-920B-DA3B22B3FA08}">
+  <ds:schemaRefs>
+    <ds:schemaRef ds:uri="http://schemas.microsoft.com/sharepoint/v3/contenttype/forms"/>
+  </ds:schemaRefs>
+</ds:datastoreItem>
+</file>
+
+<file path=customXml/itemProps2.xml><?xml version="1.0" encoding="utf-8"?>
+<ds:datastoreItem xmlns:ds="http://schemas.openxmlformats.org/officeDocument/2006/customXml" ds:itemID="{7A60C7D7-3641-4861-B6BD-1A0204BA632F}">
+  <ds:schemaRefs>
+    <ds:schemaRef ds:uri="8b5aa52d-55c6-460f-b140-7d1036289c34"/>
+    <ds:schemaRef ds:uri="a7a475fa-823d-4b6d-a5c9-7ed2d4452183"/>
+    <ds:schemaRef ds:uri="http://purl.org/dc/elements/1.1/"/>
+    <ds:schemaRef ds:uri="http://purl.org/dc/terms/"/>
+    <ds:schemaRef ds:uri="http://schemas.microsoft.com/internal/obd"/>
+    <ds:schemaRef ds:uri="http://schemas.microsoft.com/office/2006/documentManagement/types"/>
+    <ds:schemaRef ds:uri="http://schemas.microsoft.com/office/2006/metadata/contentType"/>
+    <ds:schemaRef ds:uri="http://schemas.microsoft.com/office/2006/metadata/properties"/>
+    <ds:schemaRef ds:uri="http://schemas.microsoft.com/office/2006/metadata/properties/metaAttributes"/>
+    <ds:schemaRef ds:uri="http://schemas.microsoft.com/office/infopath/2007/PartnerControls"/>
+    <ds:schemaRef ds:uri="http://schemas.openxmlformats.org/package/2006/metadata/core-properties"/>
+    <ds:schemaRef ds:uri="http://www.w3.org/2001/XMLSchema"/>
+  </ds:schemaRefs>
+</ds:datastoreItem>
+</file>
+
+<file path=customXml/itemProps3.xml><?xml version="1.0" encoding="utf-8"?>
+<ds:datastoreItem xmlns:ds="http://schemas.openxmlformats.org/officeDocument/2006/customXml" ds:itemID="{D5AFEFE9-3A29-47EC-AC6E-C31CA0CC50BA}">
+  <ds:schemaRefs>
+    <ds:schemaRef ds:uri="http://purl.org/dc/elements/1.1/"/>
+    <ds:schemaRef ds:uri="http://schemas.microsoft.com/office/2006/documentManagement/types"/>
+    <ds:schemaRef ds:uri="8b5aa52d-55c6-460f-b140-7d1036289c34"/>
+    <ds:schemaRef ds:uri="http://purl.org/dc/terms/"/>
+    <ds:schemaRef ds:uri="http://purl.org/dc/dcmitype/"/>
+    <ds:schemaRef ds:uri="http://schemas.microsoft.com/office/infopath/2007/PartnerControls"/>
+    <ds:schemaRef ds:uri="http://schemas.microsoft.com/office/2006/metadata/properties"/>
+    <ds:schemaRef ds:uri="http://schemas.openxmlformats.org/package/2006/metadata/core-properties"/>
+    <ds:schemaRef ds:uri="a7a475fa-823d-4b6d-a5c9-7ed2d4452183"/>
+    <ds:schemaRef ds:uri="http://www.w3.org/XML/1998/namespace"/>
+  </ds:schemaRefs>
+</ds:datastoreItem>
 </file>
--- a/Documents/Poster Capstone_Hiriart Corales Samaniego.pptx
+++ b/Documents/Poster Capstone_Hiriart Corales Samaniego.pptx
@@ -124,17 +124,6 @@
 </p:presentation>
 </file>
 
-<file path=ppt/revisionInfo.xml><?xml version="1.0" encoding="utf-8"?>
-<p1510:revInfo xmlns:a="http://schemas.openxmlformats.org/drawingml/2006/main" xmlns:r="http://schemas.openxmlformats.org/officeDocument/2006/relationships" xmlns:p1510="http://schemas.microsoft.com/office/powerpoint/2015/10/main">
-  <p1510:revLst>
-    <p1510:client id="{1195E774-9D59-32DC-B415-182A2C2088BC}" v="1377" vWet="1378" dt="2023-07-21T04:17:08.310"/>
-    <p1510:client id="{843FCEE5-5538-461F-AFDC-595156924FDB}" v="4277" dt="2023-07-21T04:27:39.355"/>
-    <p1510:client id="{A4118C13-A2B5-D195-F3C2-4257F534EDFF}" v="256" dt="2023-07-21T01:53:05.892"/>
-    <p1510:client id="{D3FAA4AE-B4BF-D361-77BB-871224380703}" v="2" dt="2023-07-21T03:01:39.515"/>
-  </p1510:revLst>
-</p1510:revInfo>
-</file>
-
 <file path=ppt/slideLayouts/slideLayout1.xml><?xml version="1.0" encoding="utf-8"?>
 <p:sldLayout xmlns:a="http://schemas.openxmlformats.org/drawingml/2006/main" xmlns:r="http://schemas.openxmlformats.org/officeDocument/2006/relationships" xmlns:p="http://schemas.openxmlformats.org/presentationml/2006/main" type="title" preserve="1">
   <p:cSld name="Diapositiva de título">
@@ -266,7 +255,7 @@
           <a:p>
             <a:fld id="{12C71A99-0B13-4396-9EE6-7D91949CF6D1}" type="datetimeFigureOut">
               <a:rPr lang="es-EC" smtClean="0"/>
-              <a:t>20/7/2023</a:t>
+              <a:t>21/7/2023</a:t>
             </a:fld>
             <a:endParaRPr lang="es-EC"/>
           </a:p>
@@ -436,7 +425,7 @@
           <a:p>
             <a:fld id="{12C71A99-0B13-4396-9EE6-7D91949CF6D1}" type="datetimeFigureOut">
               <a:rPr lang="es-EC" smtClean="0"/>
-              <a:t>20/7/2023</a:t>
+              <a:t>21/7/2023</a:t>
             </a:fld>
             <a:endParaRPr lang="es-EC"/>
           </a:p>
@@ -616,7 +605,7 @@
           <a:p>
             <a:fld id="{12C71A99-0B13-4396-9EE6-7D91949CF6D1}" type="datetimeFigureOut">
               <a:rPr lang="es-EC" smtClean="0"/>
-              <a:t>20/7/2023</a:t>
+              <a:t>21/7/2023</a:t>
             </a:fld>
             <a:endParaRPr lang="es-EC"/>
           </a:p>
@@ -786,7 +775,7 @@
           <a:p>
             <a:fld id="{12C71A99-0B13-4396-9EE6-7D91949CF6D1}" type="datetimeFigureOut">
               <a:rPr lang="es-EC" smtClean="0"/>
-              <a:t>20/7/2023</a:t>
+              <a:t>21/7/2023</a:t>
             </a:fld>
             <a:endParaRPr lang="es-EC"/>
           </a:p>
@@ -1032,7 +1021,7 @@
           <a:p>
             <a:fld id="{12C71A99-0B13-4396-9EE6-7D91949CF6D1}" type="datetimeFigureOut">
               <a:rPr lang="es-EC" smtClean="0"/>
-              <a:t>20/7/2023</a:t>
+              <a:t>21/7/2023</a:t>
             </a:fld>
             <a:endParaRPr lang="es-EC"/>
           </a:p>
@@ -1264,7 +1253,7 @@
           <a:p>
             <a:fld id="{12C71A99-0B13-4396-9EE6-7D91949CF6D1}" type="datetimeFigureOut">
               <a:rPr lang="es-EC" smtClean="0"/>
-              <a:t>20/7/2023</a:t>
+              <a:t>21/7/2023</a:t>
             </a:fld>
             <a:endParaRPr lang="es-EC"/>
           </a:p>
@@ -1631,7 +1620,7 @@
           <a:p>
             <a:fld id="{12C71A99-0B13-4396-9EE6-7D91949CF6D1}" type="datetimeFigureOut">
               <a:rPr lang="es-EC" smtClean="0"/>
-              <a:t>20/7/2023</a:t>
+              <a:t>21/7/2023</a:t>
             </a:fld>
             <a:endParaRPr lang="es-EC"/>
           </a:p>
@@ -1749,7 +1738,7 @@
           <a:p>
             <a:fld id="{12C71A99-0B13-4396-9EE6-7D91949CF6D1}" type="datetimeFigureOut">
               <a:rPr lang="es-EC" smtClean="0"/>
-              <a:t>20/7/2023</a:t>
+              <a:t>21/7/2023</a:t>
             </a:fld>
             <a:endParaRPr lang="es-EC"/>
           </a:p>
@@ -1844,7 +1833,7 @@
           <a:p>
             <a:fld id="{12C71A99-0B13-4396-9EE6-7D91949CF6D1}" type="datetimeFigureOut">
               <a:rPr lang="es-EC" smtClean="0"/>
-              <a:t>20/7/2023</a:t>
+              <a:t>21/7/2023</a:t>
             </a:fld>
             <a:endParaRPr lang="es-EC"/>
           </a:p>
@@ -2121,7 +2110,7 @@
           <a:p>
             <a:fld id="{12C71A99-0B13-4396-9EE6-7D91949CF6D1}" type="datetimeFigureOut">
               <a:rPr lang="es-EC" smtClean="0"/>
-              <a:t>20/7/2023</a:t>
+              <a:t>21/7/2023</a:t>
             </a:fld>
             <a:endParaRPr lang="es-EC"/>
           </a:p>
@@ -2378,7 +2367,7 @@
           <a:p>
             <a:fld id="{12C71A99-0B13-4396-9EE6-7D91949CF6D1}" type="datetimeFigureOut">
               <a:rPr lang="es-EC" smtClean="0"/>
-              <a:t>20/7/2023</a:t>
+              <a:t>21/7/2023</a:t>
             </a:fld>
             <a:endParaRPr lang="es-EC"/>
           </a:p>
@@ -2591,7 +2580,7 @@
           <a:p>
             <a:fld id="{12C71A99-0B13-4396-9EE6-7D91949CF6D1}" type="datetimeFigureOut">
               <a:rPr lang="es-EC" smtClean="0"/>
-              <a:t>20/7/2023</a:t>
+              <a:t>21/7/2023</a:t>
             </a:fld>
             <a:endParaRPr lang="es-EC"/>
           </a:p>
@@ -3080,7 +3069,7 @@
           <a:p>
             <a:pPr algn="ctr"/>
             <a:r>
-              <a:rPr lang="es-ES" sz="2400" dirty="0">
+              <a:rPr lang="es-ES" sz="2400">
                 <a:solidFill>
                   <a:schemeClr val="accent4">
                     <a:lumMod val="75000"/>
@@ -3095,7 +3084,7 @@
           <a:p>
             <a:pPr algn="ctr"/>
             <a:r>
-              <a:rPr lang="es-ES" sz="2400" dirty="0">
+              <a:rPr lang="es-ES" sz="2400">
                 <a:solidFill>
                   <a:schemeClr val="accent4">
                     <a:lumMod val="75000"/>
@@ -3106,7 +3095,7 @@
               </a:rPr>
               <a:t>diego.hiriart@udla.edu.ec</a:t>
             </a:r>
-            <a:endParaRPr lang="es-ES" sz="2400" dirty="0">
+            <a:endParaRPr lang="es-ES" sz="2400">
               <a:solidFill>
                 <a:schemeClr val="tx1">
                   <a:lumMod val="65000"/>
@@ -3118,7 +3107,7 @@
             </a:endParaRPr>
           </a:p>
           <a:p>
-            <a:endParaRPr lang="es-ES" sz="2400" dirty="0">
+            <a:endParaRPr lang="es-ES" sz="2400">
               <a:solidFill>
                 <a:srgbClr val="595959"/>
               </a:solidFill>
@@ -3349,7 +3338,7 @@
           <a:p>
             <a:pPr algn="ctr"/>
             <a:r>
-              <a:rPr lang="es-ES" sz="2400" dirty="0">
+              <a:rPr lang="es-ES" sz="2400">
                 <a:solidFill>
                   <a:schemeClr val="accent4">
                     <a:lumMod val="75000"/>
@@ -3364,7 +3353,7 @@
           <a:p>
             <a:pPr algn="ctr"/>
             <a:r>
-              <a:rPr lang="es-ES" sz="2400" dirty="0">
+              <a:rPr lang="es-ES" sz="2400">
                 <a:solidFill>
                   <a:schemeClr val="accent4">
                     <a:lumMod val="75000"/>
@@ -3375,7 +3364,7 @@
               </a:rPr>
               <a:t>luis.corales.martinez@udla.edu.ec</a:t>
             </a:r>
-            <a:endParaRPr lang="es-ES" sz="2400" dirty="0">
+            <a:endParaRPr lang="es-ES" sz="2400">
               <a:solidFill>
                 <a:srgbClr val="595959"/>
               </a:solidFill>
@@ -3414,7 +3403,7 @@
           <a:p>
             <a:pPr algn="ctr"/>
             <a:r>
-              <a:rPr lang="es-ES" sz="2400" dirty="0">
+              <a:rPr lang="es-ES" sz="2400">
                 <a:solidFill>
                   <a:schemeClr val="accent4">
                     <a:lumMod val="75000"/>
@@ -3429,7 +3418,7 @@
           <a:p>
             <a:pPr algn="ctr"/>
             <a:r>
-              <a:rPr lang="es-ES" sz="2400" dirty="0">
+              <a:rPr lang="es-ES" sz="2400">
                 <a:solidFill>
                   <a:schemeClr val="accent4">
                     <a:lumMod val="75000"/>
@@ -3440,7 +3429,7 @@
               </a:rPr>
               <a:t>christian.samaniego@udla.edu.ec</a:t>
             </a:r>
-            <a:endParaRPr lang="es-ES" sz="2400" dirty="0">
+            <a:endParaRPr lang="es-ES" sz="2400">
               <a:solidFill>
                 <a:schemeClr val="tx1">
                   <a:lumMod val="65000"/>
@@ -3452,7 +3441,7 @@
             </a:endParaRPr>
           </a:p>
           <a:p>
-            <a:endParaRPr lang="es-ES" sz="2400" dirty="0">
+            <a:endParaRPr lang="es-ES" sz="2400">
               <a:solidFill>
                 <a:srgbClr val="595959"/>
               </a:solidFill>
@@ -3602,7 +3591,7 @@
           <a:lstStyle/>
           <a:p>
             <a:pPr algn="ctr"/>
-            <a:endParaRPr lang="es-EC" sz="1867" dirty="0"/>
+            <a:endParaRPr lang="es-EC" sz="1867"/>
           </a:p>
         </p:txBody>
       </p:sp>
@@ -3757,14 +3746,14 @@
               <a:buChar char="•"/>
             </a:pPr>
             <a:r>
-              <a:rPr lang="es-EC" sz="3200">
+              <a:rPr lang="es-EC" sz="3200" dirty="0">
                 <a:solidFill>
                   <a:srgbClr val="000000"/>
                 </a:solidFill>
                 <a:latin typeface="Calibri"/>
                 <a:cs typeface="Calibri"/>
               </a:rPr>
-              <a:t>La implementación de sistemas informáticos para la digitalización de procesos y datos es un objetivo alcanzable y beneficioso.</a:t>
+              <a:t>La implementación de sistemas informáticos para la digitalización de procesos y datos es un objetivo alcanzable con el correcto análisis.</a:t>
             </a:r>
           </a:p>
           <a:p>
@@ -3773,7 +3762,7 @@
               <a:buChar char="•"/>
             </a:pPr>
             <a:r>
-              <a:rPr lang="es-EC" sz="3200">
+              <a:rPr lang="es-EC" sz="3200" dirty="0">
                 <a:solidFill>
                   <a:srgbClr val="000000"/>
                 </a:solidFill>
@@ -3782,7 +3771,7 @@
               </a:rPr>
               <a:t>La inteligencia artificial resultó ser una herramienta que provee mejores oportunidades de entrenamiento para los esgrimistas. Además, los entrenadores pueden mantener mejor supervisión sobre entrenamientos.</a:t>
             </a:r>
-            <a:endParaRPr lang="es-EC" sz="3200">
+            <a:endParaRPr lang="es-EC" sz="3200" dirty="0">
               <a:solidFill>
                 <a:srgbClr val="000000"/>
               </a:solidFill>
@@ -3797,7 +3786,7 @@
               <a:buChar char="•"/>
             </a:pPr>
             <a:r>
-              <a:rPr lang="es-EC" sz="3200">
+              <a:rPr lang="es-EC" sz="3200" dirty="0">
                 <a:solidFill>
                   <a:srgbClr val="000000"/>
                 </a:solidFill>
@@ -3806,7 +3795,7 @@
               </a:rPr>
               <a:t>La máquina desarrollada ha probado ser una alternativa funcional al hardware oficial. Es ideal como herramienta para asistir en combates. </a:t>
             </a:r>
-            <a:endParaRPr lang="es-EC" sz="3200">
+            <a:endParaRPr lang="es-EC" sz="3200" dirty="0">
               <a:solidFill>
                 <a:srgbClr val="000000"/>
               </a:solidFill>
@@ -3821,7 +3810,7 @@
               <a:buChar char="•"/>
             </a:pPr>
             <a:r>
-              <a:rPr lang="es-EC" sz="3200">
+              <a:rPr lang="es-EC" sz="3200" dirty="0">
                 <a:solidFill>
                   <a:srgbClr val="000000"/>
                 </a:solidFill>
@@ -3831,7 +3820,7 @@
               <a:t>Obtener datos representativos para entrenar un modelo de inteligencia artificial es esencial. El uso de técnicas como </a:t>
             </a:r>
             <a:r>
-              <a:rPr lang="es-EC" sz="3200" i="1">
+              <a:rPr lang="es-EC" sz="3200" i="1" dirty="0">
                 <a:solidFill>
                   <a:srgbClr val="000000"/>
                 </a:solidFill>
@@ -3841,7 +3830,7 @@
               <a:t>data </a:t>
             </a:r>
             <a:r>
-              <a:rPr lang="es-EC" sz="3200" i="1" err="1">
+              <a:rPr lang="es-EC" sz="3200" i="1" dirty="0" err="1">
                 <a:solidFill>
                   <a:srgbClr val="000000"/>
                 </a:solidFill>
@@ -3851,7 +3840,7 @@
               <a:t>augmentation</a:t>
             </a:r>
             <a:r>
-              <a:rPr lang="es-EC" sz="3200">
+              <a:rPr lang="es-EC" sz="3200" dirty="0">
                 <a:solidFill>
                   <a:srgbClr val="000000"/>
                 </a:solidFill>
@@ -3860,7 +3849,7 @@
               </a:rPr>
               <a:t> resultó beneficioso para entrenar el modelo.</a:t>
             </a:r>
-            <a:endParaRPr lang="es-EC" sz="3200">
+            <a:endParaRPr lang="es-EC" sz="3200" dirty="0">
               <a:solidFill>
                 <a:srgbClr val="000000"/>
               </a:solidFill>
@@ -5611,7 +5600,7 @@
           <a:p>
             <a:pPr algn="ctr" defTabSz="189189"/>
             <a:r>
-              <a:rPr lang="es-EC" sz="4300" b="1" dirty="0">
+              <a:rPr lang="es-EC" sz="4300" b="1">
                 <a:solidFill>
                   <a:prstClr val="white"/>
                 </a:solidFill>
@@ -5621,7 +5610,7 @@
               </a:rPr>
               <a:t>Sistema web de gestión de información y desempeño de entrenamientos utilizando inteligencia artificial para la Academia de Esgrima Ciudad de Quito</a:t>
             </a:r>
-            <a:endParaRPr lang="es-ES" sz="4300" b="1" dirty="0">
+            <a:endParaRPr lang="es-ES" sz="4300" b="1">
               <a:solidFill>
                 <a:prstClr val="white"/>
               </a:solidFill>
@@ -5763,7 +5752,7 @@
           <a:p>
             <a:pPr algn="ctr"/>
             <a:r>
-              <a:rPr lang="en-US" sz="5000" b="1" dirty="0">
+              <a:rPr lang="en-US" sz="5000" b="1">
                 <a:solidFill>
                   <a:schemeClr val="bg1"/>
                 </a:solidFill>
@@ -5773,7 +5762,7 @@
               <a:t>Web system for data and performance of trainings using artificial intelligence for </a:t>
             </a:r>
             <a:r>
-              <a:rPr lang="en-US" sz="5000" b="1" i="1" dirty="0">
+              <a:rPr lang="en-US" sz="5000" b="1" i="1">
                 <a:solidFill>
                   <a:schemeClr val="bg1"/>
                 </a:solidFill>
@@ -5783,7 +5772,7 @@
               <a:t>Academia de </a:t>
             </a:r>
             <a:r>
-              <a:rPr lang="en-US" sz="5000" b="1" i="1" dirty="0" err="1">
+              <a:rPr lang="en-US" sz="5000" b="1" i="1" err="1">
                 <a:solidFill>
                   <a:schemeClr val="bg1"/>
                 </a:solidFill>
@@ -5793,7 +5782,7 @@
               <a:t>Esgrima</a:t>
             </a:r>
             <a:r>
-              <a:rPr lang="en-US" sz="5000" b="1" i="1" dirty="0">
+              <a:rPr lang="en-US" sz="5000" b="1" i="1">
                 <a:solidFill>
                   <a:schemeClr val="bg1"/>
                 </a:solidFill>
@@ -7260,13 +7249,13 @@
           <a:p>
             <a:pPr algn="just"/>
             <a:r>
-              <a:rPr lang="en-US" sz="3200" dirty="0">
+              <a:rPr lang="en-US" sz="3200">
                 <a:ea typeface="+mn-lt"/>
                 <a:cs typeface="+mn-lt"/>
               </a:rPr>
               <a:t>Created a machine to track scores, time, and penalties was created to assist in managing this data during matches.</a:t>
             </a:r>
-            <a:endParaRPr lang="en-US" dirty="0"/>
+            <a:endParaRPr lang="en-US"/>
           </a:p>
         </p:txBody>
       </p:sp>
@@ -7303,11 +7292,11 @@
               <a:buChar char="•"/>
             </a:pPr>
             <a:r>
-              <a:rPr lang="en-US" sz="3200">
+              <a:rPr lang="en-US" sz="3200" dirty="0">
                 <a:ea typeface="+mn-lt"/>
                 <a:cs typeface="+mn-lt"/>
               </a:rPr>
-              <a:t>The implementation of computer systems for the digitization of processes and data is an achievable and beneficial objective.</a:t>
+              <a:t>The implementation of computer systems for the digitization of processes and data is an achievable objective with the proper analysis.</a:t>
             </a:r>
           </a:p>
           <a:p>
@@ -7316,7 +7305,7 @@
               <a:buChar char="•"/>
             </a:pPr>
             <a:r>
-              <a:rPr lang="en-US" sz="3200">
+              <a:rPr lang="en-US" sz="3200" dirty="0">
                 <a:ea typeface="+mn-lt"/>
                 <a:cs typeface="+mn-lt"/>
               </a:rPr>
@@ -7329,7 +7318,7 @@
               <a:buChar char="•"/>
             </a:pPr>
             <a:r>
-              <a:rPr lang="en-US" sz="3200">
+              <a:rPr lang="en-US" sz="3200" dirty="0">
                 <a:ea typeface="+mn-lt"/>
                 <a:cs typeface="+mn-lt"/>
               </a:rPr>
@@ -7342,21 +7331,21 @@
               <a:buChar char="•"/>
             </a:pPr>
             <a:r>
-              <a:rPr lang="en-US" sz="3200">
+              <a:rPr lang="en-US" sz="3200" dirty="0">
                 <a:ea typeface="+mn-lt"/>
                 <a:cs typeface="+mn-lt"/>
               </a:rPr>
               <a:t>Obtaining representative data to train an artificial intelligence model is essential. The use of data augmentation techniques were </a:t>
             </a:r>
             <a:r>
-              <a:rPr lang="en-US" sz="3200" err="1">
+              <a:rPr lang="en-US" sz="3200" dirty="0" err="1">
                 <a:ea typeface="+mn-lt"/>
                 <a:cs typeface="+mn-lt"/>
               </a:rPr>
               <a:t>benefitial</a:t>
             </a:r>
             <a:r>
-              <a:rPr lang="en-US" sz="3200">
+              <a:rPr lang="en-US" sz="3200" dirty="0">
                 <a:ea typeface="+mn-lt"/>
                 <a:cs typeface="+mn-lt"/>
               </a:rPr>
@@ -7711,7 +7700,7 @@
           <a:p>
             <a:pPr algn="ctr"/>
             <a:r>
-              <a:rPr lang="es-ES" sz="2400" dirty="0">
+              <a:rPr lang="es-ES" sz="2400">
                 <a:solidFill>
                   <a:schemeClr val="accent4">
                     <a:lumMod val="75000"/>
@@ -7726,7 +7715,7 @@
           <a:p>
             <a:pPr algn="ctr"/>
             <a:r>
-              <a:rPr lang="es-ES" sz="2400" dirty="0">
+              <a:rPr lang="es-ES" sz="2400">
                 <a:solidFill>
                   <a:schemeClr val="accent4">
                     <a:lumMod val="75000"/>
@@ -7737,7 +7726,7 @@
               </a:rPr>
               <a:t>diego.hiriart@udla.edu.ec</a:t>
             </a:r>
-            <a:endParaRPr lang="es-ES" sz="2400" dirty="0">
+            <a:endParaRPr lang="es-ES" sz="2400">
               <a:solidFill>
                 <a:schemeClr val="tx1">
                   <a:lumMod val="65000"/>
@@ -7749,7 +7738,7 @@
             </a:endParaRPr>
           </a:p>
           <a:p>
-            <a:endParaRPr lang="es-ES" sz="2400" dirty="0">
+            <a:endParaRPr lang="es-ES" sz="2400">
               <a:solidFill>
                 <a:srgbClr val="595959"/>
               </a:solidFill>
@@ -7882,7 +7871,7 @@
           <a:p>
             <a:pPr algn="ctr"/>
             <a:r>
-              <a:rPr lang="es-ES" sz="2400" dirty="0">
+              <a:rPr lang="es-ES" sz="2400">
                 <a:solidFill>
                   <a:schemeClr val="accent4">
                     <a:lumMod val="75000"/>
@@ -7897,7 +7886,7 @@
           <a:p>
             <a:pPr algn="ctr"/>
             <a:r>
-              <a:rPr lang="es-ES" sz="2400" dirty="0">
+              <a:rPr lang="es-ES" sz="2400">
                 <a:solidFill>
                   <a:schemeClr val="accent4">
                     <a:lumMod val="75000"/>
@@ -7908,7 +7897,7 @@
               </a:rPr>
               <a:t>luis.corales.martinez@udla.edu.ec</a:t>
             </a:r>
-            <a:endParaRPr lang="es-ES" sz="2400" dirty="0">
+            <a:endParaRPr lang="es-ES" sz="2400">
               <a:solidFill>
                 <a:srgbClr val="595959"/>
               </a:solidFill>
@@ -7947,7 +7936,7 @@
           <a:p>
             <a:pPr algn="ctr"/>
             <a:r>
-              <a:rPr lang="es-ES" sz="2400" dirty="0">
+              <a:rPr lang="es-ES" sz="2400">
                 <a:solidFill>
                   <a:schemeClr val="accent4">
                     <a:lumMod val="75000"/>
@@ -7962,7 +7951,7 @@
           <a:p>
             <a:pPr algn="ctr"/>
             <a:r>
-              <a:rPr lang="es-ES" sz="2400" dirty="0">
+              <a:rPr lang="es-ES" sz="2400">
                 <a:solidFill>
                   <a:schemeClr val="accent4">
                     <a:lumMod val="75000"/>
@@ -7973,7 +7962,7 @@
               </a:rPr>
               <a:t>christian.samaniego@udla.edu.ec</a:t>
             </a:r>
-            <a:endParaRPr lang="es-ES" sz="2400" dirty="0">
+            <a:endParaRPr lang="es-ES" sz="2400">
               <a:solidFill>
                 <a:schemeClr val="tx1">
                   <a:lumMod val="65000"/>
@@ -7985,7 +7974,7 @@
             </a:endParaRPr>
           </a:p>
           <a:p>
-            <a:endParaRPr lang="es-ES" sz="2400" dirty="0">
+            <a:endParaRPr lang="es-ES" sz="2400">
               <a:solidFill>
                 <a:srgbClr val="595959"/>
               </a:solidFill>
@@ -8049,7 +8038,7 @@
           <a:lstStyle/>
           <a:p>
             <a:pPr algn="ctr"/>
-            <a:endParaRPr lang="es-EC" sz="1867" dirty="0"/>
+            <a:endParaRPr lang="es-EC" sz="1867"/>
           </a:p>
         </p:txBody>
       </p:sp>
@@ -8446,6 +8435,14 @@
 </file>
 
 <file path=customXml/item1.xml><?xml version="1.0" encoding="utf-8"?>
+<p:properties xmlns:p="http://schemas.microsoft.com/office/2006/metadata/properties" xmlns:xsi="http://www.w3.org/2001/XMLSchema-instance" xmlns:pc="http://schemas.microsoft.com/office/infopath/2007/PartnerControls">
+  <documentManagement>
+    <_activity xmlns="8b5aa52d-55c6-460f-b140-7d1036289c34" xsi:nil="true"/>
+  </documentManagement>
+</p:properties>
+</file>
+
+<file path=customXml/item2.xml><?xml version="1.0" encoding="utf-8"?>
 <ct:contentTypeSchema xmlns:ct="http://schemas.microsoft.com/office/2006/metadata/contentType" xmlns:ma="http://schemas.microsoft.com/office/2006/metadata/properties/metaAttributes" ct:_="" ma:_="" ma:contentTypeName="Document" ma:contentTypeID="0x0101005607B7EB9064FA4898B578FABE8FD918" ma:contentTypeVersion="16" ma:contentTypeDescription="Create a new document." ma:contentTypeScope="" ma:versionID="56d91f5f361719270891a2c0e8fd174b">
   <xsd:schema xmlns:xsd="http://www.w3.org/2001/XMLSchema" xmlns:xs="http://www.w3.org/2001/XMLSchema" xmlns:p="http://schemas.microsoft.com/office/2006/metadata/properties" xmlns:ns3="8b5aa52d-55c6-460f-b140-7d1036289c34" xmlns:ns4="a7a475fa-823d-4b6d-a5c9-7ed2d4452183" targetNamespace="http://schemas.microsoft.com/office/2006/metadata/properties" ma:root="true" ma:fieldsID="0e5a20e0752b682dcd58fb649d4a297c" ns3:_="" ns4:_="">
     <xsd:import namespace="8b5aa52d-55c6-460f-b140-7d1036289c34"/>
@@ -8686,7 +8683,7 @@
 </ct:contentTypeSchema>
 </file>
 
-<file path=customXml/item2.xml><?xml version="1.0" encoding="utf-8"?>
+<file path=customXml/item3.xml><?xml version="1.0" encoding="utf-8"?>
 <?mso-contentType ?>
 <FormTemplates xmlns="http://schemas.microsoft.com/sharepoint/v3/contenttype/forms">
   <Display>DocumentLibraryForm</Display>
@@ -8695,15 +8692,24 @@
 </FormTemplates>
 </file>
 
-<file path=customXml/item3.xml><?xml version="1.0" encoding="utf-8"?>
-<p:properties xmlns:p="http://schemas.microsoft.com/office/2006/metadata/properties" xmlns:xsi="http://www.w3.org/2001/XMLSchema-instance" xmlns:pc="http://schemas.microsoft.com/office/infopath/2007/PartnerControls">
-  <documentManagement>
-    <_activity xmlns="8b5aa52d-55c6-460f-b140-7d1036289c34" xsi:nil="true"/>
-  </documentManagement>
-</p:properties>
+<file path=customXml/itemProps1.xml><?xml version="1.0" encoding="utf-8"?>
+<ds:datastoreItem xmlns:ds="http://schemas.openxmlformats.org/officeDocument/2006/customXml" ds:itemID="{4CC2EA12-2FBF-44D3-A23A-46F0D23AD439}">
+  <ds:schemaRefs>
+    <ds:schemaRef ds:uri="http://purl.org/dc/elements/1.1/"/>
+    <ds:schemaRef ds:uri="http://schemas.microsoft.com/office/infopath/2007/PartnerControls"/>
+    <ds:schemaRef ds:uri="http://schemas.openxmlformats.org/package/2006/metadata/core-properties"/>
+    <ds:schemaRef ds:uri="http://schemas.microsoft.com/office/2006/metadata/properties"/>
+    <ds:schemaRef ds:uri="http://purl.org/dc/terms/"/>
+    <ds:schemaRef ds:uri="8b5aa52d-55c6-460f-b140-7d1036289c34"/>
+    <ds:schemaRef ds:uri="http://schemas.microsoft.com/office/2006/documentManagement/types"/>
+    <ds:schemaRef ds:uri="a7a475fa-823d-4b6d-a5c9-7ed2d4452183"/>
+    <ds:schemaRef ds:uri="http://www.w3.org/XML/1998/namespace"/>
+    <ds:schemaRef ds:uri="http://purl.org/dc/dcmitype/"/>
+  </ds:schemaRefs>
+</ds:datastoreItem>
 </file>
 
-<file path=customXml/itemProps1.xml><?xml version="1.0" encoding="utf-8"?>
+<file path=customXml/itemProps2.xml><?xml version="1.0" encoding="utf-8"?>
 <ds:datastoreItem xmlns:ds="http://schemas.openxmlformats.org/officeDocument/2006/customXml" ds:itemID="{3C36E779-9115-4C7F-AFBC-2B265042B047}">
   <ds:schemaRefs>
     <ds:schemaRef ds:uri="8b5aa52d-55c6-460f-b140-7d1036289c34"/>
@@ -8722,27 +8728,10 @@
 </ds:datastoreItem>
 </file>
 
-<file path=customXml/itemProps2.xml><?xml version="1.0" encoding="utf-8"?>
+<file path=customXml/itemProps3.xml><?xml version="1.0" encoding="utf-8"?>
 <ds:datastoreItem xmlns:ds="http://schemas.openxmlformats.org/officeDocument/2006/customXml" ds:itemID="{92EFAD2A-D7B7-489C-B42D-5915B3A4998D}">
   <ds:schemaRefs>
     <ds:schemaRef ds:uri="http://schemas.microsoft.com/sharepoint/v3/contenttype/forms"/>
   </ds:schemaRefs>
 </ds:datastoreItem>
-</file>
-
-<file path=customXml/itemProps3.xml><?xml version="1.0" encoding="utf-8"?>
-<ds:datastoreItem xmlns:ds="http://schemas.openxmlformats.org/officeDocument/2006/customXml" ds:itemID="{4CC2EA12-2FBF-44D3-A23A-46F0D23AD439}">
-  <ds:schemaRefs>
-    <ds:schemaRef ds:uri="http://schemas.microsoft.com/office/2006/metadata/properties"/>
-    <ds:schemaRef ds:uri="a7a475fa-823d-4b6d-a5c9-7ed2d4452183"/>
-    <ds:schemaRef ds:uri="http://www.w3.org/XML/1998/namespace"/>
-    <ds:schemaRef ds:uri="http://schemas.microsoft.com/office/2006/documentManagement/types"/>
-    <ds:schemaRef ds:uri="http://schemas.openxmlformats.org/package/2006/metadata/core-properties"/>
-    <ds:schemaRef ds:uri="http://purl.org/dc/elements/1.1/"/>
-    <ds:schemaRef ds:uri="http://purl.org/dc/dcmitype/"/>
-    <ds:schemaRef ds:uri="http://purl.org/dc/terms/"/>
-    <ds:schemaRef ds:uri="http://schemas.microsoft.com/office/infopath/2007/PartnerControls"/>
-    <ds:schemaRef ds:uri="8b5aa52d-55c6-460f-b140-7d1036289c34"/>
-  </ds:schemaRefs>
-</ds:datastoreItem>
 </file>
--- a/Documents/Poster Capstone_Hiriart Corales Samaniego.pptx
+++ b/Documents/Poster Capstone_Hiriart Corales Samaniego.pptx
@@ -5211,12 +5211,173 @@
           </a:prstGeom>
         </p:spPr>
       </p:pic>
+      <p:sp>
+        <p:nvSpPr>
+          <p:cNvPr id="57" name="CuadroTexto 16">
+            <a:extLst>
+              <a:ext uri="{FF2B5EF4-FFF2-40B4-BE49-F238E27FC236}">
+                <a16:creationId xmlns:a16="http://schemas.microsoft.com/office/drawing/2014/main" id="{31CCE2C4-55A5-C69D-57E6-B57FE4F0BDAC}"/>
+              </a:ext>
+            </a:extLst>
+          </p:cNvPr>
+          <p:cNvSpPr txBox="1"/>
+          <p:nvPr/>
+        </p:nvSpPr>
+        <p:spPr>
+          <a:xfrm>
+            <a:off x="24689209" y="14833781"/>
+            <a:ext cx="6403745" cy="3008510"/>
+          </a:xfrm>
+          <a:prstGeom prst="rect">
+            <a:avLst/>
+          </a:prstGeom>
+          <a:noFill/>
+        </p:spPr>
+        <p:txBody>
+          <a:bodyPr rot="0" spcFirstLastPara="0" vertOverflow="overflow" horzOverflow="overflow" vert="horz" wrap="square" lIns="53333" tIns="26667" rIns="53333" bIns="26667" numCol="1" spcCol="0" rtlCol="0" fromWordArt="0" anchor="t" anchorCtr="0" forceAA="0" compatLnSpc="1">
+            <a:prstTxWarp prst="textNoShape">
+              <a:avLst/>
+            </a:prstTxWarp>
+            <a:spAutoFit/>
+          </a:bodyPr>
+          <a:lstStyle/>
+          <a:p>
+            <a:pPr algn="just"/>
+            <a:r>
+              <a:rPr lang="en-US" sz="3200">
+                <a:cs typeface="Calibri"/>
+              </a:rPr>
+              <a:t>E</a:t>
+            </a:r>
+            <a:r>
+              <a:rPr lang="es-EC" sz="3200">
+                <a:cs typeface="Calibri"/>
+              </a:rPr>
+              <a:t>l módulo de inteligencia artificial integrado a la aplicación web permite a los esgrimistas tener retroalimentación pronta de su desempeño al entrenar independientemente.</a:t>
+            </a:r>
+            <a:endParaRPr lang="es-ES" sz="3200">
+              <a:ea typeface="Calibri" panose="020F0502020204030204"/>
+              <a:cs typeface="Calibri"/>
+            </a:endParaRPr>
+          </a:p>
+        </p:txBody>
+      </p:sp>
+      <p:sp>
+        <p:nvSpPr>
+          <p:cNvPr id="3" name="CuadroTexto 13">
+            <a:extLst>
+              <a:ext uri="{FF2B5EF4-FFF2-40B4-BE49-F238E27FC236}">
+                <a16:creationId xmlns:a16="http://schemas.microsoft.com/office/drawing/2014/main" id="{186A057D-615F-39A3-A056-0C8777FADF3A}"/>
+              </a:ext>
+            </a:extLst>
+          </p:cNvPr>
+          <p:cNvSpPr txBox="1"/>
+          <p:nvPr/>
+        </p:nvSpPr>
+        <p:spPr>
+          <a:xfrm>
+            <a:off x="16882945" y="3474588"/>
+            <a:ext cx="13860000" cy="1531182"/>
+          </a:xfrm>
+          <a:prstGeom prst="rect">
+            <a:avLst/>
+          </a:prstGeom>
+          <a:noFill/>
+        </p:spPr>
+        <p:txBody>
+          <a:bodyPr rot="0" spcFirstLastPara="0" vertOverflow="overflow" horzOverflow="overflow" vert="horz" wrap="square" lIns="53333" tIns="26667" rIns="53333" bIns="26667" numCol="1" spcCol="0" rtlCol="0" fromWordArt="0" anchor="t" anchorCtr="0" forceAA="0" compatLnSpc="1">
+            <a:prstTxWarp prst="textNoShape">
+              <a:avLst/>
+            </a:prstTxWarp>
+            <a:spAutoFit/>
+          </a:bodyPr>
+          <a:lstStyle/>
+          <a:p>
+            <a:pPr marL="457200" indent="-457200" algn="just">
+              <a:buFont typeface="Arial"/>
+              <a:buChar char="•"/>
+            </a:pPr>
+            <a:r>
+              <a:rPr lang="es-ES" sz="3200">
+                <a:latin typeface="Calibri"/>
+                <a:cs typeface="Calibri"/>
+              </a:rPr>
+              <a:t>Máquina de puntaje, temporizador y penalizaciones que asista al árbitro en la gestión de datos durante combates. Debe adherirse a las reglamentaciones de esgrima aplicables para máquinas de  puntajes.</a:t>
+            </a:r>
+            <a:endParaRPr lang="en-US"/>
+          </a:p>
+        </p:txBody>
+      </p:sp>
+      <p:sp>
+        <p:nvSpPr>
+          <p:cNvPr id="9" name="CuadroTexto 13">
+            <a:extLst>
+              <a:ext uri="{FF2B5EF4-FFF2-40B4-BE49-F238E27FC236}">
+                <a16:creationId xmlns:a16="http://schemas.microsoft.com/office/drawing/2014/main" id="{2E4C29AE-51DF-C8A9-D41A-F88CB9A7D9F1}"/>
+              </a:ext>
+            </a:extLst>
+          </p:cNvPr>
+          <p:cNvSpPr txBox="1"/>
+          <p:nvPr/>
+        </p:nvSpPr>
+        <p:spPr>
+          <a:xfrm>
+            <a:off x="1500156" y="18357317"/>
+            <a:ext cx="13860000" cy="1531182"/>
+          </a:xfrm>
+          <a:prstGeom prst="rect">
+            <a:avLst/>
+          </a:prstGeom>
+          <a:noFill/>
+        </p:spPr>
+        <p:txBody>
+          <a:bodyPr rot="0" spcFirstLastPara="0" vertOverflow="overflow" horzOverflow="overflow" vert="horz" wrap="square" lIns="53333" tIns="26667" rIns="53333" bIns="26667" numCol="1" spcCol="0" rtlCol="0" fromWordArt="0" anchor="t" anchorCtr="0" forceAA="0" compatLnSpc="1">
+            <a:prstTxWarp prst="textNoShape">
+              <a:avLst/>
+            </a:prstTxWarp>
+            <a:spAutoFit/>
+          </a:bodyPr>
+          <a:lstStyle/>
+          <a:p>
+            <a:pPr marL="457200" indent="-457200" algn="just">
+              <a:buFont typeface="Arial"/>
+              <a:buChar char="•"/>
+            </a:pPr>
+            <a:r>
+              <a:rPr lang="es-ES" sz="3200" dirty="0">
+                <a:latin typeface="Calibri"/>
+                <a:cs typeface="Calibri"/>
+              </a:rPr>
+              <a:t>Inteligencia artificial integrada a la app web, para detección de potenciales errores al entrenar individualmente. Se entrenó con datos de esgrimistas reales y técnicas de data </a:t>
+            </a:r>
+            <a:r>
+              <a:rPr lang="es-ES" sz="3200" dirty="0" err="1">
+                <a:latin typeface="Calibri"/>
+                <a:cs typeface="Calibri"/>
+              </a:rPr>
+              <a:t>augmentation</a:t>
+            </a:r>
+            <a:r>
+              <a:rPr lang="es-ES" sz="3200" dirty="0">
+                <a:latin typeface="Calibri"/>
+                <a:cs typeface="Calibri"/>
+              </a:rPr>
+              <a:t>.</a:t>
+            </a:r>
+            <a:endParaRPr lang="es-ES" sz="3200" dirty="0">
+              <a:latin typeface="Calibri"/>
+              <a:ea typeface="Calibri" panose="020F0502020204030204"/>
+              <a:cs typeface="Calibri"/>
+            </a:endParaRPr>
+          </a:p>
+        </p:txBody>
+      </p:sp>
       <p:pic>
         <p:nvPicPr>
-          <p:cNvPr id="41" name="Picture 40" descr="A diagram of a diagram&#10;&#10;Description automatically generated">
+          <p:cNvPr id="76" name="Picture 75" descr="A screenshot of a cell phone&#10;&#10;Description automatically generated">
             <a:extLst>
               <a:ext uri="{FF2B5EF4-FFF2-40B4-BE49-F238E27FC236}">
-                <a16:creationId xmlns:a16="http://schemas.microsoft.com/office/drawing/2014/main" id="{13C0A1F6-7AAA-5356-3B97-D0BA45E6B665}"/>
+                <a16:creationId xmlns:a16="http://schemas.microsoft.com/office/drawing/2014/main" id="{C441767B-7F67-4B0B-9125-0A04EF74BBAF}"/>
               </a:ext>
             </a:extLst>
           </p:cNvPr>
@@ -5239,203 +5400,6 @@
         </p:blipFill>
         <p:spPr>
           <a:xfrm>
-            <a:off x="2577539" y="20220069"/>
-            <a:ext cx="11641498" cy="4040935"/>
-          </a:xfrm>
-          <a:prstGeom prst="rect">
-            <a:avLst/>
-          </a:prstGeom>
-        </p:spPr>
-      </p:pic>
-      <p:sp>
-        <p:nvSpPr>
-          <p:cNvPr id="57" name="CuadroTexto 16">
-            <a:extLst>
-              <a:ext uri="{FF2B5EF4-FFF2-40B4-BE49-F238E27FC236}">
-                <a16:creationId xmlns:a16="http://schemas.microsoft.com/office/drawing/2014/main" id="{31CCE2C4-55A5-C69D-57E6-B57FE4F0BDAC}"/>
-              </a:ext>
-            </a:extLst>
-          </p:cNvPr>
-          <p:cNvSpPr txBox="1"/>
-          <p:nvPr/>
-        </p:nvSpPr>
-        <p:spPr>
-          <a:xfrm>
-            <a:off x="24689209" y="14833781"/>
-            <a:ext cx="6403745" cy="3008510"/>
-          </a:xfrm>
-          <a:prstGeom prst="rect">
-            <a:avLst/>
-          </a:prstGeom>
-          <a:noFill/>
-        </p:spPr>
-        <p:txBody>
-          <a:bodyPr rot="0" spcFirstLastPara="0" vertOverflow="overflow" horzOverflow="overflow" vert="horz" wrap="square" lIns="53333" tIns="26667" rIns="53333" bIns="26667" numCol="1" spcCol="0" rtlCol="0" fromWordArt="0" anchor="t" anchorCtr="0" forceAA="0" compatLnSpc="1">
-            <a:prstTxWarp prst="textNoShape">
-              <a:avLst/>
-            </a:prstTxWarp>
-            <a:spAutoFit/>
-          </a:bodyPr>
-          <a:lstStyle/>
-          <a:p>
-            <a:pPr algn="just"/>
-            <a:r>
-              <a:rPr lang="en-US" sz="3200">
-                <a:cs typeface="Calibri"/>
-              </a:rPr>
-              <a:t>E</a:t>
-            </a:r>
-            <a:r>
-              <a:rPr lang="es-EC" sz="3200">
-                <a:cs typeface="Calibri"/>
-              </a:rPr>
-              <a:t>l módulo de inteligencia artificial integrado a la aplicación web permite a los esgrimistas tener retroalimentación pronta de su desempeño al entrenar independientemente.</a:t>
-            </a:r>
-            <a:endParaRPr lang="es-ES" sz="3200">
-              <a:ea typeface="Calibri" panose="020F0502020204030204"/>
-              <a:cs typeface="Calibri"/>
-            </a:endParaRPr>
-          </a:p>
-        </p:txBody>
-      </p:sp>
-      <p:sp>
-        <p:nvSpPr>
-          <p:cNvPr id="3" name="CuadroTexto 13">
-            <a:extLst>
-              <a:ext uri="{FF2B5EF4-FFF2-40B4-BE49-F238E27FC236}">
-                <a16:creationId xmlns:a16="http://schemas.microsoft.com/office/drawing/2014/main" id="{186A057D-615F-39A3-A056-0C8777FADF3A}"/>
-              </a:ext>
-            </a:extLst>
-          </p:cNvPr>
-          <p:cNvSpPr txBox="1"/>
-          <p:nvPr/>
-        </p:nvSpPr>
-        <p:spPr>
-          <a:xfrm>
-            <a:off x="16882945" y="3474588"/>
-            <a:ext cx="13860000" cy="1531182"/>
-          </a:xfrm>
-          <a:prstGeom prst="rect">
-            <a:avLst/>
-          </a:prstGeom>
-          <a:noFill/>
-        </p:spPr>
-        <p:txBody>
-          <a:bodyPr rot="0" spcFirstLastPara="0" vertOverflow="overflow" horzOverflow="overflow" vert="horz" wrap="square" lIns="53333" tIns="26667" rIns="53333" bIns="26667" numCol="1" spcCol="0" rtlCol="0" fromWordArt="0" anchor="t" anchorCtr="0" forceAA="0" compatLnSpc="1">
-            <a:prstTxWarp prst="textNoShape">
-              <a:avLst/>
-            </a:prstTxWarp>
-            <a:spAutoFit/>
-          </a:bodyPr>
-          <a:lstStyle/>
-          <a:p>
-            <a:pPr marL="457200" indent="-457200" algn="just">
-              <a:buFont typeface="Arial"/>
-              <a:buChar char="•"/>
-            </a:pPr>
-            <a:r>
-              <a:rPr lang="es-ES" sz="3200">
-                <a:latin typeface="Calibri"/>
-                <a:cs typeface="Calibri"/>
-              </a:rPr>
-              <a:t>Máquina de puntaje, temporizador y penalizaciones que asista al árbitro en la gestión de datos durante combates. Debe adherirse a las reglamentaciones de esgrima aplicables para máquinas de  puntajes.</a:t>
-            </a:r>
-            <a:endParaRPr lang="en-US"/>
-          </a:p>
-        </p:txBody>
-      </p:sp>
-      <p:sp>
-        <p:nvSpPr>
-          <p:cNvPr id="9" name="CuadroTexto 13">
-            <a:extLst>
-              <a:ext uri="{FF2B5EF4-FFF2-40B4-BE49-F238E27FC236}">
-                <a16:creationId xmlns:a16="http://schemas.microsoft.com/office/drawing/2014/main" id="{2E4C29AE-51DF-C8A9-D41A-F88CB9A7D9F1}"/>
-              </a:ext>
-            </a:extLst>
-          </p:cNvPr>
-          <p:cNvSpPr txBox="1"/>
-          <p:nvPr/>
-        </p:nvSpPr>
-        <p:spPr>
-          <a:xfrm>
-            <a:off x="1500156" y="18357317"/>
-            <a:ext cx="13860000" cy="1531182"/>
-          </a:xfrm>
-          <a:prstGeom prst="rect">
-            <a:avLst/>
-          </a:prstGeom>
-          <a:noFill/>
-        </p:spPr>
-        <p:txBody>
-          <a:bodyPr rot="0" spcFirstLastPara="0" vertOverflow="overflow" horzOverflow="overflow" vert="horz" wrap="square" lIns="53333" tIns="26667" rIns="53333" bIns="26667" numCol="1" spcCol="0" rtlCol="0" fromWordArt="0" anchor="t" anchorCtr="0" forceAA="0" compatLnSpc="1">
-            <a:prstTxWarp prst="textNoShape">
-              <a:avLst/>
-            </a:prstTxWarp>
-            <a:spAutoFit/>
-          </a:bodyPr>
-          <a:lstStyle/>
-          <a:p>
-            <a:pPr marL="457200" indent="-457200" algn="just">
-              <a:buFont typeface="Arial"/>
-              <a:buChar char="•"/>
-            </a:pPr>
-            <a:r>
-              <a:rPr lang="es-ES" sz="3200">
-                <a:latin typeface="Calibri"/>
-                <a:cs typeface="Calibri"/>
-              </a:rPr>
-              <a:t>Inteligencia artificial integrada a la app web, para detección de potenciales errores al entrenar individualmente. Se entrenó con datos de esgrimistas reales y técnicas de data </a:t>
-            </a:r>
-            <a:r>
-              <a:rPr lang="es-ES" sz="3200" err="1">
-                <a:latin typeface="Calibri"/>
-                <a:cs typeface="Calibri"/>
-              </a:rPr>
-              <a:t>augmentation</a:t>
-            </a:r>
-            <a:r>
-              <a:rPr lang="es-ES" sz="3200">
-                <a:latin typeface="Calibri"/>
-                <a:cs typeface="Calibri"/>
-              </a:rPr>
-              <a:t>.</a:t>
-            </a:r>
-            <a:endParaRPr lang="es-ES" sz="3200">
-              <a:latin typeface="Calibri"/>
-              <a:ea typeface="Calibri" panose="020F0502020204030204"/>
-              <a:cs typeface="Calibri"/>
-            </a:endParaRPr>
-          </a:p>
-        </p:txBody>
-      </p:sp>
-      <p:pic>
-        <p:nvPicPr>
-          <p:cNvPr id="76" name="Picture 75" descr="A screenshot of a cell phone&#10;&#10;Description automatically generated">
-            <a:extLst>
-              <a:ext uri="{FF2B5EF4-FFF2-40B4-BE49-F238E27FC236}">
-                <a16:creationId xmlns:a16="http://schemas.microsoft.com/office/drawing/2014/main" id="{C441767B-7F67-4B0B-9125-0A04EF74BBAF}"/>
-              </a:ext>
-            </a:extLst>
-          </p:cNvPr>
-          <p:cNvPicPr>
-            <a:picLocks noChangeAspect="1"/>
-          </p:cNvPicPr>
-          <p:nvPr/>
-        </p:nvPicPr>
-        <p:blipFill>
-          <a:blip r:embed="rId16">
-            <a:extLst>
-              <a:ext uri="{28A0092B-C50C-407E-A947-70E740481C1C}">
-                <a14:useLocalDpi xmlns:a14="http://schemas.microsoft.com/office/drawing/2010/main" val="0"/>
-              </a:ext>
-            </a:extLst>
-          </a:blip>
-          <a:stretch>
-            <a:fillRect/>
-          </a:stretch>
-        </p:blipFill>
-        <p:spPr>
-          <a:xfrm>
             <a:off x="17507612" y="13835352"/>
             <a:ext cx="6611273" cy="7154273"/>
           </a:xfrm>
@@ -5486,36 +5450,6 @@
           </a:p>
         </p:txBody>
       </p:sp>
-      <p:pic>
-        <p:nvPicPr>
-          <p:cNvPr id="25" name="Picture 27" descr="A diagram of a service&#10;&#10;Description automatically generated">
-            <a:extLst>
-              <a:ext uri="{FF2B5EF4-FFF2-40B4-BE49-F238E27FC236}">
-                <a16:creationId xmlns:a16="http://schemas.microsoft.com/office/drawing/2014/main" id="{0C5119FF-31E7-BCCF-8AF7-462E2D9CB897}"/>
-              </a:ext>
-            </a:extLst>
-          </p:cNvPr>
-          <p:cNvPicPr>
-            <a:picLocks noChangeAspect="1"/>
-          </p:cNvPicPr>
-          <p:nvPr/>
-        </p:nvPicPr>
-        <p:blipFill>
-          <a:blip r:embed="rId17"/>
-          <a:stretch>
-            <a:fillRect/>
-          </a:stretch>
-        </p:blipFill>
-        <p:spPr>
-          <a:xfrm>
-            <a:off x="4653494" y="13338735"/>
-            <a:ext cx="7560500" cy="4802960"/>
-          </a:xfrm>
-          <a:prstGeom prst="rect">
-            <a:avLst/>
-          </a:prstGeom>
-        </p:spPr>
-      </p:pic>
       <p:pic>
         <p:nvPicPr>
           <p:cNvPr id="78" name="Picture 77" descr="A diagram of a machine&#10;&#10;Description automatically generated">
@@ -5531,7 +5465,7 @@
           <p:nvPr/>
         </p:nvPicPr>
         <p:blipFill>
-          <a:blip r:embed="rId18">
+          <a:blip r:embed="rId16">
             <a:extLst>
               <a:ext uri="{28A0092B-C50C-407E-A947-70E740481C1C}">
                 <a14:useLocalDpi xmlns:a14="http://schemas.microsoft.com/office/drawing/2010/main" val="0"/>
@@ -5620,6 +5554,78 @@
           </a:p>
         </p:txBody>
       </p:sp>
+      <p:pic>
+        <p:nvPicPr>
+          <p:cNvPr id="5" name="Picture 4" descr="A diagram of a diagram&#10;&#10;Description automatically generated">
+            <a:extLst>
+              <a:ext uri="{FF2B5EF4-FFF2-40B4-BE49-F238E27FC236}">
+                <a16:creationId xmlns:a16="http://schemas.microsoft.com/office/drawing/2014/main" id="{2C619126-BABF-E9CB-A843-A70B73C19C14}"/>
+              </a:ext>
+            </a:extLst>
+          </p:cNvPr>
+          <p:cNvPicPr>
+            <a:picLocks noChangeAspect="1"/>
+          </p:cNvPicPr>
+          <p:nvPr/>
+        </p:nvPicPr>
+        <p:blipFill>
+          <a:blip r:embed="rId17">
+            <a:extLst>
+              <a:ext uri="{28A0092B-C50C-407E-A947-70E740481C1C}">
+                <a14:useLocalDpi xmlns:a14="http://schemas.microsoft.com/office/drawing/2010/main" val="0"/>
+              </a:ext>
+            </a:extLst>
+          </a:blip>
+          <a:stretch>
+            <a:fillRect/>
+          </a:stretch>
+        </p:blipFill>
+        <p:spPr>
+          <a:xfrm>
+            <a:off x="2577538" y="20277078"/>
+            <a:ext cx="11438733" cy="3915409"/>
+          </a:xfrm>
+          <a:prstGeom prst="rect">
+            <a:avLst/>
+          </a:prstGeom>
+        </p:spPr>
+      </p:pic>
+      <p:pic>
+        <p:nvPicPr>
+          <p:cNvPr id="24" name="Picture 23" descr="A diagram of a software server&#10;&#10;Description automatically generated">
+            <a:extLst>
+              <a:ext uri="{FF2B5EF4-FFF2-40B4-BE49-F238E27FC236}">
+                <a16:creationId xmlns:a16="http://schemas.microsoft.com/office/drawing/2014/main" id="{497550DE-0C1D-5D42-D66A-0CC68AA112CA}"/>
+              </a:ext>
+            </a:extLst>
+          </p:cNvPr>
+          <p:cNvPicPr>
+            <a:picLocks noChangeAspect="1"/>
+          </p:cNvPicPr>
+          <p:nvPr/>
+        </p:nvPicPr>
+        <p:blipFill>
+          <a:blip r:embed="rId18">
+            <a:extLst>
+              <a:ext uri="{28A0092B-C50C-407E-A947-70E740481C1C}">
+                <a14:useLocalDpi xmlns:a14="http://schemas.microsoft.com/office/drawing/2010/main" val="0"/>
+              </a:ext>
+            </a:extLst>
+          </a:blip>
+          <a:stretch>
+            <a:fillRect/>
+          </a:stretch>
+        </p:blipFill>
+        <p:spPr>
+          <a:xfrm>
+            <a:off x="4652278" y="13274289"/>
+            <a:ext cx="7730222" cy="4865899"/>
+          </a:xfrm>
+          <a:prstGeom prst="rect">
+            <a:avLst/>
+          </a:prstGeom>
+        </p:spPr>
+      </p:pic>
     </p:spTree>
     <p:extLst>
       <p:ext uri="{BB962C8B-B14F-4D97-AF65-F5344CB8AC3E}">
@@ -6944,25 +6950,68 @@
               <a:buChar char="•"/>
             </a:pPr>
             <a:r>
-              <a:rPr lang="en-US" sz="3200">
+              <a:rPr lang="en-US" sz="3200" dirty="0">
                 <a:ea typeface="+mn-lt"/>
                 <a:cs typeface="+mn-lt"/>
               </a:rPr>
-              <a:t>Machine for scoring, timer and penalties that assist the referee in data management during fencing bouts. Must adhere to applicable fencing regulations for scoring machines. </a:t>
-            </a:r>
-            <a:endParaRPr lang="en-US" sz="3200">
+              <a:t>Machine for score keeping, with timer and penalties management which assist the referee in data management during fencing bouts. Must adhere to applicable fencing regulations for scoring machines. </a:t>
+            </a:r>
+            <a:endParaRPr lang="en-US" sz="3200" dirty="0">
               <a:ea typeface="Calibri"/>
               <a:cs typeface="Calibri"/>
             </a:endParaRPr>
           </a:p>
         </p:txBody>
       </p:sp>
+      <p:sp>
+        <p:nvSpPr>
+          <p:cNvPr id="49" name="CuadroTexto 16">
+            <a:extLst>
+              <a:ext uri="{FF2B5EF4-FFF2-40B4-BE49-F238E27FC236}">
+                <a16:creationId xmlns:a16="http://schemas.microsoft.com/office/drawing/2014/main" id="{D8C205EF-1267-4F77-8C94-7EC76A93D370}"/>
+              </a:ext>
+            </a:extLst>
+          </p:cNvPr>
+          <p:cNvSpPr txBox="1"/>
+          <p:nvPr/>
+        </p:nvSpPr>
+        <p:spPr>
+          <a:xfrm>
+            <a:off x="17308719" y="12156537"/>
+            <a:ext cx="13860000" cy="1038740"/>
+          </a:xfrm>
+          <a:prstGeom prst="rect">
+            <a:avLst/>
+          </a:prstGeom>
+          <a:noFill/>
+        </p:spPr>
+        <p:txBody>
+          <a:bodyPr rot="0" spcFirstLastPara="0" vertOverflow="overflow" horzOverflow="overflow" vert="horz" wrap="square" lIns="53333" tIns="26667" rIns="53333" bIns="26667" numCol="1" spcCol="0" rtlCol="0" fromWordArt="0" anchor="t" anchorCtr="0" forceAA="0" compatLnSpc="1">
+            <a:prstTxWarp prst="textNoShape">
+              <a:avLst/>
+            </a:prstTxWarp>
+            <a:spAutoFit/>
+          </a:bodyPr>
+          <a:lstStyle/>
+          <a:p>
+            <a:pPr algn="just"/>
+            <a:r>
+              <a:rPr lang="en-US" sz="3200" dirty="0">
+                <a:ea typeface="+mn-lt"/>
+                <a:cs typeface="+mn-lt"/>
+              </a:rPr>
+              <a:t>The implemented web application allows coaches to manage training data, athletes have tools to assist their training and receive feedback on their performance. </a:t>
+            </a:r>
+            <a:endParaRPr lang="en-US" dirty="0"/>
+          </a:p>
+        </p:txBody>
+      </p:sp>
       <p:pic>
         <p:nvPicPr>
-          <p:cNvPr id="19" name="Picture 27" descr="A diagram of a service&#10;&#10;Description automatically generated">
+          <p:cNvPr id="53" name="Picture 52" descr="A digital scoreboard with numbers and numbers&#10;&#10;Description automatically generated">
             <a:extLst>
               <a:ext uri="{FF2B5EF4-FFF2-40B4-BE49-F238E27FC236}">
-                <a16:creationId xmlns:a16="http://schemas.microsoft.com/office/drawing/2014/main" id="{2C0C752B-BEFE-5C7F-7E15-67DD6A782DF8}"/>
+                <a16:creationId xmlns:a16="http://schemas.microsoft.com/office/drawing/2014/main" id="{F9218E4A-679C-2329-7550-A7A5480183CB}"/>
               </a:ext>
             </a:extLst>
           </p:cNvPr>
@@ -6971,28 +7020,76 @@
           </p:cNvPicPr>
           <p:nvPr/>
         </p:nvPicPr>
-        <p:blipFill>
-          <a:blip r:embed="rId11"/>
-          <a:stretch>
-            <a:fillRect/>
-          </a:stretch>
+        <p:blipFill rotWithShape="1">
+          <a:blip r:embed="rId11">
+            <a:extLst>
+              <a:ext uri="{28A0092B-C50C-407E-A947-70E740481C1C}">
+                <a14:useLocalDpi xmlns:a14="http://schemas.microsoft.com/office/drawing/2010/main" val="0"/>
+              </a:ext>
+            </a:extLst>
+          </a:blip>
+          <a:srcRect l="9937" t="6903" r="9921" b="9262"/>
+          <a:stretch/>
         </p:blipFill>
         <p:spPr>
           <a:xfrm>
-            <a:off x="4653494" y="13338735"/>
-            <a:ext cx="7560500" cy="4802960"/>
+            <a:off x="24271313" y="18586184"/>
+            <a:ext cx="6897405" cy="5405058"/>
           </a:xfrm>
           <a:prstGeom prst="rect">
             <a:avLst/>
           </a:prstGeom>
         </p:spPr>
       </p:pic>
+      <p:sp>
+        <p:nvSpPr>
+          <p:cNvPr id="58" name="CuadroTexto 16">
+            <a:extLst>
+              <a:ext uri="{FF2B5EF4-FFF2-40B4-BE49-F238E27FC236}">
+                <a16:creationId xmlns:a16="http://schemas.microsoft.com/office/drawing/2014/main" id="{53309C65-5E4E-1750-641D-5522533CFFB0}"/>
+              </a:ext>
+            </a:extLst>
+          </p:cNvPr>
+          <p:cNvSpPr txBox="1"/>
+          <p:nvPr/>
+        </p:nvSpPr>
+        <p:spPr>
+          <a:xfrm>
+            <a:off x="24689209" y="14833781"/>
+            <a:ext cx="6403745" cy="2516067"/>
+          </a:xfrm>
+          <a:prstGeom prst="rect">
+            <a:avLst/>
+          </a:prstGeom>
+          <a:noFill/>
+        </p:spPr>
+        <p:txBody>
+          <a:bodyPr rot="0" spcFirstLastPara="0" vertOverflow="overflow" horzOverflow="overflow" vert="horz" wrap="square" lIns="53333" tIns="26667" rIns="53333" bIns="26667" numCol="1" spcCol="0" rtlCol="0" fromWordArt="0" anchor="t" anchorCtr="0" forceAA="0" compatLnSpc="1">
+            <a:prstTxWarp prst="textNoShape">
+              <a:avLst/>
+            </a:prstTxWarp>
+            <a:spAutoFit/>
+          </a:bodyPr>
+          <a:lstStyle/>
+          <a:p>
+            <a:pPr algn="just"/>
+            <a:r>
+              <a:rPr lang="en-US" sz="3200">
+                <a:ea typeface="+mn-lt"/>
+                <a:cs typeface="+mn-lt"/>
+              </a:rPr>
+              <a:t>The artificial intelligence module integrated into the web application allows fencers to have prompt feedback on their performance when training independently. </a:t>
+            </a:r>
+            <a:endParaRPr lang="en-US"/>
+          </a:p>
+        </p:txBody>
+      </p:sp>
       <p:pic>
         <p:nvPicPr>
-          <p:cNvPr id="24" name="Picture 23" descr="A diagram of a diagram&#10;&#10;Description automatically generated">
+          <p:cNvPr id="60" name="Picture 59" descr="A screenshot of a cell phone&#10;&#10;Description automatically generated">
             <a:extLst>
               <a:ext uri="{FF2B5EF4-FFF2-40B4-BE49-F238E27FC236}">
-                <a16:creationId xmlns:a16="http://schemas.microsoft.com/office/drawing/2014/main" id="{0641D26C-4BBE-742C-DBA5-43109FAF918A}"/>
+                <a16:creationId xmlns:a16="http://schemas.microsoft.com/office/drawing/2014/main" id="{5679D876-F320-D04D-7360-83365BA64EC3}"/>
               </a:ext>
             </a:extLst>
           </p:cNvPr>
@@ -7015,199 +7112,6 @@
         </p:blipFill>
         <p:spPr>
           <a:xfrm>
-            <a:off x="2577539" y="20220069"/>
-            <a:ext cx="11641498" cy="4040935"/>
-          </a:xfrm>
-          <a:prstGeom prst="rect">
-            <a:avLst/>
-          </a:prstGeom>
-        </p:spPr>
-      </p:pic>
-      <p:pic>
-        <p:nvPicPr>
-          <p:cNvPr id="28" name="Picture 27" descr="A diagram of a machine&#10;&#10;Description automatically generated">
-            <a:extLst>
-              <a:ext uri="{FF2B5EF4-FFF2-40B4-BE49-F238E27FC236}">
-                <a16:creationId xmlns:a16="http://schemas.microsoft.com/office/drawing/2014/main" id="{AA16CBCF-B2BA-2BC1-6753-4F498A8727D9}"/>
-              </a:ext>
-            </a:extLst>
-          </p:cNvPr>
-          <p:cNvPicPr>
-            <a:picLocks noChangeAspect="1"/>
-          </p:cNvPicPr>
-          <p:nvPr/>
-        </p:nvPicPr>
-        <p:blipFill>
-          <a:blip r:embed="rId13">
-            <a:extLst>
-              <a:ext uri="{28A0092B-C50C-407E-A947-70E740481C1C}">
-                <a14:useLocalDpi xmlns:a14="http://schemas.microsoft.com/office/drawing/2010/main" val="0"/>
-              </a:ext>
-            </a:extLst>
-          </a:blip>
-          <a:stretch>
-            <a:fillRect/>
-          </a:stretch>
-        </p:blipFill>
-        <p:spPr>
-          <a:xfrm>
-            <a:off x="17480070" y="5646203"/>
-            <a:ext cx="12665750" cy="4621582"/>
-          </a:xfrm>
-          <a:prstGeom prst="rect">
-            <a:avLst/>
-          </a:prstGeom>
-        </p:spPr>
-      </p:pic>
-      <p:sp>
-        <p:nvSpPr>
-          <p:cNvPr id="49" name="CuadroTexto 16">
-            <a:extLst>
-              <a:ext uri="{FF2B5EF4-FFF2-40B4-BE49-F238E27FC236}">
-                <a16:creationId xmlns:a16="http://schemas.microsoft.com/office/drawing/2014/main" id="{D8C205EF-1267-4F77-8C94-7EC76A93D370}"/>
-              </a:ext>
-            </a:extLst>
-          </p:cNvPr>
-          <p:cNvSpPr txBox="1"/>
-          <p:nvPr/>
-        </p:nvSpPr>
-        <p:spPr>
-          <a:xfrm>
-            <a:off x="17308719" y="12156537"/>
-            <a:ext cx="13860000" cy="1038740"/>
-          </a:xfrm>
-          <a:prstGeom prst="rect">
-            <a:avLst/>
-          </a:prstGeom>
-          <a:noFill/>
-        </p:spPr>
-        <p:txBody>
-          <a:bodyPr rot="0" spcFirstLastPara="0" vertOverflow="overflow" horzOverflow="overflow" vert="horz" wrap="square" lIns="53333" tIns="26667" rIns="53333" bIns="26667" numCol="1" spcCol="0" rtlCol="0" fromWordArt="0" anchor="t" anchorCtr="0" forceAA="0" compatLnSpc="1">
-            <a:prstTxWarp prst="textNoShape">
-              <a:avLst/>
-            </a:prstTxWarp>
-            <a:spAutoFit/>
-          </a:bodyPr>
-          <a:lstStyle/>
-          <a:p>
-            <a:pPr algn="just"/>
-            <a:r>
-              <a:rPr lang="en-US" sz="3200">
-                <a:ea typeface="+mn-lt"/>
-                <a:cs typeface="+mn-lt"/>
-              </a:rPr>
-              <a:t>The implemented web application allows coaches to manage training data, athletes have tools to assist their training and receive feedback on their performance. </a:t>
-            </a:r>
-            <a:endParaRPr lang="en-US"/>
-          </a:p>
-        </p:txBody>
-      </p:sp>
-      <p:pic>
-        <p:nvPicPr>
-          <p:cNvPr id="53" name="Picture 52" descr="A digital scoreboard with numbers and numbers&#10;&#10;Description automatically generated">
-            <a:extLst>
-              <a:ext uri="{FF2B5EF4-FFF2-40B4-BE49-F238E27FC236}">
-                <a16:creationId xmlns:a16="http://schemas.microsoft.com/office/drawing/2014/main" id="{F9218E4A-679C-2329-7550-A7A5480183CB}"/>
-              </a:ext>
-            </a:extLst>
-          </p:cNvPr>
-          <p:cNvPicPr>
-            <a:picLocks noChangeAspect="1"/>
-          </p:cNvPicPr>
-          <p:nvPr/>
-        </p:nvPicPr>
-        <p:blipFill rotWithShape="1">
-          <a:blip r:embed="rId14">
-            <a:extLst>
-              <a:ext uri="{28A0092B-C50C-407E-A947-70E740481C1C}">
-                <a14:useLocalDpi xmlns:a14="http://schemas.microsoft.com/office/drawing/2010/main" val="0"/>
-              </a:ext>
-            </a:extLst>
-          </a:blip>
-          <a:srcRect l="9937" t="6903" r="9921" b="9262"/>
-          <a:stretch/>
-        </p:blipFill>
-        <p:spPr>
-          <a:xfrm>
-            <a:off x="24271313" y="18586184"/>
-            <a:ext cx="6897405" cy="5405058"/>
-          </a:xfrm>
-          <a:prstGeom prst="rect">
-            <a:avLst/>
-          </a:prstGeom>
-        </p:spPr>
-      </p:pic>
-      <p:sp>
-        <p:nvSpPr>
-          <p:cNvPr id="58" name="CuadroTexto 16">
-            <a:extLst>
-              <a:ext uri="{FF2B5EF4-FFF2-40B4-BE49-F238E27FC236}">
-                <a16:creationId xmlns:a16="http://schemas.microsoft.com/office/drawing/2014/main" id="{53309C65-5E4E-1750-641D-5522533CFFB0}"/>
-              </a:ext>
-            </a:extLst>
-          </p:cNvPr>
-          <p:cNvSpPr txBox="1"/>
-          <p:nvPr/>
-        </p:nvSpPr>
-        <p:spPr>
-          <a:xfrm>
-            <a:off x="24689209" y="14833781"/>
-            <a:ext cx="6403745" cy="2516067"/>
-          </a:xfrm>
-          <a:prstGeom prst="rect">
-            <a:avLst/>
-          </a:prstGeom>
-          <a:noFill/>
-        </p:spPr>
-        <p:txBody>
-          <a:bodyPr rot="0" spcFirstLastPara="0" vertOverflow="overflow" horzOverflow="overflow" vert="horz" wrap="square" lIns="53333" tIns="26667" rIns="53333" bIns="26667" numCol="1" spcCol="0" rtlCol="0" fromWordArt="0" anchor="t" anchorCtr="0" forceAA="0" compatLnSpc="1">
-            <a:prstTxWarp prst="textNoShape">
-              <a:avLst/>
-            </a:prstTxWarp>
-            <a:spAutoFit/>
-          </a:bodyPr>
-          <a:lstStyle/>
-          <a:p>
-            <a:pPr algn="just"/>
-            <a:r>
-              <a:rPr lang="en-US" sz="3200">
-                <a:ea typeface="+mn-lt"/>
-                <a:cs typeface="+mn-lt"/>
-              </a:rPr>
-              <a:t>The artificial intelligence module integrated into the web application allows fencers to have prompt feedback on their performance when training independently. </a:t>
-            </a:r>
-            <a:endParaRPr lang="en-US"/>
-          </a:p>
-        </p:txBody>
-      </p:sp>
-      <p:pic>
-        <p:nvPicPr>
-          <p:cNvPr id="60" name="Picture 59" descr="A screenshot of a cell phone&#10;&#10;Description automatically generated">
-            <a:extLst>
-              <a:ext uri="{FF2B5EF4-FFF2-40B4-BE49-F238E27FC236}">
-                <a16:creationId xmlns:a16="http://schemas.microsoft.com/office/drawing/2014/main" id="{5679D876-F320-D04D-7360-83365BA64EC3}"/>
-              </a:ext>
-            </a:extLst>
-          </p:cNvPr>
-          <p:cNvPicPr>
-            <a:picLocks noChangeAspect="1"/>
-          </p:cNvPicPr>
-          <p:nvPr/>
-        </p:nvPicPr>
-        <p:blipFill>
-          <a:blip r:embed="rId15">
-            <a:extLst>
-              <a:ext uri="{28A0092B-C50C-407E-A947-70E740481C1C}">
-                <a14:useLocalDpi xmlns:a14="http://schemas.microsoft.com/office/drawing/2010/main" val="0"/>
-              </a:ext>
-            </a:extLst>
-          </a:blip>
-          <a:stretch>
-            <a:fillRect/>
-          </a:stretch>
-        </p:blipFill>
-        <p:spPr>
-          <a:xfrm>
             <a:off x="17507612" y="13835352"/>
             <a:ext cx="6611273" cy="7154273"/>
           </a:xfrm>
@@ -7335,21 +7239,7 @@
                 <a:ea typeface="+mn-lt"/>
                 <a:cs typeface="+mn-lt"/>
               </a:rPr>
-              <a:t>Obtaining representative data to train an artificial intelligence model is essential. The use of data augmentation techniques were </a:t>
-            </a:r>
-            <a:r>
-              <a:rPr lang="en-US" sz="3200" dirty="0" err="1">
-                <a:ea typeface="+mn-lt"/>
-                <a:cs typeface="+mn-lt"/>
-              </a:rPr>
-              <a:t>benefitial</a:t>
-            </a:r>
-            <a:r>
-              <a:rPr lang="en-US" sz="3200" dirty="0">
-                <a:ea typeface="+mn-lt"/>
-                <a:cs typeface="+mn-lt"/>
-              </a:rPr>
-              <a:t> to train the model.</a:t>
+              <a:t>Obtaining representative data to train an artificial intelligence model is essential. The use of data augmentation techniques were beneficial to train the model.</a:t>
             </a:r>
           </a:p>
         </p:txBody>
@@ -8006,7 +7896,7 @@
             <a:avLst/>
           </a:prstGeom>
           <a:blipFill dpi="0" rotWithShape="1">
-            <a:blip r:embed="rId16">
+            <a:blip r:embed="rId13">
               <a:extLst>
                 <a:ext uri="{28A0092B-C50C-407E-A947-70E740481C1C}">
                   <a14:useLocalDpi xmlns:a14="http://schemas.microsoft.com/office/drawing/2010/main" val="0"/>
@@ -8065,7 +7955,7 @@
             <a:avLst/>
           </a:prstGeom>
           <a:blipFill dpi="0" rotWithShape="1">
-            <a:blip r:embed="rId17">
+            <a:blip r:embed="rId14">
               <a:extLst>
                 <a:ext uri="{28A0092B-C50C-407E-A947-70E740481C1C}">
                   <a14:useLocalDpi xmlns:a14="http://schemas.microsoft.com/office/drawing/2010/main" val="0"/>
@@ -8124,7 +8014,7 @@
             <a:avLst/>
           </a:prstGeom>
           <a:blipFill dpi="0" rotWithShape="1">
-            <a:blip r:embed="rId18">
+            <a:blip r:embed="rId15">
               <a:extLst>
                 <a:ext uri="{28A0092B-C50C-407E-A947-70E740481C1C}">
                   <a14:useLocalDpi xmlns:a14="http://schemas.microsoft.com/office/drawing/2010/main" val="0"/>
@@ -8157,6 +8047,155 @@
           <a:p>
             <a:pPr algn="ctr"/>
             <a:endParaRPr lang="es-EC" sz="1867"/>
+          </a:p>
+        </p:txBody>
+      </p:sp>
+      <p:pic>
+        <p:nvPicPr>
+          <p:cNvPr id="22" name="Picture 21" descr="A diagram of a presentation&#10;&#10;Description automatically generated">
+            <a:extLst>
+              <a:ext uri="{FF2B5EF4-FFF2-40B4-BE49-F238E27FC236}">
+                <a16:creationId xmlns:a16="http://schemas.microsoft.com/office/drawing/2014/main" id="{EECAF04C-8FE3-6530-E6B3-10825D930834}"/>
+              </a:ext>
+            </a:extLst>
+          </p:cNvPr>
+          <p:cNvPicPr>
+            <a:picLocks noChangeAspect="1"/>
+          </p:cNvPicPr>
+          <p:nvPr/>
+        </p:nvPicPr>
+        <p:blipFill>
+          <a:blip r:embed="rId16">
+            <a:extLst>
+              <a:ext uri="{28A0092B-C50C-407E-A947-70E740481C1C}">
+                <a14:useLocalDpi xmlns:a14="http://schemas.microsoft.com/office/drawing/2010/main" val="0"/>
+              </a:ext>
+            </a:extLst>
+          </a:blip>
+          <a:stretch>
+            <a:fillRect/>
+          </a:stretch>
+        </p:blipFill>
+        <p:spPr>
+          <a:xfrm>
+            <a:off x="2597893" y="20220069"/>
+            <a:ext cx="11314112" cy="3972418"/>
+          </a:xfrm>
+          <a:prstGeom prst="rect">
+            <a:avLst/>
+          </a:prstGeom>
+        </p:spPr>
+      </p:pic>
+      <p:pic>
+        <p:nvPicPr>
+          <p:cNvPr id="25" name="Picture 24" descr="A diagram of a machine&#10;&#10;Description automatically generated">
+            <a:extLst>
+              <a:ext uri="{FF2B5EF4-FFF2-40B4-BE49-F238E27FC236}">
+                <a16:creationId xmlns:a16="http://schemas.microsoft.com/office/drawing/2014/main" id="{99B1399C-D6FB-5F0B-5C67-4F4BBF0448EF}"/>
+              </a:ext>
+            </a:extLst>
+          </p:cNvPr>
+          <p:cNvPicPr>
+            <a:picLocks noChangeAspect="1"/>
+          </p:cNvPicPr>
+          <p:nvPr/>
+        </p:nvPicPr>
+        <p:blipFill>
+          <a:blip r:embed="rId17">
+            <a:extLst>
+              <a:ext uri="{28A0092B-C50C-407E-A947-70E740481C1C}">
+                <a14:useLocalDpi xmlns:a14="http://schemas.microsoft.com/office/drawing/2010/main" val="0"/>
+              </a:ext>
+            </a:extLst>
+          </a:blip>
+          <a:stretch>
+            <a:fillRect/>
+          </a:stretch>
+        </p:blipFill>
+        <p:spPr>
+          <a:xfrm>
+            <a:off x="17723722" y="5625418"/>
+            <a:ext cx="13095181" cy="4755737"/>
+          </a:xfrm>
+          <a:prstGeom prst="rect">
+            <a:avLst/>
+          </a:prstGeom>
+        </p:spPr>
+      </p:pic>
+      <p:pic>
+        <p:nvPicPr>
+          <p:cNvPr id="30" name="Picture 29" descr="A diagram of a software server&#10;&#10;Description automatically generated">
+            <a:extLst>
+              <a:ext uri="{FF2B5EF4-FFF2-40B4-BE49-F238E27FC236}">
+                <a16:creationId xmlns:a16="http://schemas.microsoft.com/office/drawing/2014/main" id="{A770FEB6-BF52-EE1A-ACDD-5298E47E9ADC}"/>
+              </a:ext>
+            </a:extLst>
+          </p:cNvPr>
+          <p:cNvPicPr>
+            <a:picLocks noChangeAspect="1"/>
+          </p:cNvPicPr>
+          <p:nvPr/>
+        </p:nvPicPr>
+        <p:blipFill>
+          <a:blip r:embed="rId18">
+            <a:extLst>
+              <a:ext uri="{28A0092B-C50C-407E-A947-70E740481C1C}">
+                <a14:useLocalDpi xmlns:a14="http://schemas.microsoft.com/office/drawing/2010/main" val="0"/>
+              </a:ext>
+            </a:extLst>
+          </a:blip>
+          <a:stretch>
+            <a:fillRect/>
+          </a:stretch>
+        </p:blipFill>
+        <p:spPr>
+          <a:xfrm>
+            <a:off x="4653494" y="13338734"/>
+            <a:ext cx="7405156" cy="4661281"/>
+          </a:xfrm>
+          <a:prstGeom prst="rect">
+            <a:avLst/>
+          </a:prstGeom>
+        </p:spPr>
+      </p:pic>
+      <p:sp>
+        <p:nvSpPr>
+          <p:cNvPr id="31" name="TextBox 30">
+            <a:extLst>
+              <a:ext uri="{FF2B5EF4-FFF2-40B4-BE49-F238E27FC236}">
+                <a16:creationId xmlns:a16="http://schemas.microsoft.com/office/drawing/2014/main" id="{9FA5E27D-F5D9-4166-E49A-0B6AD416D1C2}"/>
+              </a:ext>
+            </a:extLst>
+          </p:cNvPr>
+          <p:cNvSpPr txBox="1"/>
+          <p:nvPr/>
+        </p:nvSpPr>
+        <p:spPr>
+          <a:xfrm>
+            <a:off x="19298773" y="13750415"/>
+            <a:ext cx="3028950" cy="584775"/>
+          </a:xfrm>
+          <a:prstGeom prst="rect">
+            <a:avLst/>
+          </a:prstGeom>
+          <a:solidFill>
+            <a:schemeClr val="bg1"/>
+          </a:solidFill>
+        </p:spPr>
+        <p:txBody>
+          <a:bodyPr wrap="square" rtlCol="0">
+            <a:spAutoFit/>
+          </a:bodyPr>
+          <a:lstStyle/>
+          <a:p>
+            <a:pPr algn="ctr"/>
+            <a:r>
+              <a:rPr lang="en-US" sz="3200" b="1" dirty="0">
+                <a:latin typeface="Inter"/>
+              </a:rPr>
+              <a:t>Mistake made</a:t>
+            </a:r>
+            <a:endParaRPr lang="en-US" sz="3200" dirty="0"/>
           </a:p>
         </p:txBody>
       </p:sp>
@@ -8443,6 +8482,15 @@
 </file>
 
 <file path=customXml/item2.xml><?xml version="1.0" encoding="utf-8"?>
+<?mso-contentType ?>
+<FormTemplates xmlns="http://schemas.microsoft.com/sharepoint/v3/contenttype/forms">
+  <Display>DocumentLibraryForm</Display>
+  <Edit>DocumentLibraryForm</Edit>
+  <New>DocumentLibraryForm</New>
+</FormTemplates>
+</file>
+
+<file path=customXml/item3.xml><?xml version="1.0" encoding="utf-8"?>
 <ct:contentTypeSchema xmlns:ct="http://schemas.microsoft.com/office/2006/metadata/contentType" xmlns:ma="http://schemas.microsoft.com/office/2006/metadata/properties/metaAttributes" ct:_="" ma:_="" ma:contentTypeName="Document" ma:contentTypeID="0x0101005607B7EB9064FA4898B578FABE8FD918" ma:contentTypeVersion="16" ma:contentTypeDescription="Create a new document." ma:contentTypeScope="" ma:versionID="56d91f5f361719270891a2c0e8fd174b">
   <xsd:schema xmlns:xsd="http://www.w3.org/2001/XMLSchema" xmlns:xs="http://www.w3.org/2001/XMLSchema" xmlns:p="http://schemas.microsoft.com/office/2006/metadata/properties" xmlns:ns3="8b5aa52d-55c6-460f-b140-7d1036289c34" xmlns:ns4="a7a475fa-823d-4b6d-a5c9-7ed2d4452183" targetNamespace="http://schemas.microsoft.com/office/2006/metadata/properties" ma:root="true" ma:fieldsID="0e5a20e0752b682dcd58fb649d4a297c" ns3:_="" ns4:_="">
     <xsd:import namespace="8b5aa52d-55c6-460f-b140-7d1036289c34"/>
@@ -8683,33 +8731,32 @@
 </ct:contentTypeSchema>
 </file>
 
-<file path=customXml/item3.xml><?xml version="1.0" encoding="utf-8"?>
-<?mso-contentType ?>
-<FormTemplates xmlns="http://schemas.microsoft.com/sharepoint/v3/contenttype/forms">
-  <Display>DocumentLibraryForm</Display>
-  <Edit>DocumentLibraryForm</Edit>
-  <New>DocumentLibraryForm</New>
-</FormTemplates>
-</file>
-
 <file path=customXml/itemProps1.xml><?xml version="1.0" encoding="utf-8"?>
 <ds:datastoreItem xmlns:ds="http://schemas.openxmlformats.org/officeDocument/2006/customXml" ds:itemID="{4CC2EA12-2FBF-44D3-A23A-46F0D23AD439}">
   <ds:schemaRefs>
+    <ds:schemaRef ds:uri="http://purl.org/dc/terms/"/>
+    <ds:schemaRef ds:uri="http://schemas.microsoft.com/office/2006/metadata/properties"/>
+    <ds:schemaRef ds:uri="http://purl.org/dc/dcmitype/"/>
+    <ds:schemaRef ds:uri="http://www.w3.org/XML/1998/namespace"/>
     <ds:schemaRef ds:uri="http://purl.org/dc/elements/1.1/"/>
+    <ds:schemaRef ds:uri="a7a475fa-823d-4b6d-a5c9-7ed2d4452183"/>
+    <ds:schemaRef ds:uri="http://schemas.microsoft.com/office/2006/documentManagement/types"/>
     <ds:schemaRef ds:uri="http://schemas.microsoft.com/office/infopath/2007/PartnerControls"/>
     <ds:schemaRef ds:uri="http://schemas.openxmlformats.org/package/2006/metadata/core-properties"/>
-    <ds:schemaRef ds:uri="http://schemas.microsoft.com/office/2006/metadata/properties"/>
-    <ds:schemaRef ds:uri="http://purl.org/dc/terms/"/>
     <ds:schemaRef ds:uri="8b5aa52d-55c6-460f-b140-7d1036289c34"/>
-    <ds:schemaRef ds:uri="http://schemas.microsoft.com/office/2006/documentManagement/types"/>
-    <ds:schemaRef ds:uri="a7a475fa-823d-4b6d-a5c9-7ed2d4452183"/>
-    <ds:schemaRef ds:uri="http://www.w3.org/XML/1998/namespace"/>
-    <ds:schemaRef ds:uri="http://purl.org/dc/dcmitype/"/>
   </ds:schemaRefs>
 </ds:datastoreItem>
 </file>
 
 <file path=customXml/itemProps2.xml><?xml version="1.0" encoding="utf-8"?>
+<ds:datastoreItem xmlns:ds="http://schemas.openxmlformats.org/officeDocument/2006/customXml" ds:itemID="{92EFAD2A-D7B7-489C-B42D-5915B3A4998D}">
+  <ds:schemaRefs>
+    <ds:schemaRef ds:uri="http://schemas.microsoft.com/sharepoint/v3/contenttype/forms"/>
+  </ds:schemaRefs>
+</ds:datastoreItem>
+</file>
+
+<file path=customXml/itemProps3.xml><?xml version="1.0" encoding="utf-8"?>
 <ds:datastoreItem xmlns:ds="http://schemas.openxmlformats.org/officeDocument/2006/customXml" ds:itemID="{3C36E779-9115-4C7F-AFBC-2B265042B047}">
   <ds:schemaRefs>
     <ds:schemaRef ds:uri="8b5aa52d-55c6-460f-b140-7d1036289c34"/>
@@ -8726,12 +8773,4 @@
     <ds:schemaRef ds:uri="http://www.w3.org/2001/XMLSchema"/>
   </ds:schemaRefs>
 </ds:datastoreItem>
-</file>
-
-<file path=customXml/itemProps3.xml><?xml version="1.0" encoding="utf-8"?>
-<ds:datastoreItem xmlns:ds="http://schemas.openxmlformats.org/officeDocument/2006/customXml" ds:itemID="{92EFAD2A-D7B7-489C-B42D-5915B3A4998D}">
-  <ds:schemaRefs>
-    <ds:schemaRef ds:uri="http://schemas.microsoft.com/sharepoint/v3/contenttype/forms"/>
-  </ds:schemaRefs>
-</ds:datastoreItem>
 </file>
--- a/Documents/Poster Capstone_Hiriart Corales Samaniego.pptx
+++ b/Documents/Poster Capstone_Hiriart Corales Samaniego.pptx
@@ -255,7 +255,7 @@
           <a:p>
             <a:fld id="{12C71A99-0B13-4396-9EE6-7D91949CF6D1}" type="datetimeFigureOut">
               <a:rPr lang="es-EC" smtClean="0"/>
-              <a:t>21/7/2023</a:t>
+              <a:t>23/7/2023</a:t>
             </a:fld>
             <a:endParaRPr lang="es-EC"/>
           </a:p>
@@ -425,7 +425,7 @@
           <a:p>
             <a:fld id="{12C71A99-0B13-4396-9EE6-7D91949CF6D1}" type="datetimeFigureOut">
               <a:rPr lang="es-EC" smtClean="0"/>
-              <a:t>21/7/2023</a:t>
+              <a:t>23/7/2023</a:t>
             </a:fld>
             <a:endParaRPr lang="es-EC"/>
           </a:p>
@@ -605,7 +605,7 @@
           <a:p>
             <a:fld id="{12C71A99-0B13-4396-9EE6-7D91949CF6D1}" type="datetimeFigureOut">
               <a:rPr lang="es-EC" smtClean="0"/>
-              <a:t>21/7/2023</a:t>
+              <a:t>23/7/2023</a:t>
             </a:fld>
             <a:endParaRPr lang="es-EC"/>
           </a:p>
@@ -775,7 +775,7 @@
           <a:p>
             <a:fld id="{12C71A99-0B13-4396-9EE6-7D91949CF6D1}" type="datetimeFigureOut">
               <a:rPr lang="es-EC" smtClean="0"/>
-              <a:t>21/7/2023</a:t>
+              <a:t>23/7/2023</a:t>
             </a:fld>
             <a:endParaRPr lang="es-EC"/>
           </a:p>
@@ -1021,7 +1021,7 @@
           <a:p>
             <a:fld id="{12C71A99-0B13-4396-9EE6-7D91949CF6D1}" type="datetimeFigureOut">
               <a:rPr lang="es-EC" smtClean="0"/>
-              <a:t>21/7/2023</a:t>
+              <a:t>23/7/2023</a:t>
             </a:fld>
             <a:endParaRPr lang="es-EC"/>
           </a:p>
@@ -1253,7 +1253,7 @@
           <a:p>
             <a:fld id="{12C71A99-0B13-4396-9EE6-7D91949CF6D1}" type="datetimeFigureOut">
               <a:rPr lang="es-EC" smtClean="0"/>
-              <a:t>21/7/2023</a:t>
+              <a:t>23/7/2023</a:t>
             </a:fld>
             <a:endParaRPr lang="es-EC"/>
           </a:p>
@@ -1620,7 +1620,7 @@
           <a:p>
             <a:fld id="{12C71A99-0B13-4396-9EE6-7D91949CF6D1}" type="datetimeFigureOut">
               <a:rPr lang="es-EC" smtClean="0"/>
-              <a:t>21/7/2023</a:t>
+              <a:t>23/7/2023</a:t>
             </a:fld>
             <a:endParaRPr lang="es-EC"/>
           </a:p>
@@ -1738,7 +1738,7 @@
           <a:p>
             <a:fld id="{12C71A99-0B13-4396-9EE6-7D91949CF6D1}" type="datetimeFigureOut">
               <a:rPr lang="es-EC" smtClean="0"/>
-              <a:t>21/7/2023</a:t>
+              <a:t>23/7/2023</a:t>
             </a:fld>
             <a:endParaRPr lang="es-EC"/>
           </a:p>
@@ -1833,7 +1833,7 @@
           <a:p>
             <a:fld id="{12C71A99-0B13-4396-9EE6-7D91949CF6D1}" type="datetimeFigureOut">
               <a:rPr lang="es-EC" smtClean="0"/>
-              <a:t>21/7/2023</a:t>
+              <a:t>23/7/2023</a:t>
             </a:fld>
             <a:endParaRPr lang="es-EC"/>
           </a:p>
@@ -2110,7 +2110,7 @@
           <a:p>
             <a:fld id="{12C71A99-0B13-4396-9EE6-7D91949CF6D1}" type="datetimeFigureOut">
               <a:rPr lang="es-EC" smtClean="0"/>
-              <a:t>21/7/2023</a:t>
+              <a:t>23/7/2023</a:t>
             </a:fld>
             <a:endParaRPr lang="es-EC"/>
           </a:p>
@@ -2367,7 +2367,7 @@
           <a:p>
             <a:fld id="{12C71A99-0B13-4396-9EE6-7D91949CF6D1}" type="datetimeFigureOut">
               <a:rPr lang="es-EC" smtClean="0"/>
-              <a:t>21/7/2023</a:t>
+              <a:t>23/7/2023</a:t>
             </a:fld>
             <a:endParaRPr lang="es-EC"/>
           </a:p>
@@ -2580,7 +2580,7 @@
           <a:p>
             <a:fld id="{12C71A99-0B13-4396-9EE6-7D91949CF6D1}" type="datetimeFigureOut">
               <a:rPr lang="es-EC" smtClean="0"/>
-              <a:t>21/7/2023</a:t>
+              <a:t>23/7/2023</a:t>
             </a:fld>
             <a:endParaRPr lang="es-EC"/>
           </a:p>
@@ -3464,8 +3464,8 @@
         </p:nvSpPr>
         <p:spPr>
           <a:xfrm>
-            <a:off x="17308719" y="12156537"/>
-            <a:ext cx="13860000" cy="1531182"/>
+            <a:off x="17308719" y="10709136"/>
+            <a:ext cx="4704018" cy="4485837"/>
           </a:xfrm>
           <a:prstGeom prst="rect">
             <a:avLst/>
@@ -3483,12 +3483,12 @@
           <a:p>
             <a:pPr algn="just"/>
             <a:r>
-              <a:rPr lang="es-EC" sz="3200">
+              <a:rPr lang="es-EC" sz="3200" dirty="0">
                 <a:cs typeface="Calibri"/>
               </a:rPr>
               <a:t>La aplicación web implementada permite a los entrenadores gestionar datos de entrenamiento, los deportistas cuentan con herramientas para asistir su formación y recibir retroalimentación sobre su desempeño.</a:t>
             </a:r>
-            <a:endParaRPr lang="es-ES" sz="3200">
+            <a:endParaRPr lang="es-ES" sz="3200" dirty="0">
               <a:cs typeface="Calibri"/>
             </a:endParaRPr>
           </a:p>
@@ -3890,7 +3890,7 @@
           <a:p>
             <a:pPr algn="just"/>
             <a:r>
-              <a:rPr lang="es-ES" sz="3200">
+              <a:rPr lang="es-ES" sz="3200" dirty="0">
                 <a:solidFill>
                   <a:srgbClr val="000000"/>
                 </a:solidFill>
@@ -3902,7 +3902,7 @@
           </a:p>
           <a:p>
             <a:pPr algn="just"/>
-            <a:endParaRPr lang="es-ES" sz="3200">
+            <a:endParaRPr lang="es-ES" sz="3200" dirty="0">
               <a:solidFill>
                 <a:srgbClr val="000000"/>
               </a:solidFill>
@@ -3913,7 +3913,7 @@
           <a:p>
             <a:pPr algn="just"/>
             <a:r>
-              <a:rPr lang="es-ES" sz="3200">
+              <a:rPr lang="es-ES" sz="3200" dirty="0">
                 <a:solidFill>
                   <a:srgbClr val="000000"/>
                 </a:solidFill>
@@ -3958,7 +3958,7 @@
               <a:buChar char="•"/>
             </a:pPr>
             <a:r>
-              <a:rPr lang="es-ES" sz="3200">
+              <a:rPr lang="es-ES" sz="3200" dirty="0">
                 <a:solidFill>
                   <a:srgbClr val="000000"/>
                 </a:solidFill>
@@ -3968,7 +3968,7 @@
               <a:t>K. </a:t>
             </a:r>
             <a:r>
-              <a:rPr lang="es-ES" sz="3200" err="1">
+              <a:rPr lang="es-ES" sz="3200" dirty="0" err="1">
                 <a:solidFill>
                   <a:srgbClr val="000000"/>
                 </a:solidFill>
@@ -3978,7 +3978,7 @@
               <a:t>Apostolou</a:t>
             </a:r>
             <a:r>
-              <a:rPr lang="es-ES" sz="3200">
+              <a:rPr lang="es-ES" sz="3200" dirty="0">
                 <a:solidFill>
                   <a:srgbClr val="000000"/>
                 </a:solidFill>
@@ -3988,7 +3988,7 @@
               <a:t>, C. T. (2019). </a:t>
             </a:r>
             <a:r>
-              <a:rPr lang="es-ES" sz="3200" err="1">
+              <a:rPr lang="es-ES" sz="3200" dirty="0" err="1">
                 <a:solidFill>
                   <a:srgbClr val="000000"/>
                 </a:solidFill>
@@ -3998,7 +3998,7 @@
               <a:t>Sports</a:t>
             </a:r>
             <a:r>
-              <a:rPr lang="es-ES" sz="3200">
+              <a:rPr lang="es-ES" sz="3200" dirty="0">
                 <a:solidFill>
                   <a:srgbClr val="000000"/>
                 </a:solidFill>
@@ -4008,7 +4008,7 @@
               <a:t> </a:t>
             </a:r>
             <a:r>
-              <a:rPr lang="es-ES" sz="3200" err="1">
+              <a:rPr lang="es-ES" sz="3200" dirty="0" err="1">
                 <a:solidFill>
                   <a:srgbClr val="000000"/>
                 </a:solidFill>
@@ -4018,7 +4018,7 @@
               <a:t>Analytics</a:t>
             </a:r>
             <a:r>
-              <a:rPr lang="es-ES" sz="3200">
+              <a:rPr lang="es-ES" sz="3200" dirty="0">
                 <a:solidFill>
                   <a:srgbClr val="000000"/>
                 </a:solidFill>
@@ -4028,7 +4028,7 @@
               <a:t> </a:t>
             </a:r>
             <a:r>
-              <a:rPr lang="es-ES" sz="3200" err="1">
+              <a:rPr lang="es-ES" sz="3200" dirty="0" err="1">
                 <a:solidFill>
                   <a:srgbClr val="000000"/>
                 </a:solidFill>
@@ -4038,7 +4038,7 @@
               <a:t>algorithms</a:t>
             </a:r>
             <a:r>
-              <a:rPr lang="es-ES" sz="3200">
+              <a:rPr lang="es-ES" sz="3200" dirty="0">
                 <a:solidFill>
                   <a:srgbClr val="000000"/>
                 </a:solidFill>
@@ -4048,7 +4048,7 @@
               <a:t> </a:t>
             </a:r>
             <a:r>
-              <a:rPr lang="es-ES" sz="3200" err="1">
+              <a:rPr lang="es-ES" sz="3200" dirty="0" err="1">
                 <a:solidFill>
                   <a:srgbClr val="000000"/>
                 </a:solidFill>
@@ -4058,7 +4058,7 @@
               <a:t>for</a:t>
             </a:r>
             <a:r>
-              <a:rPr lang="es-ES" sz="3200">
+              <a:rPr lang="es-ES" sz="3200" dirty="0">
                 <a:solidFill>
                   <a:srgbClr val="000000"/>
                 </a:solidFill>
@@ -4068,7 +4068,7 @@
               <a:t> performance </a:t>
             </a:r>
             <a:r>
-              <a:rPr lang="es-ES" sz="3200" err="1">
+              <a:rPr lang="es-ES" sz="3200" dirty="0" err="1">
                 <a:solidFill>
                   <a:srgbClr val="000000"/>
                 </a:solidFill>
@@ -4078,7 +4078,7 @@
               <a:t>prediction</a:t>
             </a:r>
             <a:r>
-              <a:rPr lang="es-ES" sz="3200">
+              <a:rPr lang="es-ES" sz="3200" dirty="0">
                 <a:solidFill>
                   <a:srgbClr val="000000"/>
                 </a:solidFill>
@@ -4094,7 +4094,7 @@
               <a:buChar char="•"/>
             </a:pPr>
             <a:r>
-              <a:rPr lang="es-ES" sz="3200">
+              <a:rPr lang="es-ES" sz="3200" dirty="0">
                 <a:solidFill>
                   <a:srgbClr val="000000"/>
                 </a:solidFill>
@@ -4104,7 +4104,7 @@
               <a:t>Liu, Q. (2022). Aerobics </a:t>
             </a:r>
             <a:r>
-              <a:rPr lang="es-ES" sz="3200" err="1">
+              <a:rPr lang="es-ES" sz="3200" dirty="0" err="1">
                 <a:solidFill>
                   <a:srgbClr val="000000"/>
                 </a:solidFill>
@@ -4114,7 +4114,7 @@
               <a:t>posture</a:t>
             </a:r>
             <a:r>
-              <a:rPr lang="es-ES" sz="3200">
+              <a:rPr lang="es-ES" sz="3200" dirty="0">
                 <a:solidFill>
                   <a:srgbClr val="000000"/>
                 </a:solidFill>
@@ -4124,7 +4124,7 @@
               <a:t> </a:t>
             </a:r>
             <a:r>
-              <a:rPr lang="es-ES" sz="3200" err="1">
+              <a:rPr lang="es-ES" sz="3200" dirty="0" err="1">
                 <a:solidFill>
                   <a:srgbClr val="000000"/>
                 </a:solidFill>
@@ -4134,7 +4134,7 @@
               <a:t>recognition</a:t>
             </a:r>
             <a:r>
-              <a:rPr lang="es-ES" sz="3200">
+              <a:rPr lang="es-ES" sz="3200" dirty="0">
                 <a:solidFill>
                   <a:srgbClr val="000000"/>
                 </a:solidFill>
@@ -4144,7 +4144,7 @@
               <a:t> </a:t>
             </a:r>
             <a:r>
-              <a:rPr lang="es-ES" sz="3200" err="1">
+              <a:rPr lang="es-ES" sz="3200" dirty="0" err="1">
                 <a:solidFill>
                   <a:srgbClr val="000000"/>
                 </a:solidFill>
@@ -4154,7 +4154,7 @@
               <a:t>based</a:t>
             </a:r>
             <a:r>
-              <a:rPr lang="es-ES" sz="3200">
+              <a:rPr lang="es-ES" sz="3200" dirty="0">
                 <a:solidFill>
                   <a:srgbClr val="000000"/>
                 </a:solidFill>
@@ -4164,7 +4164,7 @@
               <a:t> </a:t>
             </a:r>
             <a:r>
-              <a:rPr lang="es-ES" sz="3200" err="1">
+              <a:rPr lang="es-ES" sz="3200" dirty="0" err="1">
                 <a:solidFill>
                   <a:srgbClr val="000000"/>
                 </a:solidFill>
@@ -4174,7 +4174,7 @@
               <a:t>on</a:t>
             </a:r>
             <a:r>
-              <a:rPr lang="es-ES" sz="3200">
+              <a:rPr lang="es-ES" sz="3200" dirty="0">
                 <a:solidFill>
                   <a:srgbClr val="000000"/>
                 </a:solidFill>
@@ -4184,7 +4184,7 @@
               <a:t> neural </a:t>
             </a:r>
             <a:r>
-              <a:rPr lang="es-ES" sz="3200" err="1">
+              <a:rPr lang="es-ES" sz="3200" dirty="0" err="1">
                 <a:solidFill>
                   <a:srgbClr val="000000"/>
                 </a:solidFill>
@@ -4194,7 +4194,7 @@
               <a:t>network</a:t>
             </a:r>
             <a:r>
-              <a:rPr lang="es-ES" sz="3200">
+              <a:rPr lang="es-ES" sz="3200" dirty="0">
                 <a:solidFill>
                   <a:srgbClr val="000000"/>
                 </a:solidFill>
@@ -4204,7 +4204,7 @@
               <a:t> and </a:t>
             </a:r>
             <a:r>
-              <a:rPr lang="es-ES" sz="3200" err="1">
+              <a:rPr lang="es-ES" sz="3200" dirty="0" err="1">
                 <a:solidFill>
                   <a:srgbClr val="000000"/>
                 </a:solidFill>
@@ -4214,7 +4214,7 @@
               <a:t>sensors</a:t>
             </a:r>
             <a:r>
-              <a:rPr lang="es-ES" sz="3200">
+              <a:rPr lang="es-ES" sz="3200" dirty="0">
                 <a:solidFill>
                   <a:srgbClr val="000000"/>
                 </a:solidFill>
@@ -4230,7 +4230,7 @@
               <a:buChar char="•"/>
             </a:pPr>
             <a:r>
-              <a:rPr lang="es-ES" sz="3200">
+              <a:rPr lang="es-ES" sz="3200" dirty="0">
                 <a:solidFill>
                   <a:srgbClr val="000000"/>
                 </a:solidFill>
@@ -4246,25 +4246,25 @@
               <a:buChar char="•"/>
             </a:pPr>
             <a:r>
-              <a:rPr lang="es-ES" sz="3200" err="1">
+              <a:rPr lang="es-ES" sz="3200" dirty="0" err="1">
                 <a:cs typeface="Calibri"/>
               </a:rPr>
               <a:t>TensorFlow</a:t>
             </a:r>
             <a:r>
-              <a:rPr lang="es-ES" sz="3200">
+              <a:rPr lang="es-ES" sz="3200" dirty="0">
                 <a:cs typeface="Calibri"/>
               </a:rPr>
               <a:t>. (2023). Data </a:t>
             </a:r>
             <a:r>
-              <a:rPr lang="es-ES" sz="3200" err="1">
+              <a:rPr lang="es-ES" sz="3200" dirty="0" err="1">
                 <a:cs typeface="Calibri"/>
               </a:rPr>
               <a:t>augmentation</a:t>
             </a:r>
             <a:r>
-              <a:rPr lang="es-ES" sz="3200">
+              <a:rPr lang="es-ES" sz="3200" dirty="0">
                 <a:cs typeface="Calibri"/>
               </a:rPr>
               <a:t>.</a:t>
@@ -4518,7 +4518,7 @@
         </p:nvGrpSpPr>
         <p:grpSpPr>
           <a:xfrm>
-            <a:off x="16066024" y="10947093"/>
+            <a:off x="16066024" y="9294139"/>
             <a:ext cx="15102694" cy="1091156"/>
             <a:chOff x="13518763" y="3370645"/>
             <a:chExt cx="15102694" cy="1091156"/>
@@ -5203,8 +5203,8 @@
         </p:blipFill>
         <p:spPr>
           <a:xfrm>
-            <a:off x="24271313" y="18586184"/>
-            <a:ext cx="6897405" cy="5405058"/>
+            <a:off x="25418737" y="19485348"/>
+            <a:ext cx="5749981" cy="4505894"/>
           </a:xfrm>
           <a:prstGeom prst="rect">
             <a:avLst/>
@@ -5225,8 +5225,8 @@
         </p:nvSpPr>
         <p:spPr>
           <a:xfrm>
-            <a:off x="24689209" y="14833781"/>
-            <a:ext cx="6403745" cy="3008510"/>
+            <a:off x="23475553" y="16667409"/>
+            <a:ext cx="7579633" cy="2516067"/>
           </a:xfrm>
           <a:prstGeom prst="rect">
             <a:avLst/>
@@ -5244,18 +5244,18 @@
           <a:p>
             <a:pPr algn="just"/>
             <a:r>
-              <a:rPr lang="en-US" sz="3200">
+              <a:rPr lang="en-US" sz="3200" dirty="0">
                 <a:cs typeface="Calibri"/>
               </a:rPr>
               <a:t>E</a:t>
             </a:r>
             <a:r>
-              <a:rPr lang="es-EC" sz="3200">
+              <a:rPr lang="es-EC" sz="3200" dirty="0">
                 <a:cs typeface="Calibri"/>
               </a:rPr>
               <a:t>l módulo de inteligencia artificial integrado a la aplicación web permite a los esgrimistas tener retroalimentación pronta de su desempeño al entrenar independientemente.</a:t>
             </a:r>
-            <a:endParaRPr lang="es-ES" sz="3200">
+            <a:endParaRPr lang="es-ES" sz="3200" dirty="0">
               <a:ea typeface="Calibri" panose="020F0502020204030204"/>
               <a:cs typeface="Calibri"/>
             </a:endParaRPr>
@@ -5298,13 +5298,13 @@
               <a:buChar char="•"/>
             </a:pPr>
             <a:r>
-              <a:rPr lang="es-ES" sz="3200">
+              <a:rPr lang="es-ES" sz="3200" dirty="0">
                 <a:latin typeface="Calibri"/>
                 <a:cs typeface="Calibri"/>
               </a:rPr>
               <a:t>Máquina de puntaje, temporizador y penalizaciones que asista al árbitro en la gestión de datos durante combates. Debe adherirse a las reglamentaciones de esgrima aplicables para máquinas de  puntajes.</a:t>
             </a:r>
-            <a:endParaRPr lang="en-US"/>
+            <a:endParaRPr lang="en-US" dirty="0"/>
           </a:p>
         </p:txBody>
       </p:sp>
@@ -5400,8 +5400,8 @@
         </p:blipFill>
         <p:spPr>
           <a:xfrm>
-            <a:off x="17507612" y="13835352"/>
-            <a:ext cx="6611273" cy="7154273"/>
+            <a:off x="17308719" y="15263348"/>
+            <a:ext cx="5767022" cy="6240683"/>
           </a:xfrm>
           <a:prstGeom prst="rect">
             <a:avLst/>
@@ -5422,8 +5422,8 @@
         </p:nvSpPr>
         <p:spPr>
           <a:xfrm>
-            <a:off x="17602992" y="21471918"/>
-            <a:ext cx="6403745" cy="2023625"/>
+            <a:off x="17602992" y="21916656"/>
+            <a:ext cx="7579633" cy="2023625"/>
           </a:xfrm>
           <a:prstGeom prst="rect">
             <a:avLst/>
@@ -5441,12 +5441,12 @@
           <a:p>
             <a:pPr algn="just"/>
             <a:r>
-              <a:rPr lang="es-EC" sz="3200">
+              <a:rPr lang="es-EC" sz="3200" dirty="0">
                 <a:cs typeface="Calibri"/>
               </a:rPr>
               <a:t>Se creó una máquina de  puntaje, temporizador, y penalizaciones para asistir en la gestión de estos datos durante combates de entrenamiento</a:t>
             </a:r>
-            <a:endParaRPr lang="es-EC"/>
+            <a:endParaRPr lang="es-EC" dirty="0"/>
           </a:p>
         </p:txBody>
       </p:sp>
@@ -5478,8 +5478,8 @@
         </p:blipFill>
         <p:spPr>
           <a:xfrm>
-            <a:off x="17480070" y="5646203"/>
-            <a:ext cx="12665750" cy="4621582"/>
+            <a:off x="19327141" y="5373315"/>
+            <a:ext cx="9888343" cy="3608139"/>
           </a:xfrm>
           <a:prstGeom prst="rect">
             <a:avLst/>
@@ -5626,6 +5626,67 @@
           </a:prstGeom>
         </p:spPr>
       </p:pic>
+      <p:sp>
+        <p:nvSpPr>
+          <p:cNvPr id="2" name="Freeform 40">
+            <a:extLst>
+              <a:ext uri="{FF2B5EF4-FFF2-40B4-BE49-F238E27FC236}">
+                <a16:creationId xmlns:a16="http://schemas.microsoft.com/office/drawing/2014/main" id="{8060DC75-CD06-E1CC-2E06-676AB53D16CC}"/>
+              </a:ext>
+            </a:extLst>
+          </p:cNvPr>
+          <p:cNvSpPr>
+            <a:spLocks noChangeAspect="1"/>
+          </p:cNvSpPr>
+          <p:nvPr/>
+        </p:nvSpPr>
+        <p:spPr>
+          <a:xfrm>
+            <a:off x="22230756" y="10916086"/>
+            <a:ext cx="9081043" cy="4271578"/>
+          </a:xfrm>
+          <a:custGeom>
+            <a:avLst/>
+            <a:gdLst/>
+            <a:ahLst/>
+            <a:cxnLst/>
+            <a:rect l="l" t="t" r="r" b="b"/>
+            <a:pathLst>
+              <a:path w="5455767" h="2482864">
+                <a:moveTo>
+                  <a:pt x="0" y="0"/>
+                </a:moveTo>
+                <a:lnTo>
+                  <a:pt x="5455767" y="0"/>
+                </a:lnTo>
+                <a:lnTo>
+                  <a:pt x="5455767" y="2482864"/>
+                </a:lnTo>
+                <a:lnTo>
+                  <a:pt x="0" y="2482864"/>
+                </a:lnTo>
+                <a:lnTo>
+                  <a:pt x="0" y="0"/>
+                </a:lnTo>
+                <a:close/>
+              </a:path>
+            </a:pathLst>
+          </a:custGeom>
+          <a:blipFill>
+            <a:blip r:embed="rId19"/>
+            <a:stretch>
+              <a:fillRect l="-2436" t="-13847" r="-4997" b="-1234"/>
+            </a:stretch>
+          </a:blipFill>
+        </p:spPr>
+        <p:txBody>
+          <a:bodyPr/>
+          <a:lstStyle/>
+          <a:p>
+            <a:endParaRPr lang="es-EC" dirty="0"/>
+          </a:p>
+        </p:txBody>
+      </p:sp>
     </p:spTree>
     <p:extLst>
       <p:ext uri="{BB962C8B-B14F-4D97-AF65-F5344CB8AC3E}">
@@ -5758,7 +5819,7 @@
           <a:p>
             <a:pPr algn="ctr"/>
             <a:r>
-              <a:rPr lang="en-US" sz="5000" b="1">
+              <a:rPr lang="en-US" sz="5000" b="1" dirty="0">
                 <a:solidFill>
                   <a:schemeClr val="bg1"/>
                 </a:solidFill>
@@ -5768,7 +5829,7 @@
               <a:t>Web system for data and performance of trainings using artificial intelligence for </a:t>
             </a:r>
             <a:r>
-              <a:rPr lang="en-US" sz="5000" b="1" i="1">
+              <a:rPr lang="en-US" sz="5000" b="1" i="1" dirty="0">
                 <a:solidFill>
                   <a:schemeClr val="bg1"/>
                 </a:solidFill>
@@ -5778,7 +5839,7 @@
               <a:t>Academia de </a:t>
             </a:r>
             <a:r>
-              <a:rPr lang="en-US" sz="5000" b="1" i="1" err="1">
+              <a:rPr lang="en-US" sz="5000" b="1" i="1" dirty="0" err="1">
                 <a:solidFill>
                   <a:schemeClr val="bg1"/>
                 </a:solidFill>
@@ -5788,7 +5849,7 @@
               <a:t>Esgrima</a:t>
             </a:r>
             <a:r>
-              <a:rPr lang="en-US" sz="5000" b="1" i="1">
+              <a:rPr lang="en-US" sz="5000" b="1" i="1" dirty="0">
                 <a:solidFill>
                   <a:schemeClr val="bg1"/>
                 </a:solidFill>
@@ -5830,13 +5891,13 @@
           <a:p>
             <a:pPr algn="just"/>
             <a:r>
-              <a:rPr lang="en-US" sz="3200">
+              <a:rPr lang="en-US" sz="3200" dirty="0">
                 <a:ea typeface="+mn-lt"/>
                 <a:cs typeface="+mn-lt"/>
               </a:rPr>
               <a:t>The Academy handles athlete planning and performance data manually, the same happens with combat scoring data. Also, fencers do not always receive feedback when training individually as there is a limited number of trainers. The aim is to digitalize the training processes to solve these problems. </a:t>
             </a:r>
-            <a:endParaRPr lang="en-US" sz="3200">
+            <a:endParaRPr lang="en-US" sz="3200" dirty="0">
               <a:ea typeface="Calibri"/>
               <a:cs typeface="Calibri"/>
             </a:endParaRPr>
@@ -5922,41 +5983,41 @@
           <a:p>
             <a:pPr algn="just"/>
             <a:r>
-              <a:rPr lang="en-US" sz="3200">
+              <a:rPr lang="en-US" sz="3200" dirty="0">
                 <a:ea typeface="+mn-lt"/>
                 <a:cs typeface="+mn-lt"/>
               </a:rPr>
               <a:t>Develop a web application for </a:t>
             </a:r>
             <a:r>
-              <a:rPr lang="en-US" sz="3200" i="1">
+              <a:rPr lang="en-US" sz="3200" i="1" dirty="0">
                 <a:ea typeface="+mn-lt"/>
                 <a:cs typeface="+mn-lt"/>
               </a:rPr>
               <a:t>Academia de </a:t>
             </a:r>
             <a:r>
-              <a:rPr lang="en-US" sz="3200" i="1" err="1">
+              <a:rPr lang="en-US" sz="3200" i="1" dirty="0" err="1">
                 <a:ea typeface="+mn-lt"/>
                 <a:cs typeface="+mn-lt"/>
               </a:rPr>
               <a:t>Esgrima</a:t>
             </a:r>
             <a:r>
-              <a:rPr lang="en-US" sz="3200" i="1">
+              <a:rPr lang="en-US" sz="3200" i="1" dirty="0">
                 <a:ea typeface="+mn-lt"/>
                 <a:cs typeface="+mn-lt"/>
               </a:rPr>
               <a:t> ciudad de Quito</a:t>
             </a:r>
             <a:r>
-              <a:rPr lang="en-US" sz="3200">
+              <a:rPr lang="en-US" sz="3200" dirty="0">
                 <a:ea typeface="+mn-lt"/>
                 <a:cs typeface="+mn-lt"/>
               </a:rPr>
               <a:t>, which allows the management of training data, the application will be supported by artificial intelligence to detect possible errors in training, and a score keeping machine for combats.</a:t>
             </a:r>
-            <a:endParaRPr lang="en-US" sz="3200">
+            <a:endParaRPr lang="en-US" sz="3200" dirty="0">
               <a:ea typeface="Calibri"/>
               <a:cs typeface="Calibri"/>
             </a:endParaRPr>
@@ -6210,7 +6271,7 @@
         </p:nvGrpSpPr>
         <p:grpSpPr>
           <a:xfrm>
-            <a:off x="16066024" y="10947093"/>
+            <a:off x="16066024" y="9505154"/>
             <a:ext cx="15102694" cy="1091156"/>
             <a:chOff x="13518763" y="3370645"/>
             <a:chExt cx="15102694" cy="1091156"/>
@@ -6904,13 +6965,13 @@
               <a:buChar char="•"/>
             </a:pPr>
             <a:r>
-              <a:rPr lang="en-US" sz="3200">
+              <a:rPr lang="en-US" sz="3200" dirty="0">
                 <a:ea typeface="+mn-lt"/>
                 <a:cs typeface="+mn-lt"/>
               </a:rPr>
               <a:t>Artificial intelligence integrated into the web app, to detect potential errors when training individually. It was trained with data from real fencers and data augmentation techniques.</a:t>
             </a:r>
-            <a:endParaRPr lang="en-US"/>
+            <a:endParaRPr lang="en-US" dirty="0"/>
           </a:p>
         </p:txBody>
       </p:sp>
@@ -6977,8 +7038,8 @@
         </p:nvSpPr>
         <p:spPr>
           <a:xfrm>
-            <a:off x="17308719" y="12156537"/>
-            <a:ext cx="13860000" cy="1038740"/>
+            <a:off x="17308719" y="10784943"/>
+            <a:ext cx="4291600" cy="3993395"/>
           </a:xfrm>
           <a:prstGeom prst="rect">
             <a:avLst/>
@@ -7033,8 +7094,8 @@
         </p:blipFill>
         <p:spPr>
           <a:xfrm>
-            <a:off x="24271313" y="18586184"/>
-            <a:ext cx="6897405" cy="5405058"/>
+            <a:off x="25012439" y="19277795"/>
+            <a:ext cx="6059730" cy="4748625"/>
           </a:xfrm>
           <a:prstGeom prst="rect">
             <a:avLst/>
@@ -7055,8 +7116,8 @@
         </p:nvSpPr>
         <p:spPr>
           <a:xfrm>
-            <a:off x="24689209" y="14833781"/>
-            <a:ext cx="6403745" cy="2516067"/>
+            <a:off x="23793601" y="16463743"/>
+            <a:ext cx="7235513" cy="2516067"/>
           </a:xfrm>
           <a:prstGeom prst="rect">
             <a:avLst/>
@@ -7074,13 +7135,13 @@
           <a:p>
             <a:pPr algn="just"/>
             <a:r>
-              <a:rPr lang="en-US" sz="3200">
+              <a:rPr lang="en-US" sz="3200" dirty="0">
                 <a:ea typeface="+mn-lt"/>
                 <a:cs typeface="+mn-lt"/>
               </a:rPr>
               <a:t>The artificial intelligence module integrated into the web application allows fencers to have prompt feedback on their performance when training independently. </a:t>
             </a:r>
-            <a:endParaRPr lang="en-US"/>
+            <a:endParaRPr lang="en-US" dirty="0"/>
           </a:p>
         </p:txBody>
       </p:sp>
@@ -7112,8 +7173,8 @@
         </p:blipFill>
         <p:spPr>
           <a:xfrm>
-            <a:off x="17507612" y="13835352"/>
-            <a:ext cx="6611273" cy="7154273"/>
+            <a:off x="17485004" y="15275310"/>
+            <a:ext cx="5313295" cy="5749689"/>
           </a:xfrm>
           <a:prstGeom prst="rect">
             <a:avLst/>
@@ -7134,8 +7195,8 @@
         </p:nvSpPr>
         <p:spPr>
           <a:xfrm>
-            <a:off x="17602992" y="21452628"/>
-            <a:ext cx="6403745" cy="2023625"/>
+            <a:off x="17485004" y="21452628"/>
+            <a:ext cx="6569687" cy="2023625"/>
           </a:xfrm>
           <a:prstGeom prst="rect">
             <a:avLst/>
@@ -7153,13 +7214,13 @@
           <a:p>
             <a:pPr algn="just"/>
             <a:r>
-              <a:rPr lang="en-US" sz="3200">
+              <a:rPr lang="en-US" sz="3200" dirty="0">
                 <a:ea typeface="+mn-lt"/>
                 <a:cs typeface="+mn-lt"/>
               </a:rPr>
               <a:t>Created a machine to track scores, time, and penalties was created to assist in managing this data during matches.</a:t>
             </a:r>
-            <a:endParaRPr lang="en-US"/>
+            <a:endParaRPr lang="en-US" dirty="0"/>
           </a:p>
         </p:txBody>
       </p:sp>
@@ -7274,20 +7335,20 @@
           <a:p>
             <a:pPr algn="just"/>
             <a:r>
-              <a:rPr lang="en-US" sz="3200">
+              <a:rPr lang="en-US" sz="3200" dirty="0">
                 <a:ea typeface="+mn-lt"/>
                 <a:cs typeface="+mn-lt"/>
               </a:rPr>
               <a:t>Since fencers' personal data is handled in the web application, it must be safeguarded. The existing policies of the Academy for access permissions must be followed.</a:t>
             </a:r>
-            <a:endParaRPr lang="en-US">
+            <a:endParaRPr lang="en-US" dirty="0">
               <a:ea typeface="+mn-lt"/>
               <a:cs typeface="+mn-lt"/>
             </a:endParaRPr>
           </a:p>
           <a:p>
             <a:pPr algn="just"/>
-            <a:endParaRPr lang="en-US" sz="3200">
+            <a:endParaRPr lang="en-US" sz="3200" dirty="0">
               <a:solidFill>
                 <a:srgbClr val="000000"/>
               </a:solidFill>
@@ -7298,13 +7359,13 @@
           <a:p>
             <a:pPr algn="just"/>
             <a:r>
-              <a:rPr lang="en-US" sz="3200">
+              <a:rPr lang="en-US" sz="3200" dirty="0">
                 <a:ea typeface="+mn-lt"/>
                 <a:cs typeface="+mn-lt"/>
               </a:rPr>
               <a:t>It is important that the machine complies with all applicable rules of the sport. Otherwise, it could be preventing the normal practice of the sport and the adequate training of the fencers.</a:t>
             </a:r>
-            <a:endParaRPr lang="en-US" sz="3200">
+            <a:endParaRPr lang="en-US" sz="3200" dirty="0">
               <a:ea typeface="Calibri"/>
               <a:cs typeface="Calibri"/>
             </a:endParaRPr>
@@ -7344,7 +7405,7 @@
               <a:buChar char="•"/>
             </a:pPr>
             <a:r>
-              <a:rPr lang="en-US" sz="3200">
+              <a:rPr lang="en-US" sz="3200" dirty="0">
                 <a:solidFill>
                   <a:srgbClr val="000000"/>
                 </a:solidFill>
@@ -7354,7 +7415,7 @@
               <a:t>K. </a:t>
             </a:r>
             <a:r>
-              <a:rPr lang="en-US" sz="3200" err="1">
+              <a:rPr lang="en-US" sz="3200" dirty="0" err="1">
                 <a:solidFill>
                   <a:srgbClr val="000000"/>
                 </a:solidFill>
@@ -7364,7 +7425,7 @@
               <a:t>Apostolou</a:t>
             </a:r>
             <a:r>
-              <a:rPr lang="en-US" sz="3200">
+              <a:rPr lang="en-US" sz="3200" dirty="0">
                 <a:solidFill>
                   <a:srgbClr val="000000"/>
                 </a:solidFill>
@@ -7380,7 +7441,7 @@
               <a:buChar char="•"/>
             </a:pPr>
             <a:r>
-              <a:rPr lang="en-US" sz="3200">
+              <a:rPr lang="en-US" sz="3200" dirty="0">
                 <a:solidFill>
                   <a:srgbClr val="000000"/>
                 </a:solidFill>
@@ -7396,7 +7457,7 @@
               <a:buChar char="•"/>
             </a:pPr>
             <a:r>
-              <a:rPr lang="en-US" sz="3200">
+              <a:rPr lang="en-US" sz="3200" dirty="0">
                 <a:solidFill>
                   <a:srgbClr val="000000"/>
                 </a:solidFill>
@@ -7406,7 +7467,7 @@
               <a:t>Muñoz, B. (2021). Desarrollo y </a:t>
             </a:r>
             <a:r>
-              <a:rPr lang="en-US" sz="3200" err="1">
+              <a:rPr lang="en-US" sz="3200" dirty="0" err="1">
                 <a:solidFill>
                   <a:srgbClr val="000000"/>
                 </a:solidFill>
@@ -7416,7 +7477,7 @@
               <a:t>validación</a:t>
             </a:r>
             <a:r>
-              <a:rPr lang="en-US" sz="3200">
+              <a:rPr lang="en-US" sz="3200" dirty="0">
                 <a:solidFill>
                   <a:srgbClr val="000000"/>
                 </a:solidFill>
@@ -7426,7 +7487,7 @@
               <a:t> de un </a:t>
             </a:r>
             <a:r>
-              <a:rPr lang="en-US" sz="3200" err="1">
+              <a:rPr lang="en-US" sz="3200" dirty="0" err="1">
                 <a:solidFill>
                   <a:srgbClr val="000000"/>
                 </a:solidFill>
@@ -7436,7 +7497,7 @@
               <a:t>sistema</a:t>
             </a:r>
             <a:r>
-              <a:rPr lang="en-US" sz="3200">
+              <a:rPr lang="en-US" sz="3200" dirty="0">
                 <a:solidFill>
                   <a:srgbClr val="000000"/>
                 </a:solidFill>
@@ -7446,7 +7507,7 @@
               <a:t> sin </a:t>
             </a:r>
             <a:r>
-              <a:rPr lang="en-US" sz="3200" err="1">
+              <a:rPr lang="en-US" sz="3200" dirty="0" err="1">
                 <a:solidFill>
                   <a:srgbClr val="000000"/>
                 </a:solidFill>
@@ -7456,7 +7517,7 @@
               <a:t>marcadores</a:t>
             </a:r>
             <a:r>
-              <a:rPr lang="en-US" sz="3200">
+              <a:rPr lang="en-US" sz="3200" dirty="0">
                 <a:solidFill>
                   <a:srgbClr val="000000"/>
                 </a:solidFill>
@@ -7466,7 +7527,7 @@
               <a:t> para </a:t>
             </a:r>
             <a:r>
-              <a:rPr lang="en-US" sz="3200" err="1">
+              <a:rPr lang="en-US" sz="3200" dirty="0" err="1">
                 <a:solidFill>
                   <a:srgbClr val="000000"/>
                 </a:solidFill>
@@ -7476,7 +7537,7 @@
               <a:t>el</a:t>
             </a:r>
             <a:r>
-              <a:rPr lang="en-US" sz="3200">
+              <a:rPr lang="en-US" sz="3200" dirty="0">
                 <a:solidFill>
                   <a:srgbClr val="000000"/>
                 </a:solidFill>
@@ -7486,7 +7547,7 @@
               <a:t> </a:t>
             </a:r>
             <a:r>
-              <a:rPr lang="en-US" sz="3200" err="1">
+              <a:rPr lang="en-US" sz="3200" dirty="0" err="1">
                 <a:solidFill>
                   <a:srgbClr val="000000"/>
                 </a:solidFill>
@@ -7496,7 +7557,7 @@
               <a:t>análisis</a:t>
             </a:r>
             <a:r>
-              <a:rPr lang="en-US" sz="3200">
+              <a:rPr lang="en-US" sz="3200" dirty="0">
                 <a:solidFill>
                   <a:srgbClr val="000000"/>
                 </a:solidFill>
@@ -7506,7 +7567,7 @@
               <a:t> del </a:t>
             </a:r>
             <a:r>
-              <a:rPr lang="en-US" sz="3200" err="1">
+              <a:rPr lang="en-US" sz="3200" dirty="0" err="1">
                 <a:solidFill>
                   <a:srgbClr val="000000"/>
                 </a:solidFill>
@@ -7516,7 +7577,7 @@
               <a:t>movimiento</a:t>
             </a:r>
             <a:r>
-              <a:rPr lang="en-US" sz="3200">
+              <a:rPr lang="en-US" sz="3200" dirty="0">
                 <a:solidFill>
                   <a:srgbClr val="000000"/>
                 </a:solidFill>
@@ -7526,7 +7587,7 @@
               <a:t> </a:t>
             </a:r>
             <a:r>
-              <a:rPr lang="en-US" sz="3200" err="1">
+              <a:rPr lang="en-US" sz="3200" dirty="0" err="1">
                 <a:solidFill>
                   <a:srgbClr val="000000"/>
                 </a:solidFill>
@@ -7536,7 +7597,7 @@
               <a:t>humano</a:t>
             </a:r>
             <a:r>
-              <a:rPr lang="en-US" sz="3200">
+              <a:rPr lang="en-US" sz="3200" dirty="0">
                 <a:solidFill>
                   <a:srgbClr val="000000"/>
                 </a:solidFill>
@@ -7552,7 +7613,7 @@
               <a:buChar char="•"/>
             </a:pPr>
             <a:r>
-              <a:rPr lang="en-US" sz="3200">
+              <a:rPr lang="en-US" sz="3200" dirty="0">
                 <a:cs typeface="Calibri"/>
               </a:rPr>
               <a:t>TensorFlow. (2023). Data augmentation.</a:t>
@@ -8114,8 +8175,8 @@
         </p:blipFill>
         <p:spPr>
           <a:xfrm>
-            <a:off x="17723722" y="5625418"/>
-            <a:ext cx="13095181" cy="4755737"/>
+            <a:off x="18949417" y="5580868"/>
+            <a:ext cx="9714510" cy="3527989"/>
           </a:xfrm>
           <a:prstGeom prst="rect">
             <a:avLst/>
@@ -8172,8 +8233,8 @@
         </p:nvSpPr>
         <p:spPr>
           <a:xfrm>
-            <a:off x="19298773" y="13750415"/>
-            <a:ext cx="3028950" cy="584775"/>
+            <a:off x="18627176" y="15176250"/>
+            <a:ext cx="3028950" cy="523220"/>
           </a:xfrm>
           <a:prstGeom prst="rect">
             <a:avLst/>
@@ -8190,12 +8251,73 @@
           <a:p>
             <a:pPr algn="ctr"/>
             <a:r>
-              <a:rPr lang="en-US" sz="3200" b="1" dirty="0">
+              <a:rPr lang="en-US" sz="2800" b="1" dirty="0">
                 <a:latin typeface="Inter"/>
               </a:rPr>
               <a:t>Mistake made</a:t>
             </a:r>
-            <a:endParaRPr lang="en-US" sz="3200" dirty="0"/>
+            <a:endParaRPr lang="en-US" sz="2800" dirty="0"/>
+          </a:p>
+        </p:txBody>
+      </p:sp>
+      <p:sp>
+        <p:nvSpPr>
+          <p:cNvPr id="19" name="Freeform 40">
+            <a:extLst>
+              <a:ext uri="{FF2B5EF4-FFF2-40B4-BE49-F238E27FC236}">
+                <a16:creationId xmlns:a16="http://schemas.microsoft.com/office/drawing/2014/main" id="{3A5D591C-7674-077A-3385-7E0AAAC6E817}"/>
+              </a:ext>
+            </a:extLst>
+          </p:cNvPr>
+          <p:cNvSpPr>
+            <a:spLocks noChangeAspect="1"/>
+          </p:cNvSpPr>
+          <p:nvPr/>
+        </p:nvSpPr>
+        <p:spPr>
+          <a:xfrm>
+            <a:off x="22113034" y="11174048"/>
+            <a:ext cx="8979919" cy="4224011"/>
+          </a:xfrm>
+          <a:custGeom>
+            <a:avLst/>
+            <a:gdLst/>
+            <a:ahLst/>
+            <a:cxnLst/>
+            <a:rect l="l" t="t" r="r" b="b"/>
+            <a:pathLst>
+              <a:path w="5455767" h="2482864">
+                <a:moveTo>
+                  <a:pt x="0" y="0"/>
+                </a:moveTo>
+                <a:lnTo>
+                  <a:pt x="5455767" y="0"/>
+                </a:lnTo>
+                <a:lnTo>
+                  <a:pt x="5455767" y="2482864"/>
+                </a:lnTo>
+                <a:lnTo>
+                  <a:pt x="0" y="2482864"/>
+                </a:lnTo>
+                <a:lnTo>
+                  <a:pt x="0" y="0"/>
+                </a:lnTo>
+                <a:close/>
+              </a:path>
+            </a:pathLst>
+          </a:custGeom>
+          <a:blipFill>
+            <a:blip r:embed="rId19"/>
+            <a:stretch>
+              <a:fillRect l="-2436" t="-13847" r="-4997" b="-1234"/>
+            </a:stretch>
+          </a:blipFill>
+        </p:spPr>
+        <p:txBody>
+          <a:bodyPr/>
+          <a:lstStyle/>
+          <a:p>
+            <a:endParaRPr lang="es-EC" dirty="0"/>
           </a:p>
         </p:txBody>
       </p:sp>
@@ -8474,20 +8596,20 @@
 </file>
 
 <file path=customXml/item1.xml><?xml version="1.0" encoding="utf-8"?>
-<p:properties xmlns:p="http://schemas.microsoft.com/office/2006/metadata/properties" xmlns:xsi="http://www.w3.org/2001/XMLSchema-instance" xmlns:pc="http://schemas.microsoft.com/office/infopath/2007/PartnerControls">
-  <documentManagement>
-    <_activity xmlns="8b5aa52d-55c6-460f-b140-7d1036289c34" xsi:nil="true"/>
-  </documentManagement>
-</p:properties>
-</file>
-
-<file path=customXml/item2.xml><?xml version="1.0" encoding="utf-8"?>
 <?mso-contentType ?>
 <FormTemplates xmlns="http://schemas.microsoft.com/sharepoint/v3/contenttype/forms">
   <Display>DocumentLibraryForm</Display>
   <Edit>DocumentLibraryForm</Edit>
   <New>DocumentLibraryForm</New>
 </FormTemplates>
+</file>
+
+<file path=customXml/item2.xml><?xml version="1.0" encoding="utf-8"?>
+<p:properties xmlns:p="http://schemas.microsoft.com/office/2006/metadata/properties" xmlns:xsi="http://www.w3.org/2001/XMLSchema-instance" xmlns:pc="http://schemas.microsoft.com/office/infopath/2007/PartnerControls">
+  <documentManagement>
+    <_activity xmlns="8b5aa52d-55c6-460f-b140-7d1036289c34" xsi:nil="true"/>
+  </documentManagement>
+</p:properties>
 </file>
 
 <file path=customXml/item3.xml><?xml version="1.0" encoding="utf-8"?>
@@ -8732,26 +8854,26 @@
 </file>
 
 <file path=customXml/itemProps1.xml><?xml version="1.0" encoding="utf-8"?>
-<ds:datastoreItem xmlns:ds="http://schemas.openxmlformats.org/officeDocument/2006/customXml" ds:itemID="{4CC2EA12-2FBF-44D3-A23A-46F0D23AD439}">
+<ds:datastoreItem xmlns:ds="http://schemas.openxmlformats.org/officeDocument/2006/customXml" ds:itemID="{92EFAD2A-D7B7-489C-B42D-5915B3A4998D}">
   <ds:schemaRefs>
-    <ds:schemaRef ds:uri="http://purl.org/dc/terms/"/>
-    <ds:schemaRef ds:uri="http://schemas.microsoft.com/office/2006/metadata/properties"/>
-    <ds:schemaRef ds:uri="http://purl.org/dc/dcmitype/"/>
-    <ds:schemaRef ds:uri="http://www.w3.org/XML/1998/namespace"/>
-    <ds:schemaRef ds:uri="http://purl.org/dc/elements/1.1/"/>
-    <ds:schemaRef ds:uri="a7a475fa-823d-4b6d-a5c9-7ed2d4452183"/>
-    <ds:schemaRef ds:uri="http://schemas.microsoft.com/office/2006/documentManagement/types"/>
-    <ds:schemaRef ds:uri="http://schemas.microsoft.com/office/infopath/2007/PartnerControls"/>
-    <ds:schemaRef ds:uri="http://schemas.openxmlformats.org/package/2006/metadata/core-properties"/>
-    <ds:schemaRef ds:uri="8b5aa52d-55c6-460f-b140-7d1036289c34"/>
+    <ds:schemaRef ds:uri="http://schemas.microsoft.com/sharepoint/v3/contenttype/forms"/>
   </ds:schemaRefs>
 </ds:datastoreItem>
 </file>
 
 <file path=customXml/itemProps2.xml><?xml version="1.0" encoding="utf-8"?>
-<ds:datastoreItem xmlns:ds="http://schemas.openxmlformats.org/officeDocument/2006/customXml" ds:itemID="{92EFAD2A-D7B7-489C-B42D-5915B3A4998D}">
+<ds:datastoreItem xmlns:ds="http://schemas.openxmlformats.org/officeDocument/2006/customXml" ds:itemID="{4CC2EA12-2FBF-44D3-A23A-46F0D23AD439}">
   <ds:schemaRefs>
-    <ds:schemaRef ds:uri="http://schemas.microsoft.com/sharepoint/v3/contenttype/forms"/>
+    <ds:schemaRef ds:uri="8b5aa52d-55c6-460f-b140-7d1036289c34"/>
+    <ds:schemaRef ds:uri="http://schemas.openxmlformats.org/package/2006/metadata/core-properties"/>
+    <ds:schemaRef ds:uri="http://purl.org/dc/elements/1.1/"/>
+    <ds:schemaRef ds:uri="http://purl.org/dc/terms/"/>
+    <ds:schemaRef ds:uri="http://schemas.microsoft.com/office/2006/metadata/properties"/>
+    <ds:schemaRef ds:uri="http://purl.org/dc/dcmitype/"/>
+    <ds:schemaRef ds:uri="http://schemas.microsoft.com/office/2006/documentManagement/types"/>
+    <ds:schemaRef ds:uri="http://schemas.microsoft.com/office/infopath/2007/PartnerControls"/>
+    <ds:schemaRef ds:uri="a7a475fa-823d-4b6d-a5c9-7ed2d4452183"/>
+    <ds:schemaRef ds:uri="http://www.w3.org/XML/1998/namespace"/>
   </ds:schemaRefs>
 </ds:datastoreItem>
 </file>

--- a/Documents/Poster Capstone_Hiriart Corales Samaniego.pptx
+++ b/Documents/Poster Capstone_Hiriart Corales Samaniego.pptx
@@ -255,7 +255,7 @@
           <a:p>
             <a:fld id="{12C71A99-0B13-4396-9EE6-7D91949CF6D1}" type="datetimeFigureOut">
               <a:rPr lang="es-EC" smtClean="0"/>
-              <a:t>23/7/2023</a:t>
+              <a:t>28/7/2023</a:t>
             </a:fld>
             <a:endParaRPr lang="es-EC"/>
           </a:p>
@@ -425,7 +425,7 @@
           <a:p>
             <a:fld id="{12C71A99-0B13-4396-9EE6-7D91949CF6D1}" type="datetimeFigureOut">
               <a:rPr lang="es-EC" smtClean="0"/>
-              <a:t>23/7/2023</a:t>
+              <a:t>28/7/2023</a:t>
             </a:fld>
             <a:endParaRPr lang="es-EC"/>
           </a:p>
@@ -605,7 +605,7 @@
           <a:p>
             <a:fld id="{12C71A99-0B13-4396-9EE6-7D91949CF6D1}" type="datetimeFigureOut">
               <a:rPr lang="es-EC" smtClean="0"/>
-              <a:t>23/7/2023</a:t>
+              <a:t>28/7/2023</a:t>
             </a:fld>
             <a:endParaRPr lang="es-EC"/>
           </a:p>
@@ -775,7 +775,7 @@
           <a:p>
             <a:fld id="{12C71A99-0B13-4396-9EE6-7D91949CF6D1}" type="datetimeFigureOut">
               <a:rPr lang="es-EC" smtClean="0"/>
-              <a:t>23/7/2023</a:t>
+              <a:t>28/7/2023</a:t>
             </a:fld>
             <a:endParaRPr lang="es-EC"/>
           </a:p>
@@ -1021,7 +1021,7 @@
           <a:p>
             <a:fld id="{12C71A99-0B13-4396-9EE6-7D91949CF6D1}" type="datetimeFigureOut">
               <a:rPr lang="es-EC" smtClean="0"/>
-              <a:t>23/7/2023</a:t>
+              <a:t>28/7/2023</a:t>
             </a:fld>
             <a:endParaRPr lang="es-EC"/>
           </a:p>
@@ -1253,7 +1253,7 @@
           <a:p>
             <a:fld id="{12C71A99-0B13-4396-9EE6-7D91949CF6D1}" type="datetimeFigureOut">
               <a:rPr lang="es-EC" smtClean="0"/>
-              <a:t>23/7/2023</a:t>
+              <a:t>28/7/2023</a:t>
             </a:fld>
             <a:endParaRPr lang="es-EC"/>
           </a:p>
@@ -1620,7 +1620,7 @@
           <a:p>
             <a:fld id="{12C71A99-0B13-4396-9EE6-7D91949CF6D1}" type="datetimeFigureOut">
               <a:rPr lang="es-EC" smtClean="0"/>
-              <a:t>23/7/2023</a:t>
+              <a:t>28/7/2023</a:t>
             </a:fld>
             <a:endParaRPr lang="es-EC"/>
           </a:p>
@@ -1738,7 +1738,7 @@
           <a:p>
             <a:fld id="{12C71A99-0B13-4396-9EE6-7D91949CF6D1}" type="datetimeFigureOut">
               <a:rPr lang="es-EC" smtClean="0"/>
-              <a:t>23/7/2023</a:t>
+              <a:t>28/7/2023</a:t>
             </a:fld>
             <a:endParaRPr lang="es-EC"/>
           </a:p>
@@ -1833,7 +1833,7 @@
           <a:p>
             <a:fld id="{12C71A99-0B13-4396-9EE6-7D91949CF6D1}" type="datetimeFigureOut">
               <a:rPr lang="es-EC" smtClean="0"/>
-              <a:t>23/7/2023</a:t>
+              <a:t>28/7/2023</a:t>
             </a:fld>
             <a:endParaRPr lang="es-EC"/>
           </a:p>
@@ -2110,7 +2110,7 @@
           <a:p>
             <a:fld id="{12C71A99-0B13-4396-9EE6-7D91949CF6D1}" type="datetimeFigureOut">
               <a:rPr lang="es-EC" smtClean="0"/>
-              <a:t>23/7/2023</a:t>
+              <a:t>28/7/2023</a:t>
             </a:fld>
             <a:endParaRPr lang="es-EC"/>
           </a:p>
@@ -2367,7 +2367,7 @@
           <a:p>
             <a:fld id="{12C71A99-0B13-4396-9EE6-7D91949CF6D1}" type="datetimeFigureOut">
               <a:rPr lang="es-EC" smtClean="0"/>
-              <a:t>23/7/2023</a:t>
+              <a:t>28/7/2023</a:t>
             </a:fld>
             <a:endParaRPr lang="es-EC"/>
           </a:p>
@@ -2580,7 +2580,7 @@
           <a:p>
             <a:fld id="{12C71A99-0B13-4396-9EE6-7D91949CF6D1}" type="datetimeFigureOut">
               <a:rPr lang="es-EC" smtClean="0"/>
-              <a:t>23/7/2023</a:t>
+              <a:t>28/7/2023</a:t>
             </a:fld>
             <a:endParaRPr lang="es-EC"/>
           </a:p>
@@ -3193,7 +3193,7 @@
           <a:p>
             <a:pPr algn="just" defTabSz="189189"/>
             <a:r>
-              <a:rPr lang="es-EC" sz="3200">
+              <a:rPr lang="es-EC" sz="3200" dirty="0">
                 <a:solidFill>
                   <a:srgbClr val="000000"/>
                 </a:solidFill>
@@ -3508,7 +3508,7 @@
         </p:nvSpPr>
         <p:spPr>
           <a:xfrm>
-            <a:off x="1502940" y="8605106"/>
+            <a:off x="1502940" y="8499599"/>
             <a:ext cx="13860000" cy="1969770"/>
           </a:xfrm>
           <a:prstGeom prst="rect">
@@ -3524,14 +3524,24 @@
           <a:p>
             <a:pPr algn="just"/>
             <a:r>
-              <a:rPr lang="es-ES" sz="3200">
+              <a:rPr lang="es-EC" sz="3200" dirty="0">
                 <a:solidFill>
                   <a:srgbClr val="000000"/>
                 </a:solidFill>
                 <a:latin typeface="Calibri"/>
                 <a:cs typeface="Calibri"/>
               </a:rPr>
-              <a:t>Desarrollar una aplicación web para la Academia de Esgrima Ciudad de Quito, la cual permita la gestión de datos de entrenamiento, la aplicación se apoyará de una inteligencia artificial para detección de posibles errores en entrenamientos, y una máquina de conteo de puntaje para combates.</a:t>
+              <a:t>Desarrollar una aplicación web, con un módulo de inteligencia artificial que detecte posibles errores, y una máquina de puntaje con temporizador, para apoyar la gestión de datos de entrenamiento de esgrima en la Academia de Esgrima Ciudad de Quito</a:t>
+            </a:r>
+            <a:r>
+              <a:rPr lang="es-ES" sz="3200" dirty="0">
+                <a:solidFill>
+                  <a:srgbClr val="000000"/>
+                </a:solidFill>
+                <a:latin typeface="Calibri"/>
+                <a:cs typeface="Calibri"/>
+              </a:rPr>
+              <a:t>.</a:t>
             </a:r>
           </a:p>
         </p:txBody>
@@ -5968,7 +5978,7 @@
         <p:spPr>
           <a:xfrm>
             <a:off x="1467395" y="8542891"/>
-            <a:ext cx="13860000" cy="1969770"/>
+            <a:ext cx="13860000" cy="1477328"/>
           </a:xfrm>
           <a:prstGeom prst="rect">
             <a:avLst/>
@@ -5987,7 +5997,7 @@
                 <a:ea typeface="+mn-lt"/>
                 <a:cs typeface="+mn-lt"/>
               </a:rPr>
-              <a:t>Develop a web application for </a:t>
+              <a:t>Develop a web application, with an artificial intelligence module that detects possible errors, and a scoring machine with a timer, in order to support the management of fencing training data for </a:t>
             </a:r>
             <a:r>
               <a:rPr lang="en-US" sz="3200" i="1" dirty="0">
@@ -6008,14 +6018,14 @@
                 <a:ea typeface="+mn-lt"/>
                 <a:cs typeface="+mn-lt"/>
               </a:rPr>
-              <a:t> ciudad de Quito</a:t>
+              <a:t> Ciudad de Quito</a:t>
             </a:r>
             <a:r>
               <a:rPr lang="en-US" sz="3200" dirty="0">
                 <a:ea typeface="+mn-lt"/>
                 <a:cs typeface="+mn-lt"/>
               </a:rPr>
-              <a:t>, which allows the management of training data, the application will be supported by artificial intelligence to detect possible errors in training, and a score keeping machine for combats.</a:t>
+              <a:t>.</a:t>
             </a:r>
             <a:endParaRPr lang="en-US" sz="3200" dirty="0">
               <a:ea typeface="Calibri"/>
@@ -8596,23 +8606,6 @@
 </file>
 
 <file path=customXml/item1.xml><?xml version="1.0" encoding="utf-8"?>
-<?mso-contentType ?>
-<FormTemplates xmlns="http://schemas.microsoft.com/sharepoint/v3/contenttype/forms">
-  <Display>DocumentLibraryForm</Display>
-  <Edit>DocumentLibraryForm</Edit>
-  <New>DocumentLibraryForm</New>
-</FormTemplates>
-</file>
-
-<file path=customXml/item2.xml><?xml version="1.0" encoding="utf-8"?>
-<p:properties xmlns:p="http://schemas.microsoft.com/office/2006/metadata/properties" xmlns:xsi="http://www.w3.org/2001/XMLSchema-instance" xmlns:pc="http://schemas.microsoft.com/office/infopath/2007/PartnerControls">
-  <documentManagement>
-    <_activity xmlns="8b5aa52d-55c6-460f-b140-7d1036289c34" xsi:nil="true"/>
-  </documentManagement>
-</p:properties>
-</file>
-
-<file path=customXml/item3.xml><?xml version="1.0" encoding="utf-8"?>
 <ct:contentTypeSchema xmlns:ct="http://schemas.microsoft.com/office/2006/metadata/contentType" xmlns:ma="http://schemas.microsoft.com/office/2006/metadata/properties/metaAttributes" ct:_="" ma:_="" ma:contentTypeName="Document" ma:contentTypeID="0x0101005607B7EB9064FA4898B578FABE8FD918" ma:contentTypeVersion="16" ma:contentTypeDescription="Create a new document." ma:contentTypeScope="" ma:versionID="56d91f5f361719270891a2c0e8fd174b">
   <xsd:schema xmlns:xsd="http://www.w3.org/2001/XMLSchema" xmlns:xs="http://www.w3.org/2001/XMLSchema" xmlns:p="http://schemas.microsoft.com/office/2006/metadata/properties" xmlns:ns3="8b5aa52d-55c6-460f-b140-7d1036289c34" xmlns:ns4="a7a475fa-823d-4b6d-a5c9-7ed2d4452183" targetNamespace="http://schemas.microsoft.com/office/2006/metadata/properties" ma:root="true" ma:fieldsID="0e5a20e0752b682dcd58fb649d4a297c" ns3:_="" ns4:_="">
     <xsd:import namespace="8b5aa52d-55c6-460f-b140-7d1036289c34"/>
@@ -8853,32 +8846,24 @@
 </ct:contentTypeSchema>
 </file>
 
-<file path=customXml/itemProps1.xml><?xml version="1.0" encoding="utf-8"?>
-<ds:datastoreItem xmlns:ds="http://schemas.openxmlformats.org/officeDocument/2006/customXml" ds:itemID="{92EFAD2A-D7B7-489C-B42D-5915B3A4998D}">
-  <ds:schemaRefs>
-    <ds:schemaRef ds:uri="http://schemas.microsoft.com/sharepoint/v3/contenttype/forms"/>
-  </ds:schemaRefs>
-</ds:datastoreItem>
+<file path=customXml/item2.xml><?xml version="1.0" encoding="utf-8"?>
+<p:properties xmlns:p="http://schemas.microsoft.com/office/2006/metadata/properties" xmlns:xsi="http://www.w3.org/2001/XMLSchema-instance" xmlns:pc="http://schemas.microsoft.com/office/infopath/2007/PartnerControls">
+  <documentManagement>
+    <_activity xmlns="8b5aa52d-55c6-460f-b140-7d1036289c34" xsi:nil="true"/>
+  </documentManagement>
+</p:properties>
 </file>
 
-<file path=customXml/itemProps2.xml><?xml version="1.0" encoding="utf-8"?>
-<ds:datastoreItem xmlns:ds="http://schemas.openxmlformats.org/officeDocument/2006/customXml" ds:itemID="{4CC2EA12-2FBF-44D3-A23A-46F0D23AD439}">
-  <ds:schemaRefs>
-    <ds:schemaRef ds:uri="8b5aa52d-55c6-460f-b140-7d1036289c34"/>
-    <ds:schemaRef ds:uri="http://schemas.openxmlformats.org/package/2006/metadata/core-properties"/>
-    <ds:schemaRef ds:uri="http://purl.org/dc/elements/1.1/"/>
-    <ds:schemaRef ds:uri="http://purl.org/dc/terms/"/>
-    <ds:schemaRef ds:uri="http://schemas.microsoft.com/office/2006/metadata/properties"/>
-    <ds:schemaRef ds:uri="http://purl.org/dc/dcmitype/"/>
-    <ds:schemaRef ds:uri="http://schemas.microsoft.com/office/2006/documentManagement/types"/>
-    <ds:schemaRef ds:uri="http://schemas.microsoft.com/office/infopath/2007/PartnerControls"/>
-    <ds:schemaRef ds:uri="a7a475fa-823d-4b6d-a5c9-7ed2d4452183"/>
-    <ds:schemaRef ds:uri="http://www.w3.org/XML/1998/namespace"/>
-  </ds:schemaRefs>
-</ds:datastoreItem>
+<file path=customXml/item3.xml><?xml version="1.0" encoding="utf-8"?>
+<?mso-contentType ?>
+<FormTemplates xmlns="http://schemas.microsoft.com/sharepoint/v3/contenttype/forms">
+  <Display>DocumentLibraryForm</Display>
+  <Edit>DocumentLibraryForm</Edit>
+  <New>DocumentLibraryForm</New>
+</FormTemplates>
 </file>
 
-<file path=customXml/itemProps3.xml><?xml version="1.0" encoding="utf-8"?>
+<file path=customXml/itemProps1.xml><?xml version="1.0" encoding="utf-8"?>
 <ds:datastoreItem xmlns:ds="http://schemas.openxmlformats.org/officeDocument/2006/customXml" ds:itemID="{3C36E779-9115-4C7F-AFBC-2B265042B047}">
   <ds:schemaRefs>
     <ds:schemaRef ds:uri="8b5aa52d-55c6-460f-b140-7d1036289c34"/>
@@ -8895,4 +8880,29 @@
     <ds:schemaRef ds:uri="http://www.w3.org/2001/XMLSchema"/>
   </ds:schemaRefs>
 </ds:datastoreItem>
+</file>
+
+<file path=customXml/itemProps2.xml><?xml version="1.0" encoding="utf-8"?>
+<ds:datastoreItem xmlns:ds="http://schemas.openxmlformats.org/officeDocument/2006/customXml" ds:itemID="{4CC2EA12-2FBF-44D3-A23A-46F0D23AD439}">
+  <ds:schemaRefs>
+    <ds:schemaRef ds:uri="http://schemas.microsoft.com/office/2006/metadata/properties"/>
+    <ds:schemaRef ds:uri="8b5aa52d-55c6-460f-b140-7d1036289c34"/>
+    <ds:schemaRef ds:uri="http://www.w3.org/XML/1998/namespace"/>
+    <ds:schemaRef ds:uri="http://schemas.openxmlformats.org/package/2006/metadata/core-properties"/>
+    <ds:schemaRef ds:uri="http://purl.org/dc/dcmitype/"/>
+    <ds:schemaRef ds:uri="http://schemas.microsoft.com/office/2006/documentManagement/types"/>
+    <ds:schemaRef ds:uri="http://purl.org/dc/elements/1.1/"/>
+    <ds:schemaRef ds:uri="http://schemas.microsoft.com/office/infopath/2007/PartnerControls"/>
+    <ds:schemaRef ds:uri="a7a475fa-823d-4b6d-a5c9-7ed2d4452183"/>
+    <ds:schemaRef ds:uri="http://purl.org/dc/terms/"/>
+  </ds:schemaRefs>
+</ds:datastoreItem>
+</file>
+
+<file path=customXml/itemProps3.xml><?xml version="1.0" encoding="utf-8"?>
+<ds:datastoreItem xmlns:ds="http://schemas.openxmlformats.org/officeDocument/2006/customXml" ds:itemID="{92EFAD2A-D7B7-489C-B42D-5915B3A4998D}">
+  <ds:schemaRefs>
+    <ds:schemaRef ds:uri="http://schemas.microsoft.com/sharepoint/v3/contenttype/forms"/>
+  </ds:schemaRefs>
+</ds:datastoreItem>
 </file>
--- a/Documents/Poster Capstone_Hiriart Corales Samaniego.pptx
+++ b/Documents/Poster Capstone_Hiriart Corales Samaniego.pptx
@@ -255,7 +255,7 @@
           <a:p>
             <a:fld id="{12C71A99-0B13-4396-9EE6-7D91949CF6D1}" type="datetimeFigureOut">
               <a:rPr lang="es-EC" smtClean="0"/>
-              <a:t>28/7/2023</a:t>
+              <a:t>30/7/2023</a:t>
             </a:fld>
             <a:endParaRPr lang="es-EC"/>
           </a:p>
@@ -425,7 +425,7 @@
           <a:p>
             <a:fld id="{12C71A99-0B13-4396-9EE6-7D91949CF6D1}" type="datetimeFigureOut">
               <a:rPr lang="es-EC" smtClean="0"/>
-              <a:t>28/7/2023</a:t>
+              <a:t>30/7/2023</a:t>
             </a:fld>
             <a:endParaRPr lang="es-EC"/>
           </a:p>
@@ -605,7 +605,7 @@
           <a:p>
             <a:fld id="{12C71A99-0B13-4396-9EE6-7D91949CF6D1}" type="datetimeFigureOut">
               <a:rPr lang="es-EC" smtClean="0"/>
-              <a:t>28/7/2023</a:t>
+              <a:t>30/7/2023</a:t>
             </a:fld>
             <a:endParaRPr lang="es-EC"/>
           </a:p>
@@ -775,7 +775,7 @@
           <a:p>
             <a:fld id="{12C71A99-0B13-4396-9EE6-7D91949CF6D1}" type="datetimeFigureOut">
               <a:rPr lang="es-EC" smtClean="0"/>
-              <a:t>28/7/2023</a:t>
+              <a:t>30/7/2023</a:t>
             </a:fld>
             <a:endParaRPr lang="es-EC"/>
           </a:p>
@@ -1021,7 +1021,7 @@
           <a:p>
             <a:fld id="{12C71A99-0B13-4396-9EE6-7D91949CF6D1}" type="datetimeFigureOut">
               <a:rPr lang="es-EC" smtClean="0"/>
-              <a:t>28/7/2023</a:t>
+              <a:t>30/7/2023</a:t>
             </a:fld>
             <a:endParaRPr lang="es-EC"/>
           </a:p>
@@ -1253,7 +1253,7 @@
           <a:p>
             <a:fld id="{12C71A99-0B13-4396-9EE6-7D91949CF6D1}" type="datetimeFigureOut">
               <a:rPr lang="es-EC" smtClean="0"/>
-              <a:t>28/7/2023</a:t>
+              <a:t>30/7/2023</a:t>
             </a:fld>
             <a:endParaRPr lang="es-EC"/>
           </a:p>
@@ -1620,7 +1620,7 @@
           <a:p>
             <a:fld id="{12C71A99-0B13-4396-9EE6-7D91949CF6D1}" type="datetimeFigureOut">
               <a:rPr lang="es-EC" smtClean="0"/>
-              <a:t>28/7/2023</a:t>
+              <a:t>30/7/2023</a:t>
             </a:fld>
             <a:endParaRPr lang="es-EC"/>
           </a:p>
@@ -1738,7 +1738,7 @@
           <a:p>
             <a:fld id="{12C71A99-0B13-4396-9EE6-7D91949CF6D1}" type="datetimeFigureOut">
               <a:rPr lang="es-EC" smtClean="0"/>
-              <a:t>28/7/2023</a:t>
+              <a:t>30/7/2023</a:t>
             </a:fld>
             <a:endParaRPr lang="es-EC"/>
           </a:p>
@@ -1833,7 +1833,7 @@
           <a:p>
             <a:fld id="{12C71A99-0B13-4396-9EE6-7D91949CF6D1}" type="datetimeFigureOut">
               <a:rPr lang="es-EC" smtClean="0"/>
-              <a:t>28/7/2023</a:t>
+              <a:t>30/7/2023</a:t>
             </a:fld>
             <a:endParaRPr lang="es-EC"/>
           </a:p>
@@ -2110,7 +2110,7 @@
           <a:p>
             <a:fld id="{12C71A99-0B13-4396-9EE6-7D91949CF6D1}" type="datetimeFigureOut">
               <a:rPr lang="es-EC" smtClean="0"/>
-              <a:t>28/7/2023</a:t>
+              <a:t>30/7/2023</a:t>
             </a:fld>
             <a:endParaRPr lang="es-EC"/>
           </a:p>
@@ -2367,7 +2367,7 @@
           <a:p>
             <a:fld id="{12C71A99-0B13-4396-9EE6-7D91949CF6D1}" type="datetimeFigureOut">
               <a:rPr lang="es-EC" smtClean="0"/>
-              <a:t>28/7/2023</a:t>
+              <a:t>30/7/2023</a:t>
             </a:fld>
             <a:endParaRPr lang="es-EC"/>
           </a:p>
@@ -2580,7 +2580,7 @@
           <a:p>
             <a:fld id="{12C71A99-0B13-4396-9EE6-7D91949CF6D1}" type="datetimeFigureOut">
               <a:rPr lang="es-EC" smtClean="0"/>
-              <a:t>28/7/2023</a:t>
+              <a:t>30/7/2023</a:t>
             </a:fld>
             <a:endParaRPr lang="es-EC"/>
           </a:p>
@@ -3509,7 +3509,7 @@
         <p:spPr>
           <a:xfrm>
             <a:off x="1502940" y="8499599"/>
-            <a:ext cx="13860000" cy="1969770"/>
+            <a:ext cx="13860000" cy="1477328"/>
           </a:xfrm>
           <a:prstGeom prst="rect">
             <a:avLst/>
@@ -3531,7 +3531,7 @@
                 <a:latin typeface="Calibri"/>
                 <a:cs typeface="Calibri"/>
               </a:rPr>
-              <a:t>Desarrollar una aplicación web, con un módulo de inteligencia artificial que detecte posibles errores, y una máquina de puntaje con temporizador, para apoyar la gestión de datos de entrenamiento de esgrima en la Academia de Esgrima Ciudad de Quito</a:t>
+              <a:t>Desarrollar una aplicación web, con un módulo de inteligencia artificial que detecte posibles errores, y una máquina de puntaje con temporizador, para apoyar la gestión de datos de entrenamiento en la Academia de Esgrima Ciudad de Quito</a:t>
             </a:r>
             <a:r>
               <a:rPr lang="es-ES" sz="3200" dirty="0">
@@ -5997,7 +5997,21 @@
                 <a:ea typeface="+mn-lt"/>
                 <a:cs typeface="+mn-lt"/>
               </a:rPr>
-              <a:t>Develop a web application, with an artificial intelligence module that detects possible errors, and a scoring machine with a timer, in order to support the management of fencing training data for </a:t>
+              <a:t>Develop a web application, with an artificial intelligence module that detects possible errors, and a scoring machine with a timer, in order to support the </a:t>
+            </a:r>
+            <a:r>
+              <a:rPr lang="en-US" sz="3200">
+                <a:ea typeface="+mn-lt"/>
+                <a:cs typeface="+mn-lt"/>
+              </a:rPr>
+              <a:t>management of training </a:t>
+            </a:r>
+            <a:r>
+              <a:rPr lang="en-US" sz="3200" dirty="0">
+                <a:ea typeface="+mn-lt"/>
+                <a:cs typeface="+mn-lt"/>
+              </a:rPr>
+              <a:t>data for </a:t>
             </a:r>
             <a:r>
               <a:rPr lang="en-US" sz="3200" i="1" dirty="0">
@@ -8606,6 +8620,23 @@
 </file>
 
 <file path=customXml/item1.xml><?xml version="1.0" encoding="utf-8"?>
+<?mso-contentType ?>
+<FormTemplates xmlns="http://schemas.microsoft.com/sharepoint/v3/contenttype/forms">
+  <Display>DocumentLibraryForm</Display>
+  <Edit>DocumentLibraryForm</Edit>
+  <New>DocumentLibraryForm</New>
+</FormTemplates>
+</file>
+
+<file path=customXml/item2.xml><?xml version="1.0" encoding="utf-8"?>
+<p:properties xmlns:p="http://schemas.microsoft.com/office/2006/metadata/properties" xmlns:xsi="http://www.w3.org/2001/XMLSchema-instance" xmlns:pc="http://schemas.microsoft.com/office/infopath/2007/PartnerControls">
+  <documentManagement>
+    <_activity xmlns="8b5aa52d-55c6-460f-b140-7d1036289c34" xsi:nil="true"/>
+  </documentManagement>
+</p:properties>
+</file>
+
+<file path=customXml/item3.xml><?xml version="1.0" encoding="utf-8"?>
 <ct:contentTypeSchema xmlns:ct="http://schemas.microsoft.com/office/2006/metadata/contentType" xmlns:ma="http://schemas.microsoft.com/office/2006/metadata/properties/metaAttributes" ct:_="" ma:_="" ma:contentTypeName="Document" ma:contentTypeID="0x0101005607B7EB9064FA4898B578FABE8FD918" ma:contentTypeVersion="16" ma:contentTypeDescription="Create a new document." ma:contentTypeScope="" ma:versionID="56d91f5f361719270891a2c0e8fd174b">
   <xsd:schema xmlns:xsd="http://www.w3.org/2001/XMLSchema" xmlns:xs="http://www.w3.org/2001/XMLSchema" xmlns:p="http://schemas.microsoft.com/office/2006/metadata/properties" xmlns:ns3="8b5aa52d-55c6-460f-b140-7d1036289c34" xmlns:ns4="a7a475fa-823d-4b6d-a5c9-7ed2d4452183" targetNamespace="http://schemas.microsoft.com/office/2006/metadata/properties" ma:root="true" ma:fieldsID="0e5a20e0752b682dcd58fb649d4a297c" ns3:_="" ns4:_="">
     <xsd:import namespace="8b5aa52d-55c6-460f-b140-7d1036289c34"/>
@@ -8846,24 +8877,32 @@
 </ct:contentTypeSchema>
 </file>
 
-<file path=customXml/item2.xml><?xml version="1.0" encoding="utf-8"?>
-<p:properties xmlns:p="http://schemas.microsoft.com/office/2006/metadata/properties" xmlns:xsi="http://www.w3.org/2001/XMLSchema-instance" xmlns:pc="http://schemas.microsoft.com/office/infopath/2007/PartnerControls">
-  <documentManagement>
-    <_activity xmlns="8b5aa52d-55c6-460f-b140-7d1036289c34" xsi:nil="true"/>
-  </documentManagement>
-</p:properties>
+<file path=customXml/itemProps1.xml><?xml version="1.0" encoding="utf-8"?>
+<ds:datastoreItem xmlns:ds="http://schemas.openxmlformats.org/officeDocument/2006/customXml" ds:itemID="{92EFAD2A-D7B7-489C-B42D-5915B3A4998D}">
+  <ds:schemaRefs>
+    <ds:schemaRef ds:uri="http://schemas.microsoft.com/sharepoint/v3/contenttype/forms"/>
+  </ds:schemaRefs>
+</ds:datastoreItem>
 </file>
 
-<file path=customXml/item3.xml><?xml version="1.0" encoding="utf-8"?>
-<?mso-contentType ?>
-<FormTemplates xmlns="http://schemas.microsoft.com/sharepoint/v3/contenttype/forms">
-  <Display>DocumentLibraryForm</Display>
-  <Edit>DocumentLibraryForm</Edit>
-  <New>DocumentLibraryForm</New>
-</FormTemplates>
+<file path=customXml/itemProps2.xml><?xml version="1.0" encoding="utf-8"?>
+<ds:datastoreItem xmlns:ds="http://schemas.openxmlformats.org/officeDocument/2006/customXml" ds:itemID="{4CC2EA12-2FBF-44D3-A23A-46F0D23AD439}">
+  <ds:schemaRefs>
+    <ds:schemaRef ds:uri="8b5aa52d-55c6-460f-b140-7d1036289c34"/>
+    <ds:schemaRef ds:uri="http://www.w3.org/XML/1998/namespace"/>
+    <ds:schemaRef ds:uri="a7a475fa-823d-4b6d-a5c9-7ed2d4452183"/>
+    <ds:schemaRef ds:uri="http://schemas.openxmlformats.org/package/2006/metadata/core-properties"/>
+    <ds:schemaRef ds:uri="http://schemas.microsoft.com/office/2006/documentManagement/types"/>
+    <ds:schemaRef ds:uri="http://purl.org/dc/elements/1.1/"/>
+    <ds:schemaRef ds:uri="http://purl.org/dc/terms/"/>
+    <ds:schemaRef ds:uri="http://schemas.microsoft.com/office/2006/metadata/properties"/>
+    <ds:schemaRef ds:uri="http://schemas.microsoft.com/office/infopath/2007/PartnerControls"/>
+    <ds:schemaRef ds:uri="http://purl.org/dc/dcmitype/"/>
+  </ds:schemaRefs>
+</ds:datastoreItem>
 </file>
 
-<file path=customXml/itemProps1.xml><?xml version="1.0" encoding="utf-8"?>
+<file path=customXml/itemProps3.xml><?xml version="1.0" encoding="utf-8"?>
 <ds:datastoreItem xmlns:ds="http://schemas.openxmlformats.org/officeDocument/2006/customXml" ds:itemID="{3C36E779-9115-4C7F-AFBC-2B265042B047}">
   <ds:schemaRefs>
     <ds:schemaRef ds:uri="8b5aa52d-55c6-460f-b140-7d1036289c34"/>
@@ -8880,29 +8919,4 @@
     <ds:schemaRef ds:uri="http://www.w3.org/2001/XMLSchema"/>
   </ds:schemaRefs>
 </ds:datastoreItem>
-</file>
-
-<file path=customXml/itemProps2.xml><?xml version="1.0" encoding="utf-8"?>
-<ds:datastoreItem xmlns:ds="http://schemas.openxmlformats.org/officeDocument/2006/customXml" ds:itemID="{4CC2EA12-2FBF-44D3-A23A-46F0D23AD439}">
-  <ds:schemaRefs>
-    <ds:schemaRef ds:uri="http://schemas.microsoft.com/office/2006/metadata/properties"/>
-    <ds:schemaRef ds:uri="8b5aa52d-55c6-460f-b140-7d1036289c34"/>
-    <ds:schemaRef ds:uri="http://www.w3.org/XML/1998/namespace"/>
-    <ds:schemaRef ds:uri="http://schemas.openxmlformats.org/package/2006/metadata/core-properties"/>
-    <ds:schemaRef ds:uri="http://purl.org/dc/dcmitype/"/>
-    <ds:schemaRef ds:uri="http://schemas.microsoft.com/office/2006/documentManagement/types"/>
-    <ds:schemaRef ds:uri="http://purl.org/dc/elements/1.1/"/>
-    <ds:schemaRef ds:uri="http://schemas.microsoft.com/office/infopath/2007/PartnerControls"/>
-    <ds:schemaRef ds:uri="a7a475fa-823d-4b6d-a5c9-7ed2d4452183"/>
-    <ds:schemaRef ds:uri="http://purl.org/dc/terms/"/>
-  </ds:schemaRefs>
-</ds:datastoreItem>
-</file>
-
-<file path=customXml/itemProps3.xml><?xml version="1.0" encoding="utf-8"?>
-<ds:datastoreItem xmlns:ds="http://schemas.openxmlformats.org/officeDocument/2006/customXml" ds:itemID="{92EFAD2A-D7B7-489C-B42D-5915B3A4998D}">
-  <ds:schemaRefs>
-    <ds:schemaRef ds:uri="http://schemas.microsoft.com/sharepoint/v3/contenttype/forms"/>
-  </ds:schemaRefs>
-</ds:datastoreItem>
 </file>
--- a/Documents/Poster Capstone_Hiriart Corales Samaniego.pptx
+++ b/Documents/Poster Capstone_Hiriart Corales Samaniego.pptx
@@ -255,7 +255,7 @@
           <a:p>
             <a:fld id="{12C71A99-0B13-4396-9EE6-7D91949CF6D1}" type="datetimeFigureOut">
               <a:rPr lang="es-EC" smtClean="0"/>
-              <a:t>23/7/2023</a:t>
+              <a:t>30/7/2023</a:t>
             </a:fld>
             <a:endParaRPr lang="es-EC"/>
           </a:p>
@@ -425,7 +425,7 @@
           <a:p>
             <a:fld id="{12C71A99-0B13-4396-9EE6-7D91949CF6D1}" type="datetimeFigureOut">
               <a:rPr lang="es-EC" smtClean="0"/>
-              <a:t>23/7/2023</a:t>
+              <a:t>30/7/2023</a:t>
             </a:fld>
             <a:endParaRPr lang="es-EC"/>
           </a:p>
@@ -605,7 +605,7 @@
           <a:p>
             <a:fld id="{12C71A99-0B13-4396-9EE6-7D91949CF6D1}" type="datetimeFigureOut">
               <a:rPr lang="es-EC" smtClean="0"/>
-              <a:t>23/7/2023</a:t>
+              <a:t>30/7/2023</a:t>
             </a:fld>
             <a:endParaRPr lang="es-EC"/>
           </a:p>
@@ -775,7 +775,7 @@
           <a:p>
             <a:fld id="{12C71A99-0B13-4396-9EE6-7D91949CF6D1}" type="datetimeFigureOut">
               <a:rPr lang="es-EC" smtClean="0"/>
-              <a:t>23/7/2023</a:t>
+              <a:t>30/7/2023</a:t>
             </a:fld>
             <a:endParaRPr lang="es-EC"/>
           </a:p>
@@ -1021,7 +1021,7 @@
           <a:p>
             <a:fld id="{12C71A99-0B13-4396-9EE6-7D91949CF6D1}" type="datetimeFigureOut">
               <a:rPr lang="es-EC" smtClean="0"/>
-              <a:t>23/7/2023</a:t>
+              <a:t>30/7/2023</a:t>
             </a:fld>
             <a:endParaRPr lang="es-EC"/>
           </a:p>
@@ -1253,7 +1253,7 @@
           <a:p>
             <a:fld id="{12C71A99-0B13-4396-9EE6-7D91949CF6D1}" type="datetimeFigureOut">
               <a:rPr lang="es-EC" smtClean="0"/>
-              <a:t>23/7/2023</a:t>
+              <a:t>30/7/2023</a:t>
             </a:fld>
             <a:endParaRPr lang="es-EC"/>
           </a:p>
@@ -1620,7 +1620,7 @@
           <a:p>
             <a:fld id="{12C71A99-0B13-4396-9EE6-7D91949CF6D1}" type="datetimeFigureOut">
               <a:rPr lang="es-EC" smtClean="0"/>
-              <a:t>23/7/2023</a:t>
+              <a:t>30/7/2023</a:t>
             </a:fld>
             <a:endParaRPr lang="es-EC"/>
           </a:p>
@@ -1738,7 +1738,7 @@
           <a:p>
             <a:fld id="{12C71A99-0B13-4396-9EE6-7D91949CF6D1}" type="datetimeFigureOut">
               <a:rPr lang="es-EC" smtClean="0"/>
-              <a:t>23/7/2023</a:t>
+              <a:t>30/7/2023</a:t>
             </a:fld>
             <a:endParaRPr lang="es-EC"/>
           </a:p>
@@ -1833,7 +1833,7 @@
           <a:p>
             <a:fld id="{12C71A99-0B13-4396-9EE6-7D91949CF6D1}" type="datetimeFigureOut">
               <a:rPr lang="es-EC" smtClean="0"/>
-              <a:t>23/7/2023</a:t>
+              <a:t>30/7/2023</a:t>
             </a:fld>
             <a:endParaRPr lang="es-EC"/>
           </a:p>
@@ -2110,7 +2110,7 @@
           <a:p>
             <a:fld id="{12C71A99-0B13-4396-9EE6-7D91949CF6D1}" type="datetimeFigureOut">
               <a:rPr lang="es-EC" smtClean="0"/>
-              <a:t>23/7/2023</a:t>
+              <a:t>30/7/2023</a:t>
             </a:fld>
             <a:endParaRPr lang="es-EC"/>
           </a:p>
@@ -2367,7 +2367,7 @@
           <a:p>
             <a:fld id="{12C71A99-0B13-4396-9EE6-7D91949CF6D1}" type="datetimeFigureOut">
               <a:rPr lang="es-EC" smtClean="0"/>
-              <a:t>23/7/2023</a:t>
+              <a:t>30/7/2023</a:t>
             </a:fld>
             <a:endParaRPr lang="es-EC"/>
           </a:p>
@@ -2580,7 +2580,7 @@
           <a:p>
             <a:fld id="{12C71A99-0B13-4396-9EE6-7D91949CF6D1}" type="datetimeFigureOut">
               <a:rPr lang="es-EC" smtClean="0"/>
-              <a:t>23/7/2023</a:t>
+              <a:t>30/7/2023</a:t>
             </a:fld>
             <a:endParaRPr lang="es-EC"/>
           </a:p>
@@ -3193,7 +3193,7 @@
           <a:p>
             <a:pPr algn="just" defTabSz="189189"/>
             <a:r>
-              <a:rPr lang="es-EC" sz="3200">
+              <a:rPr lang="es-EC" sz="3200" dirty="0">
                 <a:solidFill>
                   <a:srgbClr val="000000"/>
                 </a:solidFill>
@@ -3508,8 +3508,8 @@
         </p:nvSpPr>
         <p:spPr>
           <a:xfrm>
-            <a:off x="1502940" y="8605106"/>
-            <a:ext cx="13860000" cy="1969770"/>
+            <a:off x="1502940" y="8499599"/>
+            <a:ext cx="13860000" cy="1477328"/>
           </a:xfrm>
           <a:prstGeom prst="rect">
             <a:avLst/>
@@ -3524,14 +3524,24 @@
           <a:p>
             <a:pPr algn="just"/>
             <a:r>
-              <a:rPr lang="es-ES" sz="3200">
+              <a:rPr lang="es-EC" sz="3200" dirty="0">
                 <a:solidFill>
                   <a:srgbClr val="000000"/>
                 </a:solidFill>
                 <a:latin typeface="Calibri"/>
                 <a:cs typeface="Calibri"/>
               </a:rPr>
-              <a:t>Desarrollar una aplicación web para la Academia de Esgrima Ciudad de Quito, la cual permita la gestión de datos de entrenamiento, la aplicación se apoyará de una inteligencia artificial para detección de posibles errores en entrenamientos, y una máquina de conteo de puntaje para combates.</a:t>
+              <a:t>Desarrollar una aplicación web, con un módulo de inteligencia artificial que detecte posibles errores, y una máquina de puntaje con temporizador, para apoyar la gestión de datos de entrenamiento en la Academia de Esgrima Ciudad de Quito</a:t>
+            </a:r>
+            <a:r>
+              <a:rPr lang="es-ES" sz="3200" dirty="0">
+                <a:solidFill>
+                  <a:srgbClr val="000000"/>
+                </a:solidFill>
+                <a:latin typeface="Calibri"/>
+                <a:cs typeface="Calibri"/>
+              </a:rPr>
+              <a:t>.</a:t>
             </a:r>
           </a:p>
         </p:txBody>
@@ -5968,7 +5978,7 @@
         <p:spPr>
           <a:xfrm>
             <a:off x="1467395" y="8542891"/>
-            <a:ext cx="13860000" cy="1969770"/>
+            <a:ext cx="13860000" cy="1477328"/>
           </a:xfrm>
           <a:prstGeom prst="rect">
             <a:avLst/>
@@ -5987,7 +5997,21 @@
                 <a:ea typeface="+mn-lt"/>
                 <a:cs typeface="+mn-lt"/>
               </a:rPr>
-              <a:t>Develop a web application for </a:t>
+              <a:t>Develop a web application, with an artificial intelligence module that detects possible errors, and a scoring machine with a timer, in order to support the </a:t>
+            </a:r>
+            <a:r>
+              <a:rPr lang="en-US" sz="3200">
+                <a:ea typeface="+mn-lt"/>
+                <a:cs typeface="+mn-lt"/>
+              </a:rPr>
+              <a:t>management of training </a:t>
+            </a:r>
+            <a:r>
+              <a:rPr lang="en-US" sz="3200" dirty="0">
+                <a:ea typeface="+mn-lt"/>
+                <a:cs typeface="+mn-lt"/>
+              </a:rPr>
+              <a:t>data for </a:t>
             </a:r>
             <a:r>
               <a:rPr lang="en-US" sz="3200" i="1" dirty="0">
@@ -6008,14 +6032,14 @@
                 <a:ea typeface="+mn-lt"/>
                 <a:cs typeface="+mn-lt"/>
               </a:rPr>
-              <a:t> ciudad de Quito</a:t>
+              <a:t> Ciudad de Quito</a:t>
             </a:r>
             <a:r>
               <a:rPr lang="en-US" sz="3200" dirty="0">
                 <a:ea typeface="+mn-lt"/>
                 <a:cs typeface="+mn-lt"/>
               </a:rPr>
-              <a:t>, which allows the management of training data, the application will be supported by artificial intelligence to detect possible errors in training, and a score keeping machine for combats.</a:t>
+              <a:t>.</a:t>
             </a:r>
             <a:endParaRPr lang="en-US" sz="3200" dirty="0">
               <a:ea typeface="Calibri"/>
@@ -8865,15 +8889,15 @@
 <ds:datastoreItem xmlns:ds="http://schemas.openxmlformats.org/officeDocument/2006/customXml" ds:itemID="{4CC2EA12-2FBF-44D3-A23A-46F0D23AD439}">
   <ds:schemaRefs>
     <ds:schemaRef ds:uri="8b5aa52d-55c6-460f-b140-7d1036289c34"/>
+    <ds:schemaRef ds:uri="http://www.w3.org/XML/1998/namespace"/>
+    <ds:schemaRef ds:uri="a7a475fa-823d-4b6d-a5c9-7ed2d4452183"/>
     <ds:schemaRef ds:uri="http://schemas.openxmlformats.org/package/2006/metadata/core-properties"/>
+    <ds:schemaRef ds:uri="http://schemas.microsoft.com/office/2006/documentManagement/types"/>
     <ds:schemaRef ds:uri="http://purl.org/dc/elements/1.1/"/>
     <ds:schemaRef ds:uri="http://purl.org/dc/terms/"/>
     <ds:schemaRef ds:uri="http://schemas.microsoft.com/office/2006/metadata/properties"/>
+    <ds:schemaRef ds:uri="http://schemas.microsoft.com/office/infopath/2007/PartnerControls"/>
     <ds:schemaRef ds:uri="http://purl.org/dc/dcmitype/"/>
-    <ds:schemaRef ds:uri="http://schemas.microsoft.com/office/2006/documentManagement/types"/>
-    <ds:schemaRef ds:uri="http://schemas.microsoft.com/office/infopath/2007/PartnerControls"/>
-    <ds:schemaRef ds:uri="a7a475fa-823d-4b6d-a5c9-7ed2d4452183"/>
-    <ds:schemaRef ds:uri="http://www.w3.org/XML/1998/namespace"/>
   </ds:schemaRefs>
 </ds:datastoreItem>
 </file>
